--- a/매뉴얼.pptx
+++ b/매뉴얼.pptx
@@ -4,8 +4,15 @@
   <p:sldMasterIdLst>
     <p:sldMasterId id="2147483648" r:id="rId1"/>
   </p:sldMasterIdLst>
+  <p:notesMasterIdLst>
+    <p:notesMasterId r:id="rId7"/>
+  </p:notesMasterIdLst>
   <p:sldIdLst>
     <p:sldId id="256" r:id="rId2"/>
+    <p:sldId id="257" r:id="rId3"/>
+    <p:sldId id="258" r:id="rId4"/>
+    <p:sldId id="259" r:id="rId5"/>
+    <p:sldId id="260" r:id="rId6"/>
   </p:sldIdLst>
   <p:sldSz cx="12192000" cy="6858000"/>
   <p:notesSz cx="6858000" cy="9144000"/>
@@ -104,7 +111,445 @@
       </a:defRPr>
     </a:lvl9pPr>
   </p:defaultTextStyle>
+  <p:extLst>
+    <p:ext uri="{EFAFB233-063F-42B5-8137-9DF3F51BA10A}">
+      <p15:sldGuideLst xmlns:p15="http://schemas.microsoft.com/office/powerpoint/2012/main"/>
+    </p:ext>
+  </p:extLst>
 </p:presentation>
+</file>
+
+<file path=ppt/notesMasters/notesMaster1.xml><?xml version="1.0" encoding="utf-8"?>
+<p:notesMaster xmlns:a="http://schemas.openxmlformats.org/drawingml/2006/main" xmlns:r="http://schemas.openxmlformats.org/officeDocument/2006/relationships" xmlns:p="http://schemas.openxmlformats.org/presentationml/2006/main">
+  <p:cSld>
+    <p:bg>
+      <p:bgRef idx="1001">
+        <a:schemeClr val="bg1"/>
+      </p:bgRef>
+    </p:bg>
+    <p:spTree>
+      <p:nvGrpSpPr>
+        <p:cNvPr id="1" name=""/>
+        <p:cNvGrpSpPr/>
+        <p:nvPr/>
+      </p:nvGrpSpPr>
+      <p:grpSpPr>
+        <a:xfrm>
+          <a:off x="0" y="0"/>
+          <a:ext cx="0" cy="0"/>
+          <a:chOff x="0" y="0"/>
+          <a:chExt cx="0" cy="0"/>
+        </a:xfrm>
+      </p:grpSpPr>
+      <p:sp>
+        <p:nvSpPr>
+          <p:cNvPr id="2" name="머리글 개체 틀 1"/>
+          <p:cNvSpPr>
+            <a:spLocks noGrp="1"/>
+          </p:cNvSpPr>
+          <p:nvPr>
+            <p:ph type="hdr" sz="quarter"/>
+          </p:nvPr>
+        </p:nvSpPr>
+        <p:spPr>
+          <a:xfrm>
+            <a:off x="0" y="0"/>
+            <a:ext cx="2971800" cy="458788"/>
+          </a:xfrm>
+          <a:prstGeom prst="rect">
+            <a:avLst/>
+          </a:prstGeom>
+        </p:spPr>
+        <p:txBody>
+          <a:bodyPr vert="horz" lIns="91440" tIns="45720" rIns="91440" bIns="45720" rtlCol="0"/>
+          <a:lstStyle>
+            <a:lvl1pPr algn="l">
+              <a:defRPr sz="1200"/>
+            </a:lvl1pPr>
+          </a:lstStyle>
+          <a:p>
+            <a:endParaRPr lang="ko-KR" altLang="en-US"/>
+          </a:p>
+        </p:txBody>
+      </p:sp>
+      <p:sp>
+        <p:nvSpPr>
+          <p:cNvPr id="3" name="날짜 개체 틀 2"/>
+          <p:cNvSpPr>
+            <a:spLocks noGrp="1"/>
+          </p:cNvSpPr>
+          <p:nvPr>
+            <p:ph type="dt" idx="1"/>
+          </p:nvPr>
+        </p:nvSpPr>
+        <p:spPr>
+          <a:xfrm>
+            <a:off x="3884613" y="0"/>
+            <a:ext cx="2971800" cy="458788"/>
+          </a:xfrm>
+          <a:prstGeom prst="rect">
+            <a:avLst/>
+          </a:prstGeom>
+        </p:spPr>
+        <p:txBody>
+          <a:bodyPr vert="horz" lIns="91440" tIns="45720" rIns="91440" bIns="45720" rtlCol="0"/>
+          <a:lstStyle>
+            <a:lvl1pPr algn="r">
+              <a:defRPr sz="1200"/>
+            </a:lvl1pPr>
+          </a:lstStyle>
+          <a:p>
+            <a:fld id="{91793C05-CCB8-4AF0-983A-9E74A6C06F98}" type="datetimeFigureOut">
+              <a:rPr lang="ko-KR" altLang="en-US" smtClean="0"/>
+              <a:t>2022-08-21</a:t>
+            </a:fld>
+            <a:endParaRPr lang="ko-KR" altLang="en-US"/>
+          </a:p>
+        </p:txBody>
+      </p:sp>
+      <p:sp>
+        <p:nvSpPr>
+          <p:cNvPr id="4" name="슬라이드 이미지 개체 틀 3"/>
+          <p:cNvSpPr>
+            <a:spLocks noGrp="1" noRot="1" noChangeAspect="1"/>
+          </p:cNvSpPr>
+          <p:nvPr>
+            <p:ph type="sldImg" idx="2"/>
+          </p:nvPr>
+        </p:nvSpPr>
+        <p:spPr>
+          <a:xfrm>
+            <a:off x="685800" y="1143000"/>
+            <a:ext cx="5486400" cy="3086100"/>
+          </a:xfrm>
+          <a:prstGeom prst="rect">
+            <a:avLst/>
+          </a:prstGeom>
+          <a:noFill/>
+          <a:ln w="12700">
+            <a:solidFill>
+              <a:prstClr val="black"/>
+            </a:solidFill>
+          </a:ln>
+        </p:spPr>
+        <p:txBody>
+          <a:bodyPr vert="horz" lIns="91440" tIns="45720" rIns="91440" bIns="45720" rtlCol="0" anchor="ctr"/>
+          <a:lstStyle/>
+          <a:p>
+            <a:endParaRPr lang="ko-KR" altLang="en-US"/>
+          </a:p>
+        </p:txBody>
+      </p:sp>
+      <p:sp>
+        <p:nvSpPr>
+          <p:cNvPr id="5" name="슬라이드 노트 개체 틀 4"/>
+          <p:cNvSpPr>
+            <a:spLocks noGrp="1"/>
+          </p:cNvSpPr>
+          <p:nvPr>
+            <p:ph type="body" sz="quarter" idx="3"/>
+          </p:nvPr>
+        </p:nvSpPr>
+        <p:spPr>
+          <a:xfrm>
+            <a:off x="685800" y="4400550"/>
+            <a:ext cx="5486400" cy="3600450"/>
+          </a:xfrm>
+          <a:prstGeom prst="rect">
+            <a:avLst/>
+          </a:prstGeom>
+        </p:spPr>
+        <p:txBody>
+          <a:bodyPr vert="horz" lIns="91440" tIns="45720" rIns="91440" bIns="45720" rtlCol="0"/>
+          <a:lstStyle/>
+          <a:p>
+            <a:pPr lvl="0"/>
+            <a:r>
+              <a:rPr lang="ko-KR" altLang="en-US"/>
+              <a:t>마스터 텍스트 스타일을 편집하려면 클릭</a:t>
+            </a:r>
+          </a:p>
+          <a:p>
+            <a:pPr lvl="1"/>
+            <a:r>
+              <a:rPr lang="ko-KR" altLang="en-US"/>
+              <a:t>두 번째 수준</a:t>
+            </a:r>
+          </a:p>
+          <a:p>
+            <a:pPr lvl="2"/>
+            <a:r>
+              <a:rPr lang="ko-KR" altLang="en-US"/>
+              <a:t>세 번째 수준</a:t>
+            </a:r>
+          </a:p>
+          <a:p>
+            <a:pPr lvl="3"/>
+            <a:r>
+              <a:rPr lang="ko-KR" altLang="en-US"/>
+              <a:t>네 번째 수준</a:t>
+            </a:r>
+          </a:p>
+          <a:p>
+            <a:pPr lvl="4"/>
+            <a:r>
+              <a:rPr lang="ko-KR" altLang="en-US"/>
+              <a:t>다섯 번째 수준</a:t>
+            </a:r>
+          </a:p>
+        </p:txBody>
+      </p:sp>
+      <p:sp>
+        <p:nvSpPr>
+          <p:cNvPr id="6" name="바닥글 개체 틀 5"/>
+          <p:cNvSpPr>
+            <a:spLocks noGrp="1"/>
+          </p:cNvSpPr>
+          <p:nvPr>
+            <p:ph type="ftr" sz="quarter" idx="4"/>
+          </p:nvPr>
+        </p:nvSpPr>
+        <p:spPr>
+          <a:xfrm>
+            <a:off x="0" y="8685213"/>
+            <a:ext cx="2971800" cy="458787"/>
+          </a:xfrm>
+          <a:prstGeom prst="rect">
+            <a:avLst/>
+          </a:prstGeom>
+        </p:spPr>
+        <p:txBody>
+          <a:bodyPr vert="horz" lIns="91440" tIns="45720" rIns="91440" bIns="45720" rtlCol="0" anchor="b"/>
+          <a:lstStyle>
+            <a:lvl1pPr algn="l">
+              <a:defRPr sz="1200"/>
+            </a:lvl1pPr>
+          </a:lstStyle>
+          <a:p>
+            <a:endParaRPr lang="ko-KR" altLang="en-US"/>
+          </a:p>
+        </p:txBody>
+      </p:sp>
+      <p:sp>
+        <p:nvSpPr>
+          <p:cNvPr id="7" name="슬라이드 번호 개체 틀 6"/>
+          <p:cNvSpPr>
+            <a:spLocks noGrp="1"/>
+          </p:cNvSpPr>
+          <p:nvPr>
+            <p:ph type="sldNum" sz="quarter" idx="5"/>
+          </p:nvPr>
+        </p:nvSpPr>
+        <p:spPr>
+          <a:xfrm>
+            <a:off x="3884613" y="8685213"/>
+            <a:ext cx="2971800" cy="458787"/>
+          </a:xfrm>
+          <a:prstGeom prst="rect">
+            <a:avLst/>
+          </a:prstGeom>
+        </p:spPr>
+        <p:txBody>
+          <a:bodyPr vert="horz" lIns="91440" tIns="45720" rIns="91440" bIns="45720" rtlCol="0" anchor="b"/>
+          <a:lstStyle>
+            <a:lvl1pPr algn="r">
+              <a:defRPr sz="1200"/>
+            </a:lvl1pPr>
+          </a:lstStyle>
+          <a:p>
+            <a:fld id="{ED51DA0D-BB37-43B5-A449-104666444CB8}" type="slidenum">
+              <a:rPr lang="ko-KR" altLang="en-US" smtClean="0"/>
+              <a:t>‹#›</a:t>
+            </a:fld>
+            <a:endParaRPr lang="ko-KR" altLang="en-US"/>
+          </a:p>
+        </p:txBody>
+      </p:sp>
+    </p:spTree>
+    <p:extLst>
+      <p:ext uri="{BB962C8B-B14F-4D97-AF65-F5344CB8AC3E}">
+        <p14:creationId xmlns:p14="http://schemas.microsoft.com/office/powerpoint/2010/main" val="1337123818"/>
+      </p:ext>
+    </p:extLst>
+  </p:cSld>
+  <p:clrMap bg1="lt1" tx1="dk1" bg2="lt2" tx2="dk2" accent1="accent1" accent2="accent2" accent3="accent3" accent4="accent4" accent5="accent5" accent6="accent6" hlink="hlink" folHlink="folHlink"/>
+  <p:notesStyle>
+    <a:lvl1pPr marL="0" algn="l" defTabSz="914400" rtl="0" eaLnBrk="1" latinLnBrk="1" hangingPunct="1">
+      <a:defRPr sz="1200" kern="1200">
+        <a:solidFill>
+          <a:schemeClr val="tx1"/>
+        </a:solidFill>
+        <a:latin typeface="+mn-lt"/>
+        <a:ea typeface="+mn-ea"/>
+        <a:cs typeface="+mn-cs"/>
+      </a:defRPr>
+    </a:lvl1pPr>
+    <a:lvl2pPr marL="457200" algn="l" defTabSz="914400" rtl="0" eaLnBrk="1" latinLnBrk="1" hangingPunct="1">
+      <a:defRPr sz="1200" kern="1200">
+        <a:solidFill>
+          <a:schemeClr val="tx1"/>
+        </a:solidFill>
+        <a:latin typeface="+mn-lt"/>
+        <a:ea typeface="+mn-ea"/>
+        <a:cs typeface="+mn-cs"/>
+      </a:defRPr>
+    </a:lvl2pPr>
+    <a:lvl3pPr marL="914400" algn="l" defTabSz="914400" rtl="0" eaLnBrk="1" latinLnBrk="1" hangingPunct="1">
+      <a:defRPr sz="1200" kern="1200">
+        <a:solidFill>
+          <a:schemeClr val="tx1"/>
+        </a:solidFill>
+        <a:latin typeface="+mn-lt"/>
+        <a:ea typeface="+mn-ea"/>
+        <a:cs typeface="+mn-cs"/>
+      </a:defRPr>
+    </a:lvl3pPr>
+    <a:lvl4pPr marL="1371600" algn="l" defTabSz="914400" rtl="0" eaLnBrk="1" latinLnBrk="1" hangingPunct="1">
+      <a:defRPr sz="1200" kern="1200">
+        <a:solidFill>
+          <a:schemeClr val="tx1"/>
+        </a:solidFill>
+        <a:latin typeface="+mn-lt"/>
+        <a:ea typeface="+mn-ea"/>
+        <a:cs typeface="+mn-cs"/>
+      </a:defRPr>
+    </a:lvl4pPr>
+    <a:lvl5pPr marL="1828800" algn="l" defTabSz="914400" rtl="0" eaLnBrk="1" latinLnBrk="1" hangingPunct="1">
+      <a:defRPr sz="1200" kern="1200">
+        <a:solidFill>
+          <a:schemeClr val="tx1"/>
+        </a:solidFill>
+        <a:latin typeface="+mn-lt"/>
+        <a:ea typeface="+mn-ea"/>
+        <a:cs typeface="+mn-cs"/>
+      </a:defRPr>
+    </a:lvl5pPr>
+    <a:lvl6pPr marL="2286000" algn="l" defTabSz="914400" rtl="0" eaLnBrk="1" latinLnBrk="1" hangingPunct="1">
+      <a:defRPr sz="1200" kern="1200">
+        <a:solidFill>
+          <a:schemeClr val="tx1"/>
+        </a:solidFill>
+        <a:latin typeface="+mn-lt"/>
+        <a:ea typeface="+mn-ea"/>
+        <a:cs typeface="+mn-cs"/>
+      </a:defRPr>
+    </a:lvl6pPr>
+    <a:lvl7pPr marL="2743200" algn="l" defTabSz="914400" rtl="0" eaLnBrk="1" latinLnBrk="1" hangingPunct="1">
+      <a:defRPr sz="1200" kern="1200">
+        <a:solidFill>
+          <a:schemeClr val="tx1"/>
+        </a:solidFill>
+        <a:latin typeface="+mn-lt"/>
+        <a:ea typeface="+mn-ea"/>
+        <a:cs typeface="+mn-cs"/>
+      </a:defRPr>
+    </a:lvl7pPr>
+    <a:lvl8pPr marL="3200400" algn="l" defTabSz="914400" rtl="0" eaLnBrk="1" latinLnBrk="1" hangingPunct="1">
+      <a:defRPr sz="1200" kern="1200">
+        <a:solidFill>
+          <a:schemeClr val="tx1"/>
+        </a:solidFill>
+        <a:latin typeface="+mn-lt"/>
+        <a:ea typeface="+mn-ea"/>
+        <a:cs typeface="+mn-cs"/>
+      </a:defRPr>
+    </a:lvl8pPr>
+    <a:lvl9pPr marL="3657600" algn="l" defTabSz="914400" rtl="0" eaLnBrk="1" latinLnBrk="1" hangingPunct="1">
+      <a:defRPr sz="1200" kern="1200">
+        <a:solidFill>
+          <a:schemeClr val="tx1"/>
+        </a:solidFill>
+        <a:latin typeface="+mn-lt"/>
+        <a:ea typeface="+mn-ea"/>
+        <a:cs typeface="+mn-cs"/>
+      </a:defRPr>
+    </a:lvl9pPr>
+  </p:notesStyle>
+</p:notesMaster>
+</file>
+
+<file path=ppt/notesSlides/notesSlide1.xml><?xml version="1.0" encoding="utf-8"?>
+<p:notes xmlns:a="http://schemas.openxmlformats.org/drawingml/2006/main" xmlns:r="http://schemas.openxmlformats.org/officeDocument/2006/relationships" xmlns:p="http://schemas.openxmlformats.org/presentationml/2006/main">
+  <p:cSld>
+    <p:spTree>
+      <p:nvGrpSpPr>
+        <p:cNvPr id="1" name=""/>
+        <p:cNvGrpSpPr/>
+        <p:nvPr/>
+      </p:nvGrpSpPr>
+      <p:grpSpPr>
+        <a:xfrm>
+          <a:off x="0" y="0"/>
+          <a:ext cx="0" cy="0"/>
+          <a:chOff x="0" y="0"/>
+          <a:chExt cx="0" cy="0"/>
+        </a:xfrm>
+      </p:grpSpPr>
+      <p:sp>
+        <p:nvSpPr>
+          <p:cNvPr id="2" name="슬라이드 이미지 개체 틀 1"/>
+          <p:cNvSpPr>
+            <a:spLocks noGrp="1" noRot="1" noChangeAspect="1"/>
+          </p:cNvSpPr>
+          <p:nvPr>
+            <p:ph type="sldImg"/>
+          </p:nvPr>
+        </p:nvSpPr>
+        <p:spPr/>
+      </p:sp>
+      <p:sp>
+        <p:nvSpPr>
+          <p:cNvPr id="3" name="슬라이드 노트 개체 틀 2"/>
+          <p:cNvSpPr>
+            <a:spLocks noGrp="1"/>
+          </p:cNvSpPr>
+          <p:nvPr>
+            <p:ph type="body" idx="1"/>
+          </p:nvPr>
+        </p:nvSpPr>
+        <p:spPr/>
+        <p:txBody>
+          <a:bodyPr/>
+          <a:lstStyle/>
+          <a:p>
+            <a:endParaRPr lang="ko-KR" altLang="en-US" dirty="0"/>
+          </a:p>
+        </p:txBody>
+      </p:sp>
+      <p:sp>
+        <p:nvSpPr>
+          <p:cNvPr id="4" name="슬라이드 번호 개체 틀 3"/>
+          <p:cNvSpPr>
+            <a:spLocks noGrp="1"/>
+          </p:cNvSpPr>
+          <p:nvPr>
+            <p:ph type="sldNum" sz="quarter" idx="5"/>
+          </p:nvPr>
+        </p:nvSpPr>
+        <p:spPr/>
+        <p:txBody>
+          <a:bodyPr/>
+          <a:lstStyle/>
+          <a:p>
+            <a:fld id="{ED51DA0D-BB37-43B5-A449-104666444CB8}" type="slidenum">
+              <a:rPr lang="ko-KR" altLang="en-US" smtClean="0"/>
+              <a:t>4</a:t>
+            </a:fld>
+            <a:endParaRPr lang="ko-KR" altLang="en-US"/>
+          </a:p>
+        </p:txBody>
+      </p:sp>
+    </p:spTree>
+    <p:extLst>
+      <p:ext uri="{BB962C8B-B14F-4D97-AF65-F5344CB8AC3E}">
+        <p14:creationId xmlns:p14="http://schemas.microsoft.com/office/powerpoint/2010/main" val="1324725869"/>
+      </p:ext>
+    </p:extLst>
+  </p:cSld>
+  <p:clrMapOvr>
+    <a:masterClrMapping/>
+  </p:clrMapOvr>
+</p:notes>
 </file>
 
 <file path=ppt/slideLayouts/slideLayout1.xml><?xml version="1.0" encoding="utf-8"?>
@@ -3527,7 +3972,7 @@
                     <a:lstStyle/>
                     <a:p>
                       <a:pPr latinLnBrk="1"/>
-                      <a:endParaRPr lang="ko-KR" altLang="en-US"/>
+                      <a:endParaRPr lang="ko-KR" altLang="en-US" dirty="0"/>
                     </a:p>
                   </a:txBody>
                   <a:tcPr/>
@@ -4915,7 +5360,7 @@
         </p:nvSpPr>
         <p:spPr>
           <a:xfrm>
-            <a:off x="9005079" y="2561694"/>
+            <a:off x="8987760" y="2969581"/>
             <a:ext cx="1352448" cy="662473"/>
           </a:xfrm>
           <a:prstGeom prst="flowChartDecision">
@@ -4967,8 +5412,8 @@
         </p:nvCxnSpPr>
         <p:spPr>
           <a:xfrm flipV="1">
-            <a:off x="9529011" y="3224167"/>
-            <a:ext cx="152292" cy="1365140"/>
+            <a:off x="9468091" y="3632054"/>
+            <a:ext cx="195893" cy="957253"/>
           </a:xfrm>
           <a:prstGeom prst="straightConnector1">
             <a:avLst/>
@@ -5008,8 +5453,8 @@
         </p:nvCxnSpPr>
         <p:spPr>
           <a:xfrm flipH="1" flipV="1">
-            <a:off x="8172849" y="2598848"/>
-            <a:ext cx="1003235" cy="190693"/>
+            <a:off x="8182284" y="2918386"/>
+            <a:ext cx="932793" cy="305781"/>
           </a:xfrm>
           <a:prstGeom prst="straightConnector1">
             <a:avLst/>
@@ -5047,8 +5492,8 @@
         </p:nvSpPr>
         <p:spPr>
           <a:xfrm>
-            <a:off x="8544342" y="2319223"/>
-            <a:ext cx="360996" cy="369332"/>
+            <a:off x="8696012" y="2804466"/>
+            <a:ext cx="291748" cy="369332"/>
           </a:xfrm>
           <a:prstGeom prst="rect">
             <a:avLst/>
@@ -5056,7 +5501,7 @@
           <a:noFill/>
         </p:spPr>
         <p:txBody>
-          <a:bodyPr wrap="none" rtlCol="0">
+          <a:bodyPr wrap="square" rtlCol="0">
             <a:spAutoFit/>
           </a:bodyPr>
           <a:lstStyle/>
@@ -5085,8 +5530,8 @@
         </p:nvCxnSpPr>
         <p:spPr>
           <a:xfrm>
-            <a:off x="10048862" y="3040967"/>
-            <a:ext cx="253747" cy="1400640"/>
+            <a:off x="10030472" y="3448573"/>
+            <a:ext cx="262195" cy="1107464"/>
           </a:xfrm>
           <a:prstGeom prst="straightConnector1">
             <a:avLst/>
@@ -5200,7 +5645,7 @@
         </p:nvSpPr>
         <p:spPr>
           <a:xfrm>
-            <a:off x="10126796" y="3263907"/>
+            <a:off x="10080010" y="3507696"/>
             <a:ext cx="314510" cy="369332"/>
           </a:xfrm>
           <a:prstGeom prst="rect">
@@ -5416,6 +5861,4318 @@
     <p:extLst>
       <p:ext uri="{BB962C8B-B14F-4D97-AF65-F5344CB8AC3E}">
         <p14:creationId xmlns:p14="http://schemas.microsoft.com/office/powerpoint/2010/main" val="1799808070"/>
+      </p:ext>
+    </p:extLst>
+  </p:cSld>
+  <p:clrMapOvr>
+    <a:masterClrMapping/>
+  </p:clrMapOvr>
+</p:sld>
+</file>
+
+<file path=ppt/slides/slide2.xml><?xml version="1.0" encoding="utf-8"?>
+<p:sld xmlns:a="http://schemas.openxmlformats.org/drawingml/2006/main" xmlns:r="http://schemas.openxmlformats.org/officeDocument/2006/relationships" xmlns:p="http://schemas.openxmlformats.org/presentationml/2006/main" show="0">
+  <p:cSld>
+    <p:spTree>
+      <p:nvGrpSpPr>
+        <p:cNvPr id="1" name=""/>
+        <p:cNvGrpSpPr/>
+        <p:nvPr/>
+      </p:nvGrpSpPr>
+      <p:grpSpPr>
+        <a:xfrm>
+          <a:off x="0" y="0"/>
+          <a:ext cx="0" cy="0"/>
+          <a:chOff x="0" y="0"/>
+          <a:chExt cx="0" cy="0"/>
+        </a:xfrm>
+      </p:grpSpPr>
+      <p:sp>
+        <p:nvSpPr>
+          <p:cNvPr id="4" name="TextBox 3">
+            <a:extLst>
+              <a:ext uri="{FF2B5EF4-FFF2-40B4-BE49-F238E27FC236}">
+                <a16:creationId xmlns:a16="http://schemas.microsoft.com/office/drawing/2014/main" id="{6966CF10-2415-2704-8988-8EC6C66F2136}"/>
+              </a:ext>
+            </a:extLst>
+          </p:cNvPr>
+          <p:cNvSpPr txBox="1"/>
+          <p:nvPr/>
+        </p:nvSpPr>
+        <p:spPr>
+          <a:xfrm>
+            <a:off x="531845" y="475861"/>
+            <a:ext cx="1189749" cy="369332"/>
+          </a:xfrm>
+          <a:prstGeom prst="rect">
+            <a:avLst/>
+          </a:prstGeom>
+          <a:noFill/>
+        </p:spPr>
+        <p:txBody>
+          <a:bodyPr wrap="none" rtlCol="0">
+            <a:spAutoFit/>
+          </a:bodyPr>
+          <a:lstStyle/>
+          <a:p>
+            <a:r>
+              <a:rPr lang="ko-KR" altLang="en-US" dirty="0"/>
+              <a:t>팀원 역할</a:t>
+            </a:r>
+            <a:endParaRPr lang="en-US" altLang="ko-KR" dirty="0"/>
+          </a:p>
+        </p:txBody>
+      </p:sp>
+      <p:graphicFrame>
+        <p:nvGraphicFramePr>
+          <p:cNvPr id="5" name="표 5">
+            <a:extLst>
+              <a:ext uri="{FF2B5EF4-FFF2-40B4-BE49-F238E27FC236}">
+                <a16:creationId xmlns:a16="http://schemas.microsoft.com/office/drawing/2014/main" id="{0B0E53C3-9AF3-5DD0-F53D-7DCA7282467D}"/>
+              </a:ext>
+            </a:extLst>
+          </p:cNvPr>
+          <p:cNvGraphicFramePr>
+            <a:graphicFrameLocks noGrp="1"/>
+          </p:cNvGraphicFramePr>
+          <p:nvPr>
+            <p:extLst>
+              <p:ext uri="{D42A27DB-BD31-4B8C-83A1-F6EECF244321}">
+                <p14:modId xmlns:p14="http://schemas.microsoft.com/office/powerpoint/2010/main" val="1273021380"/>
+              </p:ext>
+            </p:extLst>
+          </p:nvPr>
+        </p:nvGraphicFramePr>
+        <p:xfrm>
+          <a:off x="221861" y="936343"/>
+          <a:ext cx="11637347" cy="4485640"/>
+        </p:xfrm>
+        <a:graphic>
+          <a:graphicData uri="http://schemas.openxmlformats.org/drawingml/2006/table">
+            <a:tbl>
+              <a:tblPr firstRow="1" bandRow="1">
+                <a:tableStyleId>{5C22544A-7EE6-4342-B048-85BDC9FD1C3A}</a:tableStyleId>
+              </a:tblPr>
+              <a:tblGrid>
+                <a:gridCol w="1761324">
+                  <a:extLst>
+                    <a:ext uri="{9D8B030D-6E8A-4147-A177-3AD203B41FA5}">
+                      <a16:colId xmlns:a16="http://schemas.microsoft.com/office/drawing/2014/main" val="1589438509"/>
+                    </a:ext>
+                  </a:extLst>
+                </a:gridCol>
+                <a:gridCol w="5378668">
+                  <a:extLst>
+                    <a:ext uri="{9D8B030D-6E8A-4147-A177-3AD203B41FA5}">
+                      <a16:colId xmlns:a16="http://schemas.microsoft.com/office/drawing/2014/main" val="695874139"/>
+                    </a:ext>
+                  </a:extLst>
+                </a:gridCol>
+                <a:gridCol w="4497355">
+                  <a:extLst>
+                    <a:ext uri="{9D8B030D-6E8A-4147-A177-3AD203B41FA5}">
+                      <a16:colId xmlns:a16="http://schemas.microsoft.com/office/drawing/2014/main" val="1458638616"/>
+                    </a:ext>
+                  </a:extLst>
+                </a:gridCol>
+              </a:tblGrid>
+              <a:tr h="0">
+                <a:tc>
+                  <a:txBody>
+                    <a:bodyPr/>
+                    <a:lstStyle/>
+                    <a:p>
+                      <a:pPr latinLnBrk="1"/>
+                      <a:r>
+                        <a:rPr lang="ko-KR" altLang="en-US" dirty="0"/>
+                        <a:t>구분</a:t>
+                      </a:r>
+                    </a:p>
+                  </a:txBody>
+                  <a:tcPr/>
+                </a:tc>
+                <a:tc>
+                  <a:txBody>
+                    <a:bodyPr/>
+                    <a:lstStyle/>
+                    <a:p>
+                      <a:pPr latinLnBrk="1"/>
+                      <a:r>
+                        <a:rPr lang="ko-KR" altLang="en-US" dirty="0"/>
+                        <a:t>역할</a:t>
+                      </a:r>
+                    </a:p>
+                  </a:txBody>
+                  <a:tcPr/>
+                </a:tc>
+                <a:tc>
+                  <a:txBody>
+                    <a:bodyPr/>
+                    <a:lstStyle/>
+                    <a:p>
+                      <a:pPr latinLnBrk="1"/>
+                      <a:r>
+                        <a:rPr lang="ko-KR" altLang="en-US" dirty="0"/>
+                        <a:t>비고</a:t>
+                      </a:r>
+                    </a:p>
+                  </a:txBody>
+                  <a:tcPr/>
+                </a:tc>
+                <a:extLst>
+                  <a:ext uri="{0D108BD9-81ED-4DB2-BD59-A6C34878D82A}">
+                    <a16:rowId xmlns:a16="http://schemas.microsoft.com/office/drawing/2014/main" val="3713120527"/>
+                  </a:ext>
+                </a:extLst>
+              </a:tr>
+              <a:tr h="370840">
+                <a:tc>
+                  <a:txBody>
+                    <a:bodyPr/>
+                    <a:lstStyle/>
+                    <a:p>
+                      <a:pPr latinLnBrk="1"/>
+                      <a:r>
+                        <a:rPr lang="ko-KR" altLang="en-US" dirty="0"/>
+                        <a:t>아르바이트</a:t>
+                      </a:r>
+                    </a:p>
+                  </a:txBody>
+                  <a:tcPr/>
+                </a:tc>
+                <a:tc>
+                  <a:txBody>
+                    <a:bodyPr/>
+                    <a:lstStyle/>
+                    <a:p>
+                      <a:pPr latinLnBrk="1"/>
+                      <a:r>
+                        <a:rPr lang="ko-KR" altLang="en-US" dirty="0"/>
+                        <a:t>중요업무 알람 감지 및 사이트 상태 체크</a:t>
+                      </a:r>
+                      <a:endParaRPr lang="en-US" altLang="ko-KR" dirty="0"/>
+                    </a:p>
+                  </a:txBody>
+                  <a:tcPr/>
+                </a:tc>
+                <a:tc>
+                  <a:txBody>
+                    <a:bodyPr/>
+                    <a:lstStyle/>
+                    <a:p>
+                      <a:pPr latinLnBrk="1"/>
+                      <a:r>
+                        <a:rPr lang="ko-KR" altLang="en-US" dirty="0"/>
+                        <a:t>실시간 대응 필요</a:t>
+                      </a:r>
+                    </a:p>
+                  </a:txBody>
+                  <a:tcPr/>
+                </a:tc>
+                <a:extLst>
+                  <a:ext uri="{0D108BD9-81ED-4DB2-BD59-A6C34878D82A}">
+                    <a16:rowId xmlns:a16="http://schemas.microsoft.com/office/drawing/2014/main" val="2357189452"/>
+                  </a:ext>
+                </a:extLst>
+              </a:tr>
+              <a:tr h="370840">
+                <a:tc>
+                  <a:txBody>
+                    <a:bodyPr/>
+                    <a:lstStyle/>
+                    <a:p>
+                      <a:pPr latinLnBrk="1"/>
+                      <a:r>
+                        <a:rPr lang="ko-KR" altLang="en-US" dirty="0"/>
+                        <a:t>팀원</a:t>
+                      </a:r>
+                    </a:p>
+                  </a:txBody>
+                  <a:tcPr/>
+                </a:tc>
+                <a:tc>
+                  <a:txBody>
+                    <a:bodyPr/>
+                    <a:lstStyle/>
+                    <a:p>
+                      <a:pPr latinLnBrk="1"/>
+                      <a:endParaRPr lang="en-US" altLang="ko-KR" dirty="0"/>
+                    </a:p>
+                    <a:p>
+                      <a:pPr latinLnBrk="1"/>
+                      <a:r>
+                        <a:rPr lang="en-US" altLang="ko-KR" dirty="0"/>
+                        <a:t>- LEVEL2~3 </a:t>
+                      </a:r>
+                      <a:r>
+                        <a:rPr lang="ko-KR" altLang="en-US" dirty="0"/>
+                        <a:t>단계의 알람을 감지하며</a:t>
+                      </a:r>
+                      <a:r>
+                        <a:rPr lang="en-US" altLang="ko-KR" dirty="0"/>
+                        <a:t>, </a:t>
+                      </a:r>
+                      <a:r>
+                        <a:rPr lang="ko-KR" altLang="en-US" dirty="0" err="1"/>
+                        <a:t>오류율</a:t>
+                      </a:r>
+                      <a:r>
+                        <a:rPr lang="ko-KR" altLang="en-US" dirty="0"/>
+                        <a:t> 감소를 위한 원인 파악작업을 진행 합니다</a:t>
+                      </a:r>
+                      <a:r>
+                        <a:rPr lang="en-US" altLang="ko-KR" dirty="0"/>
+                        <a:t>. </a:t>
+                      </a:r>
+                    </a:p>
+                    <a:p>
+                      <a:pPr marL="285750" indent="-285750" latinLnBrk="1">
+                        <a:buFontTx/>
+                        <a:buChar char="-"/>
+                      </a:pPr>
+                      <a:r>
+                        <a:rPr lang="ko-KR" altLang="en-US" dirty="0"/>
+                        <a:t>장애 발생 시</a:t>
+                      </a:r>
+                      <a:r>
+                        <a:rPr lang="en-US" altLang="ko-KR" dirty="0"/>
+                        <a:t>, </a:t>
+                      </a:r>
+                      <a:r>
+                        <a:rPr lang="ko-KR" altLang="en-US" dirty="0"/>
+                        <a:t>원인 파악할 줄 </a:t>
+                      </a:r>
+                      <a:r>
+                        <a:rPr lang="ko-KR" altLang="en-US" dirty="0" err="1"/>
+                        <a:t>알야합니다</a:t>
+                      </a:r>
+                      <a:r>
+                        <a:rPr lang="en-US" altLang="ko-KR" dirty="0"/>
+                        <a:t>. </a:t>
+                      </a:r>
+                    </a:p>
+                    <a:p>
+                      <a:pPr marL="285750" indent="-285750" latinLnBrk="1">
+                        <a:buFontTx/>
+                        <a:buChar char="-"/>
+                      </a:pPr>
+                      <a:r>
+                        <a:rPr lang="en-US" altLang="ko-KR" dirty="0" err="1"/>
+                        <a:t>Grafana,Kibana</a:t>
+                      </a:r>
+                      <a:r>
+                        <a:rPr lang="en-US" altLang="ko-KR" dirty="0"/>
+                        <a:t> Query </a:t>
+                      </a:r>
+                      <a:r>
+                        <a:rPr lang="ko-KR" altLang="en-US" dirty="0"/>
+                        <a:t>사용할 줄 알아야 합니다</a:t>
+                      </a:r>
+                      <a:r>
+                        <a:rPr lang="en-US" altLang="ko-KR" dirty="0"/>
+                        <a:t>. </a:t>
+                      </a:r>
+                    </a:p>
+                    <a:p>
+                      <a:pPr marL="285750" indent="-285750" latinLnBrk="1">
+                        <a:buFontTx/>
+                        <a:buChar char="-"/>
+                      </a:pPr>
+                      <a:r>
+                        <a:rPr lang="ko-KR" altLang="en-US" dirty="0"/>
+                        <a:t>수집된 로그를 통해 </a:t>
+                      </a:r>
+                      <a:r>
+                        <a:rPr lang="en-US" altLang="ko-KR" dirty="0"/>
+                        <a:t>report </a:t>
+                      </a:r>
+                      <a:r>
+                        <a:rPr lang="ko-KR" altLang="en-US" dirty="0"/>
+                        <a:t>작성할 줄 알아야 합니다</a:t>
+                      </a:r>
+                      <a:r>
+                        <a:rPr lang="en-US" altLang="ko-KR" dirty="0"/>
+                        <a:t>. </a:t>
+                      </a:r>
+                    </a:p>
+                    <a:p>
+                      <a:pPr marL="285750" indent="-285750" latinLnBrk="1">
+                        <a:buFontTx/>
+                        <a:buChar char="-"/>
+                      </a:pPr>
+                      <a:r>
+                        <a:rPr lang="en-US" altLang="ko-KR" dirty="0"/>
+                        <a:t>Report</a:t>
+                      </a:r>
+                      <a:r>
+                        <a:rPr lang="ko-KR" altLang="en-US" dirty="0"/>
+                        <a:t>된 데이터를 토대로 통계를 낼 줄 알아야 합니다</a:t>
+                      </a:r>
+                      <a:r>
+                        <a:rPr lang="en-US" altLang="ko-KR" dirty="0"/>
+                        <a:t>. (</a:t>
+                      </a:r>
+                      <a:r>
+                        <a:rPr lang="ko-KR" altLang="en-US" dirty="0"/>
+                        <a:t>데이터분석</a:t>
+                      </a:r>
+                      <a:r>
+                        <a:rPr lang="en-US" altLang="ko-KR" dirty="0"/>
+                        <a:t>)</a:t>
+                      </a:r>
+                    </a:p>
+                    <a:p>
+                      <a:pPr marL="285750" indent="-285750" latinLnBrk="1">
+                        <a:buFontTx/>
+                        <a:buChar char="-"/>
+                      </a:pPr>
+                      <a:r>
+                        <a:rPr lang="ko-KR" altLang="en-US" dirty="0"/>
+                        <a:t>기본적인 개발 업무 수행할 수 있어야 합니다</a:t>
+                      </a:r>
+                      <a:r>
+                        <a:rPr lang="en-US" altLang="ko-KR" dirty="0"/>
+                        <a:t>. (python,</a:t>
+                      </a:r>
+                      <a:r>
+                        <a:rPr lang="ko-KR" altLang="en-US" dirty="0"/>
+                        <a:t> </a:t>
+                      </a:r>
+                      <a:r>
+                        <a:rPr lang="en-US" altLang="ko-KR" dirty="0" err="1"/>
+                        <a:t>javascript</a:t>
+                      </a:r>
+                      <a:r>
+                        <a:rPr lang="en-US" altLang="ko-KR" dirty="0"/>
+                        <a:t>)</a:t>
+                      </a:r>
+                    </a:p>
+                  </a:txBody>
+                  <a:tcPr/>
+                </a:tc>
+                <a:tc>
+                  <a:txBody>
+                    <a:bodyPr/>
+                    <a:lstStyle/>
+                    <a:p>
+                      <a:pPr latinLnBrk="1"/>
+                      <a:r>
+                        <a:rPr lang="ko-KR" altLang="en-US" dirty="0"/>
+                        <a:t>아르바이트 부재 시</a:t>
+                      </a:r>
+                      <a:r>
+                        <a:rPr lang="en-US" altLang="ko-KR" dirty="0"/>
+                        <a:t>, </a:t>
+                      </a:r>
+                      <a:r>
+                        <a:rPr lang="ko-KR" altLang="en-US" dirty="0"/>
+                        <a:t>담당역할을 수행할 수 있어야 합니다</a:t>
+                      </a:r>
+                      <a:r>
+                        <a:rPr lang="en-US" altLang="ko-KR" dirty="0"/>
+                        <a:t>. </a:t>
+                      </a:r>
+                    </a:p>
+                  </a:txBody>
+                  <a:tcPr/>
+                </a:tc>
+                <a:extLst>
+                  <a:ext uri="{0D108BD9-81ED-4DB2-BD59-A6C34878D82A}">
+                    <a16:rowId xmlns:a16="http://schemas.microsoft.com/office/drawing/2014/main" val="3645432366"/>
+                  </a:ext>
+                </a:extLst>
+              </a:tr>
+              <a:tr h="370840">
+                <a:tc>
+                  <a:txBody>
+                    <a:bodyPr/>
+                    <a:lstStyle/>
+                    <a:p>
+                      <a:pPr marL="0" marR="0" lvl="0" indent="0" algn="l" defTabSz="914400" rtl="0" eaLnBrk="1" fontAlgn="auto" latinLnBrk="1" hangingPunct="1">
+                        <a:lnSpc>
+                          <a:spcPct val="100000"/>
+                        </a:lnSpc>
+                        <a:spcBef>
+                          <a:spcPts val="0"/>
+                        </a:spcBef>
+                        <a:spcAft>
+                          <a:spcPts val="0"/>
+                        </a:spcAft>
+                        <a:buClrTx/>
+                        <a:buSzTx/>
+                        <a:buFontTx/>
+                        <a:buNone/>
+                        <a:tabLst/>
+                        <a:defRPr/>
+                      </a:pPr>
+                      <a:r>
+                        <a:rPr lang="ko-KR" altLang="en-US" dirty="0"/>
+                        <a:t>팀장</a:t>
+                      </a:r>
+                    </a:p>
+                    <a:p>
+                      <a:pPr latinLnBrk="1"/>
+                      <a:endParaRPr lang="ko-KR" altLang="en-US" dirty="0"/>
+                    </a:p>
+                  </a:txBody>
+                  <a:tcPr/>
+                </a:tc>
+                <a:tc>
+                  <a:txBody>
+                    <a:bodyPr/>
+                    <a:lstStyle/>
+                    <a:p>
+                      <a:pPr latinLnBrk="1"/>
+                      <a:r>
+                        <a:rPr lang="ko-KR" altLang="en-US" dirty="0"/>
+                        <a:t>팀원의 역할을 수행할 수 있어야 합니다</a:t>
+                      </a:r>
+                      <a:r>
+                        <a:rPr lang="en-US" altLang="ko-KR" dirty="0"/>
+                        <a:t>.</a:t>
+                      </a:r>
+                    </a:p>
+                    <a:p>
+                      <a:pPr latinLnBrk="1"/>
+                      <a:r>
+                        <a:rPr lang="ko-KR" altLang="en-US" dirty="0"/>
+                        <a:t>시스템의 자동화를 위해 작업해야 합니다</a:t>
+                      </a:r>
+                      <a:r>
+                        <a:rPr lang="en-US" altLang="ko-KR" dirty="0"/>
+                        <a:t>.</a:t>
+                      </a:r>
+                      <a:endParaRPr lang="ko-KR" altLang="en-US" dirty="0"/>
+                    </a:p>
+                  </a:txBody>
+                  <a:tcPr/>
+                </a:tc>
+                <a:tc>
+                  <a:txBody>
+                    <a:bodyPr/>
+                    <a:lstStyle/>
+                    <a:p>
+                      <a:pPr latinLnBrk="1"/>
+                      <a:endParaRPr lang="ko-KR" altLang="en-US" dirty="0"/>
+                    </a:p>
+                  </a:txBody>
+                  <a:tcPr/>
+                </a:tc>
+                <a:extLst>
+                  <a:ext uri="{0D108BD9-81ED-4DB2-BD59-A6C34878D82A}">
+                    <a16:rowId xmlns:a16="http://schemas.microsoft.com/office/drawing/2014/main" val="3246019006"/>
+                  </a:ext>
+                </a:extLst>
+              </a:tr>
+            </a:tbl>
+          </a:graphicData>
+        </a:graphic>
+      </p:graphicFrame>
+    </p:spTree>
+    <p:extLst>
+      <p:ext uri="{BB962C8B-B14F-4D97-AF65-F5344CB8AC3E}">
+        <p14:creationId xmlns:p14="http://schemas.microsoft.com/office/powerpoint/2010/main" val="629836041"/>
+      </p:ext>
+    </p:extLst>
+  </p:cSld>
+  <p:clrMapOvr>
+    <a:masterClrMapping/>
+  </p:clrMapOvr>
+</p:sld>
+</file>
+
+<file path=ppt/slides/slide3.xml><?xml version="1.0" encoding="utf-8"?>
+<p:sld xmlns:a="http://schemas.openxmlformats.org/drawingml/2006/main" xmlns:r="http://schemas.openxmlformats.org/officeDocument/2006/relationships" xmlns:p="http://schemas.openxmlformats.org/presentationml/2006/main">
+  <p:cSld>
+    <p:spTree>
+      <p:nvGrpSpPr>
+        <p:cNvPr id="1" name=""/>
+        <p:cNvGrpSpPr/>
+        <p:nvPr/>
+      </p:nvGrpSpPr>
+      <p:grpSpPr>
+        <a:xfrm>
+          <a:off x="0" y="0"/>
+          <a:ext cx="0" cy="0"/>
+          <a:chOff x="0" y="0"/>
+          <a:chExt cx="0" cy="0"/>
+        </a:xfrm>
+      </p:grpSpPr>
+      <p:graphicFrame>
+        <p:nvGraphicFramePr>
+          <p:cNvPr id="4" name="표 5">
+            <a:extLst>
+              <a:ext uri="{FF2B5EF4-FFF2-40B4-BE49-F238E27FC236}">
+                <a16:creationId xmlns:a16="http://schemas.microsoft.com/office/drawing/2014/main" id="{78F2B8BD-F74D-0FDA-0D36-66132131EA2F}"/>
+              </a:ext>
+            </a:extLst>
+          </p:cNvPr>
+          <p:cNvGraphicFramePr>
+            <a:graphicFrameLocks noGrp="1"/>
+          </p:cNvGraphicFramePr>
+          <p:nvPr>
+            <p:extLst>
+              <p:ext uri="{D42A27DB-BD31-4B8C-83A1-F6EECF244321}">
+                <p14:modId xmlns:p14="http://schemas.microsoft.com/office/powerpoint/2010/main" val="2969511535"/>
+              </p:ext>
+            </p:extLst>
+          </p:nvPr>
+        </p:nvGraphicFramePr>
+        <p:xfrm>
+          <a:off x="221861" y="1467287"/>
+          <a:ext cx="11802991" cy="3216806"/>
+        </p:xfrm>
+        <a:graphic>
+          <a:graphicData uri="http://schemas.openxmlformats.org/drawingml/2006/table">
+            <a:tbl>
+              <a:tblPr firstRow="1" bandRow="1">
+                <a:tableStyleId>{5C22544A-7EE6-4342-B048-85BDC9FD1C3A}</a:tableStyleId>
+              </a:tblPr>
+              <a:tblGrid>
+                <a:gridCol w="4350139">
+                  <a:extLst>
+                    <a:ext uri="{9D8B030D-6E8A-4147-A177-3AD203B41FA5}">
+                      <a16:colId xmlns:a16="http://schemas.microsoft.com/office/drawing/2014/main" val="1589438509"/>
+                    </a:ext>
+                  </a:extLst>
+                </a:gridCol>
+                <a:gridCol w="1445342">
+                  <a:extLst>
+                    <a:ext uri="{9D8B030D-6E8A-4147-A177-3AD203B41FA5}">
+                      <a16:colId xmlns:a16="http://schemas.microsoft.com/office/drawing/2014/main" val="695874139"/>
+                    </a:ext>
+                  </a:extLst>
+                </a:gridCol>
+                <a:gridCol w="1120877">
+                  <a:extLst>
+                    <a:ext uri="{9D8B030D-6E8A-4147-A177-3AD203B41FA5}">
+                      <a16:colId xmlns:a16="http://schemas.microsoft.com/office/drawing/2014/main" val="43054872"/>
+                    </a:ext>
+                  </a:extLst>
+                </a:gridCol>
+                <a:gridCol w="589936">
+                  <a:extLst>
+                    <a:ext uri="{9D8B030D-6E8A-4147-A177-3AD203B41FA5}">
+                      <a16:colId xmlns:a16="http://schemas.microsoft.com/office/drawing/2014/main" val="1458638616"/>
+                    </a:ext>
+                  </a:extLst>
+                </a:gridCol>
+                <a:gridCol w="619432">
+                  <a:extLst>
+                    <a:ext uri="{9D8B030D-6E8A-4147-A177-3AD203B41FA5}">
+                      <a16:colId xmlns:a16="http://schemas.microsoft.com/office/drawing/2014/main" val="3140721870"/>
+                    </a:ext>
+                  </a:extLst>
+                </a:gridCol>
+                <a:gridCol w="3677265">
+                  <a:extLst>
+                    <a:ext uri="{9D8B030D-6E8A-4147-A177-3AD203B41FA5}">
+                      <a16:colId xmlns:a16="http://schemas.microsoft.com/office/drawing/2014/main" val="554233700"/>
+                    </a:ext>
+                  </a:extLst>
+                </a:gridCol>
+              </a:tblGrid>
+              <a:tr h="312354">
+                <a:tc>
+                  <a:txBody>
+                    <a:bodyPr/>
+                    <a:lstStyle/>
+                    <a:p>
+                      <a:pPr latinLnBrk="1"/>
+                      <a:r>
+                        <a:rPr lang="ko-KR" altLang="en-US" sz="1400" dirty="0"/>
+                        <a:t>내용</a:t>
+                      </a:r>
+                    </a:p>
+                  </a:txBody>
+                  <a:tcPr/>
+                </a:tc>
+                <a:tc>
+                  <a:txBody>
+                    <a:bodyPr/>
+                    <a:lstStyle/>
+                    <a:p>
+                      <a:pPr latinLnBrk="1"/>
+                      <a:r>
+                        <a:rPr lang="en-US" altLang="ko-KR" sz="1400" dirty="0"/>
+                        <a:t>Level</a:t>
+                      </a:r>
+                      <a:endParaRPr lang="ko-KR" altLang="en-US" sz="1400" dirty="0"/>
+                    </a:p>
+                  </a:txBody>
+                  <a:tcPr/>
+                </a:tc>
+                <a:tc>
+                  <a:txBody>
+                    <a:bodyPr/>
+                    <a:lstStyle/>
+                    <a:p>
+                      <a:pPr marL="0" marR="0" lvl="0" indent="0" algn="l" defTabSz="914400" rtl="0" eaLnBrk="1" fontAlgn="auto" latinLnBrk="1" hangingPunct="1">
+                        <a:lnSpc>
+                          <a:spcPct val="100000"/>
+                        </a:lnSpc>
+                        <a:spcBef>
+                          <a:spcPts val="0"/>
+                        </a:spcBef>
+                        <a:spcAft>
+                          <a:spcPts val="0"/>
+                        </a:spcAft>
+                        <a:buClrTx/>
+                        <a:buSzTx/>
+                        <a:buFontTx/>
+                        <a:buNone/>
+                        <a:tabLst/>
+                        <a:defRPr/>
+                      </a:pPr>
+                      <a:r>
+                        <a:rPr lang="ko-KR" altLang="en-US" sz="1400" dirty="0"/>
+                        <a:t>아르바이트</a:t>
+                      </a:r>
+                    </a:p>
+                  </a:txBody>
+                  <a:tcPr/>
+                </a:tc>
+                <a:tc>
+                  <a:txBody>
+                    <a:bodyPr/>
+                    <a:lstStyle/>
+                    <a:p>
+                      <a:pPr latinLnBrk="1"/>
+                      <a:r>
+                        <a:rPr lang="ko-KR" altLang="en-US" sz="1400" dirty="0"/>
+                        <a:t>팀원</a:t>
+                      </a:r>
+                    </a:p>
+                  </a:txBody>
+                  <a:tcPr/>
+                </a:tc>
+                <a:tc>
+                  <a:txBody>
+                    <a:bodyPr/>
+                    <a:lstStyle/>
+                    <a:p>
+                      <a:pPr latinLnBrk="1"/>
+                      <a:r>
+                        <a:rPr lang="ko-KR" altLang="en-US" sz="1400" dirty="0"/>
+                        <a:t>팀장</a:t>
+                      </a:r>
+                    </a:p>
+                  </a:txBody>
+                  <a:tcPr/>
+                </a:tc>
+                <a:tc>
+                  <a:txBody>
+                    <a:bodyPr/>
+                    <a:lstStyle/>
+                    <a:p>
+                      <a:pPr latinLnBrk="1"/>
+                      <a:r>
+                        <a:rPr lang="ko-KR" altLang="en-US" sz="1400" dirty="0"/>
+                        <a:t>비고</a:t>
+                      </a:r>
+                    </a:p>
+                  </a:txBody>
+                  <a:tcPr/>
+                </a:tc>
+                <a:extLst>
+                  <a:ext uri="{0D108BD9-81ED-4DB2-BD59-A6C34878D82A}">
+                    <a16:rowId xmlns:a16="http://schemas.microsoft.com/office/drawing/2014/main" val="3713120527"/>
+                  </a:ext>
+                </a:extLst>
+              </a:tr>
+              <a:tr h="378048">
+                <a:tc>
+                  <a:txBody>
+                    <a:bodyPr/>
+                    <a:lstStyle/>
+                    <a:p>
+                      <a:pPr latinLnBrk="1"/>
+                      <a:r>
+                        <a:rPr lang="ko-KR" altLang="en-US" sz="1400" dirty="0"/>
+                        <a:t>알람 감지 및 사이트 상태 체크 </a:t>
+                      </a:r>
+                      <a:r>
+                        <a:rPr lang="en-US" altLang="ko-KR" sz="1400" dirty="0"/>
+                        <a:t>(</a:t>
+                      </a:r>
+                      <a:r>
+                        <a:rPr lang="ko-KR" altLang="en-US" sz="1400" dirty="0"/>
+                        <a:t>실시간 대응</a:t>
+                      </a:r>
+                      <a:r>
+                        <a:rPr lang="en-US" altLang="ko-KR" sz="1400" dirty="0"/>
+                        <a:t>)</a:t>
+                      </a:r>
+                    </a:p>
+                  </a:txBody>
+                  <a:tcPr/>
+                </a:tc>
+                <a:tc>
+                  <a:txBody>
+                    <a:bodyPr/>
+                    <a:lstStyle/>
+                    <a:p>
+                      <a:pPr latinLnBrk="1"/>
+                      <a:r>
+                        <a:rPr lang="en-US" altLang="ko-KR" sz="1400" dirty="0"/>
+                        <a:t>Level 1-1, 1-2</a:t>
+                      </a:r>
+                    </a:p>
+                  </a:txBody>
+                  <a:tcPr/>
+                </a:tc>
+                <a:tc>
+                  <a:txBody>
+                    <a:bodyPr/>
+                    <a:lstStyle/>
+                    <a:p>
+                      <a:pPr latinLnBrk="1"/>
+                      <a:r>
+                        <a:rPr lang="en-US" altLang="ko-KR" sz="1400" b="1" dirty="0">
+                          <a:solidFill>
+                            <a:srgbClr val="FF0000"/>
+                          </a:solidFill>
+                        </a:rPr>
+                        <a:t>O</a:t>
+                      </a:r>
+                    </a:p>
+                  </a:txBody>
+                  <a:tcPr/>
+                </a:tc>
+                <a:tc>
+                  <a:txBody>
+                    <a:bodyPr/>
+                    <a:lstStyle/>
+                    <a:p>
+                      <a:pPr latinLnBrk="1"/>
+                      <a:endParaRPr lang="ko-KR" altLang="en-US" sz="1400" dirty="0"/>
+                    </a:p>
+                  </a:txBody>
+                  <a:tcPr/>
+                </a:tc>
+                <a:tc>
+                  <a:txBody>
+                    <a:bodyPr/>
+                    <a:lstStyle/>
+                    <a:p>
+                      <a:pPr latinLnBrk="1"/>
+                      <a:endParaRPr lang="ko-KR" altLang="en-US" sz="1400" dirty="0"/>
+                    </a:p>
+                  </a:txBody>
+                  <a:tcPr/>
+                </a:tc>
+                <a:tc>
+                  <a:txBody>
+                    <a:bodyPr/>
+                    <a:lstStyle/>
+                    <a:p>
+                      <a:pPr latinLnBrk="1"/>
+                      <a:r>
+                        <a:rPr lang="ko-KR" altLang="en-US" sz="1400" dirty="0"/>
+                        <a:t>아르바이트 부재 시</a:t>
+                      </a:r>
+                      <a:r>
+                        <a:rPr lang="en-US" altLang="ko-KR" sz="1400" dirty="0"/>
+                        <a:t>, </a:t>
+                      </a:r>
+                      <a:r>
+                        <a:rPr lang="ko-KR" altLang="en-US" sz="1400" dirty="0"/>
+                        <a:t>팀원이 대응</a:t>
+                      </a:r>
+                    </a:p>
+                  </a:txBody>
+                  <a:tcPr/>
+                </a:tc>
+                <a:extLst>
+                  <a:ext uri="{0D108BD9-81ED-4DB2-BD59-A6C34878D82A}">
+                    <a16:rowId xmlns:a16="http://schemas.microsoft.com/office/drawing/2014/main" val="2357189452"/>
+                  </a:ext>
+                </a:extLst>
+              </a:tr>
+              <a:tr h="378048">
+                <a:tc>
+                  <a:txBody>
+                    <a:bodyPr/>
+                    <a:lstStyle/>
+                    <a:p>
+                      <a:pPr latinLnBrk="1"/>
+                      <a:r>
+                        <a:rPr lang="ko-KR" altLang="en-US" sz="1400" dirty="0"/>
+                        <a:t>사이트 공지사항을 체크합니다</a:t>
+                      </a:r>
+                      <a:r>
+                        <a:rPr lang="en-US" altLang="ko-KR" sz="1400" dirty="0"/>
+                        <a:t>.</a:t>
+                      </a:r>
+                    </a:p>
+                  </a:txBody>
+                  <a:tcPr/>
+                </a:tc>
+                <a:tc>
+                  <a:txBody>
+                    <a:bodyPr/>
+                    <a:lstStyle/>
+                    <a:p>
+                      <a:pPr latinLnBrk="1"/>
+                      <a:endParaRPr lang="en-US" altLang="ko-KR" sz="1400" dirty="0"/>
+                    </a:p>
+                  </a:txBody>
+                  <a:tcPr/>
+                </a:tc>
+                <a:tc>
+                  <a:txBody>
+                    <a:bodyPr/>
+                    <a:lstStyle/>
+                    <a:p>
+                      <a:pPr latinLnBrk="1"/>
+                      <a:r>
+                        <a:rPr lang="en-US" altLang="ko-KR" sz="1400" dirty="0"/>
+                        <a:t>O</a:t>
+                      </a:r>
+                    </a:p>
+                  </a:txBody>
+                  <a:tcPr/>
+                </a:tc>
+                <a:tc>
+                  <a:txBody>
+                    <a:bodyPr/>
+                    <a:lstStyle/>
+                    <a:p>
+                      <a:pPr latinLnBrk="1"/>
+                      <a:endParaRPr lang="ko-KR" altLang="en-US" sz="1400" dirty="0"/>
+                    </a:p>
+                  </a:txBody>
+                  <a:tcPr/>
+                </a:tc>
+                <a:tc>
+                  <a:txBody>
+                    <a:bodyPr/>
+                    <a:lstStyle/>
+                    <a:p>
+                      <a:pPr latinLnBrk="1"/>
+                      <a:endParaRPr lang="ko-KR" altLang="en-US" sz="1400" dirty="0"/>
+                    </a:p>
+                  </a:txBody>
+                  <a:tcPr/>
+                </a:tc>
+                <a:tc>
+                  <a:txBody>
+                    <a:bodyPr/>
+                    <a:lstStyle/>
+                    <a:p>
+                      <a:pPr latinLnBrk="1"/>
+                      <a:endParaRPr lang="ko-KR" altLang="en-US" sz="1400" dirty="0"/>
+                    </a:p>
+                  </a:txBody>
+                  <a:tcPr/>
+                </a:tc>
+                <a:extLst>
+                  <a:ext uri="{0D108BD9-81ED-4DB2-BD59-A6C34878D82A}">
+                    <a16:rowId xmlns:a16="http://schemas.microsoft.com/office/drawing/2014/main" val="1524065018"/>
+                  </a:ext>
+                </a:extLst>
+              </a:tr>
+              <a:tr h="0">
+                <a:tc>
+                  <a:txBody>
+                    <a:bodyPr/>
+                    <a:lstStyle/>
+                    <a:p>
+                      <a:pPr latinLnBrk="1"/>
+                      <a:r>
+                        <a:rPr lang="ko-KR" altLang="en-US" sz="1400" dirty="0"/>
+                        <a:t>알람 감지 및 오류원인 파악</a:t>
+                      </a:r>
+                      <a:r>
+                        <a:rPr lang="en-US" altLang="ko-KR" sz="1400" dirty="0"/>
+                        <a:t>(Java script)</a:t>
+                      </a:r>
+                    </a:p>
+                  </a:txBody>
+                  <a:tcPr/>
+                </a:tc>
+                <a:tc>
+                  <a:txBody>
+                    <a:bodyPr/>
+                    <a:lstStyle/>
+                    <a:p>
+                      <a:pPr latinLnBrk="1"/>
+                      <a:r>
+                        <a:rPr lang="en-US" altLang="ko-KR" sz="1400" dirty="0"/>
+                        <a:t>Level 1-2</a:t>
+                      </a:r>
+                    </a:p>
+                    <a:p>
+                      <a:pPr latinLnBrk="1"/>
+                      <a:r>
+                        <a:rPr lang="en-US" altLang="ko-KR" sz="1400" dirty="0"/>
+                        <a:t>Level 2</a:t>
+                      </a:r>
+                    </a:p>
+                  </a:txBody>
+                  <a:tcPr/>
+                </a:tc>
+                <a:tc>
+                  <a:txBody>
+                    <a:bodyPr/>
+                    <a:lstStyle/>
+                    <a:p>
+                      <a:pPr latinLnBrk="1"/>
+                      <a:endParaRPr lang="en-US" altLang="ko-KR" sz="1400" dirty="0"/>
+                    </a:p>
+                  </a:txBody>
+                  <a:tcPr/>
+                </a:tc>
+                <a:tc>
+                  <a:txBody>
+                    <a:bodyPr/>
+                    <a:lstStyle/>
+                    <a:p>
+                      <a:pPr latinLnBrk="1"/>
+                      <a:r>
+                        <a:rPr lang="en-US" altLang="ko-KR" sz="1400" b="1" dirty="0">
+                          <a:solidFill>
+                            <a:srgbClr val="FF0000"/>
+                          </a:solidFill>
+                        </a:rPr>
+                        <a:t>O</a:t>
+                      </a:r>
+                    </a:p>
+                  </a:txBody>
+                  <a:tcPr/>
+                </a:tc>
+                <a:tc>
+                  <a:txBody>
+                    <a:bodyPr/>
+                    <a:lstStyle/>
+                    <a:p>
+                      <a:pPr latinLnBrk="1"/>
+                      <a:r>
+                        <a:rPr lang="en-US" altLang="ko-KR" sz="1400" dirty="0"/>
+                        <a:t>O</a:t>
+                      </a:r>
+                    </a:p>
+                  </a:txBody>
+                  <a:tcPr/>
+                </a:tc>
+                <a:tc>
+                  <a:txBody>
+                    <a:bodyPr/>
+                    <a:lstStyle/>
+                    <a:p>
+                      <a:pPr latinLnBrk="1"/>
+                      <a:r>
+                        <a:rPr lang="en-US" altLang="ko-KR" sz="1400" dirty="0"/>
+                        <a:t>Fail ratio </a:t>
+                      </a:r>
+                      <a:r>
+                        <a:rPr lang="ko-KR" altLang="en-US" sz="1400" dirty="0"/>
+                        <a:t>감소를 목적으로 활동한다</a:t>
+                      </a:r>
+                      <a:r>
+                        <a:rPr lang="en-US" altLang="ko-KR" sz="1400" dirty="0"/>
+                        <a:t>. </a:t>
+                      </a:r>
+                    </a:p>
+                  </a:txBody>
+                  <a:tcPr/>
+                </a:tc>
+                <a:extLst>
+                  <a:ext uri="{0D108BD9-81ED-4DB2-BD59-A6C34878D82A}">
+                    <a16:rowId xmlns:a16="http://schemas.microsoft.com/office/drawing/2014/main" val="2980403215"/>
+                  </a:ext>
+                </a:extLst>
+              </a:tr>
+              <a:tr h="0">
+                <a:tc>
+                  <a:txBody>
+                    <a:bodyPr/>
+                    <a:lstStyle/>
+                    <a:p>
+                      <a:pPr marL="0" marR="0" lvl="0" indent="0" algn="l" defTabSz="914400" rtl="0" eaLnBrk="1" fontAlgn="auto" latinLnBrk="1" hangingPunct="1">
+                        <a:lnSpc>
+                          <a:spcPct val="100000"/>
+                        </a:lnSpc>
+                        <a:spcBef>
+                          <a:spcPts val="0"/>
+                        </a:spcBef>
+                        <a:spcAft>
+                          <a:spcPts val="0"/>
+                        </a:spcAft>
+                        <a:buClrTx/>
+                        <a:buSzTx/>
+                        <a:buFontTx/>
+                        <a:buNone/>
+                        <a:tabLst/>
+                        <a:defRPr/>
+                      </a:pPr>
+                      <a:r>
+                        <a:rPr lang="ko-KR" altLang="en-US" sz="1400" dirty="0"/>
+                        <a:t>수집된 로그로 </a:t>
+                      </a:r>
+                      <a:r>
+                        <a:rPr lang="en-US" altLang="ko-KR" sz="1400" dirty="0"/>
+                        <a:t>report</a:t>
+                      </a:r>
+                      <a:r>
+                        <a:rPr lang="ko-KR" altLang="en-US" sz="1400" dirty="0"/>
+                        <a:t>할 줄 알아야 한다</a:t>
+                      </a:r>
+                      <a:r>
+                        <a:rPr lang="en-US" altLang="ko-KR" sz="1400" dirty="0"/>
+                        <a:t>.</a:t>
+                      </a:r>
+                    </a:p>
+                  </a:txBody>
+                  <a:tcPr/>
+                </a:tc>
+                <a:tc>
+                  <a:txBody>
+                    <a:bodyPr/>
+                    <a:lstStyle/>
+                    <a:p>
+                      <a:pPr latinLnBrk="1"/>
+                      <a:endParaRPr lang="en-US" altLang="ko-KR" sz="1400" dirty="0"/>
+                    </a:p>
+                  </a:txBody>
+                  <a:tcPr/>
+                </a:tc>
+                <a:tc>
+                  <a:txBody>
+                    <a:bodyPr/>
+                    <a:lstStyle/>
+                    <a:p>
+                      <a:pPr latinLnBrk="1"/>
+                      <a:endParaRPr lang="en-US" altLang="ko-KR" sz="1400" dirty="0"/>
+                    </a:p>
+                  </a:txBody>
+                  <a:tcPr/>
+                </a:tc>
+                <a:tc>
+                  <a:txBody>
+                    <a:bodyPr/>
+                    <a:lstStyle/>
+                    <a:p>
+                      <a:pPr latinLnBrk="1"/>
+                      <a:r>
+                        <a:rPr lang="en-US" altLang="ko-KR" sz="1400" b="1" dirty="0">
+                          <a:solidFill>
+                            <a:srgbClr val="FF0000"/>
+                          </a:solidFill>
+                        </a:rPr>
+                        <a:t>O</a:t>
+                      </a:r>
+                    </a:p>
+                  </a:txBody>
+                  <a:tcPr/>
+                </a:tc>
+                <a:tc>
+                  <a:txBody>
+                    <a:bodyPr/>
+                    <a:lstStyle/>
+                    <a:p>
+                      <a:pPr latinLnBrk="1"/>
+                      <a:r>
+                        <a:rPr lang="en-US" altLang="ko-KR" sz="1400" b="0" dirty="0">
+                          <a:solidFill>
+                            <a:schemeClr val="tx1"/>
+                          </a:solidFill>
+                        </a:rPr>
+                        <a:t>O</a:t>
+                      </a:r>
+                    </a:p>
+                  </a:txBody>
+                  <a:tcPr/>
+                </a:tc>
+                <a:tc>
+                  <a:txBody>
+                    <a:bodyPr/>
+                    <a:lstStyle/>
+                    <a:p>
+                      <a:pPr latinLnBrk="1"/>
+                      <a:endParaRPr lang="en-US" altLang="ko-KR" sz="1400" dirty="0"/>
+                    </a:p>
+                  </a:txBody>
+                  <a:tcPr/>
+                </a:tc>
+                <a:extLst>
+                  <a:ext uri="{0D108BD9-81ED-4DB2-BD59-A6C34878D82A}">
+                    <a16:rowId xmlns:a16="http://schemas.microsoft.com/office/drawing/2014/main" val="3645432366"/>
+                  </a:ext>
+                </a:extLst>
+              </a:tr>
+              <a:tr h="0">
+                <a:tc>
+                  <a:txBody>
+                    <a:bodyPr/>
+                    <a:lstStyle/>
+                    <a:p>
+                      <a:pPr marL="0" marR="0" lvl="0" indent="0" algn="l" defTabSz="914400" rtl="0" eaLnBrk="1" fontAlgn="auto" latinLnBrk="1" hangingPunct="1">
+                        <a:lnSpc>
+                          <a:spcPct val="100000"/>
+                        </a:lnSpc>
+                        <a:spcBef>
+                          <a:spcPts val="0"/>
+                        </a:spcBef>
+                        <a:spcAft>
+                          <a:spcPts val="0"/>
+                        </a:spcAft>
+                        <a:buClrTx/>
+                        <a:buSzTx/>
+                        <a:buFontTx/>
+                        <a:buNone/>
+                        <a:tabLst/>
+                        <a:defRPr/>
+                      </a:pPr>
+                      <a:r>
+                        <a:rPr lang="ko-KR" altLang="en-US" sz="1400" dirty="0"/>
+                        <a:t>모니터링 관련 대시보드를 구성합니다</a:t>
+                      </a:r>
+                      <a:r>
+                        <a:rPr lang="en-US" altLang="ko-KR" sz="1400" dirty="0"/>
+                        <a:t>.</a:t>
+                      </a:r>
+                    </a:p>
+                  </a:txBody>
+                  <a:tcPr/>
+                </a:tc>
+                <a:tc>
+                  <a:txBody>
+                    <a:bodyPr/>
+                    <a:lstStyle/>
+                    <a:p>
+                      <a:pPr latinLnBrk="1"/>
+                      <a:endParaRPr lang="en-US" altLang="ko-KR" sz="1400" dirty="0"/>
+                    </a:p>
+                  </a:txBody>
+                  <a:tcPr/>
+                </a:tc>
+                <a:tc>
+                  <a:txBody>
+                    <a:bodyPr/>
+                    <a:lstStyle/>
+                    <a:p>
+                      <a:pPr latinLnBrk="1"/>
+                      <a:endParaRPr lang="en-US" altLang="ko-KR" sz="1400" dirty="0"/>
+                    </a:p>
+                  </a:txBody>
+                  <a:tcPr/>
+                </a:tc>
+                <a:tc>
+                  <a:txBody>
+                    <a:bodyPr/>
+                    <a:lstStyle/>
+                    <a:p>
+                      <a:pPr latinLnBrk="1"/>
+                      <a:r>
+                        <a:rPr lang="en-US" altLang="ko-KR" sz="1400" b="0" dirty="0">
+                          <a:solidFill>
+                            <a:schemeClr val="tx1"/>
+                          </a:solidFill>
+                        </a:rPr>
+                        <a:t>O</a:t>
+                      </a:r>
+                    </a:p>
+                  </a:txBody>
+                  <a:tcPr/>
+                </a:tc>
+                <a:tc>
+                  <a:txBody>
+                    <a:bodyPr/>
+                    <a:lstStyle/>
+                    <a:p>
+                      <a:pPr latinLnBrk="1"/>
+                      <a:r>
+                        <a:rPr lang="en-US" altLang="ko-KR" sz="1400" b="1" dirty="0">
+                          <a:solidFill>
+                            <a:srgbClr val="FF0000"/>
+                          </a:solidFill>
+                        </a:rPr>
+                        <a:t>O</a:t>
+                      </a:r>
+                    </a:p>
+                  </a:txBody>
+                  <a:tcPr/>
+                </a:tc>
+                <a:tc>
+                  <a:txBody>
+                    <a:bodyPr/>
+                    <a:lstStyle/>
+                    <a:p>
+                      <a:pPr marL="0" marR="0" lvl="0" indent="0" algn="l" defTabSz="914400" rtl="0" eaLnBrk="1" fontAlgn="auto" latinLnBrk="1" hangingPunct="1">
+                        <a:lnSpc>
+                          <a:spcPct val="100000"/>
+                        </a:lnSpc>
+                        <a:spcBef>
+                          <a:spcPts val="0"/>
+                        </a:spcBef>
+                        <a:spcAft>
+                          <a:spcPts val="0"/>
+                        </a:spcAft>
+                        <a:buClrTx/>
+                        <a:buSzTx/>
+                        <a:buFontTx/>
+                        <a:buNone/>
+                        <a:tabLst/>
+                        <a:defRPr/>
+                      </a:pPr>
+                      <a:r>
+                        <a:rPr lang="ko-KR" altLang="en-US" sz="1400" dirty="0"/>
+                        <a:t>모니터링 </a:t>
+                      </a:r>
+                      <a:r>
+                        <a:rPr lang="en-US" altLang="ko-KR" sz="1400" dirty="0"/>
+                        <a:t>Query</a:t>
+                      </a:r>
+                      <a:r>
+                        <a:rPr lang="ko-KR" altLang="en-US" sz="1400" dirty="0"/>
+                        <a:t>를 다룰 줄 알아야 합니다</a:t>
+                      </a:r>
+                      <a:r>
+                        <a:rPr lang="en-US" altLang="ko-KR" sz="1400" dirty="0"/>
+                        <a:t>.</a:t>
+                      </a:r>
+                    </a:p>
+                  </a:txBody>
+                  <a:tcPr/>
+                </a:tc>
+                <a:extLst>
+                  <a:ext uri="{0D108BD9-81ED-4DB2-BD59-A6C34878D82A}">
+                    <a16:rowId xmlns:a16="http://schemas.microsoft.com/office/drawing/2014/main" val="1192334467"/>
+                  </a:ext>
+                </a:extLst>
+              </a:tr>
+              <a:tr h="0">
+                <a:tc>
+                  <a:txBody>
+                    <a:bodyPr/>
+                    <a:lstStyle/>
+                    <a:p>
+                      <a:pPr marL="0" marR="0" lvl="0" indent="0" algn="l" defTabSz="914400" rtl="0" eaLnBrk="1" fontAlgn="auto" latinLnBrk="1" hangingPunct="1">
+                        <a:lnSpc>
+                          <a:spcPct val="100000"/>
+                        </a:lnSpc>
+                        <a:spcBef>
+                          <a:spcPts val="0"/>
+                        </a:spcBef>
+                        <a:spcAft>
+                          <a:spcPts val="0"/>
+                        </a:spcAft>
+                        <a:buClrTx/>
+                        <a:buSzTx/>
+                        <a:buFontTx/>
+                        <a:buNone/>
+                        <a:tabLst/>
+                        <a:defRPr/>
+                      </a:pPr>
+                      <a:r>
+                        <a:rPr lang="en-US" altLang="ko-KR" sz="1400" dirty="0"/>
+                        <a:t>Report </a:t>
+                      </a:r>
+                      <a:r>
+                        <a:rPr lang="ko-KR" altLang="en-US" sz="1400" dirty="0"/>
+                        <a:t>결과물로 데이터를 분석한다</a:t>
+                      </a:r>
+                      <a:r>
+                        <a:rPr lang="en-US" altLang="ko-KR" sz="1400" dirty="0"/>
+                        <a:t>. </a:t>
+                      </a:r>
+                    </a:p>
+                  </a:txBody>
+                  <a:tcPr/>
+                </a:tc>
+                <a:tc>
+                  <a:txBody>
+                    <a:bodyPr/>
+                    <a:lstStyle/>
+                    <a:p>
+                      <a:pPr latinLnBrk="1"/>
+                      <a:endParaRPr lang="en-US" altLang="ko-KR" sz="1400" dirty="0"/>
+                    </a:p>
+                  </a:txBody>
+                  <a:tcPr/>
+                </a:tc>
+                <a:tc>
+                  <a:txBody>
+                    <a:bodyPr/>
+                    <a:lstStyle/>
+                    <a:p>
+                      <a:pPr latinLnBrk="1"/>
+                      <a:endParaRPr lang="en-US" altLang="ko-KR" sz="1400" dirty="0"/>
+                    </a:p>
+                  </a:txBody>
+                  <a:tcPr/>
+                </a:tc>
+                <a:tc>
+                  <a:txBody>
+                    <a:bodyPr/>
+                    <a:lstStyle/>
+                    <a:p>
+                      <a:pPr latinLnBrk="1"/>
+                      <a:endParaRPr lang="en-US" altLang="ko-KR" sz="1400" dirty="0"/>
+                    </a:p>
+                  </a:txBody>
+                  <a:tcPr/>
+                </a:tc>
+                <a:tc>
+                  <a:txBody>
+                    <a:bodyPr/>
+                    <a:lstStyle/>
+                    <a:p>
+                      <a:pPr latinLnBrk="1"/>
+                      <a:r>
+                        <a:rPr lang="en-US" altLang="ko-KR" sz="1400" b="1" dirty="0">
+                          <a:solidFill>
+                            <a:srgbClr val="FF0000"/>
+                          </a:solidFill>
+                        </a:rPr>
+                        <a:t>O</a:t>
+                      </a:r>
+                    </a:p>
+                  </a:txBody>
+                  <a:tcPr/>
+                </a:tc>
+                <a:tc>
+                  <a:txBody>
+                    <a:bodyPr/>
+                    <a:lstStyle/>
+                    <a:p>
+                      <a:pPr latinLnBrk="1"/>
+                      <a:r>
+                        <a:rPr lang="ko-KR" altLang="en-US" sz="1400" dirty="0"/>
+                        <a:t>데이터 분석을 통해 이상현상을 감지합니다</a:t>
+                      </a:r>
+                      <a:r>
+                        <a:rPr lang="en-US" altLang="ko-KR" sz="1400" dirty="0"/>
+                        <a:t>.</a:t>
+                      </a:r>
+                    </a:p>
+                  </a:txBody>
+                  <a:tcPr/>
+                </a:tc>
+                <a:extLst>
+                  <a:ext uri="{0D108BD9-81ED-4DB2-BD59-A6C34878D82A}">
+                    <a16:rowId xmlns:a16="http://schemas.microsoft.com/office/drawing/2014/main" val="2009770327"/>
+                  </a:ext>
+                </a:extLst>
+              </a:tr>
+              <a:tr h="357898">
+                <a:tc>
+                  <a:txBody>
+                    <a:bodyPr/>
+                    <a:lstStyle/>
+                    <a:p>
+                      <a:pPr latinLnBrk="1"/>
+                      <a:r>
+                        <a:rPr lang="ko-KR" altLang="en-US" sz="1400" dirty="0"/>
+                        <a:t>알람 자동화 작업을 위한 시스템 구축 및 설계</a:t>
+                      </a:r>
+                    </a:p>
+                  </a:txBody>
+                  <a:tcPr/>
+                </a:tc>
+                <a:tc>
+                  <a:txBody>
+                    <a:bodyPr/>
+                    <a:lstStyle/>
+                    <a:p>
+                      <a:pPr latinLnBrk="1"/>
+                      <a:endParaRPr lang="ko-KR" altLang="en-US" sz="1400" dirty="0"/>
+                    </a:p>
+                  </a:txBody>
+                  <a:tcPr/>
+                </a:tc>
+                <a:tc>
+                  <a:txBody>
+                    <a:bodyPr/>
+                    <a:lstStyle/>
+                    <a:p>
+                      <a:pPr latinLnBrk="1"/>
+                      <a:endParaRPr lang="ko-KR" altLang="en-US" sz="1400" dirty="0"/>
+                    </a:p>
+                  </a:txBody>
+                  <a:tcPr/>
+                </a:tc>
+                <a:tc>
+                  <a:txBody>
+                    <a:bodyPr/>
+                    <a:lstStyle/>
+                    <a:p>
+                      <a:pPr latinLnBrk="1"/>
+                      <a:endParaRPr lang="ko-KR" altLang="en-US" sz="1400" dirty="0"/>
+                    </a:p>
+                  </a:txBody>
+                  <a:tcPr/>
+                </a:tc>
+                <a:tc>
+                  <a:txBody>
+                    <a:bodyPr/>
+                    <a:lstStyle/>
+                    <a:p>
+                      <a:pPr latinLnBrk="1"/>
+                      <a:r>
+                        <a:rPr lang="en-US" altLang="ko-KR" sz="1400" b="1" dirty="0">
+                          <a:solidFill>
+                            <a:srgbClr val="FF0000"/>
+                          </a:solidFill>
+                        </a:rPr>
+                        <a:t>O</a:t>
+                      </a:r>
+                      <a:endParaRPr lang="ko-KR" altLang="en-US" sz="1400" b="1" dirty="0">
+                        <a:solidFill>
+                          <a:srgbClr val="FF0000"/>
+                        </a:solidFill>
+                      </a:endParaRPr>
+                    </a:p>
+                  </a:txBody>
+                  <a:tcPr/>
+                </a:tc>
+                <a:tc>
+                  <a:txBody>
+                    <a:bodyPr/>
+                    <a:lstStyle/>
+                    <a:p>
+                      <a:pPr latinLnBrk="1"/>
+                      <a:endParaRPr lang="ko-KR" altLang="en-US" sz="1400" dirty="0"/>
+                    </a:p>
+                  </a:txBody>
+                  <a:tcPr/>
+                </a:tc>
+                <a:extLst>
+                  <a:ext uri="{0D108BD9-81ED-4DB2-BD59-A6C34878D82A}">
+                    <a16:rowId xmlns:a16="http://schemas.microsoft.com/office/drawing/2014/main" val="3246019006"/>
+                  </a:ext>
+                </a:extLst>
+              </a:tr>
+              <a:tr h="357898">
+                <a:tc>
+                  <a:txBody>
+                    <a:bodyPr/>
+                    <a:lstStyle/>
+                    <a:p>
+                      <a:pPr latinLnBrk="1"/>
+                      <a:r>
+                        <a:rPr lang="ko-KR" altLang="en-US" sz="1400" dirty="0"/>
+                        <a:t>아르바이트</a:t>
+                      </a:r>
+                      <a:r>
+                        <a:rPr lang="en-US" altLang="ko-KR" sz="1400" dirty="0"/>
+                        <a:t>,</a:t>
+                      </a:r>
+                      <a:r>
+                        <a:rPr lang="ko-KR" altLang="en-US" sz="1400" dirty="0"/>
+                        <a:t>팀원 교육 및 매뉴얼 작업</a:t>
+                      </a:r>
+                    </a:p>
+                  </a:txBody>
+                  <a:tcPr/>
+                </a:tc>
+                <a:tc>
+                  <a:txBody>
+                    <a:bodyPr/>
+                    <a:lstStyle/>
+                    <a:p>
+                      <a:pPr latinLnBrk="1"/>
+                      <a:endParaRPr lang="ko-KR" altLang="en-US" sz="1400" dirty="0"/>
+                    </a:p>
+                  </a:txBody>
+                  <a:tcPr/>
+                </a:tc>
+                <a:tc>
+                  <a:txBody>
+                    <a:bodyPr/>
+                    <a:lstStyle/>
+                    <a:p>
+                      <a:pPr latinLnBrk="1"/>
+                      <a:endParaRPr lang="ko-KR" altLang="en-US" sz="1400" dirty="0"/>
+                    </a:p>
+                  </a:txBody>
+                  <a:tcPr/>
+                </a:tc>
+                <a:tc>
+                  <a:txBody>
+                    <a:bodyPr/>
+                    <a:lstStyle/>
+                    <a:p>
+                      <a:pPr latinLnBrk="1"/>
+                      <a:endParaRPr lang="ko-KR" altLang="en-US" sz="1400" dirty="0"/>
+                    </a:p>
+                  </a:txBody>
+                  <a:tcPr/>
+                </a:tc>
+                <a:tc>
+                  <a:txBody>
+                    <a:bodyPr/>
+                    <a:lstStyle/>
+                    <a:p>
+                      <a:pPr latinLnBrk="1"/>
+                      <a:r>
+                        <a:rPr lang="en-US" altLang="ko-KR" sz="1400" b="1" dirty="0">
+                          <a:solidFill>
+                            <a:srgbClr val="FF0000"/>
+                          </a:solidFill>
+                        </a:rPr>
+                        <a:t>O</a:t>
+                      </a:r>
+                      <a:endParaRPr lang="ko-KR" altLang="en-US" sz="1400" b="1" dirty="0">
+                        <a:solidFill>
+                          <a:srgbClr val="FF0000"/>
+                        </a:solidFill>
+                      </a:endParaRPr>
+                    </a:p>
+                  </a:txBody>
+                  <a:tcPr/>
+                </a:tc>
+                <a:tc>
+                  <a:txBody>
+                    <a:bodyPr/>
+                    <a:lstStyle/>
+                    <a:p>
+                      <a:pPr latinLnBrk="1"/>
+                      <a:endParaRPr lang="ko-KR" altLang="en-US" sz="1400" dirty="0"/>
+                    </a:p>
+                  </a:txBody>
+                  <a:tcPr/>
+                </a:tc>
+                <a:extLst>
+                  <a:ext uri="{0D108BD9-81ED-4DB2-BD59-A6C34878D82A}">
+                    <a16:rowId xmlns:a16="http://schemas.microsoft.com/office/drawing/2014/main" val="355888214"/>
+                  </a:ext>
+                </a:extLst>
+              </a:tr>
+            </a:tbl>
+          </a:graphicData>
+        </a:graphic>
+      </p:graphicFrame>
+      <p:sp>
+        <p:nvSpPr>
+          <p:cNvPr id="6" name="TextBox 5">
+            <a:extLst>
+              <a:ext uri="{FF2B5EF4-FFF2-40B4-BE49-F238E27FC236}">
+                <a16:creationId xmlns:a16="http://schemas.microsoft.com/office/drawing/2014/main" id="{7C0EEAFB-A752-F95F-5F7B-A8AC666DBCDD}"/>
+              </a:ext>
+            </a:extLst>
+          </p:cNvPr>
+          <p:cNvSpPr txBox="1"/>
+          <p:nvPr/>
+        </p:nvSpPr>
+        <p:spPr>
+          <a:xfrm>
+            <a:off x="167148" y="1078291"/>
+            <a:ext cx="1189749" cy="369332"/>
+          </a:xfrm>
+          <a:prstGeom prst="rect">
+            <a:avLst/>
+          </a:prstGeom>
+          <a:noFill/>
+        </p:spPr>
+        <p:txBody>
+          <a:bodyPr wrap="none" rtlCol="0">
+            <a:spAutoFit/>
+          </a:bodyPr>
+          <a:lstStyle/>
+          <a:p>
+            <a:r>
+              <a:rPr lang="ko-KR" altLang="en-US" dirty="0"/>
+              <a:t>팀원 역할</a:t>
+            </a:r>
+            <a:endParaRPr lang="en-US" altLang="ko-KR" dirty="0"/>
+          </a:p>
+        </p:txBody>
+      </p:sp>
+    </p:spTree>
+    <p:extLst>
+      <p:ext uri="{BB962C8B-B14F-4D97-AF65-F5344CB8AC3E}">
+        <p14:creationId xmlns:p14="http://schemas.microsoft.com/office/powerpoint/2010/main" val="2745348293"/>
+      </p:ext>
+    </p:extLst>
+  </p:cSld>
+  <p:clrMapOvr>
+    <a:masterClrMapping/>
+  </p:clrMapOvr>
+</p:sld>
+</file>
+
+<file path=ppt/slides/slide4.xml><?xml version="1.0" encoding="utf-8"?>
+<p:sld xmlns:a="http://schemas.openxmlformats.org/drawingml/2006/main" xmlns:r="http://schemas.openxmlformats.org/officeDocument/2006/relationships" xmlns:p="http://schemas.openxmlformats.org/presentationml/2006/main">
+  <p:cSld>
+    <p:spTree>
+      <p:nvGrpSpPr>
+        <p:cNvPr id="1" name=""/>
+        <p:cNvGrpSpPr/>
+        <p:nvPr/>
+      </p:nvGrpSpPr>
+      <p:grpSpPr>
+        <a:xfrm>
+          <a:off x="0" y="0"/>
+          <a:ext cx="0" cy="0"/>
+          <a:chOff x="0" y="0"/>
+          <a:chExt cx="0" cy="0"/>
+        </a:xfrm>
+      </p:grpSpPr>
+      <p:graphicFrame>
+        <p:nvGraphicFramePr>
+          <p:cNvPr id="6" name="표 6">
+            <a:extLst>
+              <a:ext uri="{FF2B5EF4-FFF2-40B4-BE49-F238E27FC236}">
+                <a16:creationId xmlns:a16="http://schemas.microsoft.com/office/drawing/2014/main" id="{E9390A0B-6DF2-BFF6-E0F5-4FD2BA51CA7C}"/>
+              </a:ext>
+            </a:extLst>
+          </p:cNvPr>
+          <p:cNvGraphicFramePr>
+            <a:graphicFrameLocks noGrp="1"/>
+          </p:cNvGraphicFramePr>
+          <p:nvPr>
+            <p:extLst>
+              <p:ext uri="{D42A27DB-BD31-4B8C-83A1-F6EECF244321}">
+                <p14:modId xmlns:p14="http://schemas.microsoft.com/office/powerpoint/2010/main" val="409941067"/>
+              </p:ext>
+            </p:extLst>
+          </p:nvPr>
+        </p:nvGraphicFramePr>
+        <p:xfrm>
+          <a:off x="147430" y="1269078"/>
+          <a:ext cx="11897140" cy="3758128"/>
+        </p:xfrm>
+        <a:graphic>
+          <a:graphicData uri="http://schemas.openxmlformats.org/drawingml/2006/table">
+            <a:tbl>
+              <a:tblPr firstRow="1" bandRow="1">
+                <a:tableStyleId>{5C22544A-7EE6-4342-B048-85BDC9FD1C3A}</a:tableStyleId>
+              </a:tblPr>
+              <a:tblGrid>
+                <a:gridCol w="826605">
+                  <a:extLst>
+                    <a:ext uri="{9D8B030D-6E8A-4147-A177-3AD203B41FA5}">
+                      <a16:colId xmlns:a16="http://schemas.microsoft.com/office/drawing/2014/main" val="20106868"/>
+                    </a:ext>
+                  </a:extLst>
+                </a:gridCol>
+                <a:gridCol w="914400">
+                  <a:extLst>
+                    <a:ext uri="{9D8B030D-6E8A-4147-A177-3AD203B41FA5}">
+                      <a16:colId xmlns:a16="http://schemas.microsoft.com/office/drawing/2014/main" val="669810098"/>
+                    </a:ext>
+                  </a:extLst>
+                </a:gridCol>
+                <a:gridCol w="993913">
+                  <a:extLst>
+                    <a:ext uri="{9D8B030D-6E8A-4147-A177-3AD203B41FA5}">
+                      <a16:colId xmlns:a16="http://schemas.microsoft.com/office/drawing/2014/main" val="1714830432"/>
+                    </a:ext>
+                  </a:extLst>
+                </a:gridCol>
+                <a:gridCol w="2206487">
+                  <a:extLst>
+                    <a:ext uri="{9D8B030D-6E8A-4147-A177-3AD203B41FA5}">
+                      <a16:colId xmlns:a16="http://schemas.microsoft.com/office/drawing/2014/main" val="2262553094"/>
+                    </a:ext>
+                  </a:extLst>
+                </a:gridCol>
+                <a:gridCol w="1268209">
+                  <a:extLst>
+                    <a:ext uri="{9D8B030D-6E8A-4147-A177-3AD203B41FA5}">
+                      <a16:colId xmlns:a16="http://schemas.microsoft.com/office/drawing/2014/main" val="982574080"/>
+                    </a:ext>
+                  </a:extLst>
+                </a:gridCol>
+                <a:gridCol w="510895">
+                  <a:extLst>
+                    <a:ext uri="{9D8B030D-6E8A-4147-A177-3AD203B41FA5}">
+                      <a16:colId xmlns:a16="http://schemas.microsoft.com/office/drawing/2014/main" val="215471096"/>
+                    </a:ext>
+                  </a:extLst>
+                </a:gridCol>
+                <a:gridCol w="735496">
+                  <a:extLst>
+                    <a:ext uri="{9D8B030D-6E8A-4147-A177-3AD203B41FA5}">
+                      <a16:colId xmlns:a16="http://schemas.microsoft.com/office/drawing/2014/main" val="2289557929"/>
+                    </a:ext>
+                  </a:extLst>
+                </a:gridCol>
+                <a:gridCol w="3429000">
+                  <a:extLst>
+                    <a:ext uri="{9D8B030D-6E8A-4147-A177-3AD203B41FA5}">
+                      <a16:colId xmlns:a16="http://schemas.microsoft.com/office/drawing/2014/main" val="3596805335"/>
+                    </a:ext>
+                  </a:extLst>
+                </a:gridCol>
+                <a:gridCol w="1012135">
+                  <a:extLst>
+                    <a:ext uri="{9D8B030D-6E8A-4147-A177-3AD203B41FA5}">
+                      <a16:colId xmlns:a16="http://schemas.microsoft.com/office/drawing/2014/main" val="3305305611"/>
+                    </a:ext>
+                  </a:extLst>
+                </a:gridCol>
+              </a:tblGrid>
+              <a:tr h="374854">
+                <a:tc>
+                  <a:txBody>
+                    <a:bodyPr/>
+                    <a:lstStyle/>
+                    <a:p>
+                      <a:pPr latinLnBrk="1"/>
+                      <a:r>
+                        <a:rPr lang="ko-KR" altLang="en-US" sz="1400" dirty="0"/>
+                        <a:t>구분</a:t>
+                      </a:r>
+                    </a:p>
+                  </a:txBody>
+                  <a:tcPr/>
+                </a:tc>
+                <a:tc>
+                  <a:txBody>
+                    <a:bodyPr/>
+                    <a:lstStyle/>
+                    <a:p>
+                      <a:pPr latinLnBrk="1"/>
+                      <a:r>
+                        <a:rPr lang="ko-KR" altLang="en-US" sz="1400" dirty="0"/>
+                        <a:t>모니터링</a:t>
+                      </a:r>
+                    </a:p>
+                  </a:txBody>
+                  <a:tcPr/>
+                </a:tc>
+                <a:tc>
+                  <a:txBody>
+                    <a:bodyPr/>
+                    <a:lstStyle/>
+                    <a:p>
+                      <a:pPr latinLnBrk="1"/>
+                      <a:r>
+                        <a:rPr lang="ko-KR" altLang="en-US" sz="1400" dirty="0"/>
+                        <a:t>알람 여부</a:t>
+                      </a:r>
+                    </a:p>
+                  </a:txBody>
+                  <a:tcPr/>
+                </a:tc>
+                <a:tc>
+                  <a:txBody>
+                    <a:bodyPr/>
+                    <a:lstStyle/>
+                    <a:p>
+                      <a:pPr latinLnBrk="1"/>
+                      <a:r>
+                        <a:rPr lang="ko-KR" altLang="en-US" sz="1400" dirty="0"/>
+                        <a:t>대응시간</a:t>
+                      </a:r>
+                    </a:p>
+                  </a:txBody>
+                  <a:tcPr/>
+                </a:tc>
+                <a:tc gridSpan="3">
+                  <a:txBody>
+                    <a:bodyPr/>
+                    <a:lstStyle/>
+                    <a:p>
+                      <a:pPr latinLnBrk="1"/>
+                      <a:r>
+                        <a:rPr lang="ko-KR" altLang="en-US" sz="1400" dirty="0"/>
+                        <a:t>대응방법</a:t>
+                      </a:r>
+                    </a:p>
+                  </a:txBody>
+                  <a:tcPr/>
+                </a:tc>
+                <a:tc hMerge="1">
+                  <a:txBody>
+                    <a:bodyPr/>
+                    <a:lstStyle/>
+                    <a:p>
+                      <a:pPr latinLnBrk="1"/>
+                      <a:endParaRPr lang="ko-KR" altLang="en-US"/>
+                    </a:p>
+                  </a:txBody>
+                  <a:tcPr/>
+                </a:tc>
+                <a:tc hMerge="1">
+                  <a:txBody>
+                    <a:bodyPr/>
+                    <a:lstStyle/>
+                    <a:p>
+                      <a:pPr latinLnBrk="1"/>
+                      <a:endParaRPr lang="ko-KR" altLang="en-US" sz="1400" dirty="0"/>
+                    </a:p>
+                  </a:txBody>
+                  <a:tcPr/>
+                </a:tc>
+                <a:tc>
+                  <a:txBody>
+                    <a:bodyPr/>
+                    <a:lstStyle/>
+                    <a:p>
+                      <a:pPr latinLnBrk="1"/>
+                      <a:r>
+                        <a:rPr lang="ko-KR" altLang="en-US" sz="1400" dirty="0"/>
+                        <a:t>비고</a:t>
+                      </a:r>
+                    </a:p>
+                  </a:txBody>
+                  <a:tcPr/>
+                </a:tc>
+                <a:tc>
+                  <a:txBody>
+                    <a:bodyPr/>
+                    <a:lstStyle/>
+                    <a:p>
+                      <a:pPr latinLnBrk="1"/>
+                      <a:r>
+                        <a:rPr lang="ko-KR" altLang="en-US" sz="1400" dirty="0"/>
+                        <a:t>담당자</a:t>
+                      </a:r>
+                    </a:p>
+                  </a:txBody>
+                  <a:tcPr/>
+                </a:tc>
+                <a:extLst>
+                  <a:ext uri="{0D108BD9-81ED-4DB2-BD59-A6C34878D82A}">
+                    <a16:rowId xmlns:a16="http://schemas.microsoft.com/office/drawing/2014/main" val="2168157452"/>
+                  </a:ext>
+                </a:extLst>
+              </a:tr>
+              <a:tr h="312083">
+                <a:tc rowSpan="2">
+                  <a:txBody>
+                    <a:bodyPr/>
+                    <a:lstStyle/>
+                    <a:p>
+                      <a:pPr latinLnBrk="1"/>
+                      <a:r>
+                        <a:rPr lang="en-US" altLang="ko-KR" sz="1200" dirty="0"/>
+                        <a:t>LEVEL1-1</a:t>
+                      </a:r>
+                      <a:endParaRPr lang="ko-KR" altLang="en-US" sz="1200" dirty="0"/>
+                    </a:p>
+                  </a:txBody>
+                  <a:tcPr>
+                    <a:solidFill>
+                      <a:schemeClr val="accent2">
+                        <a:lumMod val="40000"/>
+                        <a:lumOff val="60000"/>
+                      </a:schemeClr>
+                    </a:solidFill>
+                  </a:tcPr>
+                </a:tc>
+                <a:tc rowSpan="2">
+                  <a:txBody>
+                    <a:bodyPr/>
+                    <a:lstStyle/>
+                    <a:p>
+                      <a:pPr latinLnBrk="1"/>
+                      <a:r>
+                        <a:rPr lang="ko-KR" altLang="en-US" sz="1200" dirty="0"/>
+                        <a:t>대상</a:t>
+                      </a:r>
+                    </a:p>
+                  </a:txBody>
+                  <a:tcPr>
+                    <a:solidFill>
+                      <a:schemeClr val="accent2">
+                        <a:lumMod val="40000"/>
+                        <a:lumOff val="60000"/>
+                      </a:schemeClr>
+                    </a:solidFill>
+                  </a:tcPr>
+                </a:tc>
+                <a:tc rowSpan="2">
+                  <a:txBody>
+                    <a:bodyPr/>
+                    <a:lstStyle/>
+                    <a:p>
+                      <a:pPr latinLnBrk="1"/>
+                      <a:r>
+                        <a:rPr lang="ko-KR" altLang="en-US" sz="1200" dirty="0"/>
+                        <a:t>대상</a:t>
+                      </a:r>
+                    </a:p>
+                  </a:txBody>
+                  <a:tcPr>
+                    <a:solidFill>
+                      <a:schemeClr val="accent2">
+                        <a:lumMod val="40000"/>
+                        <a:lumOff val="60000"/>
+                      </a:schemeClr>
+                    </a:solidFill>
+                  </a:tcPr>
+                </a:tc>
+                <a:tc rowSpan="4">
+                  <a:txBody>
+                    <a:bodyPr/>
+                    <a:lstStyle/>
+                    <a:p>
+                      <a:pPr latinLnBrk="1"/>
+                      <a:r>
+                        <a:rPr lang="ko-KR" altLang="en-US" sz="1200" dirty="0"/>
+                        <a:t>평일</a:t>
+                      </a:r>
+                      <a:r>
+                        <a:rPr lang="en-US" altLang="ko-KR" sz="1200" dirty="0"/>
+                        <a:t>(07:00 ~ 22:00)</a:t>
+                      </a:r>
+                    </a:p>
+                    <a:p>
+                      <a:pPr latinLnBrk="1"/>
+                      <a:r>
+                        <a:rPr lang="ko-KR" altLang="en-US" sz="1200" dirty="0"/>
+                        <a:t>주말 및 공휴일</a:t>
+                      </a:r>
+                      <a:r>
+                        <a:rPr lang="en-US" altLang="ko-KR" sz="1200" dirty="0"/>
+                        <a:t>(09:00 ~ 18:00)</a:t>
+                      </a:r>
+                      <a:endParaRPr lang="ko-KR" altLang="en-US" sz="1200" dirty="0"/>
+                    </a:p>
+                  </a:txBody>
+                  <a:tcPr>
+                    <a:solidFill>
+                      <a:schemeClr val="accent2">
+                        <a:lumMod val="40000"/>
+                        <a:lumOff val="60000"/>
+                      </a:schemeClr>
+                    </a:solidFill>
+                  </a:tcPr>
+                </a:tc>
+                <a:tc>
+                  <a:txBody>
+                    <a:bodyPr/>
+                    <a:lstStyle/>
+                    <a:p>
+                      <a:pPr latinLnBrk="1"/>
+                      <a:endParaRPr lang="en-US" altLang="ko-KR" sz="1200" dirty="0"/>
+                    </a:p>
+                  </a:txBody>
+                  <a:tcPr>
+                    <a:solidFill>
+                      <a:schemeClr val="accent2">
+                        <a:lumMod val="60000"/>
+                        <a:lumOff val="40000"/>
+                      </a:schemeClr>
+                    </a:solidFill>
+                  </a:tcPr>
+                </a:tc>
+                <a:tc>
+                  <a:txBody>
+                    <a:bodyPr/>
+                    <a:lstStyle/>
+                    <a:p>
+                      <a:pPr latinLnBrk="1"/>
+                      <a:r>
+                        <a:rPr lang="ko-KR" altLang="en-US" sz="1200"/>
+                        <a:t>즉시</a:t>
+                      </a:r>
+                      <a:endParaRPr lang="en-US" altLang="ko-KR" sz="1200" dirty="0"/>
+                    </a:p>
+                  </a:txBody>
+                  <a:tcPr>
+                    <a:solidFill>
+                      <a:schemeClr val="accent2">
+                        <a:lumMod val="60000"/>
+                        <a:lumOff val="40000"/>
+                      </a:schemeClr>
+                    </a:solidFill>
+                  </a:tcPr>
+                </a:tc>
+                <a:tc>
+                  <a:txBody>
+                    <a:bodyPr/>
+                    <a:lstStyle/>
+                    <a:p>
+                      <a:pPr latinLnBrk="1"/>
+                      <a:r>
+                        <a:rPr lang="ko-KR" altLang="en-US" sz="1200"/>
+                        <a:t>업무일</a:t>
+                      </a:r>
+                      <a:endParaRPr lang="en-US" altLang="ko-KR" sz="1200" dirty="0"/>
+                    </a:p>
+                  </a:txBody>
+                  <a:tcPr>
+                    <a:solidFill>
+                      <a:schemeClr val="accent2">
+                        <a:lumMod val="60000"/>
+                        <a:lumOff val="40000"/>
+                      </a:schemeClr>
+                    </a:solidFill>
+                  </a:tcPr>
+                </a:tc>
+                <a:tc rowSpan="4">
+                  <a:txBody>
+                    <a:bodyPr/>
+                    <a:lstStyle/>
+                    <a:p>
+                      <a:pPr latinLnBrk="1"/>
+                      <a:r>
+                        <a:rPr lang="ko-KR" altLang="en-US" sz="1200" dirty="0"/>
+                        <a:t>장애 감지 시 즉시 고객사에 안내</a:t>
+                      </a:r>
+                      <a:r>
+                        <a:rPr lang="en-US" altLang="ko-KR" sz="1200" dirty="0"/>
+                        <a:t>.</a:t>
+                      </a:r>
+                    </a:p>
+                    <a:p>
+                      <a:pPr latinLnBrk="1"/>
+                      <a:endParaRPr lang="en-US" altLang="ko-KR" sz="1200" dirty="0"/>
+                    </a:p>
+                    <a:p>
+                      <a:pPr latinLnBrk="1"/>
+                      <a:r>
+                        <a:rPr lang="ko-KR" altLang="en-US" sz="1200" b="1" dirty="0">
+                          <a:solidFill>
+                            <a:srgbClr val="FF0000"/>
+                          </a:solidFill>
+                        </a:rPr>
+                        <a:t>△</a:t>
+                      </a:r>
+                      <a:r>
+                        <a:rPr lang="en-US" altLang="ko-KR" sz="1200" dirty="0"/>
+                        <a:t>: </a:t>
+                      </a:r>
+                      <a:r>
+                        <a:rPr lang="ko-KR" altLang="en-US" sz="1200" dirty="0"/>
+                        <a:t>사전 공지된 사이트의 경우 </a:t>
+                      </a:r>
+                      <a:endParaRPr lang="en-US" altLang="ko-KR" sz="1200" dirty="0"/>
+                    </a:p>
+                    <a:p>
+                      <a:pPr latinLnBrk="1"/>
+                      <a:r>
+                        <a:rPr lang="ko-KR" altLang="en-US" sz="1200" dirty="0"/>
+                        <a:t>홈페이지 변경 시 즉시 대응</a:t>
+                      </a:r>
+                      <a:r>
+                        <a:rPr lang="en-US" altLang="ko-KR" sz="1200" dirty="0"/>
+                        <a:t>.</a:t>
+                      </a:r>
+                      <a:endParaRPr lang="ko-KR" altLang="en-US" sz="1200" dirty="0"/>
+                    </a:p>
+                  </a:txBody>
+                  <a:tcPr>
+                    <a:solidFill>
+                      <a:schemeClr val="accent2">
+                        <a:lumMod val="40000"/>
+                        <a:lumOff val="60000"/>
+                      </a:schemeClr>
+                    </a:solidFill>
+                  </a:tcPr>
+                </a:tc>
+                <a:tc rowSpan="4">
+                  <a:txBody>
+                    <a:bodyPr/>
+                    <a:lstStyle/>
+                    <a:p>
+                      <a:pPr latinLnBrk="1"/>
+                      <a:r>
+                        <a:rPr lang="en-US" altLang="ko-KR" sz="1200" dirty="0"/>
+                        <a:t>DMON</a:t>
+                      </a:r>
+                    </a:p>
+                    <a:p>
+                      <a:pPr latinLnBrk="1"/>
+                      <a:r>
+                        <a:rPr lang="ko-KR" altLang="en-US" sz="1200" dirty="0"/>
+                        <a:t>아르바이트</a:t>
+                      </a:r>
+                    </a:p>
+                  </a:txBody>
+                  <a:tcPr>
+                    <a:solidFill>
+                      <a:schemeClr val="accent2">
+                        <a:lumMod val="40000"/>
+                        <a:lumOff val="60000"/>
+                      </a:schemeClr>
+                    </a:solidFill>
+                  </a:tcPr>
+                </a:tc>
+                <a:extLst>
+                  <a:ext uri="{0D108BD9-81ED-4DB2-BD59-A6C34878D82A}">
+                    <a16:rowId xmlns:a16="http://schemas.microsoft.com/office/drawing/2014/main" val="1780318493"/>
+                  </a:ext>
+                </a:extLst>
+              </a:tr>
+              <a:tr h="269491">
+                <a:tc vMerge="1">
+                  <a:txBody>
+                    <a:bodyPr/>
+                    <a:lstStyle/>
+                    <a:p>
+                      <a:pPr latinLnBrk="1"/>
+                      <a:endParaRPr lang="ko-KR" altLang="en-US" sz="1200" dirty="0"/>
+                    </a:p>
+                  </a:txBody>
+                  <a:tcPr/>
+                </a:tc>
+                <a:tc vMerge="1">
+                  <a:txBody>
+                    <a:bodyPr/>
+                    <a:lstStyle/>
+                    <a:p>
+                      <a:pPr latinLnBrk="1"/>
+                      <a:endParaRPr lang="ko-KR" altLang="en-US" sz="1200" dirty="0"/>
+                    </a:p>
+                  </a:txBody>
+                  <a:tcPr/>
+                </a:tc>
+                <a:tc vMerge="1">
+                  <a:txBody>
+                    <a:bodyPr/>
+                    <a:lstStyle/>
+                    <a:p>
+                      <a:pPr latinLnBrk="1"/>
+                      <a:endParaRPr lang="ko-KR" altLang="en-US" sz="1200" dirty="0"/>
+                    </a:p>
+                  </a:txBody>
+                  <a:tcPr/>
+                </a:tc>
+                <a:tc vMerge="1">
+                  <a:txBody>
+                    <a:bodyPr/>
+                    <a:lstStyle/>
+                    <a:p>
+                      <a:pPr latinLnBrk="1"/>
+                      <a:endParaRPr lang="ko-KR" altLang="en-US"/>
+                    </a:p>
+                  </a:txBody>
+                  <a:tcPr/>
+                </a:tc>
+                <a:tc>
+                  <a:txBody>
+                    <a:bodyPr/>
+                    <a:lstStyle/>
+                    <a:p>
+                      <a:pPr latinLnBrk="1"/>
+                      <a:r>
+                        <a:rPr lang="ko-KR" altLang="en-US" sz="1200"/>
+                        <a:t>사이트장애</a:t>
+                      </a:r>
+                      <a:endParaRPr lang="en-US" altLang="ko-KR" sz="1200" dirty="0"/>
+                    </a:p>
+                  </a:txBody>
+                  <a:tcPr>
+                    <a:solidFill>
+                      <a:schemeClr val="accent2">
+                        <a:lumMod val="60000"/>
+                        <a:lumOff val="40000"/>
+                      </a:schemeClr>
+                    </a:solidFill>
+                  </a:tcPr>
+                </a:tc>
+                <a:tc>
+                  <a:txBody>
+                    <a:bodyPr/>
+                    <a:lstStyle/>
+                    <a:p>
+                      <a:pPr latinLnBrk="1"/>
+                      <a:r>
+                        <a:rPr lang="en-US" altLang="ko-KR" sz="1200" dirty="0"/>
+                        <a:t>O</a:t>
+                      </a:r>
+                    </a:p>
+                  </a:txBody>
+                  <a:tcPr>
+                    <a:solidFill>
+                      <a:schemeClr val="accent2">
+                        <a:lumMod val="60000"/>
+                        <a:lumOff val="40000"/>
+                      </a:schemeClr>
+                    </a:solidFill>
+                  </a:tcPr>
+                </a:tc>
+                <a:tc>
+                  <a:txBody>
+                    <a:bodyPr/>
+                    <a:lstStyle/>
+                    <a:p>
+                      <a:pPr latinLnBrk="1"/>
+                      <a:endParaRPr lang="en-US" altLang="ko-KR" sz="1200" dirty="0"/>
+                    </a:p>
+                  </a:txBody>
+                  <a:tcPr>
+                    <a:solidFill>
+                      <a:schemeClr val="accent2">
+                        <a:lumMod val="60000"/>
+                        <a:lumOff val="40000"/>
+                      </a:schemeClr>
+                    </a:solidFill>
+                  </a:tcPr>
+                </a:tc>
+                <a:tc vMerge="1">
+                  <a:txBody>
+                    <a:bodyPr/>
+                    <a:lstStyle/>
+                    <a:p>
+                      <a:pPr latinLnBrk="1"/>
+                      <a:endParaRPr lang="ko-KR" altLang="en-US"/>
+                    </a:p>
+                  </a:txBody>
+                  <a:tcPr/>
+                </a:tc>
+                <a:tc vMerge="1">
+                  <a:txBody>
+                    <a:bodyPr/>
+                    <a:lstStyle/>
+                    <a:p>
+                      <a:pPr latinLnBrk="1"/>
+                      <a:endParaRPr lang="ko-KR" altLang="en-US"/>
+                    </a:p>
+                  </a:txBody>
+                  <a:tcPr/>
+                </a:tc>
+                <a:extLst>
+                  <a:ext uri="{0D108BD9-81ED-4DB2-BD59-A6C34878D82A}">
+                    <a16:rowId xmlns:a16="http://schemas.microsoft.com/office/drawing/2014/main" val="1925406276"/>
+                  </a:ext>
+                </a:extLst>
+              </a:tr>
+              <a:tr h="341906">
+                <a:tc rowSpan="2">
+                  <a:txBody>
+                    <a:bodyPr/>
+                    <a:lstStyle/>
+                    <a:p>
+                      <a:pPr latinLnBrk="1"/>
+                      <a:r>
+                        <a:rPr lang="en-US" altLang="ko-KR" sz="1200"/>
+                        <a:t>LEVEL1-2</a:t>
+                      </a:r>
+                      <a:endParaRPr lang="ko-KR" altLang="en-US" sz="1200"/>
+                    </a:p>
+                  </a:txBody>
+                  <a:tcPr>
+                    <a:solidFill>
+                      <a:schemeClr val="accent2">
+                        <a:lumMod val="40000"/>
+                        <a:lumOff val="60000"/>
+                      </a:schemeClr>
+                    </a:solidFill>
+                  </a:tcPr>
+                </a:tc>
+                <a:tc rowSpan="2">
+                  <a:txBody>
+                    <a:bodyPr/>
+                    <a:lstStyle/>
+                    <a:p>
+                      <a:pPr latinLnBrk="1"/>
+                      <a:r>
+                        <a:rPr lang="ko-KR" altLang="en-US" sz="1200"/>
+                        <a:t>대상</a:t>
+                      </a:r>
+                    </a:p>
+                  </a:txBody>
+                  <a:tcPr>
+                    <a:solidFill>
+                      <a:schemeClr val="accent2">
+                        <a:lumMod val="40000"/>
+                        <a:lumOff val="60000"/>
+                      </a:schemeClr>
+                    </a:solidFill>
+                  </a:tcPr>
+                </a:tc>
+                <a:tc rowSpan="2">
+                  <a:txBody>
+                    <a:bodyPr/>
+                    <a:lstStyle/>
+                    <a:p>
+                      <a:pPr latinLnBrk="1"/>
+                      <a:r>
+                        <a:rPr lang="ko-KR" altLang="en-US" sz="1200" dirty="0"/>
+                        <a:t>대상</a:t>
+                      </a:r>
+                    </a:p>
+                  </a:txBody>
+                  <a:tcPr>
+                    <a:solidFill>
+                      <a:schemeClr val="accent2">
+                        <a:lumMod val="40000"/>
+                        <a:lumOff val="60000"/>
+                      </a:schemeClr>
+                    </a:solidFill>
+                  </a:tcPr>
+                </a:tc>
+                <a:tc vMerge="1">
+                  <a:txBody>
+                    <a:bodyPr/>
+                    <a:lstStyle/>
+                    <a:p>
+                      <a:pPr latinLnBrk="1"/>
+                      <a:endParaRPr lang="ko-KR" altLang="en-US"/>
+                    </a:p>
+                  </a:txBody>
+                  <a:tcPr/>
+                </a:tc>
+                <a:tc>
+                  <a:txBody>
+                    <a:bodyPr/>
+                    <a:lstStyle/>
+                    <a:p>
+                      <a:pPr latinLnBrk="1"/>
+                      <a:r>
+                        <a:rPr lang="ko-KR" altLang="en-US" sz="1200" dirty="0"/>
+                        <a:t>고객사 안내</a:t>
+                      </a:r>
+                      <a:endParaRPr lang="en-US" altLang="ko-KR" sz="1200" dirty="0"/>
+                    </a:p>
+                  </a:txBody>
+                  <a:tcPr>
+                    <a:solidFill>
+                      <a:schemeClr val="accent2">
+                        <a:lumMod val="60000"/>
+                        <a:lumOff val="40000"/>
+                      </a:schemeClr>
+                    </a:solidFill>
+                  </a:tcPr>
+                </a:tc>
+                <a:tc>
+                  <a:txBody>
+                    <a:bodyPr/>
+                    <a:lstStyle/>
+                    <a:p>
+                      <a:pPr latinLnBrk="1"/>
+                      <a:r>
+                        <a:rPr lang="en-US" altLang="ko-KR" sz="1200" dirty="0"/>
+                        <a:t>O</a:t>
+                      </a:r>
+                    </a:p>
+                  </a:txBody>
+                  <a:tcPr>
+                    <a:solidFill>
+                      <a:schemeClr val="accent2">
+                        <a:lumMod val="60000"/>
+                        <a:lumOff val="40000"/>
+                      </a:schemeClr>
+                    </a:solidFill>
+                  </a:tcPr>
+                </a:tc>
+                <a:tc>
+                  <a:txBody>
+                    <a:bodyPr/>
+                    <a:lstStyle/>
+                    <a:p>
+                      <a:pPr latinLnBrk="1"/>
+                      <a:endParaRPr lang="en-US" altLang="ko-KR" sz="1200" dirty="0"/>
+                    </a:p>
+                  </a:txBody>
+                  <a:tcPr>
+                    <a:solidFill>
+                      <a:schemeClr val="accent2">
+                        <a:lumMod val="60000"/>
+                        <a:lumOff val="40000"/>
+                      </a:schemeClr>
+                    </a:solidFill>
+                  </a:tcPr>
+                </a:tc>
+                <a:tc vMerge="1">
+                  <a:txBody>
+                    <a:bodyPr/>
+                    <a:lstStyle/>
+                    <a:p>
+                      <a:pPr latinLnBrk="1"/>
+                      <a:endParaRPr lang="ko-KR" altLang="en-US"/>
+                    </a:p>
+                  </a:txBody>
+                  <a:tcPr/>
+                </a:tc>
+                <a:tc vMerge="1">
+                  <a:txBody>
+                    <a:bodyPr/>
+                    <a:lstStyle/>
+                    <a:p>
+                      <a:pPr latinLnBrk="1"/>
+                      <a:endParaRPr lang="ko-KR" altLang="en-US"/>
+                    </a:p>
+                  </a:txBody>
+                  <a:tcPr/>
+                </a:tc>
+                <a:extLst>
+                  <a:ext uri="{0D108BD9-81ED-4DB2-BD59-A6C34878D82A}">
+                    <a16:rowId xmlns:a16="http://schemas.microsoft.com/office/drawing/2014/main" val="4234131410"/>
+                  </a:ext>
+                </a:extLst>
+              </a:tr>
+              <a:tr h="258417">
+                <a:tc vMerge="1">
+                  <a:txBody>
+                    <a:bodyPr/>
+                    <a:lstStyle/>
+                    <a:p>
+                      <a:pPr latinLnBrk="1"/>
+                      <a:endParaRPr lang="ko-KR" altLang="en-US"/>
+                    </a:p>
+                  </a:txBody>
+                  <a:tcPr/>
+                </a:tc>
+                <a:tc vMerge="1">
+                  <a:txBody>
+                    <a:bodyPr/>
+                    <a:lstStyle/>
+                    <a:p>
+                      <a:pPr latinLnBrk="1"/>
+                      <a:endParaRPr lang="ko-KR" altLang="en-US"/>
+                    </a:p>
+                  </a:txBody>
+                  <a:tcPr/>
+                </a:tc>
+                <a:tc vMerge="1">
+                  <a:txBody>
+                    <a:bodyPr/>
+                    <a:lstStyle/>
+                    <a:p>
+                      <a:pPr latinLnBrk="1"/>
+                      <a:endParaRPr lang="ko-KR" altLang="en-US"/>
+                    </a:p>
+                  </a:txBody>
+                  <a:tcPr/>
+                </a:tc>
+                <a:tc vMerge="1">
+                  <a:txBody>
+                    <a:bodyPr/>
+                    <a:lstStyle/>
+                    <a:p>
+                      <a:pPr latinLnBrk="1"/>
+                      <a:endParaRPr lang="ko-KR" altLang="en-US"/>
+                    </a:p>
+                  </a:txBody>
+                  <a:tcPr/>
+                </a:tc>
+                <a:tc>
+                  <a:txBody>
+                    <a:bodyPr/>
+                    <a:lstStyle/>
+                    <a:p>
+                      <a:pPr latinLnBrk="1"/>
+                      <a:r>
+                        <a:rPr lang="ko-KR" altLang="en-US" sz="1200" dirty="0"/>
+                        <a:t>담당부서 대응</a:t>
+                      </a:r>
+                      <a:endParaRPr lang="en-US" altLang="ko-KR" sz="1200" dirty="0"/>
+                    </a:p>
+                  </a:txBody>
+                  <a:tcPr>
+                    <a:solidFill>
+                      <a:schemeClr val="accent2">
+                        <a:lumMod val="60000"/>
+                        <a:lumOff val="40000"/>
+                      </a:schemeClr>
+                    </a:solidFill>
+                  </a:tcPr>
+                </a:tc>
+                <a:tc>
+                  <a:txBody>
+                    <a:bodyPr/>
+                    <a:lstStyle/>
+                    <a:p>
+                      <a:pPr latinLnBrk="1"/>
+                      <a:r>
+                        <a:rPr lang="ko-KR" altLang="en-US" sz="1200" dirty="0">
+                          <a:solidFill>
+                            <a:srgbClr val="FF0000"/>
+                          </a:solidFill>
+                        </a:rPr>
+                        <a:t>△</a:t>
+                      </a:r>
+                      <a:endParaRPr lang="en-US" altLang="ko-KR" sz="1200" dirty="0">
+                        <a:solidFill>
+                          <a:srgbClr val="FF0000"/>
+                        </a:solidFill>
+                      </a:endParaRPr>
+                    </a:p>
+                  </a:txBody>
+                  <a:tcPr>
+                    <a:solidFill>
+                      <a:schemeClr val="accent2">
+                        <a:lumMod val="60000"/>
+                        <a:lumOff val="40000"/>
+                      </a:schemeClr>
+                    </a:solidFill>
+                  </a:tcPr>
+                </a:tc>
+                <a:tc>
+                  <a:txBody>
+                    <a:bodyPr/>
+                    <a:lstStyle/>
+                    <a:p>
+                      <a:pPr latinLnBrk="1"/>
+                      <a:r>
+                        <a:rPr lang="en-US" altLang="ko-KR" sz="1200" dirty="0"/>
+                        <a:t>O</a:t>
+                      </a:r>
+                    </a:p>
+                  </a:txBody>
+                  <a:tcPr>
+                    <a:solidFill>
+                      <a:schemeClr val="accent2">
+                        <a:lumMod val="60000"/>
+                        <a:lumOff val="40000"/>
+                      </a:schemeClr>
+                    </a:solidFill>
+                  </a:tcPr>
+                </a:tc>
+                <a:tc vMerge="1">
+                  <a:txBody>
+                    <a:bodyPr/>
+                    <a:lstStyle/>
+                    <a:p>
+                      <a:pPr latinLnBrk="1"/>
+                      <a:endParaRPr lang="ko-KR" altLang="en-US"/>
+                    </a:p>
+                  </a:txBody>
+                  <a:tcPr/>
+                </a:tc>
+                <a:tc vMerge="1">
+                  <a:txBody>
+                    <a:bodyPr/>
+                    <a:lstStyle/>
+                    <a:p>
+                      <a:pPr latinLnBrk="1"/>
+                      <a:endParaRPr lang="ko-KR" altLang="en-US"/>
+                    </a:p>
+                  </a:txBody>
+                  <a:tcPr/>
+                </a:tc>
+                <a:extLst>
+                  <a:ext uri="{0D108BD9-81ED-4DB2-BD59-A6C34878D82A}">
+                    <a16:rowId xmlns:a16="http://schemas.microsoft.com/office/drawing/2014/main" val="3989022491"/>
+                  </a:ext>
+                </a:extLst>
+              </a:tr>
+              <a:tr h="148625">
+                <a:tc rowSpan="5">
+                  <a:txBody>
+                    <a:bodyPr/>
+                    <a:lstStyle/>
+                    <a:p>
+                      <a:pPr latinLnBrk="1"/>
+                      <a:r>
+                        <a:rPr lang="en-US" altLang="ko-KR" sz="1200" dirty="0"/>
+                        <a:t>LEVEL2</a:t>
+                      </a:r>
+                      <a:endParaRPr lang="ko-KR" altLang="en-US" sz="1200" dirty="0"/>
+                    </a:p>
+                  </a:txBody>
+                  <a:tcPr>
+                    <a:solidFill>
+                      <a:schemeClr val="accent6">
+                        <a:lumMod val="40000"/>
+                        <a:lumOff val="60000"/>
+                      </a:schemeClr>
+                    </a:solidFill>
+                  </a:tcPr>
+                </a:tc>
+                <a:tc rowSpan="5">
+                  <a:txBody>
+                    <a:bodyPr/>
+                    <a:lstStyle/>
+                    <a:p>
+                      <a:pPr latinLnBrk="1"/>
+                      <a:r>
+                        <a:rPr lang="ko-KR" altLang="en-US" sz="1200" dirty="0"/>
+                        <a:t>대상</a:t>
+                      </a:r>
+                    </a:p>
+                  </a:txBody>
+                  <a:tcPr>
+                    <a:solidFill>
+                      <a:schemeClr val="accent6">
+                        <a:lumMod val="40000"/>
+                        <a:lumOff val="60000"/>
+                      </a:schemeClr>
+                    </a:solidFill>
+                  </a:tcPr>
+                </a:tc>
+                <a:tc rowSpan="5">
+                  <a:txBody>
+                    <a:bodyPr/>
+                    <a:lstStyle/>
+                    <a:p>
+                      <a:pPr latinLnBrk="1"/>
+                      <a:r>
+                        <a:rPr lang="ko-KR" altLang="en-US" sz="1200" dirty="0"/>
+                        <a:t>대상</a:t>
+                      </a:r>
+                    </a:p>
+                  </a:txBody>
+                  <a:tcPr>
+                    <a:solidFill>
+                      <a:schemeClr val="accent6">
+                        <a:lumMod val="40000"/>
+                        <a:lumOff val="60000"/>
+                      </a:schemeClr>
+                    </a:solidFill>
+                  </a:tcPr>
+                </a:tc>
+                <a:tc rowSpan="5">
+                  <a:txBody>
+                    <a:bodyPr/>
+                    <a:lstStyle/>
+                    <a:p>
+                      <a:pPr latinLnBrk="1"/>
+                      <a:r>
+                        <a:rPr lang="ko-KR" altLang="en-US" sz="1200" dirty="0"/>
+                        <a:t>업무일</a:t>
+                      </a:r>
+                      <a:r>
+                        <a:rPr lang="en-US" altLang="ko-KR" sz="1200" dirty="0"/>
+                        <a:t>(09:00~18:00)</a:t>
+                      </a:r>
+                    </a:p>
+                    <a:p>
+                      <a:pPr latinLnBrk="1"/>
+                      <a:endParaRPr lang="ko-KR" altLang="en-US" sz="1200" dirty="0"/>
+                    </a:p>
+                  </a:txBody>
+                  <a:tcPr>
+                    <a:solidFill>
+                      <a:schemeClr val="accent6">
+                        <a:lumMod val="40000"/>
+                        <a:lumOff val="60000"/>
+                      </a:schemeClr>
+                    </a:solidFill>
+                  </a:tcPr>
+                </a:tc>
+                <a:tc gridSpan="3">
+                  <a:txBody>
+                    <a:bodyPr/>
+                    <a:lstStyle/>
+                    <a:p>
+                      <a:pPr latinLnBrk="1"/>
+                      <a:endParaRPr lang="ko-KR" altLang="en-US" sz="100" dirty="0"/>
+                    </a:p>
+                  </a:txBody>
+                  <a:tcPr>
+                    <a:solidFill>
+                      <a:schemeClr val="accent6">
+                        <a:lumMod val="60000"/>
+                        <a:lumOff val="40000"/>
+                      </a:schemeClr>
+                    </a:solidFill>
+                  </a:tcPr>
+                </a:tc>
+                <a:tc hMerge="1">
+                  <a:txBody>
+                    <a:bodyPr/>
+                    <a:lstStyle/>
+                    <a:p>
+                      <a:pPr latinLnBrk="1"/>
+                      <a:endParaRPr lang="ko-KR" altLang="en-US"/>
+                    </a:p>
+                  </a:txBody>
+                  <a:tcPr/>
+                </a:tc>
+                <a:tc hMerge="1">
+                  <a:txBody>
+                    <a:bodyPr/>
+                    <a:lstStyle/>
+                    <a:p>
+                      <a:pPr latinLnBrk="1"/>
+                      <a:endParaRPr lang="ko-KR" altLang="en-US" sz="1200" dirty="0"/>
+                    </a:p>
+                  </a:txBody>
+                  <a:tcPr/>
+                </a:tc>
+                <a:tc rowSpan="5">
+                  <a:txBody>
+                    <a:bodyPr/>
+                    <a:lstStyle/>
+                    <a:p>
+                      <a:pPr latinLnBrk="1"/>
+                      <a:r>
+                        <a:rPr lang="ko-KR" altLang="en-US" sz="1200" dirty="0"/>
+                        <a:t>장애 감지 시 업무시간에 대응합니다</a:t>
+                      </a:r>
+                      <a:r>
+                        <a:rPr lang="en-US" altLang="ko-KR" sz="1200" dirty="0"/>
+                        <a:t>. </a:t>
+                      </a:r>
+                      <a:endParaRPr lang="ko-KR" altLang="en-US" sz="1200" dirty="0"/>
+                    </a:p>
+                  </a:txBody>
+                  <a:tcPr>
+                    <a:solidFill>
+                      <a:schemeClr val="accent6">
+                        <a:lumMod val="40000"/>
+                        <a:lumOff val="60000"/>
+                      </a:schemeClr>
+                    </a:solidFill>
+                  </a:tcPr>
+                </a:tc>
+                <a:tc rowSpan="5">
+                  <a:txBody>
+                    <a:bodyPr/>
+                    <a:lstStyle/>
+                    <a:p>
+                      <a:pPr latinLnBrk="1"/>
+                      <a:r>
+                        <a:rPr lang="en-US" altLang="ko-KR" sz="1200" dirty="0"/>
+                        <a:t>DMON</a:t>
+                      </a:r>
+                      <a:endParaRPr lang="ko-KR" altLang="en-US" sz="1200" dirty="0"/>
+                    </a:p>
+                  </a:txBody>
+                  <a:tcPr>
+                    <a:solidFill>
+                      <a:schemeClr val="accent6">
+                        <a:lumMod val="40000"/>
+                        <a:lumOff val="60000"/>
+                      </a:schemeClr>
+                    </a:solidFill>
+                  </a:tcPr>
+                </a:tc>
+                <a:extLst>
+                  <a:ext uri="{0D108BD9-81ED-4DB2-BD59-A6C34878D82A}">
+                    <a16:rowId xmlns:a16="http://schemas.microsoft.com/office/drawing/2014/main" val="432821317"/>
+                  </a:ext>
+                </a:extLst>
+              </a:tr>
+              <a:tr h="233896">
+                <a:tc vMerge="1">
+                  <a:txBody>
+                    <a:bodyPr/>
+                    <a:lstStyle/>
+                    <a:p>
+                      <a:pPr latinLnBrk="1"/>
+                      <a:endParaRPr lang="ko-KR" altLang="en-US"/>
+                    </a:p>
+                  </a:txBody>
+                  <a:tcPr/>
+                </a:tc>
+                <a:tc vMerge="1">
+                  <a:txBody>
+                    <a:bodyPr/>
+                    <a:lstStyle/>
+                    <a:p>
+                      <a:pPr latinLnBrk="1"/>
+                      <a:endParaRPr lang="ko-KR" altLang="en-US"/>
+                    </a:p>
+                  </a:txBody>
+                  <a:tcPr/>
+                </a:tc>
+                <a:tc vMerge="1">
+                  <a:txBody>
+                    <a:bodyPr/>
+                    <a:lstStyle/>
+                    <a:p>
+                      <a:pPr latinLnBrk="1"/>
+                      <a:endParaRPr lang="ko-KR" altLang="en-US"/>
+                    </a:p>
+                  </a:txBody>
+                  <a:tcPr/>
+                </a:tc>
+                <a:tc vMerge="1">
+                  <a:txBody>
+                    <a:bodyPr/>
+                    <a:lstStyle/>
+                    <a:p>
+                      <a:pPr latinLnBrk="1"/>
+                      <a:endParaRPr lang="ko-KR" altLang="en-US"/>
+                    </a:p>
+                  </a:txBody>
+                  <a:tcPr/>
+                </a:tc>
+                <a:tc>
+                  <a:txBody>
+                    <a:bodyPr/>
+                    <a:lstStyle/>
+                    <a:p>
+                      <a:pPr latinLnBrk="1"/>
+                      <a:endParaRPr lang="ko-KR" altLang="en-US" sz="1200" dirty="0"/>
+                    </a:p>
+                  </a:txBody>
+                  <a:tcPr>
+                    <a:solidFill>
+                      <a:schemeClr val="accent6">
+                        <a:lumMod val="60000"/>
+                        <a:lumOff val="40000"/>
+                      </a:schemeClr>
+                    </a:solidFill>
+                  </a:tcPr>
+                </a:tc>
+                <a:tc>
+                  <a:txBody>
+                    <a:bodyPr/>
+                    <a:lstStyle/>
+                    <a:p>
+                      <a:pPr latinLnBrk="1"/>
+                      <a:r>
+                        <a:rPr lang="ko-KR" altLang="en-US" sz="1200"/>
+                        <a:t>즉시</a:t>
+                      </a:r>
+                      <a:endParaRPr lang="ko-KR" altLang="en-US" sz="1200" dirty="0"/>
+                    </a:p>
+                  </a:txBody>
+                  <a:tcPr>
+                    <a:solidFill>
+                      <a:schemeClr val="accent6">
+                        <a:lumMod val="60000"/>
+                        <a:lumOff val="40000"/>
+                      </a:schemeClr>
+                    </a:solidFill>
+                  </a:tcPr>
+                </a:tc>
+                <a:tc>
+                  <a:txBody>
+                    <a:bodyPr/>
+                    <a:lstStyle/>
+                    <a:p>
+                      <a:pPr latinLnBrk="1"/>
+                      <a:r>
+                        <a:rPr lang="ko-KR" altLang="en-US" sz="1200" dirty="0"/>
+                        <a:t>업무일</a:t>
+                      </a:r>
+                    </a:p>
+                  </a:txBody>
+                  <a:tcPr>
+                    <a:solidFill>
+                      <a:schemeClr val="accent6">
+                        <a:lumMod val="60000"/>
+                        <a:lumOff val="40000"/>
+                      </a:schemeClr>
+                    </a:solidFill>
+                  </a:tcPr>
+                </a:tc>
+                <a:tc vMerge="1">
+                  <a:txBody>
+                    <a:bodyPr/>
+                    <a:lstStyle/>
+                    <a:p>
+                      <a:pPr latinLnBrk="1"/>
+                      <a:endParaRPr lang="ko-KR" altLang="en-US"/>
+                    </a:p>
+                  </a:txBody>
+                  <a:tcPr/>
+                </a:tc>
+                <a:tc vMerge="1">
+                  <a:txBody>
+                    <a:bodyPr/>
+                    <a:lstStyle/>
+                    <a:p>
+                      <a:pPr latinLnBrk="1"/>
+                      <a:endParaRPr lang="ko-KR" altLang="en-US"/>
+                    </a:p>
+                  </a:txBody>
+                  <a:tcPr/>
+                </a:tc>
+                <a:extLst>
+                  <a:ext uri="{0D108BD9-81ED-4DB2-BD59-A6C34878D82A}">
+                    <a16:rowId xmlns:a16="http://schemas.microsoft.com/office/drawing/2014/main" val="970565200"/>
+                  </a:ext>
+                </a:extLst>
+              </a:tr>
+              <a:tr h="348945">
+                <a:tc vMerge="1">
+                  <a:txBody>
+                    <a:bodyPr/>
+                    <a:lstStyle/>
+                    <a:p>
+                      <a:pPr latinLnBrk="1"/>
+                      <a:endParaRPr lang="ko-KR" altLang="en-US"/>
+                    </a:p>
+                  </a:txBody>
+                  <a:tcPr/>
+                </a:tc>
+                <a:tc vMerge="1">
+                  <a:txBody>
+                    <a:bodyPr/>
+                    <a:lstStyle/>
+                    <a:p>
+                      <a:pPr latinLnBrk="1"/>
+                      <a:endParaRPr lang="ko-KR" altLang="en-US"/>
+                    </a:p>
+                  </a:txBody>
+                  <a:tcPr/>
+                </a:tc>
+                <a:tc vMerge="1">
+                  <a:txBody>
+                    <a:bodyPr/>
+                    <a:lstStyle/>
+                    <a:p>
+                      <a:pPr latinLnBrk="1"/>
+                      <a:endParaRPr lang="ko-KR" altLang="en-US"/>
+                    </a:p>
+                  </a:txBody>
+                  <a:tcPr/>
+                </a:tc>
+                <a:tc vMerge="1">
+                  <a:txBody>
+                    <a:bodyPr/>
+                    <a:lstStyle/>
+                    <a:p>
+                      <a:pPr latinLnBrk="1"/>
+                      <a:endParaRPr lang="ko-KR" altLang="en-US"/>
+                    </a:p>
+                  </a:txBody>
+                  <a:tcPr/>
+                </a:tc>
+                <a:tc>
+                  <a:txBody>
+                    <a:bodyPr/>
+                    <a:lstStyle/>
+                    <a:p>
+                      <a:pPr latinLnBrk="1"/>
+                      <a:r>
+                        <a:rPr lang="ko-KR" altLang="en-US" sz="1200" dirty="0"/>
+                        <a:t>사이트장애</a:t>
+                      </a:r>
+                    </a:p>
+                  </a:txBody>
+                  <a:tcPr>
+                    <a:solidFill>
+                      <a:schemeClr val="accent6">
+                        <a:lumMod val="60000"/>
+                        <a:lumOff val="40000"/>
+                      </a:schemeClr>
+                    </a:solidFill>
+                  </a:tcPr>
+                </a:tc>
+                <a:tc>
+                  <a:txBody>
+                    <a:bodyPr/>
+                    <a:lstStyle/>
+                    <a:p>
+                      <a:pPr latinLnBrk="1"/>
+                      <a:endParaRPr lang="ko-KR" altLang="en-US" sz="1200" dirty="0"/>
+                    </a:p>
+                  </a:txBody>
+                  <a:tcPr>
+                    <a:solidFill>
+                      <a:schemeClr val="accent6">
+                        <a:lumMod val="60000"/>
+                        <a:lumOff val="40000"/>
+                      </a:schemeClr>
+                    </a:solidFill>
+                  </a:tcPr>
+                </a:tc>
+                <a:tc>
+                  <a:txBody>
+                    <a:bodyPr/>
+                    <a:lstStyle/>
+                    <a:p>
+                      <a:pPr latinLnBrk="1"/>
+                      <a:r>
+                        <a:rPr lang="en-US" altLang="ko-KR" sz="1200" dirty="0"/>
+                        <a:t>O</a:t>
+                      </a:r>
+                      <a:endParaRPr lang="ko-KR" altLang="en-US" sz="1200" dirty="0"/>
+                    </a:p>
+                  </a:txBody>
+                  <a:tcPr>
+                    <a:solidFill>
+                      <a:schemeClr val="accent6">
+                        <a:lumMod val="60000"/>
+                        <a:lumOff val="40000"/>
+                      </a:schemeClr>
+                    </a:solidFill>
+                  </a:tcPr>
+                </a:tc>
+                <a:tc vMerge="1">
+                  <a:txBody>
+                    <a:bodyPr/>
+                    <a:lstStyle/>
+                    <a:p>
+                      <a:pPr latinLnBrk="1"/>
+                      <a:endParaRPr lang="ko-KR" altLang="en-US"/>
+                    </a:p>
+                  </a:txBody>
+                  <a:tcPr/>
+                </a:tc>
+                <a:tc vMerge="1">
+                  <a:txBody>
+                    <a:bodyPr/>
+                    <a:lstStyle/>
+                    <a:p>
+                      <a:pPr latinLnBrk="1"/>
+                      <a:endParaRPr lang="ko-KR" altLang="en-US"/>
+                    </a:p>
+                  </a:txBody>
+                  <a:tcPr/>
+                </a:tc>
+                <a:extLst>
+                  <a:ext uri="{0D108BD9-81ED-4DB2-BD59-A6C34878D82A}">
+                    <a16:rowId xmlns:a16="http://schemas.microsoft.com/office/drawing/2014/main" val="2127490210"/>
+                  </a:ext>
+                </a:extLst>
+              </a:tr>
+              <a:tr h="316310">
+                <a:tc vMerge="1">
+                  <a:txBody>
+                    <a:bodyPr/>
+                    <a:lstStyle/>
+                    <a:p>
+                      <a:pPr latinLnBrk="1"/>
+                      <a:endParaRPr lang="ko-KR" altLang="en-US"/>
+                    </a:p>
+                  </a:txBody>
+                  <a:tcPr/>
+                </a:tc>
+                <a:tc vMerge="1">
+                  <a:txBody>
+                    <a:bodyPr/>
+                    <a:lstStyle/>
+                    <a:p>
+                      <a:pPr latinLnBrk="1"/>
+                      <a:endParaRPr lang="ko-KR" altLang="en-US"/>
+                    </a:p>
+                  </a:txBody>
+                  <a:tcPr/>
+                </a:tc>
+                <a:tc vMerge="1">
+                  <a:txBody>
+                    <a:bodyPr/>
+                    <a:lstStyle/>
+                    <a:p>
+                      <a:pPr latinLnBrk="1"/>
+                      <a:endParaRPr lang="ko-KR" altLang="en-US"/>
+                    </a:p>
+                  </a:txBody>
+                  <a:tcPr/>
+                </a:tc>
+                <a:tc vMerge="1">
+                  <a:txBody>
+                    <a:bodyPr/>
+                    <a:lstStyle/>
+                    <a:p>
+                      <a:pPr latinLnBrk="1"/>
+                      <a:endParaRPr lang="ko-KR" altLang="en-US"/>
+                    </a:p>
+                  </a:txBody>
+                  <a:tcPr/>
+                </a:tc>
+                <a:tc>
+                  <a:txBody>
+                    <a:bodyPr/>
+                    <a:lstStyle/>
+                    <a:p>
+                      <a:pPr latinLnBrk="1"/>
+                      <a:r>
+                        <a:rPr lang="ko-KR" altLang="en-US" sz="1200" dirty="0"/>
+                        <a:t>고객사 안내</a:t>
+                      </a:r>
+                    </a:p>
+                  </a:txBody>
+                  <a:tcPr>
+                    <a:solidFill>
+                      <a:schemeClr val="accent6">
+                        <a:lumMod val="60000"/>
+                        <a:lumOff val="40000"/>
+                      </a:schemeClr>
+                    </a:solidFill>
+                  </a:tcPr>
+                </a:tc>
+                <a:tc>
+                  <a:txBody>
+                    <a:bodyPr/>
+                    <a:lstStyle/>
+                    <a:p>
+                      <a:pPr latinLnBrk="1"/>
+                      <a:endParaRPr lang="ko-KR" altLang="en-US" sz="1200" dirty="0"/>
+                    </a:p>
+                  </a:txBody>
+                  <a:tcPr>
+                    <a:solidFill>
+                      <a:schemeClr val="accent6">
+                        <a:lumMod val="60000"/>
+                        <a:lumOff val="40000"/>
+                      </a:schemeClr>
+                    </a:solidFill>
+                  </a:tcPr>
+                </a:tc>
+                <a:tc>
+                  <a:txBody>
+                    <a:bodyPr/>
+                    <a:lstStyle/>
+                    <a:p>
+                      <a:pPr latinLnBrk="1"/>
+                      <a:r>
+                        <a:rPr lang="en-US" altLang="ko-KR" sz="1200" dirty="0"/>
+                        <a:t>O</a:t>
+                      </a:r>
+                      <a:endParaRPr lang="ko-KR" altLang="en-US" sz="1200" dirty="0"/>
+                    </a:p>
+                  </a:txBody>
+                  <a:tcPr>
+                    <a:solidFill>
+                      <a:schemeClr val="accent6">
+                        <a:lumMod val="60000"/>
+                        <a:lumOff val="40000"/>
+                      </a:schemeClr>
+                    </a:solidFill>
+                  </a:tcPr>
+                </a:tc>
+                <a:tc vMerge="1">
+                  <a:txBody>
+                    <a:bodyPr/>
+                    <a:lstStyle/>
+                    <a:p>
+                      <a:pPr latinLnBrk="1"/>
+                      <a:endParaRPr lang="ko-KR" altLang="en-US"/>
+                    </a:p>
+                  </a:txBody>
+                  <a:tcPr/>
+                </a:tc>
+                <a:tc vMerge="1">
+                  <a:txBody>
+                    <a:bodyPr/>
+                    <a:lstStyle/>
+                    <a:p>
+                      <a:pPr latinLnBrk="1"/>
+                      <a:endParaRPr lang="ko-KR" altLang="en-US"/>
+                    </a:p>
+                  </a:txBody>
+                  <a:tcPr/>
+                </a:tc>
+                <a:extLst>
+                  <a:ext uri="{0D108BD9-81ED-4DB2-BD59-A6C34878D82A}">
+                    <a16:rowId xmlns:a16="http://schemas.microsoft.com/office/drawing/2014/main" val="4109292500"/>
+                  </a:ext>
+                </a:extLst>
+              </a:tr>
+              <a:tr h="277436">
+                <a:tc vMerge="1">
+                  <a:txBody>
+                    <a:bodyPr/>
+                    <a:lstStyle/>
+                    <a:p>
+                      <a:pPr latinLnBrk="1"/>
+                      <a:endParaRPr lang="ko-KR" altLang="en-US"/>
+                    </a:p>
+                  </a:txBody>
+                  <a:tcPr/>
+                </a:tc>
+                <a:tc vMerge="1">
+                  <a:txBody>
+                    <a:bodyPr/>
+                    <a:lstStyle/>
+                    <a:p>
+                      <a:pPr latinLnBrk="1"/>
+                      <a:endParaRPr lang="ko-KR" altLang="en-US"/>
+                    </a:p>
+                  </a:txBody>
+                  <a:tcPr/>
+                </a:tc>
+                <a:tc vMerge="1">
+                  <a:txBody>
+                    <a:bodyPr/>
+                    <a:lstStyle/>
+                    <a:p>
+                      <a:pPr latinLnBrk="1"/>
+                      <a:endParaRPr lang="ko-KR" altLang="en-US"/>
+                    </a:p>
+                  </a:txBody>
+                  <a:tcPr/>
+                </a:tc>
+                <a:tc vMerge="1">
+                  <a:txBody>
+                    <a:bodyPr/>
+                    <a:lstStyle/>
+                    <a:p>
+                      <a:pPr latinLnBrk="1"/>
+                      <a:endParaRPr lang="ko-KR" altLang="en-US"/>
+                    </a:p>
+                  </a:txBody>
+                  <a:tcPr/>
+                </a:tc>
+                <a:tc>
+                  <a:txBody>
+                    <a:bodyPr/>
+                    <a:lstStyle/>
+                    <a:p>
+                      <a:pPr latinLnBrk="1"/>
+                      <a:r>
+                        <a:rPr lang="ko-KR" altLang="en-US" sz="1200" dirty="0"/>
+                        <a:t>담당부서 대응</a:t>
+                      </a:r>
+                    </a:p>
+                  </a:txBody>
+                  <a:tcPr>
+                    <a:solidFill>
+                      <a:schemeClr val="accent6">
+                        <a:lumMod val="60000"/>
+                        <a:lumOff val="40000"/>
+                      </a:schemeClr>
+                    </a:solidFill>
+                  </a:tcPr>
+                </a:tc>
+                <a:tc>
+                  <a:txBody>
+                    <a:bodyPr/>
+                    <a:lstStyle/>
+                    <a:p>
+                      <a:pPr latinLnBrk="1"/>
+                      <a:endParaRPr lang="ko-KR" altLang="en-US" sz="1200" dirty="0"/>
+                    </a:p>
+                  </a:txBody>
+                  <a:tcPr>
+                    <a:solidFill>
+                      <a:schemeClr val="accent6">
+                        <a:lumMod val="60000"/>
+                        <a:lumOff val="40000"/>
+                      </a:schemeClr>
+                    </a:solidFill>
+                  </a:tcPr>
+                </a:tc>
+                <a:tc>
+                  <a:txBody>
+                    <a:bodyPr/>
+                    <a:lstStyle/>
+                    <a:p>
+                      <a:pPr latinLnBrk="1"/>
+                      <a:r>
+                        <a:rPr lang="en-US" altLang="ko-KR" sz="1200" dirty="0"/>
+                        <a:t>O</a:t>
+                      </a:r>
+                      <a:endParaRPr lang="ko-KR" altLang="en-US" sz="1200" dirty="0"/>
+                    </a:p>
+                  </a:txBody>
+                  <a:tcPr>
+                    <a:solidFill>
+                      <a:schemeClr val="accent6">
+                        <a:lumMod val="60000"/>
+                        <a:lumOff val="40000"/>
+                      </a:schemeClr>
+                    </a:solidFill>
+                  </a:tcPr>
+                </a:tc>
+                <a:tc vMerge="1">
+                  <a:txBody>
+                    <a:bodyPr/>
+                    <a:lstStyle/>
+                    <a:p>
+                      <a:pPr latinLnBrk="1"/>
+                      <a:endParaRPr lang="ko-KR" altLang="en-US"/>
+                    </a:p>
+                  </a:txBody>
+                  <a:tcPr/>
+                </a:tc>
+                <a:tc vMerge="1">
+                  <a:txBody>
+                    <a:bodyPr/>
+                    <a:lstStyle/>
+                    <a:p>
+                      <a:pPr latinLnBrk="1"/>
+                      <a:endParaRPr lang="ko-KR" altLang="en-US"/>
+                    </a:p>
+                  </a:txBody>
+                  <a:tcPr/>
+                </a:tc>
+                <a:extLst>
+                  <a:ext uri="{0D108BD9-81ED-4DB2-BD59-A6C34878D82A}">
+                    <a16:rowId xmlns:a16="http://schemas.microsoft.com/office/drawing/2014/main" val="3551951950"/>
+                  </a:ext>
+                </a:extLst>
+              </a:tr>
+              <a:tr h="496957">
+                <a:tc>
+                  <a:txBody>
+                    <a:bodyPr/>
+                    <a:lstStyle/>
+                    <a:p>
+                      <a:pPr latinLnBrk="1"/>
+                      <a:r>
+                        <a:rPr lang="en-US" altLang="ko-KR" sz="1200" dirty="0"/>
+                        <a:t>LEVEL3</a:t>
+                      </a:r>
+                      <a:endParaRPr lang="ko-KR" altLang="en-US" sz="1200" dirty="0"/>
+                    </a:p>
+                  </a:txBody>
+                  <a:tcPr/>
+                </a:tc>
+                <a:tc>
+                  <a:txBody>
+                    <a:bodyPr/>
+                    <a:lstStyle/>
+                    <a:p>
+                      <a:pPr latinLnBrk="1"/>
+                      <a:r>
+                        <a:rPr lang="ko-KR" altLang="en-US" sz="1200" dirty="0"/>
+                        <a:t>대상</a:t>
+                      </a:r>
+                    </a:p>
+                  </a:txBody>
+                  <a:tcPr/>
+                </a:tc>
+                <a:tc>
+                  <a:txBody>
+                    <a:bodyPr/>
+                    <a:lstStyle/>
+                    <a:p>
+                      <a:pPr latinLnBrk="1"/>
+                      <a:r>
+                        <a:rPr lang="ko-KR" altLang="en-US" sz="1200" dirty="0"/>
+                        <a:t>비대상</a:t>
+                      </a:r>
+                    </a:p>
+                  </a:txBody>
+                  <a:tcPr/>
+                </a:tc>
+                <a:tc>
+                  <a:txBody>
+                    <a:bodyPr/>
+                    <a:lstStyle/>
+                    <a:p>
+                      <a:pPr latinLnBrk="1"/>
+                      <a:r>
+                        <a:rPr lang="ko-KR" altLang="en-US" sz="1200" dirty="0"/>
+                        <a:t>업무일</a:t>
+                      </a:r>
+                      <a:r>
+                        <a:rPr lang="en-US" altLang="ko-KR" sz="1200" dirty="0"/>
+                        <a:t>(09:00~18:00)</a:t>
+                      </a:r>
+                      <a:endParaRPr lang="ko-KR" altLang="en-US" sz="1200" dirty="0"/>
+                    </a:p>
+                  </a:txBody>
+                  <a:tcPr/>
+                </a:tc>
+                <a:tc gridSpan="3">
+                  <a:txBody>
+                    <a:bodyPr/>
+                    <a:lstStyle/>
+                    <a:p>
+                      <a:pPr latinLnBrk="1"/>
+                      <a:r>
+                        <a:rPr lang="ko-KR" altLang="en-US" sz="1200" dirty="0"/>
+                        <a:t>고객 요청 시</a:t>
+                      </a:r>
+                    </a:p>
+                  </a:txBody>
+                  <a:tcPr/>
+                </a:tc>
+                <a:tc hMerge="1">
+                  <a:txBody>
+                    <a:bodyPr/>
+                    <a:lstStyle/>
+                    <a:p>
+                      <a:pPr latinLnBrk="1"/>
+                      <a:endParaRPr lang="ko-KR" altLang="en-US"/>
+                    </a:p>
+                  </a:txBody>
+                  <a:tcPr/>
+                </a:tc>
+                <a:tc hMerge="1">
+                  <a:txBody>
+                    <a:bodyPr/>
+                    <a:lstStyle/>
+                    <a:p>
+                      <a:pPr latinLnBrk="1"/>
+                      <a:endParaRPr lang="ko-KR" altLang="en-US" sz="1200" dirty="0"/>
+                    </a:p>
+                  </a:txBody>
+                  <a:tcPr/>
+                </a:tc>
+                <a:tc>
+                  <a:txBody>
+                    <a:bodyPr/>
+                    <a:lstStyle/>
+                    <a:p>
+                      <a:pPr latinLnBrk="1"/>
+                      <a:r>
+                        <a:rPr lang="ko-KR" altLang="en-US" sz="1200" dirty="0"/>
+                        <a:t>로그 수집 가능하지만 </a:t>
+                      </a:r>
+                      <a:endParaRPr lang="en-US" altLang="ko-KR" sz="1200" dirty="0"/>
+                    </a:p>
+                    <a:p>
+                      <a:pPr latinLnBrk="1"/>
+                      <a:r>
+                        <a:rPr lang="ko-KR" altLang="en-US" sz="1200" dirty="0"/>
+                        <a:t>유입건수 부족으로 모니터링 불가</a:t>
+                      </a:r>
+                      <a:endParaRPr lang="en-US" altLang="ko-KR" sz="1200" dirty="0"/>
+                    </a:p>
+                  </a:txBody>
+                  <a:tcPr/>
+                </a:tc>
+                <a:tc>
+                  <a:txBody>
+                    <a:bodyPr/>
+                    <a:lstStyle/>
+                    <a:p>
+                      <a:pPr latinLnBrk="1"/>
+                      <a:r>
+                        <a:rPr lang="ko-KR" altLang="en-US" sz="1200" dirty="0"/>
+                        <a:t>담당부서</a:t>
+                      </a:r>
+                      <a:endParaRPr lang="en-US" altLang="ko-KR" sz="1200" dirty="0"/>
+                    </a:p>
+                  </a:txBody>
+                  <a:tcPr/>
+                </a:tc>
+                <a:extLst>
+                  <a:ext uri="{0D108BD9-81ED-4DB2-BD59-A6C34878D82A}">
+                    <a16:rowId xmlns:a16="http://schemas.microsoft.com/office/drawing/2014/main" val="3221507340"/>
+                  </a:ext>
+                </a:extLst>
+              </a:tr>
+              <a:tr h="318052">
+                <a:tc>
+                  <a:txBody>
+                    <a:bodyPr/>
+                    <a:lstStyle/>
+                    <a:p>
+                      <a:pPr latinLnBrk="1"/>
+                      <a:r>
+                        <a:rPr lang="en-US" altLang="ko-KR" sz="1200" dirty="0"/>
+                        <a:t>LEVEL4</a:t>
+                      </a:r>
+                      <a:endParaRPr lang="ko-KR" altLang="en-US" sz="1200" dirty="0"/>
+                    </a:p>
+                  </a:txBody>
+                  <a:tcPr/>
+                </a:tc>
+                <a:tc>
+                  <a:txBody>
+                    <a:bodyPr/>
+                    <a:lstStyle/>
+                    <a:p>
+                      <a:pPr latinLnBrk="1"/>
+                      <a:r>
+                        <a:rPr lang="ko-KR" altLang="en-US" sz="1200" dirty="0"/>
+                        <a:t>비대상</a:t>
+                      </a:r>
+                    </a:p>
+                  </a:txBody>
+                  <a:tcPr/>
+                </a:tc>
+                <a:tc>
+                  <a:txBody>
+                    <a:bodyPr/>
+                    <a:lstStyle/>
+                    <a:p>
+                      <a:pPr latinLnBrk="1"/>
+                      <a:r>
+                        <a:rPr lang="ko-KR" altLang="en-US" sz="1200" dirty="0"/>
+                        <a:t>비대상</a:t>
+                      </a:r>
+                    </a:p>
+                  </a:txBody>
+                  <a:tcPr/>
+                </a:tc>
+                <a:tc>
+                  <a:txBody>
+                    <a:bodyPr/>
+                    <a:lstStyle/>
+                    <a:p>
+                      <a:pPr latinLnBrk="1"/>
+                      <a:r>
+                        <a:rPr lang="ko-KR" altLang="en-US" sz="1200" dirty="0"/>
+                        <a:t>업무일</a:t>
+                      </a:r>
+                      <a:r>
+                        <a:rPr lang="en-US" altLang="ko-KR" sz="1200" dirty="0"/>
+                        <a:t>(09:00~18:00)</a:t>
+                      </a:r>
+                      <a:endParaRPr lang="ko-KR" altLang="en-US" sz="1200" dirty="0"/>
+                    </a:p>
+                  </a:txBody>
+                  <a:tcPr/>
+                </a:tc>
+                <a:tc gridSpan="3">
+                  <a:txBody>
+                    <a:bodyPr/>
+                    <a:lstStyle/>
+                    <a:p>
+                      <a:pPr latinLnBrk="1"/>
+                      <a:r>
+                        <a:rPr lang="ko-KR" altLang="en-US" sz="1200" dirty="0"/>
+                        <a:t>고객 요청 시</a:t>
+                      </a:r>
+                    </a:p>
+                  </a:txBody>
+                  <a:tcPr/>
+                </a:tc>
+                <a:tc hMerge="1">
+                  <a:txBody>
+                    <a:bodyPr/>
+                    <a:lstStyle/>
+                    <a:p>
+                      <a:pPr latinLnBrk="1"/>
+                      <a:endParaRPr lang="ko-KR" altLang="en-US"/>
+                    </a:p>
+                  </a:txBody>
+                  <a:tcPr/>
+                </a:tc>
+                <a:tc hMerge="1">
+                  <a:txBody>
+                    <a:bodyPr/>
+                    <a:lstStyle/>
+                    <a:p>
+                      <a:pPr latinLnBrk="1"/>
+                      <a:endParaRPr lang="ko-KR" altLang="en-US" sz="1200" dirty="0"/>
+                    </a:p>
+                  </a:txBody>
+                  <a:tcPr/>
+                </a:tc>
+                <a:tc>
+                  <a:txBody>
+                    <a:bodyPr/>
+                    <a:lstStyle/>
+                    <a:p>
+                      <a:pPr latinLnBrk="1"/>
+                      <a:r>
+                        <a:rPr lang="ko-KR" altLang="en-US" sz="1200" dirty="0"/>
+                        <a:t>로그 수집불가로 모니터링 불가</a:t>
+                      </a:r>
+                    </a:p>
+                  </a:txBody>
+                  <a:tcPr/>
+                </a:tc>
+                <a:tc>
+                  <a:txBody>
+                    <a:bodyPr/>
+                    <a:lstStyle/>
+                    <a:p>
+                      <a:pPr latinLnBrk="1"/>
+                      <a:r>
+                        <a:rPr lang="ko-KR" altLang="en-US" sz="1200" dirty="0"/>
+                        <a:t>담당부서</a:t>
+                      </a:r>
+                    </a:p>
+                  </a:txBody>
+                  <a:tcPr/>
+                </a:tc>
+                <a:extLst>
+                  <a:ext uri="{0D108BD9-81ED-4DB2-BD59-A6C34878D82A}">
+                    <a16:rowId xmlns:a16="http://schemas.microsoft.com/office/drawing/2014/main" val="3314815855"/>
+                  </a:ext>
+                </a:extLst>
+              </a:tr>
+            </a:tbl>
+          </a:graphicData>
+        </a:graphic>
+      </p:graphicFrame>
+    </p:spTree>
+    <p:extLst>
+      <p:ext uri="{BB962C8B-B14F-4D97-AF65-F5344CB8AC3E}">
+        <p14:creationId xmlns:p14="http://schemas.microsoft.com/office/powerpoint/2010/main" val="821280992"/>
+      </p:ext>
+    </p:extLst>
+  </p:cSld>
+  <p:clrMapOvr>
+    <a:masterClrMapping/>
+  </p:clrMapOvr>
+</p:sld>
+</file>
+
+<file path=ppt/slides/slide5.xml><?xml version="1.0" encoding="utf-8"?>
+<p:sld xmlns:a="http://schemas.openxmlformats.org/drawingml/2006/main" xmlns:r="http://schemas.openxmlformats.org/officeDocument/2006/relationships" xmlns:p="http://schemas.openxmlformats.org/presentationml/2006/main">
+  <p:cSld>
+    <p:spTree>
+      <p:nvGrpSpPr>
+        <p:cNvPr id="1" name=""/>
+        <p:cNvGrpSpPr/>
+        <p:nvPr/>
+      </p:nvGrpSpPr>
+      <p:grpSpPr>
+        <a:xfrm>
+          <a:off x="0" y="0"/>
+          <a:ext cx="0" cy="0"/>
+          <a:chOff x="0" y="0"/>
+          <a:chExt cx="0" cy="0"/>
+        </a:xfrm>
+      </p:grpSpPr>
+      <p:graphicFrame>
+        <p:nvGraphicFramePr>
+          <p:cNvPr id="4" name="표 4">
+            <a:extLst>
+              <a:ext uri="{FF2B5EF4-FFF2-40B4-BE49-F238E27FC236}">
+                <a16:creationId xmlns:a16="http://schemas.microsoft.com/office/drawing/2014/main" id="{672651A9-2674-A13D-9550-464078F9D5C2}"/>
+              </a:ext>
+            </a:extLst>
+          </p:cNvPr>
+          <p:cNvGraphicFramePr>
+            <a:graphicFrameLocks noGrp="1"/>
+          </p:cNvGraphicFramePr>
+          <p:nvPr>
+            <p:extLst>
+              <p:ext uri="{D42A27DB-BD31-4B8C-83A1-F6EECF244321}">
+                <p14:modId xmlns:p14="http://schemas.microsoft.com/office/powerpoint/2010/main" val="3108257724"/>
+              </p:ext>
+            </p:extLst>
+          </p:nvPr>
+        </p:nvGraphicFramePr>
+        <p:xfrm>
+          <a:off x="111760" y="83820"/>
+          <a:ext cx="11904984" cy="4505960"/>
+        </p:xfrm>
+        <a:graphic>
+          <a:graphicData uri="http://schemas.openxmlformats.org/drawingml/2006/table">
+            <a:tbl>
+              <a:tblPr firstRow="1" bandRow="1">
+                <a:tableStyleId>{5C22544A-7EE6-4342-B048-85BDC9FD1C3A}</a:tableStyleId>
+              </a:tblPr>
+              <a:tblGrid>
+                <a:gridCol w="1488123">
+                  <a:extLst>
+                    <a:ext uri="{9D8B030D-6E8A-4147-A177-3AD203B41FA5}">
+                      <a16:colId xmlns:a16="http://schemas.microsoft.com/office/drawing/2014/main" val="2393000120"/>
+                    </a:ext>
+                  </a:extLst>
+                </a:gridCol>
+                <a:gridCol w="1488123">
+                  <a:extLst>
+                    <a:ext uri="{9D8B030D-6E8A-4147-A177-3AD203B41FA5}">
+                      <a16:colId xmlns:a16="http://schemas.microsoft.com/office/drawing/2014/main" val="921947688"/>
+                    </a:ext>
+                  </a:extLst>
+                </a:gridCol>
+                <a:gridCol w="1488123">
+                  <a:extLst>
+                    <a:ext uri="{9D8B030D-6E8A-4147-A177-3AD203B41FA5}">
+                      <a16:colId xmlns:a16="http://schemas.microsoft.com/office/drawing/2014/main" val="316844838"/>
+                    </a:ext>
+                  </a:extLst>
+                </a:gridCol>
+                <a:gridCol w="1488123">
+                  <a:extLst>
+                    <a:ext uri="{9D8B030D-6E8A-4147-A177-3AD203B41FA5}">
+                      <a16:colId xmlns:a16="http://schemas.microsoft.com/office/drawing/2014/main" val="708100632"/>
+                    </a:ext>
+                  </a:extLst>
+                </a:gridCol>
+                <a:gridCol w="1488123">
+                  <a:extLst>
+                    <a:ext uri="{9D8B030D-6E8A-4147-A177-3AD203B41FA5}">
+                      <a16:colId xmlns:a16="http://schemas.microsoft.com/office/drawing/2014/main" val="88614573"/>
+                    </a:ext>
+                  </a:extLst>
+                </a:gridCol>
+                <a:gridCol w="1488123">
+                  <a:extLst>
+                    <a:ext uri="{9D8B030D-6E8A-4147-A177-3AD203B41FA5}">
+                      <a16:colId xmlns:a16="http://schemas.microsoft.com/office/drawing/2014/main" val="3604320944"/>
+                    </a:ext>
+                  </a:extLst>
+                </a:gridCol>
+                <a:gridCol w="1488123">
+                  <a:extLst>
+                    <a:ext uri="{9D8B030D-6E8A-4147-A177-3AD203B41FA5}">
+                      <a16:colId xmlns:a16="http://schemas.microsoft.com/office/drawing/2014/main" val="3790530992"/>
+                    </a:ext>
+                  </a:extLst>
+                </a:gridCol>
+                <a:gridCol w="1488123">
+                  <a:extLst>
+                    <a:ext uri="{9D8B030D-6E8A-4147-A177-3AD203B41FA5}">
+                      <a16:colId xmlns:a16="http://schemas.microsoft.com/office/drawing/2014/main" val="4109472336"/>
+                    </a:ext>
+                  </a:extLst>
+                </a:gridCol>
+              </a:tblGrid>
+              <a:tr h="365760">
+                <a:tc>
+                  <a:txBody>
+                    <a:bodyPr/>
+                    <a:lstStyle/>
+                    <a:p>
+                      <a:pPr latinLnBrk="1"/>
+                      <a:r>
+                        <a:rPr lang="ko-KR" altLang="en-US" dirty="0"/>
+                        <a:t>알람 구분</a:t>
+                      </a:r>
+                    </a:p>
+                  </a:txBody>
+                  <a:tcPr/>
+                </a:tc>
+                <a:tc>
+                  <a:txBody>
+                    <a:bodyPr/>
+                    <a:lstStyle/>
+                    <a:p>
+                      <a:pPr latinLnBrk="1"/>
+                      <a:r>
+                        <a:rPr lang="ko-KR" altLang="en-US" dirty="0"/>
+                        <a:t>민감도</a:t>
+                      </a:r>
+                    </a:p>
+                  </a:txBody>
+                  <a:tcPr/>
+                </a:tc>
+                <a:tc>
+                  <a:txBody>
+                    <a:bodyPr/>
+                    <a:lstStyle/>
+                    <a:p>
+                      <a:pPr latinLnBrk="1"/>
+                      <a:r>
+                        <a:rPr lang="ko-KR" altLang="en-US" dirty="0"/>
+                        <a:t>대응 방법</a:t>
+                      </a:r>
+                    </a:p>
+                  </a:txBody>
+                  <a:tcPr/>
+                </a:tc>
+                <a:tc>
+                  <a:txBody>
+                    <a:bodyPr/>
+                    <a:lstStyle/>
+                    <a:p>
+                      <a:pPr latinLnBrk="1"/>
+                      <a:r>
+                        <a:rPr lang="ko-KR" altLang="en-US" dirty="0"/>
+                        <a:t>설명</a:t>
+                      </a:r>
+                    </a:p>
+                  </a:txBody>
+                  <a:tcPr/>
+                </a:tc>
+                <a:tc>
+                  <a:txBody>
+                    <a:bodyPr/>
+                    <a:lstStyle/>
+                    <a:p>
+                      <a:pPr latinLnBrk="1"/>
+                      <a:r>
+                        <a:rPr lang="ko-KR" altLang="en-US" dirty="0"/>
+                        <a:t>알람 수신자</a:t>
+                      </a:r>
+                    </a:p>
+                  </a:txBody>
+                  <a:tcPr/>
+                </a:tc>
+                <a:tc>
+                  <a:txBody>
+                    <a:bodyPr/>
+                    <a:lstStyle/>
+                    <a:p>
+                      <a:pPr latinLnBrk="1"/>
+                      <a:r>
+                        <a:rPr lang="ko-KR" altLang="en-US" dirty="0"/>
+                        <a:t>주 담당자</a:t>
+                      </a:r>
+                    </a:p>
+                  </a:txBody>
+                  <a:tcPr/>
+                </a:tc>
+                <a:tc>
+                  <a:txBody>
+                    <a:bodyPr/>
+                    <a:lstStyle/>
+                    <a:p>
+                      <a:pPr latinLnBrk="1"/>
+                      <a:r>
+                        <a:rPr lang="ko-KR" altLang="en-US" dirty="0"/>
+                        <a:t>서브 담당자</a:t>
+                      </a:r>
+                    </a:p>
+                  </a:txBody>
+                  <a:tcPr/>
+                </a:tc>
+                <a:tc>
+                  <a:txBody>
+                    <a:bodyPr/>
+                    <a:lstStyle/>
+                    <a:p>
+                      <a:pPr latinLnBrk="1"/>
+                      <a:r>
+                        <a:rPr lang="ko-KR" altLang="en-US" dirty="0"/>
+                        <a:t>비고</a:t>
+                      </a:r>
+                    </a:p>
+                  </a:txBody>
+                  <a:tcPr/>
+                </a:tc>
+                <a:extLst>
+                  <a:ext uri="{0D108BD9-81ED-4DB2-BD59-A6C34878D82A}">
+                    <a16:rowId xmlns:a16="http://schemas.microsoft.com/office/drawing/2014/main" val="879524970"/>
+                  </a:ext>
+                </a:extLst>
+              </a:tr>
+              <a:tr h="828040">
+                <a:tc>
+                  <a:txBody>
+                    <a:bodyPr/>
+                    <a:lstStyle/>
+                    <a:p>
+                      <a:pPr latinLnBrk="1"/>
+                      <a:r>
+                        <a:rPr lang="ko-KR" altLang="en-US" dirty="0"/>
+                        <a:t>긴급</a:t>
+                      </a:r>
+                    </a:p>
+                  </a:txBody>
+                  <a:tcPr/>
+                </a:tc>
+                <a:tc>
+                  <a:txBody>
+                    <a:bodyPr/>
+                    <a:lstStyle/>
+                    <a:p>
+                      <a:pPr latinLnBrk="1"/>
+                      <a:r>
+                        <a:rPr lang="en-US" altLang="ko-KR" dirty="0"/>
+                        <a:t>0</a:t>
+                      </a:r>
+                      <a:r>
+                        <a:rPr lang="ko-KR" altLang="en-US" dirty="0"/>
+                        <a:t>순위</a:t>
+                      </a:r>
+                    </a:p>
+                  </a:txBody>
+                  <a:tcPr/>
+                </a:tc>
+                <a:tc>
+                  <a:txBody>
+                    <a:bodyPr/>
+                    <a:lstStyle/>
+                    <a:p>
+                      <a:pPr latinLnBrk="1"/>
+                      <a:r>
+                        <a:rPr lang="ko-KR" altLang="en-US"/>
+                        <a:t>즉시대응</a:t>
+                      </a:r>
+                    </a:p>
+                  </a:txBody>
+                  <a:tcPr/>
+                </a:tc>
+                <a:tc>
+                  <a:txBody>
+                    <a:bodyPr/>
+                    <a:lstStyle/>
+                    <a:p>
+                      <a:pPr latinLnBrk="1"/>
+                      <a:endParaRPr lang="ko-KR" altLang="en-US"/>
+                    </a:p>
+                  </a:txBody>
+                  <a:tcPr/>
+                </a:tc>
+                <a:tc>
+                  <a:txBody>
+                    <a:bodyPr/>
+                    <a:lstStyle/>
+                    <a:p>
+                      <a:pPr latinLnBrk="1"/>
+                      <a:endParaRPr lang="ko-KR" altLang="en-US"/>
+                    </a:p>
+                  </a:txBody>
+                  <a:tcPr/>
+                </a:tc>
+                <a:tc>
+                  <a:txBody>
+                    <a:bodyPr/>
+                    <a:lstStyle/>
+                    <a:p>
+                      <a:pPr latinLnBrk="1"/>
+                      <a:endParaRPr lang="ko-KR" altLang="en-US"/>
+                    </a:p>
+                  </a:txBody>
+                  <a:tcPr/>
+                </a:tc>
+                <a:tc>
+                  <a:txBody>
+                    <a:bodyPr/>
+                    <a:lstStyle/>
+                    <a:p>
+                      <a:pPr latinLnBrk="1"/>
+                      <a:endParaRPr lang="ko-KR" altLang="en-US"/>
+                    </a:p>
+                  </a:txBody>
+                  <a:tcPr/>
+                </a:tc>
+                <a:tc>
+                  <a:txBody>
+                    <a:bodyPr/>
+                    <a:lstStyle/>
+                    <a:p>
+                      <a:pPr latinLnBrk="1"/>
+                      <a:endParaRPr lang="ko-KR" altLang="en-US"/>
+                    </a:p>
+                  </a:txBody>
+                  <a:tcPr/>
+                </a:tc>
+                <a:extLst>
+                  <a:ext uri="{0D108BD9-81ED-4DB2-BD59-A6C34878D82A}">
+                    <a16:rowId xmlns:a16="http://schemas.microsoft.com/office/drawing/2014/main" val="4188723843"/>
+                  </a:ext>
+                </a:extLst>
+              </a:tr>
+              <a:tr h="828040">
+                <a:tc>
+                  <a:txBody>
+                    <a:bodyPr/>
+                    <a:lstStyle/>
+                    <a:p>
+                      <a:pPr latinLnBrk="1"/>
+                      <a:endParaRPr lang="ko-KR" altLang="en-US"/>
+                    </a:p>
+                  </a:txBody>
+                  <a:tcPr/>
+                </a:tc>
+                <a:tc>
+                  <a:txBody>
+                    <a:bodyPr/>
+                    <a:lstStyle/>
+                    <a:p>
+                      <a:pPr latinLnBrk="1"/>
+                      <a:endParaRPr lang="ko-KR" altLang="en-US"/>
+                    </a:p>
+                  </a:txBody>
+                  <a:tcPr/>
+                </a:tc>
+                <a:tc>
+                  <a:txBody>
+                    <a:bodyPr/>
+                    <a:lstStyle/>
+                    <a:p>
+                      <a:pPr latinLnBrk="1"/>
+                      <a:endParaRPr lang="ko-KR" altLang="en-US"/>
+                    </a:p>
+                  </a:txBody>
+                  <a:tcPr/>
+                </a:tc>
+                <a:tc>
+                  <a:txBody>
+                    <a:bodyPr/>
+                    <a:lstStyle/>
+                    <a:p>
+                      <a:pPr latinLnBrk="1"/>
+                      <a:endParaRPr lang="ko-KR" altLang="en-US"/>
+                    </a:p>
+                  </a:txBody>
+                  <a:tcPr/>
+                </a:tc>
+                <a:tc>
+                  <a:txBody>
+                    <a:bodyPr/>
+                    <a:lstStyle/>
+                    <a:p>
+                      <a:pPr latinLnBrk="1"/>
+                      <a:endParaRPr lang="ko-KR" altLang="en-US"/>
+                    </a:p>
+                  </a:txBody>
+                  <a:tcPr/>
+                </a:tc>
+                <a:tc>
+                  <a:txBody>
+                    <a:bodyPr/>
+                    <a:lstStyle/>
+                    <a:p>
+                      <a:pPr latinLnBrk="1"/>
+                      <a:endParaRPr lang="ko-KR" altLang="en-US"/>
+                    </a:p>
+                  </a:txBody>
+                  <a:tcPr/>
+                </a:tc>
+                <a:tc>
+                  <a:txBody>
+                    <a:bodyPr/>
+                    <a:lstStyle/>
+                    <a:p>
+                      <a:pPr latinLnBrk="1"/>
+                      <a:endParaRPr lang="ko-KR" altLang="en-US"/>
+                    </a:p>
+                  </a:txBody>
+                  <a:tcPr/>
+                </a:tc>
+                <a:tc>
+                  <a:txBody>
+                    <a:bodyPr/>
+                    <a:lstStyle/>
+                    <a:p>
+                      <a:pPr latinLnBrk="1"/>
+                      <a:endParaRPr lang="ko-KR" altLang="en-US"/>
+                    </a:p>
+                  </a:txBody>
+                  <a:tcPr/>
+                </a:tc>
+                <a:extLst>
+                  <a:ext uri="{0D108BD9-81ED-4DB2-BD59-A6C34878D82A}">
+                    <a16:rowId xmlns:a16="http://schemas.microsoft.com/office/drawing/2014/main" val="2664266390"/>
+                  </a:ext>
+                </a:extLst>
+              </a:tr>
+              <a:tr h="828040">
+                <a:tc>
+                  <a:txBody>
+                    <a:bodyPr/>
+                    <a:lstStyle/>
+                    <a:p>
+                      <a:pPr latinLnBrk="1"/>
+                      <a:endParaRPr lang="ko-KR" altLang="en-US"/>
+                    </a:p>
+                  </a:txBody>
+                  <a:tcPr/>
+                </a:tc>
+                <a:tc>
+                  <a:txBody>
+                    <a:bodyPr/>
+                    <a:lstStyle/>
+                    <a:p>
+                      <a:pPr latinLnBrk="1"/>
+                      <a:endParaRPr lang="ko-KR" altLang="en-US"/>
+                    </a:p>
+                  </a:txBody>
+                  <a:tcPr/>
+                </a:tc>
+                <a:tc>
+                  <a:txBody>
+                    <a:bodyPr/>
+                    <a:lstStyle/>
+                    <a:p>
+                      <a:pPr latinLnBrk="1"/>
+                      <a:endParaRPr lang="ko-KR" altLang="en-US"/>
+                    </a:p>
+                  </a:txBody>
+                  <a:tcPr/>
+                </a:tc>
+                <a:tc>
+                  <a:txBody>
+                    <a:bodyPr/>
+                    <a:lstStyle/>
+                    <a:p>
+                      <a:pPr latinLnBrk="1"/>
+                      <a:endParaRPr lang="ko-KR" altLang="en-US"/>
+                    </a:p>
+                  </a:txBody>
+                  <a:tcPr/>
+                </a:tc>
+                <a:tc>
+                  <a:txBody>
+                    <a:bodyPr/>
+                    <a:lstStyle/>
+                    <a:p>
+                      <a:pPr latinLnBrk="1"/>
+                      <a:endParaRPr lang="ko-KR" altLang="en-US"/>
+                    </a:p>
+                  </a:txBody>
+                  <a:tcPr/>
+                </a:tc>
+                <a:tc>
+                  <a:txBody>
+                    <a:bodyPr/>
+                    <a:lstStyle/>
+                    <a:p>
+                      <a:pPr latinLnBrk="1"/>
+                      <a:endParaRPr lang="ko-KR" altLang="en-US"/>
+                    </a:p>
+                  </a:txBody>
+                  <a:tcPr/>
+                </a:tc>
+                <a:tc>
+                  <a:txBody>
+                    <a:bodyPr/>
+                    <a:lstStyle/>
+                    <a:p>
+                      <a:pPr latinLnBrk="1"/>
+                      <a:endParaRPr lang="ko-KR" altLang="en-US"/>
+                    </a:p>
+                  </a:txBody>
+                  <a:tcPr/>
+                </a:tc>
+                <a:tc>
+                  <a:txBody>
+                    <a:bodyPr/>
+                    <a:lstStyle/>
+                    <a:p>
+                      <a:pPr latinLnBrk="1"/>
+                      <a:endParaRPr lang="ko-KR" altLang="en-US"/>
+                    </a:p>
+                  </a:txBody>
+                  <a:tcPr/>
+                </a:tc>
+                <a:extLst>
+                  <a:ext uri="{0D108BD9-81ED-4DB2-BD59-A6C34878D82A}">
+                    <a16:rowId xmlns:a16="http://schemas.microsoft.com/office/drawing/2014/main" val="2735602234"/>
+                  </a:ext>
+                </a:extLst>
+              </a:tr>
+              <a:tr h="828040">
+                <a:tc>
+                  <a:txBody>
+                    <a:bodyPr/>
+                    <a:lstStyle/>
+                    <a:p>
+                      <a:pPr latinLnBrk="1"/>
+                      <a:endParaRPr lang="ko-KR" altLang="en-US"/>
+                    </a:p>
+                  </a:txBody>
+                  <a:tcPr/>
+                </a:tc>
+                <a:tc>
+                  <a:txBody>
+                    <a:bodyPr/>
+                    <a:lstStyle/>
+                    <a:p>
+                      <a:pPr latinLnBrk="1"/>
+                      <a:endParaRPr lang="ko-KR" altLang="en-US"/>
+                    </a:p>
+                  </a:txBody>
+                  <a:tcPr/>
+                </a:tc>
+                <a:tc>
+                  <a:txBody>
+                    <a:bodyPr/>
+                    <a:lstStyle/>
+                    <a:p>
+                      <a:pPr latinLnBrk="1"/>
+                      <a:endParaRPr lang="ko-KR" altLang="en-US"/>
+                    </a:p>
+                  </a:txBody>
+                  <a:tcPr/>
+                </a:tc>
+                <a:tc>
+                  <a:txBody>
+                    <a:bodyPr/>
+                    <a:lstStyle/>
+                    <a:p>
+                      <a:pPr latinLnBrk="1"/>
+                      <a:endParaRPr lang="ko-KR" altLang="en-US"/>
+                    </a:p>
+                  </a:txBody>
+                  <a:tcPr/>
+                </a:tc>
+                <a:tc>
+                  <a:txBody>
+                    <a:bodyPr/>
+                    <a:lstStyle/>
+                    <a:p>
+                      <a:pPr latinLnBrk="1"/>
+                      <a:endParaRPr lang="ko-KR" altLang="en-US"/>
+                    </a:p>
+                  </a:txBody>
+                  <a:tcPr/>
+                </a:tc>
+                <a:tc>
+                  <a:txBody>
+                    <a:bodyPr/>
+                    <a:lstStyle/>
+                    <a:p>
+                      <a:pPr latinLnBrk="1"/>
+                      <a:endParaRPr lang="ko-KR" altLang="en-US"/>
+                    </a:p>
+                  </a:txBody>
+                  <a:tcPr/>
+                </a:tc>
+                <a:tc>
+                  <a:txBody>
+                    <a:bodyPr/>
+                    <a:lstStyle/>
+                    <a:p>
+                      <a:pPr latinLnBrk="1"/>
+                      <a:endParaRPr lang="ko-KR" altLang="en-US"/>
+                    </a:p>
+                  </a:txBody>
+                  <a:tcPr/>
+                </a:tc>
+                <a:tc>
+                  <a:txBody>
+                    <a:bodyPr/>
+                    <a:lstStyle/>
+                    <a:p>
+                      <a:pPr latinLnBrk="1"/>
+                      <a:endParaRPr lang="ko-KR" altLang="en-US"/>
+                    </a:p>
+                  </a:txBody>
+                  <a:tcPr/>
+                </a:tc>
+                <a:extLst>
+                  <a:ext uri="{0D108BD9-81ED-4DB2-BD59-A6C34878D82A}">
+                    <a16:rowId xmlns:a16="http://schemas.microsoft.com/office/drawing/2014/main" val="913112588"/>
+                  </a:ext>
+                </a:extLst>
+              </a:tr>
+              <a:tr h="828040">
+                <a:tc>
+                  <a:txBody>
+                    <a:bodyPr/>
+                    <a:lstStyle/>
+                    <a:p>
+                      <a:pPr latinLnBrk="1"/>
+                      <a:endParaRPr lang="ko-KR" altLang="en-US"/>
+                    </a:p>
+                  </a:txBody>
+                  <a:tcPr/>
+                </a:tc>
+                <a:tc>
+                  <a:txBody>
+                    <a:bodyPr/>
+                    <a:lstStyle/>
+                    <a:p>
+                      <a:pPr latinLnBrk="1"/>
+                      <a:endParaRPr lang="ko-KR" altLang="en-US"/>
+                    </a:p>
+                  </a:txBody>
+                  <a:tcPr/>
+                </a:tc>
+                <a:tc>
+                  <a:txBody>
+                    <a:bodyPr/>
+                    <a:lstStyle/>
+                    <a:p>
+                      <a:pPr latinLnBrk="1"/>
+                      <a:endParaRPr lang="ko-KR" altLang="en-US"/>
+                    </a:p>
+                  </a:txBody>
+                  <a:tcPr/>
+                </a:tc>
+                <a:tc>
+                  <a:txBody>
+                    <a:bodyPr/>
+                    <a:lstStyle/>
+                    <a:p>
+                      <a:pPr latinLnBrk="1"/>
+                      <a:endParaRPr lang="ko-KR" altLang="en-US"/>
+                    </a:p>
+                  </a:txBody>
+                  <a:tcPr/>
+                </a:tc>
+                <a:tc>
+                  <a:txBody>
+                    <a:bodyPr/>
+                    <a:lstStyle/>
+                    <a:p>
+                      <a:pPr latinLnBrk="1"/>
+                      <a:endParaRPr lang="ko-KR" altLang="en-US"/>
+                    </a:p>
+                  </a:txBody>
+                  <a:tcPr/>
+                </a:tc>
+                <a:tc>
+                  <a:txBody>
+                    <a:bodyPr/>
+                    <a:lstStyle/>
+                    <a:p>
+                      <a:pPr latinLnBrk="1"/>
+                      <a:endParaRPr lang="ko-KR" altLang="en-US"/>
+                    </a:p>
+                  </a:txBody>
+                  <a:tcPr/>
+                </a:tc>
+                <a:tc>
+                  <a:txBody>
+                    <a:bodyPr/>
+                    <a:lstStyle/>
+                    <a:p>
+                      <a:pPr latinLnBrk="1"/>
+                      <a:endParaRPr lang="ko-KR" altLang="en-US"/>
+                    </a:p>
+                  </a:txBody>
+                  <a:tcPr/>
+                </a:tc>
+                <a:tc>
+                  <a:txBody>
+                    <a:bodyPr/>
+                    <a:lstStyle/>
+                    <a:p>
+                      <a:pPr latinLnBrk="1"/>
+                      <a:endParaRPr lang="ko-KR" altLang="en-US" dirty="0"/>
+                    </a:p>
+                  </a:txBody>
+                  <a:tcPr/>
+                </a:tc>
+                <a:extLst>
+                  <a:ext uri="{0D108BD9-81ED-4DB2-BD59-A6C34878D82A}">
+                    <a16:rowId xmlns:a16="http://schemas.microsoft.com/office/drawing/2014/main" val="4003629090"/>
+                  </a:ext>
+                </a:extLst>
+              </a:tr>
+            </a:tbl>
+          </a:graphicData>
+        </a:graphic>
+      </p:graphicFrame>
+    </p:spTree>
+    <p:extLst>
+      <p:ext uri="{BB962C8B-B14F-4D97-AF65-F5344CB8AC3E}">
+        <p14:creationId xmlns:p14="http://schemas.microsoft.com/office/powerpoint/2010/main" val="3802285353"/>
       </p:ext>
     </p:extLst>
   </p:cSld>
@@ -5718,4 +10475,299 @@
     </a:ext>
   </a:extLst>
 </a:theme>
+</file>
+
+<file path=ppt/theme/theme2.xml><?xml version="1.0" encoding="utf-8"?>
+<a:theme xmlns:a="http://schemas.openxmlformats.org/drawingml/2006/main" name="Office 테마">
+  <a:themeElements>
+    <a:clrScheme name="Office">
+      <a:dk1>
+        <a:sysClr val="windowText" lastClr="000000"/>
+      </a:dk1>
+      <a:lt1>
+        <a:sysClr val="window" lastClr="FFFFFF"/>
+      </a:lt1>
+      <a:dk2>
+        <a:srgbClr val="44546A"/>
+      </a:dk2>
+      <a:lt2>
+        <a:srgbClr val="E7E6E6"/>
+      </a:lt2>
+      <a:accent1>
+        <a:srgbClr val="4472C4"/>
+      </a:accent1>
+      <a:accent2>
+        <a:srgbClr val="ED7D31"/>
+      </a:accent2>
+      <a:accent3>
+        <a:srgbClr val="A5A5A5"/>
+      </a:accent3>
+      <a:accent4>
+        <a:srgbClr val="FFC000"/>
+      </a:accent4>
+      <a:accent5>
+        <a:srgbClr val="5B9BD5"/>
+      </a:accent5>
+      <a:accent6>
+        <a:srgbClr val="70AD47"/>
+      </a:accent6>
+      <a:hlink>
+        <a:srgbClr val="0563C1"/>
+      </a:hlink>
+      <a:folHlink>
+        <a:srgbClr val="954F72"/>
+      </a:folHlink>
+    </a:clrScheme>
+    <a:fontScheme name="Office">
+      <a:majorFont>
+        <a:latin typeface="맑은 고딕" panose="020F0302020204030204"/>
+        <a:ea typeface=""/>
+        <a:cs typeface=""/>
+        <a:font script="Jpan" typeface="游ゴシック Light"/>
+        <a:font script="Hang" typeface="맑은 고딕"/>
+        <a:font script="Hans" typeface="等线 Light"/>
+        <a:font script="Hant" typeface="新細明體"/>
+        <a:font script="Arab" typeface="Times New Roman"/>
+        <a:font script="Hebr" typeface="Times New Roman"/>
+        <a:font script="Thai" typeface="Angsana New"/>
+        <a:font script="Ethi" typeface="Nyala"/>
+        <a:font script="Beng" typeface="Vrinda"/>
+        <a:font script="Gujr" typeface="Shruti"/>
+        <a:font script="Khmr" typeface="MoolBoran"/>
+        <a:font script="Knda" typeface="Tunga"/>
+        <a:font script="Guru" typeface="Raavi"/>
+        <a:font script="Cans" typeface="Euphemia"/>
+        <a:font script="Cher" typeface="Plantagenet Cherokee"/>
+        <a:font script="Yiii" typeface="Microsoft Yi Baiti"/>
+        <a:font script="Tibt" typeface="Microsoft Himalaya"/>
+        <a:font script="Thaa" typeface="MV Boli"/>
+        <a:font script="Deva" typeface="Mangal"/>
+        <a:font script="Telu" typeface="Gautami"/>
+        <a:font script="Taml" typeface="Latha"/>
+        <a:font script="Syrc" typeface="Estrangelo Edessa"/>
+        <a:font script="Orya" typeface="Kalinga"/>
+        <a:font script="Mlym" typeface="Kartika"/>
+        <a:font script="Laoo" typeface="DokChampa"/>
+        <a:font script="Sinh" typeface="Iskoola Pota"/>
+        <a:font script="Mong" typeface="Mongolian Baiti"/>
+        <a:font script="Viet" typeface="Times New Roman"/>
+        <a:font script="Uigh" typeface="Microsoft Uighur"/>
+        <a:font script="Geor" typeface="Sylfaen"/>
+        <a:font script="Armn" typeface="Arial"/>
+        <a:font script="Bugi" typeface="Leelawadee UI"/>
+        <a:font script="Bopo" typeface="Microsoft JhengHei"/>
+        <a:font script="Java" typeface="Javanese Text"/>
+        <a:font script="Lisu" typeface="Segoe UI"/>
+        <a:font script="Mymr" typeface="Myanmar Text"/>
+        <a:font script="Nkoo" typeface="Ebrima"/>
+        <a:font script="Olck" typeface="Nirmala UI"/>
+        <a:font script="Osma" typeface="Ebrima"/>
+        <a:font script="Phag" typeface="Phagspa"/>
+        <a:font script="Syrn" typeface="Estrangelo Edessa"/>
+        <a:font script="Syrj" typeface="Estrangelo Edessa"/>
+        <a:font script="Syre" typeface="Estrangelo Edessa"/>
+        <a:font script="Sora" typeface="Nirmala UI"/>
+        <a:font script="Tale" typeface="Microsoft Tai Le"/>
+        <a:font script="Talu" typeface="Microsoft New Tai Lue"/>
+        <a:font script="Tfng" typeface="Ebrima"/>
+      </a:majorFont>
+      <a:minorFont>
+        <a:latin typeface="맑은 고딕" panose="020F0502020204030204"/>
+        <a:ea typeface=""/>
+        <a:cs typeface=""/>
+        <a:font script="Jpan" typeface="游ゴシック"/>
+        <a:font script="Hang" typeface="맑은 고딕"/>
+        <a:font script="Hans" typeface="等线"/>
+        <a:font script="Hant" typeface="新細明體"/>
+        <a:font script="Arab" typeface="Arial"/>
+        <a:font script="Hebr" typeface="Arial"/>
+        <a:font script="Thai" typeface="Cordia New"/>
+        <a:font script="Ethi" typeface="Nyala"/>
+        <a:font script="Beng" typeface="Vrinda"/>
+        <a:font script="Gujr" typeface="Shruti"/>
+        <a:font script="Khmr" typeface="DaunPenh"/>
+        <a:font script="Knda" typeface="Tunga"/>
+        <a:font script="Guru" typeface="Raavi"/>
+        <a:font script="Cans" typeface="Euphemia"/>
+        <a:font script="Cher" typeface="Plantagenet Cherokee"/>
+        <a:font script="Yiii" typeface="Microsoft Yi Baiti"/>
+        <a:font script="Tibt" typeface="Microsoft Himalaya"/>
+        <a:font script="Thaa" typeface="MV Boli"/>
+        <a:font script="Deva" typeface="Mangal"/>
+        <a:font script="Telu" typeface="Gautami"/>
+        <a:font script="Taml" typeface="Latha"/>
+        <a:font script="Syrc" typeface="Estrangelo Edessa"/>
+        <a:font script="Orya" typeface="Kalinga"/>
+        <a:font script="Mlym" typeface="Kartika"/>
+        <a:font script="Laoo" typeface="DokChampa"/>
+        <a:font script="Sinh" typeface="Iskoola Pota"/>
+        <a:font script="Mong" typeface="Mongolian Baiti"/>
+        <a:font script="Viet" typeface="Arial"/>
+        <a:font script="Uigh" typeface="Microsoft Uighur"/>
+        <a:font script="Geor" typeface="Sylfaen"/>
+        <a:font script="Armn" typeface="Arial"/>
+        <a:font script="Bugi" typeface="Leelawadee UI"/>
+        <a:font script="Bopo" typeface="Microsoft JhengHei"/>
+        <a:font script="Java" typeface="Javanese Text"/>
+        <a:font script="Lisu" typeface="Segoe UI"/>
+        <a:font script="Mymr" typeface="Myanmar Text"/>
+        <a:font script="Nkoo" typeface="Ebrima"/>
+        <a:font script="Olck" typeface="Nirmala UI"/>
+        <a:font script="Osma" typeface="Ebrima"/>
+        <a:font script="Phag" typeface="Phagspa"/>
+        <a:font script="Syrn" typeface="Estrangelo Edessa"/>
+        <a:font script="Syrj" typeface="Estrangelo Edessa"/>
+        <a:font script="Syre" typeface="Estrangelo Edessa"/>
+        <a:font script="Sora" typeface="Nirmala UI"/>
+        <a:font script="Tale" typeface="Microsoft Tai Le"/>
+        <a:font script="Talu" typeface="Microsoft New Tai Lue"/>
+        <a:font script="Tfng" typeface="Ebrima"/>
+      </a:minorFont>
+    </a:fontScheme>
+    <a:fmtScheme name="Office">
+      <a:fillStyleLst>
+        <a:solidFill>
+          <a:schemeClr val="phClr"/>
+        </a:solidFill>
+        <a:gradFill rotWithShape="1">
+          <a:gsLst>
+            <a:gs pos="0">
+              <a:schemeClr val="phClr">
+                <a:lumMod val="110000"/>
+                <a:satMod val="105000"/>
+                <a:tint val="67000"/>
+              </a:schemeClr>
+            </a:gs>
+            <a:gs pos="50000">
+              <a:schemeClr val="phClr">
+                <a:lumMod val="105000"/>
+                <a:satMod val="103000"/>
+                <a:tint val="73000"/>
+              </a:schemeClr>
+            </a:gs>
+            <a:gs pos="100000">
+              <a:schemeClr val="phClr">
+                <a:lumMod val="105000"/>
+                <a:satMod val="109000"/>
+                <a:tint val="81000"/>
+              </a:schemeClr>
+            </a:gs>
+          </a:gsLst>
+          <a:lin ang="5400000" scaled="0"/>
+        </a:gradFill>
+        <a:gradFill rotWithShape="1">
+          <a:gsLst>
+            <a:gs pos="0">
+              <a:schemeClr val="phClr">
+                <a:satMod val="103000"/>
+                <a:lumMod val="102000"/>
+                <a:tint val="94000"/>
+              </a:schemeClr>
+            </a:gs>
+            <a:gs pos="50000">
+              <a:schemeClr val="phClr">
+                <a:satMod val="110000"/>
+                <a:lumMod val="100000"/>
+                <a:shade val="100000"/>
+              </a:schemeClr>
+            </a:gs>
+            <a:gs pos="100000">
+              <a:schemeClr val="phClr">
+                <a:lumMod val="99000"/>
+                <a:satMod val="120000"/>
+                <a:shade val="78000"/>
+              </a:schemeClr>
+            </a:gs>
+          </a:gsLst>
+          <a:lin ang="5400000" scaled="0"/>
+        </a:gradFill>
+      </a:fillStyleLst>
+      <a:lnStyleLst>
+        <a:ln w="6350" cap="flat" cmpd="sng" algn="ctr">
+          <a:solidFill>
+            <a:schemeClr val="phClr"/>
+          </a:solidFill>
+          <a:prstDash val="solid"/>
+          <a:miter lim="800000"/>
+        </a:ln>
+        <a:ln w="12700" cap="flat" cmpd="sng" algn="ctr">
+          <a:solidFill>
+            <a:schemeClr val="phClr"/>
+          </a:solidFill>
+          <a:prstDash val="solid"/>
+          <a:miter lim="800000"/>
+        </a:ln>
+        <a:ln w="19050" cap="flat" cmpd="sng" algn="ctr">
+          <a:solidFill>
+            <a:schemeClr val="phClr"/>
+          </a:solidFill>
+          <a:prstDash val="solid"/>
+          <a:miter lim="800000"/>
+        </a:ln>
+      </a:lnStyleLst>
+      <a:effectStyleLst>
+        <a:effectStyle>
+          <a:effectLst/>
+        </a:effectStyle>
+        <a:effectStyle>
+          <a:effectLst/>
+        </a:effectStyle>
+        <a:effectStyle>
+          <a:effectLst>
+            <a:outerShdw blurRad="57150" dist="19050" dir="5400000" algn="ctr" rotWithShape="0">
+              <a:srgbClr val="000000">
+                <a:alpha val="63000"/>
+              </a:srgbClr>
+            </a:outerShdw>
+          </a:effectLst>
+        </a:effectStyle>
+      </a:effectStyleLst>
+      <a:bgFillStyleLst>
+        <a:solidFill>
+          <a:schemeClr val="phClr"/>
+        </a:solidFill>
+        <a:solidFill>
+          <a:schemeClr val="phClr">
+            <a:tint val="95000"/>
+            <a:satMod val="170000"/>
+          </a:schemeClr>
+        </a:solidFill>
+        <a:gradFill rotWithShape="1">
+          <a:gsLst>
+            <a:gs pos="0">
+              <a:schemeClr val="phClr">
+                <a:tint val="93000"/>
+                <a:satMod val="150000"/>
+                <a:shade val="98000"/>
+                <a:lumMod val="102000"/>
+              </a:schemeClr>
+            </a:gs>
+            <a:gs pos="50000">
+              <a:schemeClr val="phClr">
+                <a:tint val="98000"/>
+                <a:satMod val="130000"/>
+                <a:shade val="90000"/>
+                <a:lumMod val="103000"/>
+              </a:schemeClr>
+            </a:gs>
+            <a:gs pos="100000">
+              <a:schemeClr val="phClr">
+                <a:shade val="63000"/>
+                <a:satMod val="120000"/>
+              </a:schemeClr>
+            </a:gs>
+          </a:gsLst>
+          <a:lin ang="5400000" scaled="0"/>
+        </a:gradFill>
+      </a:bgFillStyleLst>
+    </a:fmtScheme>
+  </a:themeElements>
+  <a:objectDefaults/>
+  <a:extraClrSchemeLst/>
+  <a:extLst>
+    <a:ext uri="{05A4C25C-085E-4340-85A3-A5531E510DB2}">
+      <thm15:themeFamily xmlns:thm15="http://schemas.microsoft.com/office/thememl/2012/main" name="Office Theme" id="{62F939B6-93AF-4DB8-9C6B-D6C7DFDC589F}" vid="{4A3C46E8-61CC-4603-A589-7422A47A8E4A}"/>
+    </a:ext>
+  </a:extLst>
+</a:theme>
 </file>
--- a/매뉴얼.pptx
+++ b/매뉴얼.pptx
@@ -168,7 +168,7 @@
             </a:lvl1pPr>
           </a:lstStyle>
           <a:p>
-            <a:endParaRPr lang="ko-KR" altLang="en-US"/>
+            <a:endParaRPr lang="ko-KR" altLang="en-US" dirty="0"/>
           </a:p>
         </p:txBody>
       </p:sp>
@@ -203,7 +203,7 @@
               <a:rPr lang="ko-KR" altLang="en-US" smtClean="0"/>
               <a:t>2022-08-21</a:t>
             </a:fld>
-            <a:endParaRPr lang="ko-KR" altLang="en-US"/>
+            <a:endParaRPr lang="ko-KR" altLang="en-US" dirty="0"/>
           </a:p>
         </p:txBody>
       </p:sp>
@@ -236,7 +236,7 @@
           <a:bodyPr vert="horz" lIns="91440" tIns="45720" rIns="91440" bIns="45720" rtlCol="0" anchor="ctr"/>
           <a:lstStyle/>
           <a:p>
-            <a:endParaRPr lang="ko-KR" altLang="en-US"/>
+            <a:endParaRPr lang="ko-KR" altLang="en-US" dirty="0"/>
           </a:p>
         </p:txBody>
       </p:sp>
@@ -326,7 +326,7 @@
             </a:lvl1pPr>
           </a:lstStyle>
           <a:p>
-            <a:endParaRPr lang="ko-KR" altLang="en-US"/>
+            <a:endParaRPr lang="ko-KR" altLang="en-US" dirty="0"/>
           </a:p>
         </p:txBody>
       </p:sp>
@@ -361,7 +361,7 @@
               <a:rPr lang="ko-KR" altLang="en-US" smtClean="0"/>
               <a:t>‹#›</a:t>
             </a:fld>
-            <a:endParaRPr lang="ko-KR" altLang="en-US"/>
+            <a:endParaRPr lang="ko-KR" altLang="en-US" dirty="0"/>
           </a:p>
         </p:txBody>
       </p:sp>
@@ -701,7 +701,7 @@
               <a:rPr lang="ko-KR" altLang="en-US" smtClean="0"/>
               <a:t>2022-08-21</a:t>
             </a:fld>
-            <a:endParaRPr lang="ko-KR" altLang="en-US"/>
+            <a:endParaRPr lang="ko-KR" altLang="en-US" dirty="0"/>
           </a:p>
         </p:txBody>
       </p:sp>
@@ -726,7 +726,7 @@
           <a:bodyPr/>
           <a:lstStyle/>
           <a:p>
-            <a:endParaRPr lang="ko-KR" altLang="en-US"/>
+            <a:endParaRPr lang="ko-KR" altLang="en-US" dirty="0"/>
           </a:p>
         </p:txBody>
       </p:sp>
@@ -755,7 +755,7 @@
               <a:rPr lang="ko-KR" altLang="en-US" smtClean="0"/>
               <a:t>‹#›</a:t>
             </a:fld>
-            <a:endParaRPr lang="ko-KR" altLang="en-US"/>
+            <a:endParaRPr lang="ko-KR" altLang="en-US" dirty="0"/>
           </a:p>
         </p:txBody>
       </p:sp>
@@ -899,7 +899,7 @@
               <a:rPr lang="ko-KR" altLang="en-US" smtClean="0"/>
               <a:t>2022-08-21</a:t>
             </a:fld>
-            <a:endParaRPr lang="ko-KR" altLang="en-US"/>
+            <a:endParaRPr lang="ko-KR" altLang="en-US" dirty="0"/>
           </a:p>
         </p:txBody>
       </p:sp>
@@ -924,7 +924,7 @@
           <a:bodyPr/>
           <a:lstStyle/>
           <a:p>
-            <a:endParaRPr lang="ko-KR" altLang="en-US"/>
+            <a:endParaRPr lang="ko-KR" altLang="en-US" dirty="0"/>
           </a:p>
         </p:txBody>
       </p:sp>
@@ -953,7 +953,7 @@
               <a:rPr lang="ko-KR" altLang="en-US" smtClean="0"/>
               <a:t>‹#›</a:t>
             </a:fld>
-            <a:endParaRPr lang="ko-KR" altLang="en-US"/>
+            <a:endParaRPr lang="ko-KR" altLang="en-US" dirty="0"/>
           </a:p>
         </p:txBody>
       </p:sp>
@@ -1107,7 +1107,7 @@
               <a:rPr lang="ko-KR" altLang="en-US" smtClean="0"/>
               <a:t>2022-08-21</a:t>
             </a:fld>
-            <a:endParaRPr lang="ko-KR" altLang="en-US"/>
+            <a:endParaRPr lang="ko-KR" altLang="en-US" dirty="0"/>
           </a:p>
         </p:txBody>
       </p:sp>
@@ -1132,7 +1132,7 @@
           <a:bodyPr/>
           <a:lstStyle/>
           <a:p>
-            <a:endParaRPr lang="ko-KR" altLang="en-US"/>
+            <a:endParaRPr lang="ko-KR" altLang="en-US" dirty="0"/>
           </a:p>
         </p:txBody>
       </p:sp>
@@ -1161,7 +1161,7 @@
               <a:rPr lang="ko-KR" altLang="en-US" smtClean="0"/>
               <a:t>‹#›</a:t>
             </a:fld>
-            <a:endParaRPr lang="ko-KR" altLang="en-US"/>
+            <a:endParaRPr lang="ko-KR" altLang="en-US" dirty="0"/>
           </a:p>
         </p:txBody>
       </p:sp>
@@ -1305,7 +1305,7 @@
               <a:rPr lang="ko-KR" altLang="en-US" smtClean="0"/>
               <a:t>2022-08-21</a:t>
             </a:fld>
-            <a:endParaRPr lang="ko-KR" altLang="en-US"/>
+            <a:endParaRPr lang="ko-KR" altLang="en-US" dirty="0"/>
           </a:p>
         </p:txBody>
       </p:sp>
@@ -1330,7 +1330,7 @@
           <a:bodyPr/>
           <a:lstStyle/>
           <a:p>
-            <a:endParaRPr lang="ko-KR" altLang="en-US"/>
+            <a:endParaRPr lang="ko-KR" altLang="en-US" dirty="0"/>
           </a:p>
         </p:txBody>
       </p:sp>
@@ -1359,7 +1359,7 @@
               <a:rPr lang="ko-KR" altLang="en-US" smtClean="0"/>
               <a:t>‹#›</a:t>
             </a:fld>
-            <a:endParaRPr lang="ko-KR" altLang="en-US"/>
+            <a:endParaRPr lang="ko-KR" altLang="en-US" dirty="0"/>
           </a:p>
         </p:txBody>
       </p:sp>
@@ -1580,7 +1580,7 @@
               <a:rPr lang="ko-KR" altLang="en-US" smtClean="0"/>
               <a:t>2022-08-21</a:t>
             </a:fld>
-            <a:endParaRPr lang="ko-KR" altLang="en-US"/>
+            <a:endParaRPr lang="ko-KR" altLang="en-US" dirty="0"/>
           </a:p>
         </p:txBody>
       </p:sp>
@@ -1605,7 +1605,7 @@
           <a:bodyPr/>
           <a:lstStyle/>
           <a:p>
-            <a:endParaRPr lang="ko-KR" altLang="en-US"/>
+            <a:endParaRPr lang="ko-KR" altLang="en-US" dirty="0"/>
           </a:p>
         </p:txBody>
       </p:sp>
@@ -1634,7 +1634,7 @@
               <a:rPr lang="ko-KR" altLang="en-US" smtClean="0"/>
               <a:t>‹#›</a:t>
             </a:fld>
-            <a:endParaRPr lang="ko-KR" altLang="en-US"/>
+            <a:endParaRPr lang="ko-KR" altLang="en-US" dirty="0"/>
           </a:p>
         </p:txBody>
       </p:sp>
@@ -1845,7 +1845,7 @@
               <a:rPr lang="ko-KR" altLang="en-US" smtClean="0"/>
               <a:t>2022-08-21</a:t>
             </a:fld>
-            <a:endParaRPr lang="ko-KR" altLang="en-US"/>
+            <a:endParaRPr lang="ko-KR" altLang="en-US" dirty="0"/>
           </a:p>
         </p:txBody>
       </p:sp>
@@ -1870,7 +1870,7 @@
           <a:bodyPr/>
           <a:lstStyle/>
           <a:p>
-            <a:endParaRPr lang="ko-KR" altLang="en-US"/>
+            <a:endParaRPr lang="ko-KR" altLang="en-US" dirty="0"/>
           </a:p>
         </p:txBody>
       </p:sp>
@@ -1899,7 +1899,7 @@
               <a:rPr lang="ko-KR" altLang="en-US" smtClean="0"/>
               <a:t>‹#›</a:t>
             </a:fld>
-            <a:endParaRPr lang="ko-KR" altLang="en-US"/>
+            <a:endParaRPr lang="ko-KR" altLang="en-US" dirty="0"/>
           </a:p>
         </p:txBody>
       </p:sp>
@@ -2257,7 +2257,7 @@
               <a:rPr lang="ko-KR" altLang="en-US" smtClean="0"/>
               <a:t>2022-08-21</a:t>
             </a:fld>
-            <a:endParaRPr lang="ko-KR" altLang="en-US"/>
+            <a:endParaRPr lang="ko-KR" altLang="en-US" dirty="0"/>
           </a:p>
         </p:txBody>
       </p:sp>
@@ -2282,7 +2282,7 @@
           <a:bodyPr/>
           <a:lstStyle/>
           <a:p>
-            <a:endParaRPr lang="ko-KR" altLang="en-US"/>
+            <a:endParaRPr lang="ko-KR" altLang="en-US" dirty="0"/>
           </a:p>
         </p:txBody>
       </p:sp>
@@ -2311,7 +2311,7 @@
               <a:rPr lang="ko-KR" altLang="en-US" smtClean="0"/>
               <a:t>‹#›</a:t>
             </a:fld>
-            <a:endParaRPr lang="ko-KR" altLang="en-US"/>
+            <a:endParaRPr lang="ko-KR" altLang="en-US" dirty="0"/>
           </a:p>
         </p:txBody>
       </p:sp>
@@ -2398,7 +2398,7 @@
               <a:rPr lang="ko-KR" altLang="en-US" smtClean="0"/>
               <a:t>2022-08-21</a:t>
             </a:fld>
-            <a:endParaRPr lang="ko-KR" altLang="en-US"/>
+            <a:endParaRPr lang="ko-KR" altLang="en-US" dirty="0"/>
           </a:p>
         </p:txBody>
       </p:sp>
@@ -2423,7 +2423,7 @@
           <a:bodyPr/>
           <a:lstStyle/>
           <a:p>
-            <a:endParaRPr lang="ko-KR" altLang="en-US"/>
+            <a:endParaRPr lang="ko-KR" altLang="en-US" dirty="0"/>
           </a:p>
         </p:txBody>
       </p:sp>
@@ -2452,7 +2452,7 @@
               <a:rPr lang="ko-KR" altLang="en-US" smtClean="0"/>
               <a:t>‹#›</a:t>
             </a:fld>
-            <a:endParaRPr lang="ko-KR" altLang="en-US"/>
+            <a:endParaRPr lang="ko-KR" altLang="en-US" dirty="0"/>
           </a:p>
         </p:txBody>
       </p:sp>
@@ -2511,7 +2511,7 @@
               <a:rPr lang="ko-KR" altLang="en-US" smtClean="0"/>
               <a:t>2022-08-21</a:t>
             </a:fld>
-            <a:endParaRPr lang="ko-KR" altLang="en-US"/>
+            <a:endParaRPr lang="ko-KR" altLang="en-US" dirty="0"/>
           </a:p>
         </p:txBody>
       </p:sp>
@@ -2536,7 +2536,7 @@
           <a:bodyPr/>
           <a:lstStyle/>
           <a:p>
-            <a:endParaRPr lang="ko-KR" altLang="en-US"/>
+            <a:endParaRPr lang="ko-KR" altLang="en-US" dirty="0"/>
           </a:p>
         </p:txBody>
       </p:sp>
@@ -2565,7 +2565,7 @@
               <a:rPr lang="ko-KR" altLang="en-US" smtClean="0"/>
               <a:t>‹#›</a:t>
             </a:fld>
-            <a:endParaRPr lang="ko-KR" altLang="en-US"/>
+            <a:endParaRPr lang="ko-KR" altLang="en-US" dirty="0"/>
           </a:p>
         </p:txBody>
       </p:sp>
@@ -2822,7 +2822,7 @@
               <a:rPr lang="ko-KR" altLang="en-US" smtClean="0"/>
               <a:t>2022-08-21</a:t>
             </a:fld>
-            <a:endParaRPr lang="ko-KR" altLang="en-US"/>
+            <a:endParaRPr lang="ko-KR" altLang="en-US" dirty="0"/>
           </a:p>
         </p:txBody>
       </p:sp>
@@ -2847,7 +2847,7 @@
           <a:bodyPr/>
           <a:lstStyle/>
           <a:p>
-            <a:endParaRPr lang="ko-KR" altLang="en-US"/>
+            <a:endParaRPr lang="ko-KR" altLang="en-US" dirty="0"/>
           </a:p>
         </p:txBody>
       </p:sp>
@@ -2876,7 +2876,7 @@
               <a:rPr lang="ko-KR" altLang="en-US" smtClean="0"/>
               <a:t>‹#›</a:t>
             </a:fld>
-            <a:endParaRPr lang="ko-KR" altLang="en-US"/>
+            <a:endParaRPr lang="ko-KR" altLang="en-US" dirty="0"/>
           </a:p>
         </p:txBody>
       </p:sp>
@@ -3010,7 +3010,7 @@
             </a:lvl9pPr>
           </a:lstStyle>
           <a:p>
-            <a:endParaRPr lang="ko-KR" altLang="en-US"/>
+            <a:endParaRPr lang="ko-KR" altLang="en-US" dirty="0"/>
           </a:p>
         </p:txBody>
       </p:sp>
@@ -3110,7 +3110,7 @@
               <a:rPr lang="ko-KR" altLang="en-US" smtClean="0"/>
               <a:t>2022-08-21</a:t>
             </a:fld>
-            <a:endParaRPr lang="ko-KR" altLang="en-US"/>
+            <a:endParaRPr lang="ko-KR" altLang="en-US" dirty="0"/>
           </a:p>
         </p:txBody>
       </p:sp>
@@ -3135,7 +3135,7 @@
           <a:bodyPr/>
           <a:lstStyle/>
           <a:p>
-            <a:endParaRPr lang="ko-KR" altLang="en-US"/>
+            <a:endParaRPr lang="ko-KR" altLang="en-US" dirty="0"/>
           </a:p>
         </p:txBody>
       </p:sp>
@@ -3164,7 +3164,7 @@
               <a:rPr lang="ko-KR" altLang="en-US" smtClean="0"/>
               <a:t>‹#›</a:t>
             </a:fld>
-            <a:endParaRPr lang="ko-KR" altLang="en-US"/>
+            <a:endParaRPr lang="ko-KR" altLang="en-US" dirty="0"/>
           </a:p>
         </p:txBody>
       </p:sp>
@@ -3351,7 +3351,7 @@
               <a:rPr lang="ko-KR" altLang="en-US" smtClean="0"/>
               <a:t>2022-08-21</a:t>
             </a:fld>
-            <a:endParaRPr lang="ko-KR" altLang="en-US"/>
+            <a:endParaRPr lang="ko-KR" altLang="en-US" dirty="0"/>
           </a:p>
         </p:txBody>
       </p:sp>
@@ -3394,7 +3394,7 @@
             </a:lvl1pPr>
           </a:lstStyle>
           <a:p>
-            <a:endParaRPr lang="ko-KR" altLang="en-US"/>
+            <a:endParaRPr lang="ko-KR" altLang="en-US" dirty="0"/>
           </a:p>
         </p:txBody>
       </p:sp>
@@ -3441,7 +3441,7 @@
               <a:rPr lang="ko-KR" altLang="en-US" smtClean="0"/>
               <a:t>‹#›</a:t>
             </a:fld>
-            <a:endParaRPr lang="ko-KR" altLang="en-US"/>
+            <a:endParaRPr lang="ko-KR" altLang="en-US" dirty="0"/>
           </a:p>
         </p:txBody>
       </p:sp>
@@ -6113,12 +6113,8 @@
                         <a:t>, </a:t>
                       </a:r>
                       <a:r>
-                        <a:rPr lang="ko-KR" altLang="en-US" dirty="0" err="1"/>
-                        <a:t>오류율</a:t>
-                      </a:r>
-                      <a:r>
                         <a:rPr lang="ko-KR" altLang="en-US" dirty="0"/>
-                        <a:t> 감소를 위한 원인 파악작업을 진행 합니다</a:t>
+                        <a:t>오류율 감소를 위한 원인 파악작업을 진행 합니다</a:t>
                       </a:r>
                       <a:r>
                         <a:rPr lang="en-US" altLang="ko-KR" dirty="0"/>
@@ -8133,10 +8129,10 @@
                     <a:p>
                       <a:pPr latinLnBrk="1"/>
                       <a:r>
-                        <a:rPr lang="en-US" altLang="ko-KR" sz="1200"/>
+                        <a:rPr lang="en-US" altLang="ko-KR" sz="1200" dirty="0"/>
                         <a:t>LEVEL1-2</a:t>
                       </a:r>
-                      <a:endParaRPr lang="ko-KR" altLang="en-US" sz="1200"/>
+                      <a:endParaRPr lang="ko-KR" altLang="en-US" sz="1200" dirty="0"/>
                     </a:p>
                   </a:txBody>
                   <a:tcPr>
@@ -9485,14 +9481,14 @@
           <p:nvPr>
             <p:extLst>
               <p:ext uri="{D42A27DB-BD31-4B8C-83A1-F6EECF244321}">
-                <p14:modId xmlns:p14="http://schemas.microsoft.com/office/powerpoint/2010/main" val="3108257724"/>
+                <p14:modId xmlns:p14="http://schemas.microsoft.com/office/powerpoint/2010/main" val="1562411140"/>
               </p:ext>
             </p:extLst>
           </p:nvPr>
         </p:nvGraphicFramePr>
         <p:xfrm>
-          <a:off x="111760" y="83820"/>
-          <a:ext cx="11904984" cy="4505960"/>
+          <a:off x="111760" y="1109980"/>
+          <a:ext cx="11958319" cy="2743200"/>
         </p:xfrm>
         <a:graphic>
           <a:graphicData uri="http://schemas.openxmlformats.org/drawingml/2006/table">
@@ -9501,62 +9497,41 @@
                 <a:tableStyleId>{5C22544A-7EE6-4342-B048-85BDC9FD1C3A}</a:tableStyleId>
               </a:tblPr>
               <a:tblGrid>
-                <a:gridCol w="1488123">
+                <a:gridCol w="1270000">
                   <a:extLst>
                     <a:ext uri="{9D8B030D-6E8A-4147-A177-3AD203B41FA5}">
                       <a16:colId xmlns:a16="http://schemas.microsoft.com/office/drawing/2014/main" val="2393000120"/>
                     </a:ext>
                   </a:extLst>
                 </a:gridCol>
-                <a:gridCol w="1488123">
+                <a:gridCol w="965200">
                   <a:extLst>
                     <a:ext uri="{9D8B030D-6E8A-4147-A177-3AD203B41FA5}">
                       <a16:colId xmlns:a16="http://schemas.microsoft.com/office/drawing/2014/main" val="921947688"/>
                     </a:ext>
                   </a:extLst>
                 </a:gridCol>
-                <a:gridCol w="1488123">
+                <a:gridCol w="1391920">
                   <a:extLst>
                     <a:ext uri="{9D8B030D-6E8A-4147-A177-3AD203B41FA5}">
                       <a16:colId xmlns:a16="http://schemas.microsoft.com/office/drawing/2014/main" val="316844838"/>
                     </a:ext>
                   </a:extLst>
                 </a:gridCol>
-                <a:gridCol w="1488123">
+                <a:gridCol w="1493520">
                   <a:extLst>
                     <a:ext uri="{9D8B030D-6E8A-4147-A177-3AD203B41FA5}">
                       <a16:colId xmlns:a16="http://schemas.microsoft.com/office/drawing/2014/main" val="708100632"/>
                     </a:ext>
                   </a:extLst>
                 </a:gridCol>
-                <a:gridCol w="1488123">
+                <a:gridCol w="6837679">
                   <a:extLst>
                     <a:ext uri="{9D8B030D-6E8A-4147-A177-3AD203B41FA5}">
                       <a16:colId xmlns:a16="http://schemas.microsoft.com/office/drawing/2014/main" val="88614573"/>
                     </a:ext>
                   </a:extLst>
                 </a:gridCol>
-                <a:gridCol w="1488123">
-                  <a:extLst>
-                    <a:ext uri="{9D8B030D-6E8A-4147-A177-3AD203B41FA5}">
-                      <a16:colId xmlns:a16="http://schemas.microsoft.com/office/drawing/2014/main" val="3604320944"/>
-                    </a:ext>
-                  </a:extLst>
-                </a:gridCol>
-                <a:gridCol w="1488123">
-                  <a:extLst>
-                    <a:ext uri="{9D8B030D-6E8A-4147-A177-3AD203B41FA5}">
-                      <a16:colId xmlns:a16="http://schemas.microsoft.com/office/drawing/2014/main" val="3790530992"/>
-                    </a:ext>
-                  </a:extLst>
-                </a:gridCol>
-                <a:gridCol w="1488123">
-                  <a:extLst>
-                    <a:ext uri="{9D8B030D-6E8A-4147-A177-3AD203B41FA5}">
-                      <a16:colId xmlns:a16="http://schemas.microsoft.com/office/drawing/2014/main" val="4109472336"/>
-                    </a:ext>
-                  </a:extLst>
-                </a:gridCol>
               </a:tblGrid>
               <a:tr h="365760">
                 <a:tc>
@@ -9566,77 +9541,35 @@
                     <a:p>
                       <a:pPr latinLnBrk="1"/>
                       <a:r>
-                        <a:rPr lang="ko-KR" altLang="en-US" dirty="0"/>
-                        <a:t>알람 구분</a:t>
-                      </a:r>
-                    </a:p>
-                  </a:txBody>
-                  <a:tcPr/>
-                </a:tc>
-                <a:tc>
-                  <a:txBody>
-                    <a:bodyPr/>
-                    <a:lstStyle/>
-                    <a:p>
-                      <a:pPr latinLnBrk="1"/>
-                      <a:r>
-                        <a:rPr lang="ko-KR" altLang="en-US" dirty="0"/>
-                        <a:t>민감도</a:t>
-                      </a:r>
-                    </a:p>
-                  </a:txBody>
-                  <a:tcPr/>
-                </a:tc>
-                <a:tc>
-                  <a:txBody>
-                    <a:bodyPr/>
-                    <a:lstStyle/>
-                    <a:p>
-                      <a:pPr latinLnBrk="1"/>
-                      <a:r>
-                        <a:rPr lang="ko-KR" altLang="en-US" dirty="0"/>
-                        <a:t>대응 방법</a:t>
-                      </a:r>
-                    </a:p>
-                  </a:txBody>
-                  <a:tcPr/>
-                </a:tc>
-                <a:tc>
-                  <a:txBody>
-                    <a:bodyPr/>
-                    <a:lstStyle/>
-                    <a:p>
-                      <a:pPr latinLnBrk="1"/>
-                      <a:r>
-                        <a:rPr lang="ko-KR" altLang="en-US" dirty="0"/>
-                        <a:t>설명</a:t>
-                      </a:r>
-                    </a:p>
-                  </a:txBody>
-                  <a:tcPr/>
-                </a:tc>
-                <a:tc>
-                  <a:txBody>
-                    <a:bodyPr/>
-                    <a:lstStyle/>
-                    <a:p>
-                      <a:pPr latinLnBrk="1"/>
-                      <a:r>
-                        <a:rPr lang="ko-KR" altLang="en-US" dirty="0"/>
-                        <a:t>알람 수신자</a:t>
-                      </a:r>
-                    </a:p>
-                  </a:txBody>
-                  <a:tcPr/>
-                </a:tc>
-                <a:tc>
-                  <a:txBody>
-                    <a:bodyPr/>
-                    <a:lstStyle/>
-                    <a:p>
-                      <a:pPr latinLnBrk="1"/>
-                      <a:r>
-                        <a:rPr lang="ko-KR" altLang="en-US" dirty="0"/>
+                        <a:rPr lang="ko-KR" altLang="en-US" sz="1400" dirty="0"/>
+                        <a:t>알람명</a:t>
+                      </a:r>
+                    </a:p>
+                  </a:txBody>
+                  <a:tcPr/>
+                </a:tc>
+                <a:tc>
+                  <a:txBody>
+                    <a:bodyPr/>
+                    <a:lstStyle/>
+                    <a:p>
+                      <a:pPr latinLnBrk="1"/>
+                      <a:r>
+                        <a:rPr lang="ko-KR" altLang="en-US" sz="1400" dirty="0"/>
+                        <a:t>구분</a:t>
+                      </a:r>
+                    </a:p>
+                  </a:txBody>
+                  <a:tcPr/>
+                </a:tc>
+                <a:tc>
+                  <a:txBody>
+                    <a:bodyPr/>
+                    <a:lstStyle/>
+                    <a:p>
+                      <a:pPr latinLnBrk="1"/>
+                      <a:r>
+                        <a:rPr lang="ko-KR" altLang="en-US" sz="1400" dirty="0"/>
                         <a:t>주 담당자</a:t>
                       </a:r>
                     </a:p>
@@ -9650,7 +9583,7 @@
                     <a:p>
                       <a:pPr latinLnBrk="1"/>
                       <a:r>
-                        <a:rPr lang="ko-KR" altLang="en-US" dirty="0"/>
+                        <a:rPr lang="ko-KR" altLang="en-US" sz="1400" dirty="0"/>
                         <a:t>서브 담당자</a:t>
                       </a:r>
                     </a:p>
@@ -9664,8 +9597,8 @@
                     <a:p>
                       <a:pPr latinLnBrk="1"/>
                       <a:r>
-                        <a:rPr lang="ko-KR" altLang="en-US" dirty="0"/>
-                        <a:t>비고</a:t>
+                        <a:rPr lang="ko-KR" altLang="en-US" sz="1400" dirty="0"/>
+                        <a:t>역할</a:t>
                       </a:r>
                     </a:p>
                   </a:txBody>
@@ -9677,15 +9610,15 @@
                   </a:ext>
                 </a:extLst>
               </a:tr>
-              <a:tr h="828040">
-                <a:tc>
-                  <a:txBody>
-                    <a:bodyPr/>
-                    <a:lstStyle/>
-                    <a:p>
-                      <a:pPr latinLnBrk="1"/>
-                      <a:r>
-                        <a:rPr lang="ko-KR" altLang="en-US" dirty="0"/>
+              <a:tr h="346833">
+                <a:tc>
+                  <a:txBody>
+                    <a:bodyPr/>
+                    <a:lstStyle/>
+                    <a:p>
+                      <a:pPr latinLnBrk="1"/>
+                      <a:r>
+                        <a:rPr lang="ko-KR" altLang="en-US" sz="1400" dirty="0"/>
                         <a:t>긴급</a:t>
                       </a:r>
                     </a:p>
@@ -9699,82 +9632,92 @@
                     <a:p>
                       <a:pPr latinLnBrk="1"/>
                       <a:r>
-                        <a:rPr lang="en-US" altLang="ko-KR" dirty="0"/>
-                        <a:t>0</a:t>
-                      </a:r>
-                      <a:r>
-                        <a:rPr lang="ko-KR" altLang="en-US" dirty="0"/>
-                        <a:t>순위</a:t>
-                      </a:r>
-                    </a:p>
-                  </a:txBody>
-                  <a:tcPr/>
-                </a:tc>
-                <a:tc>
-                  <a:txBody>
-                    <a:bodyPr/>
-                    <a:lstStyle/>
-                    <a:p>
-                      <a:pPr latinLnBrk="1"/>
-                      <a:r>
-                        <a:rPr lang="ko-KR" altLang="en-US"/>
-                        <a:t>즉시대응</a:t>
-                      </a:r>
-                    </a:p>
-                  </a:txBody>
-                  <a:tcPr/>
-                </a:tc>
-                <a:tc>
-                  <a:txBody>
-                    <a:bodyPr/>
-                    <a:lstStyle/>
-                    <a:p>
-                      <a:pPr latinLnBrk="1"/>
-                      <a:endParaRPr lang="ko-KR" altLang="en-US"/>
-                    </a:p>
-                  </a:txBody>
-                  <a:tcPr/>
-                </a:tc>
-                <a:tc>
-                  <a:txBody>
-                    <a:bodyPr/>
-                    <a:lstStyle/>
-                    <a:p>
-                      <a:pPr latinLnBrk="1"/>
-                      <a:endParaRPr lang="ko-KR" altLang="en-US"/>
-                    </a:p>
-                  </a:txBody>
-                  <a:tcPr/>
-                </a:tc>
-                <a:tc>
-                  <a:txBody>
-                    <a:bodyPr/>
-                    <a:lstStyle/>
-                    <a:p>
-                      <a:pPr latinLnBrk="1"/>
-                      <a:endParaRPr lang="ko-KR" altLang="en-US"/>
-                    </a:p>
-                  </a:txBody>
-                  <a:tcPr/>
-                </a:tc>
-                <a:tc>
-                  <a:txBody>
-                    <a:bodyPr/>
-                    <a:lstStyle/>
-                    <a:p>
-                      <a:pPr latinLnBrk="1"/>
-                      <a:endParaRPr lang="ko-KR" altLang="en-US"/>
-                    </a:p>
-                  </a:txBody>
-                  <a:tcPr/>
-                </a:tc>
-                <a:tc>
-                  <a:txBody>
-                    <a:bodyPr/>
-                    <a:lstStyle/>
-                    <a:p>
-                      <a:pPr latinLnBrk="1"/>
-                      <a:endParaRPr lang="ko-KR" altLang="en-US"/>
+                        <a:rPr lang="en-US" altLang="ko-KR" sz="1400" dirty="0"/>
+                        <a:t>LEVEL1-1</a:t>
+                      </a:r>
+                      <a:endParaRPr lang="ko-KR" altLang="en-US" sz="1400" dirty="0"/>
+                    </a:p>
+                  </a:txBody>
+                  <a:tcPr/>
+                </a:tc>
+                <a:tc>
+                  <a:txBody>
+                    <a:bodyPr/>
+                    <a:lstStyle/>
+                    <a:p>
+                      <a:pPr latinLnBrk="1"/>
+                      <a:r>
+                        <a:rPr lang="ko-KR" altLang="en-US" sz="1400" dirty="0"/>
+                        <a:t>자동화시스템</a:t>
+                      </a:r>
+                    </a:p>
+                  </a:txBody>
+                  <a:tcPr/>
+                </a:tc>
+                <a:tc>
+                  <a:txBody>
+                    <a:bodyPr/>
+                    <a:lstStyle/>
+                    <a:p>
+                      <a:pPr latinLnBrk="1"/>
+                      <a:r>
+                        <a:rPr lang="ko-KR" altLang="en-US" sz="1400" dirty="0"/>
+                        <a:t>알바생</a:t>
+                      </a:r>
+                    </a:p>
+                  </a:txBody>
+                  <a:tcPr/>
+                </a:tc>
+                <a:tc>
+                  <a:txBody>
+                    <a:bodyPr/>
+                    <a:lstStyle/>
+                    <a:p>
+                      <a:pPr latinLnBrk="1"/>
+                      <a:r>
+                        <a:rPr lang="ko-KR" altLang="en-US" sz="1400" dirty="0"/>
+                        <a:t>자동화시스템</a:t>
+                      </a:r>
+                      <a:r>
+                        <a:rPr lang="en-US" altLang="ko-KR" sz="1400" dirty="0"/>
+                        <a:t>: </a:t>
+                      </a:r>
+                      <a:r>
+                        <a:rPr lang="ko-KR" altLang="en-US" sz="1400" dirty="0"/>
+                        <a:t>알람 감지 시 고객사에 장애상황 전달 </a:t>
+                      </a:r>
+                      <a:r>
+                        <a:rPr lang="en-US" altLang="ko-KR" sz="1400" dirty="0"/>
+                        <a:t>(</a:t>
+                      </a:r>
+                      <a:r>
+                        <a:rPr lang="ko-KR" altLang="en-US" sz="1400" dirty="0"/>
+                        <a:t>예정</a:t>
+                      </a:r>
+                      <a:r>
+                        <a:rPr lang="en-US" altLang="ko-KR" sz="1400" dirty="0"/>
+                        <a:t>)</a:t>
+                      </a:r>
+                    </a:p>
+                    <a:p>
+                      <a:pPr latinLnBrk="1"/>
+                      <a:r>
+                        <a:rPr lang="ko-KR" altLang="en-US" sz="1400" dirty="0"/>
+                        <a:t>알바생</a:t>
+                      </a:r>
+                      <a:r>
+                        <a:rPr lang="en-US" altLang="ko-KR" sz="1400" dirty="0"/>
+                        <a:t>: </a:t>
+                      </a:r>
+                      <a:r>
+                        <a:rPr lang="ko-KR" altLang="en-US" sz="1400" dirty="0"/>
+                        <a:t>사이트 정상여부를 확인해주시기 바랍니다</a:t>
+                      </a:r>
+                      <a:r>
+                        <a:rPr lang="en-US" altLang="ko-KR" sz="1400" dirty="0"/>
+                        <a:t>.</a:t>
+                      </a:r>
+                      <a:endParaRPr lang="ko-KR" altLang="en-US" sz="1400" dirty="0"/>
                     </a:p>
                   </a:txBody>
                   <a:tcPr/>
@@ -9785,91 +9728,147 @@
                   </a:ext>
                 </a:extLst>
               </a:tr>
-              <a:tr h="828040">
-                <a:tc>
-                  <a:txBody>
-                    <a:bodyPr/>
-                    <a:lstStyle/>
-                    <a:p>
-                      <a:pPr latinLnBrk="1"/>
-                      <a:endParaRPr lang="ko-KR" altLang="en-US"/>
-                    </a:p>
-                  </a:txBody>
-                  <a:tcPr/>
-                </a:tc>
-                <a:tc>
-                  <a:txBody>
-                    <a:bodyPr/>
-                    <a:lstStyle/>
-                    <a:p>
-                      <a:pPr latinLnBrk="1"/>
-                      <a:endParaRPr lang="ko-KR" altLang="en-US"/>
-                    </a:p>
-                  </a:txBody>
-                  <a:tcPr/>
-                </a:tc>
-                <a:tc>
-                  <a:txBody>
-                    <a:bodyPr/>
-                    <a:lstStyle/>
-                    <a:p>
-                      <a:pPr latinLnBrk="1"/>
-                      <a:endParaRPr lang="ko-KR" altLang="en-US"/>
-                    </a:p>
-                  </a:txBody>
-                  <a:tcPr/>
-                </a:tc>
-                <a:tc>
-                  <a:txBody>
-                    <a:bodyPr/>
-                    <a:lstStyle/>
-                    <a:p>
-                      <a:pPr latinLnBrk="1"/>
-                      <a:endParaRPr lang="ko-KR" altLang="en-US"/>
-                    </a:p>
-                  </a:txBody>
-                  <a:tcPr/>
-                </a:tc>
-                <a:tc>
-                  <a:txBody>
-                    <a:bodyPr/>
-                    <a:lstStyle/>
-                    <a:p>
-                      <a:pPr latinLnBrk="1"/>
-                      <a:endParaRPr lang="ko-KR" altLang="en-US"/>
-                    </a:p>
-                  </a:txBody>
-                  <a:tcPr/>
-                </a:tc>
-                <a:tc>
-                  <a:txBody>
-                    <a:bodyPr/>
-                    <a:lstStyle/>
-                    <a:p>
-                      <a:pPr latinLnBrk="1"/>
-                      <a:endParaRPr lang="ko-KR" altLang="en-US"/>
-                    </a:p>
-                  </a:txBody>
-                  <a:tcPr/>
-                </a:tc>
-                <a:tc>
-                  <a:txBody>
-                    <a:bodyPr/>
-                    <a:lstStyle/>
-                    <a:p>
-                      <a:pPr latinLnBrk="1"/>
-                      <a:endParaRPr lang="ko-KR" altLang="en-US"/>
-                    </a:p>
-                  </a:txBody>
-                  <a:tcPr/>
-                </a:tc>
-                <a:tc>
-                  <a:txBody>
-                    <a:bodyPr/>
-                    <a:lstStyle/>
-                    <a:p>
-                      <a:pPr latinLnBrk="1"/>
-                      <a:endParaRPr lang="ko-KR" altLang="en-US"/>
+              <a:tr h="334297">
+                <a:tc>
+                  <a:txBody>
+                    <a:bodyPr/>
+                    <a:lstStyle/>
+                    <a:p>
+                      <a:pPr latinLnBrk="1"/>
+                      <a:r>
+                        <a:rPr lang="ko-KR" altLang="en-US" sz="1400" dirty="0"/>
+                        <a:t>확인필요</a:t>
+                      </a:r>
+                    </a:p>
+                  </a:txBody>
+                  <a:tcPr/>
+                </a:tc>
+                <a:tc>
+                  <a:txBody>
+                    <a:bodyPr/>
+                    <a:lstStyle/>
+                    <a:p>
+                      <a:pPr latinLnBrk="1"/>
+                      <a:r>
+                        <a:rPr lang="en-US" altLang="ko-KR" sz="1400" dirty="0"/>
+                        <a:t>LEVEL1-2</a:t>
+                      </a:r>
+                      <a:endParaRPr lang="ko-KR" altLang="en-US" sz="1400" dirty="0"/>
+                    </a:p>
+                  </a:txBody>
+                  <a:tcPr/>
+                </a:tc>
+                <a:tc>
+                  <a:txBody>
+                    <a:bodyPr/>
+                    <a:lstStyle/>
+                    <a:p>
+                      <a:pPr latinLnBrk="1"/>
+                      <a:r>
+                        <a:rPr lang="ko-KR" altLang="en-US" sz="1400" dirty="0"/>
+                        <a:t>알바생</a:t>
+                      </a:r>
+                    </a:p>
+                  </a:txBody>
+                  <a:tcPr/>
+                </a:tc>
+                <a:tc>
+                  <a:txBody>
+                    <a:bodyPr/>
+                    <a:lstStyle/>
+                    <a:p>
+                      <a:pPr marL="0" marR="0" lvl="0" indent="0" algn="l" defTabSz="914400" rtl="0" eaLnBrk="1" fontAlgn="auto" latinLnBrk="1" hangingPunct="1">
+                        <a:lnSpc>
+                          <a:spcPct val="100000"/>
+                        </a:lnSpc>
+                        <a:spcBef>
+                          <a:spcPts val="0"/>
+                        </a:spcBef>
+                        <a:spcAft>
+                          <a:spcPts val="0"/>
+                        </a:spcAft>
+                        <a:buClrTx/>
+                        <a:buSzTx/>
+                        <a:buFontTx/>
+                        <a:buNone/>
+                        <a:tabLst/>
+                        <a:defRPr/>
+                      </a:pPr>
+                      <a:r>
+                        <a:rPr lang="en-US" altLang="ko-KR" sz="1400" dirty="0"/>
+                        <a:t>DMON(</a:t>
+                      </a:r>
+                      <a:r>
+                        <a:rPr lang="ko-KR" altLang="en-US" sz="1400" dirty="0"/>
+                        <a:t>김경휘</a:t>
+                      </a:r>
+                      <a:r>
+                        <a:rPr lang="en-US" altLang="ko-KR" sz="1400" dirty="0"/>
+                        <a:t>)</a:t>
+                      </a:r>
+                      <a:endParaRPr lang="ko-KR" altLang="en-US" sz="1400" dirty="0"/>
+                    </a:p>
+                    <a:p>
+                      <a:pPr latinLnBrk="1"/>
+                      <a:endParaRPr lang="ko-KR" altLang="en-US" sz="1400" dirty="0"/>
+                    </a:p>
+                  </a:txBody>
+                  <a:tcPr/>
+                </a:tc>
+                <a:tc>
+                  <a:txBody>
+                    <a:bodyPr/>
+                    <a:lstStyle/>
+                    <a:p>
+                      <a:pPr latinLnBrk="1"/>
+                      <a:r>
+                        <a:rPr lang="ko-KR" altLang="en-US" sz="1400" dirty="0"/>
+                        <a:t>알바생</a:t>
+                      </a:r>
+                      <a:r>
+                        <a:rPr lang="en-US" altLang="ko-KR" sz="1400" dirty="0"/>
+                        <a:t>: </a:t>
+                      </a:r>
+                      <a:r>
+                        <a:rPr lang="ko-KR" altLang="en-US" sz="1400" dirty="0"/>
+                        <a:t>알람 수신 시</a:t>
+                      </a:r>
+                      <a:r>
+                        <a:rPr lang="en-US" altLang="ko-KR" sz="1400" dirty="0"/>
+                        <a:t>, </a:t>
+                      </a:r>
+                      <a:r>
+                        <a:rPr lang="ko-KR" altLang="en-US" sz="1400" dirty="0"/>
+                        <a:t>정상작동 하는지 실시간으로 즉시 확인해주시기 바랍니다</a:t>
+                      </a:r>
+                      <a:r>
+                        <a:rPr lang="en-US" altLang="ko-KR" sz="1400" dirty="0"/>
+                        <a:t>.</a:t>
+                      </a:r>
+                    </a:p>
+                    <a:p>
+                      <a:pPr latinLnBrk="1"/>
+                      <a:r>
+                        <a:rPr lang="en-US" altLang="ko-KR" sz="1400" dirty="0"/>
+                        <a:t>DMON: </a:t>
+                      </a:r>
+                      <a:r>
+                        <a:rPr lang="ko-KR" altLang="en-US" sz="1400" dirty="0"/>
+                        <a:t>알람이 수시로 울릴 경우</a:t>
+                      </a:r>
+                      <a:r>
+                        <a:rPr lang="en-US" altLang="ko-KR" sz="1400" dirty="0"/>
+                        <a:t> </a:t>
+                      </a:r>
+                      <a:r>
+                        <a:rPr lang="ko-KR" altLang="en-US" sz="1400" dirty="0"/>
+                        <a:t>오류율 원인을 찾아 개선활동을 합니다</a:t>
+                      </a:r>
+                      <a:r>
+                        <a:rPr lang="en-US" altLang="ko-KR" sz="1400" dirty="0"/>
+                        <a:t>.</a:t>
+                      </a:r>
+                      <a:endParaRPr lang="ko-KR" altLang="en-US" sz="1400" dirty="0"/>
                     </a:p>
                   </a:txBody>
                   <a:tcPr/>
@@ -9880,91 +9879,109 @@
                   </a:ext>
                 </a:extLst>
               </a:tr>
-              <a:tr h="828040">
-                <a:tc>
-                  <a:txBody>
-                    <a:bodyPr/>
-                    <a:lstStyle/>
-                    <a:p>
-                      <a:pPr latinLnBrk="1"/>
-                      <a:endParaRPr lang="ko-KR" altLang="en-US"/>
-                    </a:p>
-                  </a:txBody>
-                  <a:tcPr/>
-                </a:tc>
-                <a:tc>
-                  <a:txBody>
-                    <a:bodyPr/>
-                    <a:lstStyle/>
-                    <a:p>
-                      <a:pPr latinLnBrk="1"/>
-                      <a:endParaRPr lang="ko-KR" altLang="en-US"/>
-                    </a:p>
-                  </a:txBody>
-                  <a:tcPr/>
-                </a:tc>
-                <a:tc>
-                  <a:txBody>
-                    <a:bodyPr/>
-                    <a:lstStyle/>
-                    <a:p>
-                      <a:pPr latinLnBrk="1"/>
-                      <a:endParaRPr lang="ko-KR" altLang="en-US"/>
-                    </a:p>
-                  </a:txBody>
-                  <a:tcPr/>
-                </a:tc>
-                <a:tc>
-                  <a:txBody>
-                    <a:bodyPr/>
-                    <a:lstStyle/>
-                    <a:p>
-                      <a:pPr latinLnBrk="1"/>
-                      <a:endParaRPr lang="ko-KR" altLang="en-US"/>
-                    </a:p>
-                  </a:txBody>
-                  <a:tcPr/>
-                </a:tc>
-                <a:tc>
-                  <a:txBody>
-                    <a:bodyPr/>
-                    <a:lstStyle/>
-                    <a:p>
-                      <a:pPr latinLnBrk="1"/>
-                      <a:endParaRPr lang="ko-KR" altLang="en-US"/>
-                    </a:p>
-                  </a:txBody>
-                  <a:tcPr/>
-                </a:tc>
-                <a:tc>
-                  <a:txBody>
-                    <a:bodyPr/>
-                    <a:lstStyle/>
-                    <a:p>
-                      <a:pPr latinLnBrk="1"/>
-                      <a:endParaRPr lang="ko-KR" altLang="en-US"/>
-                    </a:p>
-                  </a:txBody>
-                  <a:tcPr/>
-                </a:tc>
-                <a:tc>
-                  <a:txBody>
-                    <a:bodyPr/>
-                    <a:lstStyle/>
-                    <a:p>
-                      <a:pPr latinLnBrk="1"/>
-                      <a:endParaRPr lang="ko-KR" altLang="en-US"/>
-                    </a:p>
-                  </a:txBody>
-                  <a:tcPr/>
-                </a:tc>
-                <a:tc>
-                  <a:txBody>
-                    <a:bodyPr/>
-                    <a:lstStyle/>
-                    <a:p>
-                      <a:pPr latinLnBrk="1"/>
-                      <a:endParaRPr lang="ko-KR" altLang="en-US"/>
+              <a:tr h="0">
+                <a:tc>
+                  <a:txBody>
+                    <a:bodyPr/>
+                    <a:lstStyle/>
+                    <a:p>
+                      <a:pPr latinLnBrk="1"/>
+                      <a:r>
+                        <a:rPr lang="ko-KR" altLang="en-US" sz="1400" dirty="0"/>
+                        <a:t>디몬대응</a:t>
+                      </a:r>
+                    </a:p>
+                  </a:txBody>
+                  <a:tcPr/>
+                </a:tc>
+                <a:tc>
+                  <a:txBody>
+                    <a:bodyPr/>
+                    <a:lstStyle/>
+                    <a:p>
+                      <a:pPr latinLnBrk="1"/>
+                      <a:r>
+                        <a:rPr lang="en-US" altLang="ko-KR" sz="1400" dirty="0"/>
+                        <a:t>LEVEL2</a:t>
+                      </a:r>
+                      <a:endParaRPr lang="ko-KR" altLang="en-US" sz="1400" dirty="0"/>
+                    </a:p>
+                  </a:txBody>
+                  <a:tcPr/>
+                </a:tc>
+                <a:tc>
+                  <a:txBody>
+                    <a:bodyPr/>
+                    <a:lstStyle/>
+                    <a:p>
+                      <a:pPr marL="0" marR="0" lvl="0" indent="0" algn="l" defTabSz="914400" rtl="0" eaLnBrk="1" fontAlgn="auto" latinLnBrk="1" hangingPunct="1">
+                        <a:lnSpc>
+                          <a:spcPct val="100000"/>
+                        </a:lnSpc>
+                        <a:spcBef>
+                          <a:spcPts val="0"/>
+                        </a:spcBef>
+                        <a:spcAft>
+                          <a:spcPts val="0"/>
+                        </a:spcAft>
+                        <a:buClrTx/>
+                        <a:buSzTx/>
+                        <a:buFontTx/>
+                        <a:buNone/>
+                        <a:tabLst/>
+                        <a:defRPr/>
+                      </a:pPr>
+                      <a:r>
+                        <a:rPr lang="en-US" altLang="ko-KR" sz="1400" dirty="0"/>
+                        <a:t>DMON(</a:t>
+                      </a:r>
+                      <a:r>
+                        <a:rPr lang="ko-KR" altLang="en-US" sz="1400" dirty="0"/>
+                        <a:t>김경휘</a:t>
+                      </a:r>
+                      <a:r>
+                        <a:rPr lang="en-US" altLang="ko-KR" sz="1400" dirty="0"/>
+                        <a:t>)</a:t>
+                      </a:r>
+                      <a:endParaRPr lang="ko-KR" altLang="en-US" sz="1400" dirty="0"/>
+                    </a:p>
+                    <a:p>
+                      <a:pPr latinLnBrk="1"/>
+                      <a:endParaRPr lang="ko-KR" altLang="en-US" sz="1400" dirty="0"/>
+                    </a:p>
+                  </a:txBody>
+                  <a:tcPr/>
+                </a:tc>
+                <a:tc>
+                  <a:txBody>
+                    <a:bodyPr/>
+                    <a:lstStyle/>
+                    <a:p>
+                      <a:pPr latinLnBrk="1"/>
+                      <a:r>
+                        <a:rPr lang="en-US" altLang="ko-KR" sz="1400" dirty="0"/>
+                        <a:t>DMON(</a:t>
+                      </a:r>
+                      <a:r>
+                        <a:rPr lang="ko-KR" altLang="en-US" sz="1400" dirty="0"/>
+                        <a:t>최영미</a:t>
+                      </a:r>
+                      <a:r>
+                        <a:rPr lang="en-US" altLang="ko-KR" sz="1400" dirty="0"/>
+                        <a:t>)</a:t>
+                      </a:r>
+                      <a:endParaRPr lang="ko-KR" altLang="en-US" sz="1400" dirty="0"/>
+                    </a:p>
+                  </a:txBody>
+                  <a:tcPr/>
+                </a:tc>
+                <a:tc>
+                  <a:txBody>
+                    <a:bodyPr/>
+                    <a:lstStyle/>
+                    <a:p>
+                      <a:pPr latinLnBrk="1"/>
+                      <a:endParaRPr lang="ko-KR" altLang="en-US" sz="1400" dirty="0"/>
                     </a:p>
                   </a:txBody>
                   <a:tcPr/>
@@ -9975,91 +9992,73 @@
                   </a:ext>
                 </a:extLst>
               </a:tr>
-              <a:tr h="828040">
-                <a:tc>
-                  <a:txBody>
-                    <a:bodyPr/>
-                    <a:lstStyle/>
-                    <a:p>
-                      <a:pPr latinLnBrk="1"/>
-                      <a:endParaRPr lang="ko-KR" altLang="en-US"/>
-                    </a:p>
-                  </a:txBody>
-                  <a:tcPr/>
-                </a:tc>
-                <a:tc>
-                  <a:txBody>
-                    <a:bodyPr/>
-                    <a:lstStyle/>
-                    <a:p>
-                      <a:pPr latinLnBrk="1"/>
-                      <a:endParaRPr lang="ko-KR" altLang="en-US"/>
-                    </a:p>
-                  </a:txBody>
-                  <a:tcPr/>
-                </a:tc>
-                <a:tc>
-                  <a:txBody>
-                    <a:bodyPr/>
-                    <a:lstStyle/>
-                    <a:p>
-                      <a:pPr latinLnBrk="1"/>
-                      <a:endParaRPr lang="ko-KR" altLang="en-US"/>
-                    </a:p>
-                  </a:txBody>
-                  <a:tcPr/>
-                </a:tc>
-                <a:tc>
-                  <a:txBody>
-                    <a:bodyPr/>
-                    <a:lstStyle/>
-                    <a:p>
-                      <a:pPr latinLnBrk="1"/>
-                      <a:endParaRPr lang="ko-KR" altLang="en-US"/>
-                    </a:p>
-                  </a:txBody>
-                  <a:tcPr/>
-                </a:tc>
-                <a:tc>
-                  <a:txBody>
-                    <a:bodyPr/>
-                    <a:lstStyle/>
-                    <a:p>
-                      <a:pPr latinLnBrk="1"/>
-                      <a:endParaRPr lang="ko-KR" altLang="en-US"/>
-                    </a:p>
-                  </a:txBody>
-                  <a:tcPr/>
-                </a:tc>
-                <a:tc>
-                  <a:txBody>
-                    <a:bodyPr/>
-                    <a:lstStyle/>
-                    <a:p>
-                      <a:pPr latinLnBrk="1"/>
-                      <a:endParaRPr lang="ko-KR" altLang="en-US"/>
-                    </a:p>
-                  </a:txBody>
-                  <a:tcPr/>
-                </a:tc>
-                <a:tc>
-                  <a:txBody>
-                    <a:bodyPr/>
-                    <a:lstStyle/>
-                    <a:p>
-                      <a:pPr latinLnBrk="1"/>
-                      <a:endParaRPr lang="ko-KR" altLang="en-US"/>
-                    </a:p>
-                  </a:txBody>
-                  <a:tcPr/>
-                </a:tc>
-                <a:tc>
-                  <a:txBody>
-                    <a:bodyPr/>
-                    <a:lstStyle/>
-                    <a:p>
-                      <a:pPr latinLnBrk="1"/>
-                      <a:endParaRPr lang="ko-KR" altLang="en-US"/>
+              <a:tr h="281202">
+                <a:tc>
+                  <a:txBody>
+                    <a:bodyPr/>
+                    <a:lstStyle/>
+                    <a:p>
+                      <a:pPr latinLnBrk="1"/>
+                      <a:r>
+                        <a:rPr lang="ko-KR" altLang="en-US" sz="1400" dirty="0"/>
+                        <a:t>모니터링분류</a:t>
+                      </a:r>
+                    </a:p>
+                  </a:txBody>
+                  <a:tcPr/>
+                </a:tc>
+                <a:tc>
+                  <a:txBody>
+                    <a:bodyPr/>
+                    <a:lstStyle/>
+                    <a:p>
+                      <a:pPr latinLnBrk="1"/>
+                      <a:endParaRPr lang="ko-KR" altLang="en-US" sz="1400" dirty="0"/>
+                    </a:p>
+                  </a:txBody>
+                  <a:tcPr/>
+                </a:tc>
+                <a:tc>
+                  <a:txBody>
+                    <a:bodyPr/>
+                    <a:lstStyle/>
+                    <a:p>
+                      <a:pPr latinLnBrk="1"/>
+                      <a:r>
+                        <a:rPr lang="en-US" altLang="ko-KR" sz="1400" dirty="0"/>
+                        <a:t>DMON(</a:t>
+                      </a:r>
+                      <a:r>
+                        <a:rPr lang="ko-KR" altLang="en-US" sz="1400" dirty="0"/>
+                        <a:t>최영미</a:t>
+                      </a:r>
+                      <a:r>
+                        <a:rPr lang="en-US" altLang="ko-KR" sz="1400" dirty="0"/>
+                        <a:t>)</a:t>
+                      </a:r>
+                      <a:endParaRPr lang="ko-KR" altLang="en-US" sz="1400" dirty="0"/>
+                    </a:p>
+                  </a:txBody>
+                  <a:tcPr/>
+                </a:tc>
+                <a:tc>
+                  <a:txBody>
+                    <a:bodyPr/>
+                    <a:lstStyle/>
+                    <a:p>
+                      <a:pPr latinLnBrk="1"/>
+                      <a:endParaRPr lang="ko-KR" altLang="en-US" sz="1400" dirty="0"/>
+                    </a:p>
+                  </a:txBody>
+                  <a:tcPr/>
+                </a:tc>
+                <a:tc>
+                  <a:txBody>
+                    <a:bodyPr/>
+                    <a:lstStyle/>
+                    <a:p>
+                      <a:pPr latinLnBrk="1"/>
+                      <a:endParaRPr lang="ko-KR" altLang="en-US" sz="1400" dirty="0"/>
                     </a:p>
                   </a:txBody>
                   <a:tcPr/>
@@ -10070,91 +10069,113 @@
                   </a:ext>
                 </a:extLst>
               </a:tr>
-              <a:tr h="828040">
-                <a:tc>
-                  <a:txBody>
-                    <a:bodyPr/>
-                    <a:lstStyle/>
-                    <a:p>
-                      <a:pPr latinLnBrk="1"/>
-                      <a:endParaRPr lang="ko-KR" altLang="en-US"/>
-                    </a:p>
-                  </a:txBody>
-                  <a:tcPr/>
-                </a:tc>
-                <a:tc>
-                  <a:txBody>
-                    <a:bodyPr/>
-                    <a:lstStyle/>
-                    <a:p>
-                      <a:pPr latinLnBrk="1"/>
-                      <a:endParaRPr lang="ko-KR" altLang="en-US"/>
-                    </a:p>
-                  </a:txBody>
-                  <a:tcPr/>
-                </a:tc>
-                <a:tc>
-                  <a:txBody>
-                    <a:bodyPr/>
-                    <a:lstStyle/>
-                    <a:p>
-                      <a:pPr latinLnBrk="1"/>
-                      <a:endParaRPr lang="ko-KR" altLang="en-US"/>
-                    </a:p>
-                  </a:txBody>
-                  <a:tcPr/>
-                </a:tc>
-                <a:tc>
-                  <a:txBody>
-                    <a:bodyPr/>
-                    <a:lstStyle/>
-                    <a:p>
-                      <a:pPr latinLnBrk="1"/>
-                      <a:endParaRPr lang="ko-KR" altLang="en-US"/>
-                    </a:p>
-                  </a:txBody>
-                  <a:tcPr/>
-                </a:tc>
-                <a:tc>
-                  <a:txBody>
-                    <a:bodyPr/>
-                    <a:lstStyle/>
-                    <a:p>
-                      <a:pPr latinLnBrk="1"/>
-                      <a:endParaRPr lang="ko-KR" altLang="en-US"/>
-                    </a:p>
-                  </a:txBody>
-                  <a:tcPr/>
-                </a:tc>
-                <a:tc>
-                  <a:txBody>
-                    <a:bodyPr/>
-                    <a:lstStyle/>
-                    <a:p>
-                      <a:pPr latinLnBrk="1"/>
-                      <a:endParaRPr lang="ko-KR" altLang="en-US"/>
-                    </a:p>
-                  </a:txBody>
-                  <a:tcPr/>
-                </a:tc>
-                <a:tc>
-                  <a:txBody>
-                    <a:bodyPr/>
-                    <a:lstStyle/>
-                    <a:p>
-                      <a:pPr latinLnBrk="1"/>
-                      <a:endParaRPr lang="ko-KR" altLang="en-US"/>
-                    </a:p>
-                  </a:txBody>
-                  <a:tcPr/>
-                </a:tc>
-                <a:tc>
-                  <a:txBody>
-                    <a:bodyPr/>
-                    <a:lstStyle/>
-                    <a:p>
-                      <a:pPr latinLnBrk="1"/>
-                      <a:endParaRPr lang="ko-KR" altLang="en-US" dirty="0"/>
+              <a:tr h="0">
+                <a:tc>
+                  <a:txBody>
+                    <a:bodyPr/>
+                    <a:lstStyle/>
+                    <a:p>
+                      <a:pPr latinLnBrk="1"/>
+                      <a:r>
+                        <a:rPr lang="ko-KR" altLang="en-US" sz="1400" dirty="0"/>
+                        <a:t>담당자확인중</a:t>
+                      </a:r>
+                    </a:p>
+                  </a:txBody>
+                  <a:tcPr/>
+                </a:tc>
+                <a:tc>
+                  <a:txBody>
+                    <a:bodyPr/>
+                    <a:lstStyle/>
+                    <a:p>
+                      <a:pPr latinLnBrk="1"/>
+                      <a:endParaRPr lang="ko-KR" altLang="en-US" sz="1400" dirty="0"/>
+                    </a:p>
+                  </a:txBody>
+                  <a:tcPr/>
+                </a:tc>
+                <a:tc>
+                  <a:txBody>
+                    <a:bodyPr/>
+                    <a:lstStyle/>
+                    <a:p>
+                      <a:pPr marL="0" marR="0" lvl="0" indent="0" algn="l" defTabSz="914400" rtl="0" eaLnBrk="1" fontAlgn="auto" latinLnBrk="1" hangingPunct="1">
+                        <a:lnSpc>
+                          <a:spcPct val="100000"/>
+                        </a:lnSpc>
+                        <a:spcBef>
+                          <a:spcPts val="0"/>
+                        </a:spcBef>
+                        <a:spcAft>
+                          <a:spcPts val="0"/>
+                        </a:spcAft>
+                        <a:buClrTx/>
+                        <a:buSzTx/>
+                        <a:buFontTx/>
+                        <a:buNone/>
+                        <a:tabLst/>
+                        <a:defRPr/>
+                      </a:pPr>
+                      <a:r>
+                        <a:rPr lang="en-US" altLang="ko-KR" sz="1400" dirty="0"/>
+                        <a:t>DMON(</a:t>
+                      </a:r>
+                      <a:r>
+                        <a:rPr lang="ko-KR" altLang="en-US" sz="1400" dirty="0"/>
+                        <a:t>최영미</a:t>
+                      </a:r>
+                      <a:r>
+                        <a:rPr lang="en-US" altLang="ko-KR" sz="1400" dirty="0"/>
+                        <a:t>)</a:t>
+                      </a:r>
+                      <a:endParaRPr lang="ko-KR" altLang="en-US" sz="1400" dirty="0"/>
+                    </a:p>
+                    <a:p>
+                      <a:pPr latinLnBrk="1"/>
+                      <a:endParaRPr lang="ko-KR" altLang="en-US" sz="1400" dirty="0"/>
+                    </a:p>
+                  </a:txBody>
+                  <a:tcPr/>
+                </a:tc>
+                <a:tc>
+                  <a:txBody>
+                    <a:bodyPr/>
+                    <a:lstStyle/>
+                    <a:p>
+                      <a:pPr latinLnBrk="1"/>
+                      <a:r>
+                        <a:rPr lang="en-US" altLang="ko-KR" sz="1400" dirty="0"/>
+                        <a:t>DMON(</a:t>
+                      </a:r>
+                      <a:r>
+                        <a:rPr lang="ko-KR" altLang="en-US" sz="1400" dirty="0"/>
+                        <a:t>김경휘</a:t>
+                      </a:r>
+                      <a:r>
+                        <a:rPr lang="en-US" altLang="ko-KR" sz="1400" dirty="0"/>
+                        <a:t>)</a:t>
+                      </a:r>
+                      <a:endParaRPr lang="ko-KR" altLang="en-US" sz="1400" dirty="0"/>
+                    </a:p>
+                  </a:txBody>
+                  <a:tcPr/>
+                </a:tc>
+                <a:tc>
+                  <a:txBody>
+                    <a:bodyPr/>
+                    <a:lstStyle/>
+                    <a:p>
+                      <a:pPr latinLnBrk="1"/>
+                      <a:r>
+                        <a:rPr lang="ko-KR" altLang="en-US" sz="1400" dirty="0"/>
+                        <a:t>원인은 찾았지만 담당부서 작업진행 중으로 장기적인 개선활동으로 분류됩니다</a:t>
+                      </a:r>
+                      <a:r>
+                        <a:rPr lang="en-US" altLang="ko-KR" sz="1400" dirty="0"/>
+                        <a:t>.</a:t>
+                      </a:r>
+                      <a:endParaRPr lang="ko-KR" altLang="en-US" sz="1400" dirty="0"/>
                     </a:p>
                   </a:txBody>
                   <a:tcPr/>

--- a/매뉴얼.pptx
+++ b/매뉴얼.pptx
@@ -6409,7 +6409,7 @@
           <p:nvPr>
             <p:extLst>
               <p:ext uri="{D42A27DB-BD31-4B8C-83A1-F6EECF244321}">
-                <p14:modId xmlns:p14="http://schemas.microsoft.com/office/powerpoint/2010/main" val="2969511535"/>
+                <p14:modId xmlns:p14="http://schemas.microsoft.com/office/powerpoint/2010/main" val="3851833566"/>
               </p:ext>
             </p:extLst>
           </p:nvPr>
@@ -9481,7 +9481,7 @@
           <p:nvPr>
             <p:extLst>
               <p:ext uri="{D42A27DB-BD31-4B8C-83A1-F6EECF244321}">
-                <p14:modId xmlns:p14="http://schemas.microsoft.com/office/powerpoint/2010/main" val="1562411140"/>
+                <p14:modId xmlns:p14="http://schemas.microsoft.com/office/powerpoint/2010/main" val="1066261151"/>
               </p:ext>
             </p:extLst>
           </p:nvPr>
@@ -9711,10 +9711,10 @@
                       </a:r>
                       <a:r>
                         <a:rPr lang="ko-KR" altLang="en-US" sz="1400" dirty="0"/>
-                        <a:t>사이트 정상여부를 확인해주시기 바랍니다</a:t>
-                      </a:r>
-                      <a:r>
-                        <a:rPr lang="en-US" altLang="ko-KR" sz="1400" dirty="0"/>
+                        <a:t>해당 알람 감지 시 즉시 담당자에게 연락합니다</a:t>
+                      </a:r>
+                      <a:r>
+                        <a:rPr lang="en-US" altLang="ko-KR" sz="1400"/>
                         <a:t>.</a:t>
                       </a:r>
                       <a:endParaRPr lang="ko-KR" altLang="en-US" sz="1400" dirty="0"/>

--- a/매뉴얼.pptx
+++ b/매뉴얼.pptx
@@ -5,7 +5,7 @@
     <p:sldMasterId id="2147483648" r:id="rId1"/>
   </p:sldMasterIdLst>
   <p:notesMasterIdLst>
-    <p:notesMasterId r:id="rId7"/>
+    <p:notesMasterId r:id="rId10"/>
   </p:notesMasterIdLst>
   <p:sldIdLst>
     <p:sldId id="256" r:id="rId2"/>
@@ -13,6 +13,9 @@
     <p:sldId id="258" r:id="rId4"/>
     <p:sldId id="259" r:id="rId5"/>
     <p:sldId id="260" r:id="rId6"/>
+    <p:sldId id="261" r:id="rId7"/>
+    <p:sldId id="262" r:id="rId8"/>
+    <p:sldId id="263" r:id="rId9"/>
   </p:sldIdLst>
   <p:sldSz cx="12192000" cy="6858000"/>
   <p:notesSz cx="6858000" cy="9144000"/>
@@ -201,7 +204,7 @@
           <a:p>
             <a:fld id="{91793C05-CCB8-4AF0-983A-9E74A6C06F98}" type="datetimeFigureOut">
               <a:rPr lang="ko-KR" altLang="en-US" smtClean="0"/>
-              <a:t>2022-08-21</a:t>
+              <a:t>2022-08-23</a:t>
             </a:fld>
             <a:endParaRPr lang="ko-KR" altLang="en-US" dirty="0"/>
           </a:p>
@@ -552,6 +555,90 @@
 </p:notes>
 </file>
 
+<file path=ppt/notesSlides/notesSlide2.xml><?xml version="1.0" encoding="utf-8"?>
+<p:notes xmlns:a="http://schemas.openxmlformats.org/drawingml/2006/main" xmlns:r="http://schemas.openxmlformats.org/officeDocument/2006/relationships" xmlns:p="http://schemas.openxmlformats.org/presentationml/2006/main">
+  <p:cSld>
+    <p:spTree>
+      <p:nvGrpSpPr>
+        <p:cNvPr id="1" name=""/>
+        <p:cNvGrpSpPr/>
+        <p:nvPr/>
+      </p:nvGrpSpPr>
+      <p:grpSpPr>
+        <a:xfrm>
+          <a:off x="0" y="0"/>
+          <a:ext cx="0" cy="0"/>
+          <a:chOff x="0" y="0"/>
+          <a:chExt cx="0" cy="0"/>
+        </a:xfrm>
+      </p:grpSpPr>
+      <p:sp>
+        <p:nvSpPr>
+          <p:cNvPr id="2" name="슬라이드 이미지 개체 틀 1"/>
+          <p:cNvSpPr>
+            <a:spLocks noGrp="1" noRot="1" noChangeAspect="1"/>
+          </p:cNvSpPr>
+          <p:nvPr>
+            <p:ph type="sldImg"/>
+          </p:nvPr>
+        </p:nvSpPr>
+        <p:spPr/>
+      </p:sp>
+      <p:sp>
+        <p:nvSpPr>
+          <p:cNvPr id="3" name="슬라이드 노트 개체 틀 2"/>
+          <p:cNvSpPr>
+            <a:spLocks noGrp="1"/>
+          </p:cNvSpPr>
+          <p:nvPr>
+            <p:ph type="body" idx="1"/>
+          </p:nvPr>
+        </p:nvSpPr>
+        <p:spPr/>
+        <p:txBody>
+          <a:bodyPr/>
+          <a:lstStyle/>
+          <a:p>
+            <a:endParaRPr lang="ko-KR" altLang="en-US" dirty="0"/>
+          </a:p>
+        </p:txBody>
+      </p:sp>
+      <p:sp>
+        <p:nvSpPr>
+          <p:cNvPr id="4" name="슬라이드 번호 개체 틀 3"/>
+          <p:cNvSpPr>
+            <a:spLocks noGrp="1"/>
+          </p:cNvSpPr>
+          <p:nvPr>
+            <p:ph type="sldNum" sz="quarter" idx="5"/>
+          </p:nvPr>
+        </p:nvSpPr>
+        <p:spPr/>
+        <p:txBody>
+          <a:bodyPr/>
+          <a:lstStyle/>
+          <a:p>
+            <a:fld id="{ED51DA0D-BB37-43B5-A449-104666444CB8}" type="slidenum">
+              <a:rPr lang="ko-KR" altLang="en-US" smtClean="0"/>
+              <a:t>6</a:t>
+            </a:fld>
+            <a:endParaRPr lang="ko-KR" altLang="en-US" dirty="0"/>
+          </a:p>
+        </p:txBody>
+      </p:sp>
+    </p:spTree>
+    <p:extLst>
+      <p:ext uri="{BB962C8B-B14F-4D97-AF65-F5344CB8AC3E}">
+        <p14:creationId xmlns:p14="http://schemas.microsoft.com/office/powerpoint/2010/main" val="1595194168"/>
+      </p:ext>
+    </p:extLst>
+  </p:cSld>
+  <p:clrMapOvr>
+    <a:masterClrMapping/>
+  </p:clrMapOvr>
+</p:notes>
+</file>
+
 <file path=ppt/slideLayouts/slideLayout1.xml><?xml version="1.0" encoding="utf-8"?>
 <p:sldLayout xmlns:a="http://schemas.openxmlformats.org/drawingml/2006/main" xmlns:r="http://schemas.openxmlformats.org/officeDocument/2006/relationships" xmlns:p="http://schemas.openxmlformats.org/presentationml/2006/main" type="title" preserve="1">
   <p:cSld name="제목 슬라이드">
@@ -699,7 +786,7 @@
           <a:p>
             <a:fld id="{2CF1E05A-592B-46A7-8974-04F9FC5ACF66}" type="datetimeFigureOut">
               <a:rPr lang="ko-KR" altLang="en-US" smtClean="0"/>
-              <a:t>2022-08-21</a:t>
+              <a:t>2022-08-23</a:t>
             </a:fld>
             <a:endParaRPr lang="ko-KR" altLang="en-US" dirty="0"/>
           </a:p>
@@ -897,7 +984,7 @@
           <a:p>
             <a:fld id="{2CF1E05A-592B-46A7-8974-04F9FC5ACF66}" type="datetimeFigureOut">
               <a:rPr lang="ko-KR" altLang="en-US" smtClean="0"/>
-              <a:t>2022-08-21</a:t>
+              <a:t>2022-08-23</a:t>
             </a:fld>
             <a:endParaRPr lang="ko-KR" altLang="en-US" dirty="0"/>
           </a:p>
@@ -1105,7 +1192,7 @@
           <a:p>
             <a:fld id="{2CF1E05A-592B-46A7-8974-04F9FC5ACF66}" type="datetimeFigureOut">
               <a:rPr lang="ko-KR" altLang="en-US" smtClean="0"/>
-              <a:t>2022-08-21</a:t>
+              <a:t>2022-08-23</a:t>
             </a:fld>
             <a:endParaRPr lang="ko-KR" altLang="en-US" dirty="0"/>
           </a:p>
@@ -1303,7 +1390,7 @@
           <a:p>
             <a:fld id="{2CF1E05A-592B-46A7-8974-04F9FC5ACF66}" type="datetimeFigureOut">
               <a:rPr lang="ko-KR" altLang="en-US" smtClean="0"/>
-              <a:t>2022-08-21</a:t>
+              <a:t>2022-08-23</a:t>
             </a:fld>
             <a:endParaRPr lang="ko-KR" altLang="en-US" dirty="0"/>
           </a:p>
@@ -1578,7 +1665,7 @@
           <a:p>
             <a:fld id="{2CF1E05A-592B-46A7-8974-04F9FC5ACF66}" type="datetimeFigureOut">
               <a:rPr lang="ko-KR" altLang="en-US" smtClean="0"/>
-              <a:t>2022-08-21</a:t>
+              <a:t>2022-08-23</a:t>
             </a:fld>
             <a:endParaRPr lang="ko-KR" altLang="en-US" dirty="0"/>
           </a:p>
@@ -1843,7 +1930,7 @@
           <a:p>
             <a:fld id="{2CF1E05A-592B-46A7-8974-04F9FC5ACF66}" type="datetimeFigureOut">
               <a:rPr lang="ko-KR" altLang="en-US" smtClean="0"/>
-              <a:t>2022-08-21</a:t>
+              <a:t>2022-08-23</a:t>
             </a:fld>
             <a:endParaRPr lang="ko-KR" altLang="en-US" dirty="0"/>
           </a:p>
@@ -2255,7 +2342,7 @@
           <a:p>
             <a:fld id="{2CF1E05A-592B-46A7-8974-04F9FC5ACF66}" type="datetimeFigureOut">
               <a:rPr lang="ko-KR" altLang="en-US" smtClean="0"/>
-              <a:t>2022-08-21</a:t>
+              <a:t>2022-08-23</a:t>
             </a:fld>
             <a:endParaRPr lang="ko-KR" altLang="en-US" dirty="0"/>
           </a:p>
@@ -2396,7 +2483,7 @@
           <a:p>
             <a:fld id="{2CF1E05A-592B-46A7-8974-04F9FC5ACF66}" type="datetimeFigureOut">
               <a:rPr lang="ko-KR" altLang="en-US" smtClean="0"/>
-              <a:t>2022-08-21</a:t>
+              <a:t>2022-08-23</a:t>
             </a:fld>
             <a:endParaRPr lang="ko-KR" altLang="en-US" dirty="0"/>
           </a:p>
@@ -2509,7 +2596,7 @@
           <a:p>
             <a:fld id="{2CF1E05A-592B-46A7-8974-04F9FC5ACF66}" type="datetimeFigureOut">
               <a:rPr lang="ko-KR" altLang="en-US" smtClean="0"/>
-              <a:t>2022-08-21</a:t>
+              <a:t>2022-08-23</a:t>
             </a:fld>
             <a:endParaRPr lang="ko-KR" altLang="en-US" dirty="0"/>
           </a:p>
@@ -2820,7 +2907,7 @@
           <a:p>
             <a:fld id="{2CF1E05A-592B-46A7-8974-04F9FC5ACF66}" type="datetimeFigureOut">
               <a:rPr lang="ko-KR" altLang="en-US" smtClean="0"/>
-              <a:t>2022-08-21</a:t>
+              <a:t>2022-08-23</a:t>
             </a:fld>
             <a:endParaRPr lang="ko-KR" altLang="en-US" dirty="0"/>
           </a:p>
@@ -3108,7 +3195,7 @@
           <a:p>
             <a:fld id="{2CF1E05A-592B-46A7-8974-04F9FC5ACF66}" type="datetimeFigureOut">
               <a:rPr lang="ko-KR" altLang="en-US" smtClean="0"/>
-              <a:t>2022-08-21</a:t>
+              <a:t>2022-08-23</a:t>
             </a:fld>
             <a:endParaRPr lang="ko-KR" altLang="en-US" dirty="0"/>
           </a:p>
@@ -3349,7 +3436,7 @@
           <a:p>
             <a:fld id="{2CF1E05A-592B-46A7-8974-04F9FC5ACF66}" type="datetimeFigureOut">
               <a:rPr lang="ko-KR" altLang="en-US" smtClean="0"/>
-              <a:t>2022-08-21</a:t>
+              <a:t>2022-08-23</a:t>
             </a:fld>
             <a:endParaRPr lang="ko-KR" altLang="en-US" dirty="0"/>
           </a:p>
@@ -10194,6 +10281,2265 @@
     <p:extLst>
       <p:ext uri="{BB962C8B-B14F-4D97-AF65-F5344CB8AC3E}">
         <p14:creationId xmlns:p14="http://schemas.microsoft.com/office/powerpoint/2010/main" val="3802285353"/>
+      </p:ext>
+    </p:extLst>
+  </p:cSld>
+  <p:clrMapOvr>
+    <a:masterClrMapping/>
+  </p:clrMapOvr>
+</p:sld>
+</file>
+
+<file path=ppt/slides/slide6.xml><?xml version="1.0" encoding="utf-8"?>
+<p:sld xmlns:a="http://schemas.openxmlformats.org/drawingml/2006/main" xmlns:r="http://schemas.openxmlformats.org/officeDocument/2006/relationships" xmlns:p="http://schemas.openxmlformats.org/presentationml/2006/main">
+  <p:cSld>
+    <p:spTree>
+      <p:nvGrpSpPr>
+        <p:cNvPr id="1" name=""/>
+        <p:cNvGrpSpPr/>
+        <p:nvPr/>
+      </p:nvGrpSpPr>
+      <p:grpSpPr>
+        <a:xfrm>
+          <a:off x="0" y="0"/>
+          <a:ext cx="0" cy="0"/>
+          <a:chOff x="0" y="0"/>
+          <a:chExt cx="0" cy="0"/>
+        </a:xfrm>
+      </p:grpSpPr>
+      <p:graphicFrame>
+        <p:nvGraphicFramePr>
+          <p:cNvPr id="4" name="표 4">
+            <a:extLst>
+              <a:ext uri="{FF2B5EF4-FFF2-40B4-BE49-F238E27FC236}">
+                <a16:creationId xmlns:a16="http://schemas.microsoft.com/office/drawing/2014/main" id="{232CC96E-7EB8-5357-1D72-4AB833746DEA}"/>
+              </a:ext>
+            </a:extLst>
+          </p:cNvPr>
+          <p:cNvGraphicFramePr>
+            <a:graphicFrameLocks noGrp="1"/>
+          </p:cNvGraphicFramePr>
+          <p:nvPr>
+            <p:extLst>
+              <p:ext uri="{D42A27DB-BD31-4B8C-83A1-F6EECF244321}">
+                <p14:modId xmlns:p14="http://schemas.microsoft.com/office/powerpoint/2010/main" val="2663673940"/>
+              </p:ext>
+            </p:extLst>
+          </p:nvPr>
+        </p:nvGraphicFramePr>
+        <p:xfrm>
+          <a:off x="204914" y="2106014"/>
+          <a:ext cx="11495473" cy="1940560"/>
+        </p:xfrm>
+        <a:graphic>
+          <a:graphicData uri="http://schemas.openxmlformats.org/drawingml/2006/table">
+            <a:tbl>
+              <a:tblPr firstRow="1" bandRow="1">
+                <a:tableStyleId>{5940675A-B579-460E-94D1-54222C63F5DA}</a:tableStyleId>
+              </a:tblPr>
+              <a:tblGrid>
+                <a:gridCol w="664169">
+                  <a:extLst>
+                    <a:ext uri="{9D8B030D-6E8A-4147-A177-3AD203B41FA5}">
+                      <a16:colId xmlns:a16="http://schemas.microsoft.com/office/drawing/2014/main" val="1244784386"/>
+                    </a:ext>
+                  </a:extLst>
+                </a:gridCol>
+                <a:gridCol w="767655">
+                  <a:extLst>
+                    <a:ext uri="{9D8B030D-6E8A-4147-A177-3AD203B41FA5}">
+                      <a16:colId xmlns:a16="http://schemas.microsoft.com/office/drawing/2014/main" val="3161039301"/>
+                    </a:ext>
+                  </a:extLst>
+                </a:gridCol>
+                <a:gridCol w="2323999">
+                  <a:extLst>
+                    <a:ext uri="{9D8B030D-6E8A-4147-A177-3AD203B41FA5}">
+                      <a16:colId xmlns:a16="http://schemas.microsoft.com/office/drawing/2014/main" val="3824818624"/>
+                    </a:ext>
+                  </a:extLst>
+                </a:gridCol>
+                <a:gridCol w="1500442">
+                  <a:extLst>
+                    <a:ext uri="{9D8B030D-6E8A-4147-A177-3AD203B41FA5}">
+                      <a16:colId xmlns:a16="http://schemas.microsoft.com/office/drawing/2014/main" val="2952584078"/>
+                    </a:ext>
+                  </a:extLst>
+                </a:gridCol>
+                <a:gridCol w="2060498">
+                  <a:extLst>
+                    <a:ext uri="{9D8B030D-6E8A-4147-A177-3AD203B41FA5}">
+                      <a16:colId xmlns:a16="http://schemas.microsoft.com/office/drawing/2014/main" val="1492745729"/>
+                    </a:ext>
+                  </a:extLst>
+                </a:gridCol>
+                <a:gridCol w="4178710">
+                  <a:extLst>
+                    <a:ext uri="{9D8B030D-6E8A-4147-A177-3AD203B41FA5}">
+                      <a16:colId xmlns:a16="http://schemas.microsoft.com/office/drawing/2014/main" val="3606496850"/>
+                    </a:ext>
+                  </a:extLst>
+                </a:gridCol>
+              </a:tblGrid>
+              <a:tr h="370840">
+                <a:tc>
+                  <a:txBody>
+                    <a:bodyPr/>
+                    <a:lstStyle/>
+                    <a:p>
+                      <a:pPr latinLnBrk="1"/>
+                      <a:endParaRPr lang="ko-KR" altLang="en-US" sz="1400" b="1" dirty="0"/>
+                    </a:p>
+                  </a:txBody>
+                  <a:tcPr/>
+                </a:tc>
+                <a:tc>
+                  <a:txBody>
+                    <a:bodyPr/>
+                    <a:lstStyle/>
+                    <a:p>
+                      <a:pPr latinLnBrk="1"/>
+                      <a:r>
+                        <a:rPr lang="ko-KR" altLang="en-US" sz="1400" b="1" dirty="0"/>
+                        <a:t>사이트</a:t>
+                      </a:r>
+                    </a:p>
+                  </a:txBody>
+                  <a:tcPr/>
+                </a:tc>
+                <a:tc>
+                  <a:txBody>
+                    <a:bodyPr/>
+                    <a:lstStyle/>
+                    <a:p>
+                      <a:pPr latinLnBrk="1"/>
+                      <a:r>
+                        <a:rPr lang="ko-KR" altLang="en-US" sz="1400" b="1" dirty="0"/>
+                        <a:t>스크래핑</a:t>
+                      </a:r>
+                    </a:p>
+                  </a:txBody>
+                  <a:tcPr/>
+                </a:tc>
+                <a:tc>
+                  <a:txBody>
+                    <a:bodyPr/>
+                    <a:lstStyle/>
+                    <a:p>
+                      <a:pPr latinLnBrk="1"/>
+                      <a:r>
+                        <a:rPr lang="ko-KR" altLang="en-US" sz="1400" b="1" dirty="0"/>
+                        <a:t>대응시간</a:t>
+                      </a:r>
+                    </a:p>
+                  </a:txBody>
+                  <a:tcPr/>
+                </a:tc>
+                <a:tc>
+                  <a:txBody>
+                    <a:bodyPr/>
+                    <a:lstStyle/>
+                    <a:p>
+                      <a:pPr latinLnBrk="1"/>
+                      <a:r>
+                        <a:rPr lang="ko-KR" altLang="en-US" sz="1400" b="1" dirty="0"/>
+                        <a:t>미대응시</a:t>
+                      </a:r>
+                    </a:p>
+                  </a:txBody>
+                  <a:tcPr/>
+                </a:tc>
+                <a:tc>
+                  <a:txBody>
+                    <a:bodyPr/>
+                    <a:lstStyle/>
+                    <a:p>
+                      <a:pPr latinLnBrk="1"/>
+                      <a:r>
+                        <a:rPr lang="ko-KR" altLang="en-US" sz="1400" b="1" dirty="0"/>
+                        <a:t>대응 절차</a:t>
+                      </a:r>
+                    </a:p>
+                  </a:txBody>
+                  <a:tcPr/>
+                </a:tc>
+                <a:extLst>
+                  <a:ext uri="{0D108BD9-81ED-4DB2-BD59-A6C34878D82A}">
+                    <a16:rowId xmlns:a16="http://schemas.microsoft.com/office/drawing/2014/main" val="793758787"/>
+                  </a:ext>
+                </a:extLst>
+              </a:tr>
+              <a:tr h="370840">
+                <a:tc rowSpan="2">
+                  <a:txBody>
+                    <a:bodyPr/>
+                    <a:lstStyle/>
+                    <a:p>
+                      <a:pPr latinLnBrk="1"/>
+                      <a:r>
+                        <a:rPr lang="en-US" altLang="ko-KR" sz="1200" dirty="0"/>
+                        <a:t>1</a:t>
+                      </a:r>
+                      <a:r>
+                        <a:rPr lang="ko-KR" altLang="en-US" sz="1200" dirty="0"/>
+                        <a:t>단계</a:t>
+                      </a:r>
+                      <a:endParaRPr lang="en-US" altLang="ko-KR" sz="1200" dirty="0"/>
+                    </a:p>
+                  </a:txBody>
+                  <a:tcPr/>
+                </a:tc>
+                <a:tc>
+                  <a:txBody>
+                    <a:bodyPr/>
+                    <a:lstStyle/>
+                    <a:p>
+                      <a:pPr latinLnBrk="1"/>
+                      <a:r>
+                        <a:rPr lang="ko-KR" altLang="en-US" sz="1200" dirty="0"/>
+                        <a:t>장애</a:t>
+                      </a:r>
+                      <a:endParaRPr lang="en-US" altLang="ko-KR" sz="1200" dirty="0"/>
+                    </a:p>
+                  </a:txBody>
+                  <a:tcPr/>
+                </a:tc>
+                <a:tc>
+                  <a:txBody>
+                    <a:bodyPr/>
+                    <a:lstStyle/>
+                    <a:p>
+                      <a:pPr latinLnBrk="1"/>
+                      <a:r>
+                        <a:rPr lang="ko-KR" altLang="en-US" sz="1200" dirty="0"/>
+                        <a:t>장애</a:t>
+                      </a:r>
+                      <a:endParaRPr lang="en-US" altLang="ko-KR" sz="1200" dirty="0"/>
+                    </a:p>
+                  </a:txBody>
+                  <a:tcPr/>
+                </a:tc>
+                <a:tc rowSpan="2">
+                  <a:txBody>
+                    <a:bodyPr/>
+                    <a:lstStyle/>
+                    <a:p>
+                      <a:pPr latinLnBrk="1"/>
+                      <a:r>
+                        <a:rPr lang="ko-KR" altLang="en-US" sz="1200" dirty="0"/>
+                        <a:t>평일</a:t>
+                      </a:r>
+                      <a:r>
+                        <a:rPr lang="en-US" altLang="ko-KR" sz="1200" dirty="0"/>
+                        <a:t>(07:00~22:00)</a:t>
+                      </a:r>
+                    </a:p>
+                    <a:p>
+                      <a:pPr latinLnBrk="1"/>
+                      <a:r>
+                        <a:rPr lang="ko-KR" altLang="en-US" sz="1200" dirty="0"/>
+                        <a:t>주말 및 공휴일</a:t>
+                      </a:r>
+                      <a:r>
+                        <a:rPr lang="en-US" altLang="ko-KR" sz="1200" dirty="0"/>
+                        <a:t>(09:00~18:00)</a:t>
+                      </a:r>
+                    </a:p>
+                  </a:txBody>
+                  <a:tcPr/>
+                </a:tc>
+                <a:tc rowSpan="2">
+                  <a:txBody>
+                    <a:bodyPr/>
+                    <a:lstStyle/>
+                    <a:p>
+                      <a:pPr marL="0" indent="0" latinLnBrk="1">
+                        <a:buNone/>
+                      </a:pPr>
+                      <a:r>
+                        <a:rPr lang="en-US" altLang="ko-KR" sz="1200" dirty="0"/>
+                        <a:t>1. </a:t>
+                      </a:r>
+                      <a:r>
+                        <a:rPr lang="ko-KR" altLang="en-US" sz="1200" dirty="0"/>
+                        <a:t>고객 장애 접수</a:t>
+                      </a:r>
+                      <a:endParaRPr lang="en-US" altLang="ko-KR" sz="1200" dirty="0"/>
+                    </a:p>
+                    <a:p>
+                      <a:pPr marL="0" indent="0" latinLnBrk="1">
+                        <a:buNone/>
+                      </a:pPr>
+                      <a:r>
+                        <a:rPr lang="en-US" altLang="ko-KR" sz="1200" dirty="0"/>
+                        <a:t>2. </a:t>
+                      </a:r>
+                      <a:r>
+                        <a:rPr lang="ko-KR" altLang="en-US" sz="1200" dirty="0"/>
+                        <a:t>고객의 불만↑</a:t>
+                      </a:r>
+                    </a:p>
+                  </a:txBody>
+                  <a:tcPr/>
+                </a:tc>
+                <a:tc rowSpan="2">
+                  <a:txBody>
+                    <a:bodyPr/>
+                    <a:lstStyle/>
+                    <a:p>
+                      <a:pPr latinLnBrk="1"/>
+                      <a:r>
+                        <a:rPr lang="en-US" altLang="ko-KR" sz="1200" dirty="0"/>
+                        <a:t>1. </a:t>
+                      </a:r>
+                      <a:r>
+                        <a:rPr lang="ko-KR" altLang="en-US" sz="1200" dirty="0"/>
+                        <a:t>사내 메신저로 장애상황 전파</a:t>
+                      </a:r>
+                      <a:endParaRPr lang="en-US" altLang="ko-KR" sz="1200" dirty="0"/>
+                    </a:p>
+                    <a:p>
+                      <a:pPr latinLnBrk="1"/>
+                      <a:r>
+                        <a:rPr lang="en-US" altLang="ko-KR" sz="1200" dirty="0"/>
+                        <a:t>2. </a:t>
+                      </a:r>
+                      <a:r>
+                        <a:rPr lang="ko-KR" altLang="en-US" sz="1200" dirty="0"/>
+                        <a:t>고객사에 장애상황 전파</a:t>
+                      </a:r>
+                      <a:r>
+                        <a:rPr lang="en-US" altLang="ko-KR" sz="1200" dirty="0"/>
+                        <a:t>(</a:t>
+                      </a:r>
+                      <a:r>
+                        <a:rPr lang="ko-KR" altLang="en-US" sz="1200" dirty="0"/>
+                        <a:t>이메일</a:t>
+                      </a:r>
+                      <a:r>
+                        <a:rPr lang="en-US" altLang="ko-KR" sz="1200" dirty="0"/>
+                        <a:t>, </a:t>
+                      </a:r>
+                      <a:r>
+                        <a:rPr lang="ko-KR" altLang="en-US" sz="1200" dirty="0"/>
+                        <a:t>훅</a:t>
+                      </a:r>
+                      <a:r>
+                        <a:rPr lang="en-US" altLang="ko-KR" sz="1200" dirty="0"/>
+                        <a:t>, </a:t>
+                      </a:r>
+                      <a:r>
+                        <a:rPr lang="ko-KR" altLang="en-US" sz="1200" dirty="0"/>
+                        <a:t>알림톡 등</a:t>
+                      </a:r>
+                      <a:r>
+                        <a:rPr lang="en-US" altLang="ko-KR" sz="1200" dirty="0"/>
+                        <a:t>)</a:t>
+                      </a:r>
+                      <a:endParaRPr lang="ko-KR" altLang="en-US" sz="1200" dirty="0"/>
+                    </a:p>
+                  </a:txBody>
+                  <a:tcPr/>
+                </a:tc>
+                <a:extLst>
+                  <a:ext uri="{0D108BD9-81ED-4DB2-BD59-A6C34878D82A}">
+                    <a16:rowId xmlns:a16="http://schemas.microsoft.com/office/drawing/2014/main" val="772247643"/>
+                  </a:ext>
+                </a:extLst>
+              </a:tr>
+              <a:tr h="370840">
+                <a:tc vMerge="1">
+                  <a:txBody>
+                    <a:bodyPr/>
+                    <a:lstStyle/>
+                    <a:p>
+                      <a:pPr latinLnBrk="1"/>
+                      <a:endParaRPr lang="en-US" altLang="ko-KR" sz="1200" dirty="0"/>
+                    </a:p>
+                  </a:txBody>
+                  <a:tcPr/>
+                </a:tc>
+                <a:tc>
+                  <a:txBody>
+                    <a:bodyPr/>
+                    <a:lstStyle/>
+                    <a:p>
+                      <a:pPr latinLnBrk="1"/>
+                      <a:r>
+                        <a:rPr lang="ko-KR" altLang="en-US" sz="1200" dirty="0"/>
+                        <a:t>정상</a:t>
+                      </a:r>
+                      <a:endParaRPr lang="en-US" altLang="ko-KR" sz="1200" dirty="0"/>
+                    </a:p>
+                  </a:txBody>
+                  <a:tcPr/>
+                </a:tc>
+                <a:tc>
+                  <a:txBody>
+                    <a:bodyPr/>
+                    <a:lstStyle/>
+                    <a:p>
+                      <a:pPr latinLnBrk="1"/>
+                      <a:r>
+                        <a:rPr lang="ko-KR" altLang="en-US" sz="1200" dirty="0"/>
+                        <a:t>장애</a:t>
+                      </a:r>
+                      <a:endParaRPr lang="en-US" altLang="ko-KR" sz="1200" dirty="0"/>
+                    </a:p>
+                  </a:txBody>
+                  <a:tcPr/>
+                </a:tc>
+                <a:tc vMerge="1">
+                  <a:txBody>
+                    <a:bodyPr/>
+                    <a:lstStyle/>
+                    <a:p>
+                      <a:pPr latinLnBrk="1"/>
+                      <a:endParaRPr lang="ko-KR" altLang="en-US" sz="1200" dirty="0"/>
+                    </a:p>
+                  </a:txBody>
+                  <a:tcPr/>
+                </a:tc>
+                <a:tc vMerge="1">
+                  <a:txBody>
+                    <a:bodyPr/>
+                    <a:lstStyle/>
+                    <a:p>
+                      <a:pPr marL="0" indent="0" latinLnBrk="1">
+                        <a:buNone/>
+                      </a:pPr>
+                      <a:endParaRPr lang="ko-KR" altLang="en-US" sz="1200" dirty="0"/>
+                    </a:p>
+                  </a:txBody>
+                  <a:tcPr/>
+                </a:tc>
+                <a:tc vMerge="1">
+                  <a:txBody>
+                    <a:bodyPr/>
+                    <a:lstStyle/>
+                    <a:p>
+                      <a:pPr latinLnBrk="1"/>
+                      <a:endParaRPr lang="ko-KR" altLang="en-US" sz="1200" dirty="0"/>
+                    </a:p>
+                  </a:txBody>
+                  <a:tcPr/>
+                </a:tc>
+                <a:extLst>
+                  <a:ext uri="{0D108BD9-81ED-4DB2-BD59-A6C34878D82A}">
+                    <a16:rowId xmlns:a16="http://schemas.microsoft.com/office/drawing/2014/main" val="730469934"/>
+                  </a:ext>
+                </a:extLst>
+              </a:tr>
+              <a:tr h="370840">
+                <a:tc>
+                  <a:txBody>
+                    <a:bodyPr/>
+                    <a:lstStyle/>
+                    <a:p>
+                      <a:pPr latinLnBrk="1"/>
+                      <a:r>
+                        <a:rPr lang="en-US" altLang="ko-KR" sz="1200" dirty="0"/>
+                        <a:t>2</a:t>
+                      </a:r>
+                      <a:r>
+                        <a:rPr lang="ko-KR" altLang="en-US" sz="1200" dirty="0"/>
+                        <a:t>단계</a:t>
+                      </a:r>
+                    </a:p>
+                  </a:txBody>
+                  <a:tcPr/>
+                </a:tc>
+                <a:tc>
+                  <a:txBody>
+                    <a:bodyPr/>
+                    <a:lstStyle/>
+                    <a:p>
+                      <a:pPr latinLnBrk="1"/>
+                      <a:r>
+                        <a:rPr lang="ko-KR" altLang="en-US" sz="1200" dirty="0"/>
+                        <a:t>정상</a:t>
+                      </a:r>
+                    </a:p>
+                  </a:txBody>
+                  <a:tcPr/>
+                </a:tc>
+                <a:tc>
+                  <a:txBody>
+                    <a:bodyPr/>
+                    <a:lstStyle/>
+                    <a:p>
+                      <a:pPr latinLnBrk="1"/>
+                      <a:r>
+                        <a:rPr lang="ko-KR" altLang="en-US" sz="1200" dirty="0"/>
+                        <a:t>일부고객에 장애 발생</a:t>
+                      </a:r>
+                    </a:p>
+                  </a:txBody>
+                  <a:tcPr/>
+                </a:tc>
+                <a:tc>
+                  <a:txBody>
+                    <a:bodyPr/>
+                    <a:lstStyle/>
+                    <a:p>
+                      <a:pPr latinLnBrk="1"/>
+                      <a:r>
+                        <a:rPr lang="ko-KR" altLang="en-US" sz="1200" dirty="0"/>
+                        <a:t>업무일</a:t>
+                      </a:r>
+                    </a:p>
+                  </a:txBody>
+                  <a:tcPr/>
+                </a:tc>
+                <a:tc>
+                  <a:txBody>
+                    <a:bodyPr/>
+                    <a:lstStyle/>
+                    <a:p>
+                      <a:pPr latinLnBrk="1"/>
+                      <a:r>
+                        <a:rPr lang="ko-KR" altLang="en-US" sz="1200" dirty="0"/>
+                        <a:t>고객 장애 접수</a:t>
+                      </a:r>
+                    </a:p>
+                  </a:txBody>
+                  <a:tcPr/>
+                </a:tc>
+                <a:tc>
+                  <a:txBody>
+                    <a:bodyPr/>
+                    <a:lstStyle/>
+                    <a:p>
+                      <a:pPr latinLnBrk="1"/>
+                      <a:r>
+                        <a:rPr lang="ko-KR" altLang="en-US" sz="1200" dirty="0"/>
+                        <a:t>담당팀에 </a:t>
+                      </a:r>
+                      <a:r>
+                        <a:rPr lang="en-US" altLang="ko-KR" sz="1200" dirty="0"/>
+                        <a:t>VOC </a:t>
+                      </a:r>
+                      <a:r>
+                        <a:rPr lang="ko-KR" altLang="en-US" sz="1200" dirty="0"/>
+                        <a:t>기재 후 전달</a:t>
+                      </a:r>
+                    </a:p>
+                  </a:txBody>
+                  <a:tcPr/>
+                </a:tc>
+                <a:extLst>
+                  <a:ext uri="{0D108BD9-81ED-4DB2-BD59-A6C34878D82A}">
+                    <a16:rowId xmlns:a16="http://schemas.microsoft.com/office/drawing/2014/main" val="3541896770"/>
+                  </a:ext>
+                </a:extLst>
+              </a:tr>
+              <a:tr h="370840">
+                <a:tc>
+                  <a:txBody>
+                    <a:bodyPr/>
+                    <a:lstStyle/>
+                    <a:p>
+                      <a:pPr latinLnBrk="1"/>
+                      <a:r>
+                        <a:rPr lang="en-US" altLang="ko-KR" sz="1200" dirty="0"/>
+                        <a:t>3</a:t>
+                      </a:r>
+                      <a:r>
+                        <a:rPr lang="ko-KR" altLang="en-US" sz="1200" dirty="0"/>
+                        <a:t>단계</a:t>
+                      </a:r>
+                    </a:p>
+                  </a:txBody>
+                  <a:tcPr/>
+                </a:tc>
+                <a:tc>
+                  <a:txBody>
+                    <a:bodyPr/>
+                    <a:lstStyle/>
+                    <a:p>
+                      <a:pPr latinLnBrk="1"/>
+                      <a:r>
+                        <a:rPr lang="ko-KR" altLang="en-US" sz="1200" dirty="0"/>
+                        <a:t>정상</a:t>
+                      </a:r>
+                    </a:p>
+                  </a:txBody>
+                  <a:tcPr/>
+                </a:tc>
+                <a:tc>
+                  <a:txBody>
+                    <a:bodyPr/>
+                    <a:lstStyle/>
+                    <a:p>
+                      <a:pPr latinLnBrk="1"/>
+                      <a:r>
+                        <a:rPr lang="ko-KR" altLang="en-US" sz="1200" dirty="0"/>
+                        <a:t>오류율이 높지만 상황 재현</a:t>
+                      </a:r>
+                      <a:r>
+                        <a:rPr lang="en-US" altLang="ko-KR" sz="1200" dirty="0"/>
+                        <a:t>X</a:t>
+                      </a:r>
+                      <a:endParaRPr lang="ko-KR" altLang="en-US" sz="1200" dirty="0"/>
+                    </a:p>
+                  </a:txBody>
+                  <a:tcPr/>
+                </a:tc>
+                <a:tc>
+                  <a:txBody>
+                    <a:bodyPr/>
+                    <a:lstStyle/>
+                    <a:p>
+                      <a:pPr latinLnBrk="1"/>
+                      <a:r>
+                        <a:rPr lang="ko-KR" altLang="en-US" sz="1200" dirty="0"/>
+                        <a:t>업무일</a:t>
+                      </a:r>
+                    </a:p>
+                  </a:txBody>
+                  <a:tcPr/>
+                </a:tc>
+                <a:tc>
+                  <a:txBody>
+                    <a:bodyPr/>
+                    <a:lstStyle/>
+                    <a:p>
+                      <a:pPr latinLnBrk="1"/>
+                      <a:r>
+                        <a:rPr lang="en-US" altLang="ko-KR" sz="1200" dirty="0"/>
+                        <a:t>1. </a:t>
+                      </a:r>
+                      <a:r>
+                        <a:rPr lang="ko-KR" altLang="en-US" sz="1200" dirty="0"/>
+                        <a:t>잦은 장애 알람 작동</a:t>
+                      </a:r>
+                      <a:endParaRPr lang="en-US" altLang="ko-KR" sz="1200" dirty="0"/>
+                    </a:p>
+                    <a:p>
+                      <a:pPr latinLnBrk="1"/>
+                      <a:r>
+                        <a:rPr lang="en-US" altLang="ko-KR" sz="1200" dirty="0"/>
+                        <a:t>2. </a:t>
+                      </a:r>
+                      <a:r>
+                        <a:rPr lang="ko-KR" altLang="en-US" sz="1200" dirty="0"/>
+                        <a:t>디몬팀의 알람민감도↓</a:t>
+                      </a:r>
+                    </a:p>
+                  </a:txBody>
+                  <a:tcPr/>
+                </a:tc>
+                <a:tc>
+                  <a:txBody>
+                    <a:bodyPr/>
+                    <a:lstStyle/>
+                    <a:p>
+                      <a:pPr latinLnBrk="1"/>
+                      <a:r>
+                        <a:rPr lang="ko-KR" altLang="en-US" sz="1200" dirty="0"/>
+                        <a:t>당장 해결될 수 없는 상황의 경우</a:t>
+                      </a:r>
+                      <a:r>
+                        <a:rPr lang="en-US" altLang="ko-KR" sz="1200" dirty="0"/>
+                        <a:t>, </a:t>
+                      </a:r>
+                    </a:p>
+                    <a:p>
+                      <a:pPr latinLnBrk="1"/>
+                      <a:r>
+                        <a:rPr lang="ko-KR" altLang="en-US" sz="1200" dirty="0"/>
+                        <a:t>스크래핑팀과 협의하여 별도의 오류코드 분류 후 모니터링</a:t>
+                      </a:r>
+                      <a:r>
+                        <a:rPr lang="en-US" altLang="ko-KR" sz="1200" dirty="0"/>
+                        <a:t>.</a:t>
+                      </a:r>
+                      <a:endParaRPr lang="ko-KR" altLang="en-US" sz="1200" dirty="0"/>
+                    </a:p>
+                  </a:txBody>
+                  <a:tcPr/>
+                </a:tc>
+                <a:extLst>
+                  <a:ext uri="{0D108BD9-81ED-4DB2-BD59-A6C34878D82A}">
+                    <a16:rowId xmlns:a16="http://schemas.microsoft.com/office/drawing/2014/main" val="3360007891"/>
+                  </a:ext>
+                </a:extLst>
+              </a:tr>
+            </a:tbl>
+          </a:graphicData>
+        </a:graphic>
+      </p:graphicFrame>
+      <p:sp>
+        <p:nvSpPr>
+          <p:cNvPr id="5" name="TextBox 4">
+            <a:extLst>
+              <a:ext uri="{FF2B5EF4-FFF2-40B4-BE49-F238E27FC236}">
+                <a16:creationId xmlns:a16="http://schemas.microsoft.com/office/drawing/2014/main" id="{54330730-25C3-728F-4484-D9B7E2E3065F}"/>
+              </a:ext>
+            </a:extLst>
+          </p:cNvPr>
+          <p:cNvSpPr txBox="1"/>
+          <p:nvPr/>
+        </p:nvSpPr>
+        <p:spPr>
+          <a:xfrm>
+            <a:off x="816078" y="983226"/>
+            <a:ext cx="2276585" cy="369332"/>
+          </a:xfrm>
+          <a:prstGeom prst="rect">
+            <a:avLst/>
+          </a:prstGeom>
+          <a:noFill/>
+        </p:spPr>
+        <p:txBody>
+          <a:bodyPr wrap="none" rtlCol="0">
+            <a:spAutoFit/>
+          </a:bodyPr>
+          <a:lstStyle/>
+          <a:p>
+            <a:r>
+              <a:rPr lang="ko-KR" altLang="en-US" dirty="0"/>
+              <a:t>장애 범위 모니터링</a:t>
+            </a:r>
+          </a:p>
+        </p:txBody>
+      </p:sp>
+    </p:spTree>
+    <p:extLst>
+      <p:ext uri="{BB962C8B-B14F-4D97-AF65-F5344CB8AC3E}">
+        <p14:creationId xmlns:p14="http://schemas.microsoft.com/office/powerpoint/2010/main" val="1704779430"/>
+      </p:ext>
+    </p:extLst>
+  </p:cSld>
+  <p:clrMapOvr>
+    <a:masterClrMapping/>
+  </p:clrMapOvr>
+</p:sld>
+</file>
+
+<file path=ppt/slides/slide7.xml><?xml version="1.0" encoding="utf-8"?>
+<p:sld xmlns:a="http://schemas.openxmlformats.org/drawingml/2006/main" xmlns:r="http://schemas.openxmlformats.org/officeDocument/2006/relationships" xmlns:p="http://schemas.openxmlformats.org/presentationml/2006/main">
+  <p:cSld>
+    <p:spTree>
+      <p:nvGrpSpPr>
+        <p:cNvPr id="1" name=""/>
+        <p:cNvGrpSpPr/>
+        <p:nvPr/>
+      </p:nvGrpSpPr>
+      <p:grpSpPr>
+        <a:xfrm>
+          <a:off x="0" y="0"/>
+          <a:ext cx="0" cy="0"/>
+          <a:chOff x="0" y="0"/>
+          <a:chExt cx="0" cy="0"/>
+        </a:xfrm>
+      </p:grpSpPr>
+      <p:graphicFrame>
+        <p:nvGraphicFramePr>
+          <p:cNvPr id="5" name="표 5">
+            <a:extLst>
+              <a:ext uri="{FF2B5EF4-FFF2-40B4-BE49-F238E27FC236}">
+                <a16:creationId xmlns:a16="http://schemas.microsoft.com/office/drawing/2014/main" id="{AAA21BC4-8F1F-EC3F-7EE4-928DD60FB2AD}"/>
+              </a:ext>
+            </a:extLst>
+          </p:cNvPr>
+          <p:cNvGraphicFramePr>
+            <a:graphicFrameLocks noGrp="1"/>
+          </p:cNvGraphicFramePr>
+          <p:nvPr>
+            <p:extLst>
+              <p:ext uri="{D42A27DB-BD31-4B8C-83A1-F6EECF244321}">
+                <p14:modId xmlns:p14="http://schemas.microsoft.com/office/powerpoint/2010/main" val="1131600508"/>
+              </p:ext>
+            </p:extLst>
+          </p:nvPr>
+        </p:nvGraphicFramePr>
+        <p:xfrm>
+          <a:off x="999612" y="739330"/>
+          <a:ext cx="2628490" cy="1483360"/>
+        </p:xfrm>
+        <a:graphic>
+          <a:graphicData uri="http://schemas.openxmlformats.org/drawingml/2006/table">
+            <a:tbl>
+              <a:tblPr firstRow="1" bandRow="1">
+                <a:tableStyleId>{5C22544A-7EE6-4342-B048-85BDC9FD1C3A}</a:tableStyleId>
+              </a:tblPr>
+              <a:tblGrid>
+                <a:gridCol w="1173316">
+                  <a:extLst>
+                    <a:ext uri="{9D8B030D-6E8A-4147-A177-3AD203B41FA5}">
+                      <a16:colId xmlns:a16="http://schemas.microsoft.com/office/drawing/2014/main" val="23601380"/>
+                    </a:ext>
+                  </a:extLst>
+                </a:gridCol>
+                <a:gridCol w="1455174">
+                  <a:extLst>
+                    <a:ext uri="{9D8B030D-6E8A-4147-A177-3AD203B41FA5}">
+                      <a16:colId xmlns:a16="http://schemas.microsoft.com/office/drawing/2014/main" val="1062961580"/>
+                    </a:ext>
+                  </a:extLst>
+                </a:gridCol>
+              </a:tblGrid>
+              <a:tr h="370840">
+                <a:tc>
+                  <a:txBody>
+                    <a:bodyPr/>
+                    <a:lstStyle/>
+                    <a:p>
+                      <a:pPr latinLnBrk="1"/>
+                      <a:endParaRPr lang="ko-KR" altLang="en-US" dirty="0"/>
+                    </a:p>
+                  </a:txBody>
+                  <a:tcPr/>
+                </a:tc>
+                <a:tc>
+                  <a:txBody>
+                    <a:bodyPr/>
+                    <a:lstStyle/>
+                    <a:p>
+                      <a:pPr latinLnBrk="1"/>
+                      <a:r>
+                        <a:rPr lang="ko-KR" altLang="en-US" dirty="0"/>
+                        <a:t>이슈 유형</a:t>
+                      </a:r>
+                    </a:p>
+                  </a:txBody>
+                  <a:tcPr/>
+                </a:tc>
+                <a:extLst>
+                  <a:ext uri="{0D108BD9-81ED-4DB2-BD59-A6C34878D82A}">
+                    <a16:rowId xmlns:a16="http://schemas.microsoft.com/office/drawing/2014/main" val="2328363300"/>
+                  </a:ext>
+                </a:extLst>
+              </a:tr>
+              <a:tr h="370840">
+                <a:tc>
+                  <a:txBody>
+                    <a:bodyPr/>
+                    <a:lstStyle/>
+                    <a:p>
+                      <a:pPr latinLnBrk="1"/>
+                      <a:r>
+                        <a:rPr lang="en-US" altLang="ko-KR" dirty="0"/>
+                        <a:t>1</a:t>
+                      </a:r>
+                      <a:r>
+                        <a:rPr lang="ko-KR" altLang="en-US" dirty="0"/>
+                        <a:t>단계</a:t>
+                      </a:r>
+                    </a:p>
+                  </a:txBody>
+                  <a:tcPr/>
+                </a:tc>
+                <a:tc>
+                  <a:txBody>
+                    <a:bodyPr/>
+                    <a:lstStyle/>
+                    <a:p>
+                      <a:pPr latinLnBrk="1"/>
+                      <a:r>
+                        <a:rPr lang="ko-KR" altLang="en-US" dirty="0"/>
+                        <a:t>장애</a:t>
+                      </a:r>
+                      <a:r>
+                        <a:rPr lang="en-US" altLang="ko-KR" dirty="0"/>
+                        <a:t>/</a:t>
+                      </a:r>
+                      <a:r>
+                        <a:rPr lang="ko-KR" altLang="en-US" dirty="0"/>
+                        <a:t>오류</a:t>
+                      </a:r>
+                    </a:p>
+                  </a:txBody>
+                  <a:tcPr/>
+                </a:tc>
+                <a:extLst>
+                  <a:ext uri="{0D108BD9-81ED-4DB2-BD59-A6C34878D82A}">
+                    <a16:rowId xmlns:a16="http://schemas.microsoft.com/office/drawing/2014/main" val="3723070702"/>
+                  </a:ext>
+                </a:extLst>
+              </a:tr>
+              <a:tr h="370840">
+                <a:tc>
+                  <a:txBody>
+                    <a:bodyPr/>
+                    <a:lstStyle/>
+                    <a:p>
+                      <a:pPr latinLnBrk="1"/>
+                      <a:r>
+                        <a:rPr lang="en-US" altLang="ko-KR" dirty="0"/>
+                        <a:t>2</a:t>
+                      </a:r>
+                      <a:r>
+                        <a:rPr lang="ko-KR" altLang="en-US" dirty="0"/>
+                        <a:t>단계</a:t>
+                      </a:r>
+                    </a:p>
+                  </a:txBody>
+                  <a:tcPr/>
+                </a:tc>
+                <a:tc>
+                  <a:txBody>
+                    <a:bodyPr/>
+                    <a:lstStyle/>
+                    <a:p>
+                      <a:pPr latinLnBrk="1"/>
+                      <a:r>
+                        <a:rPr lang="ko-KR" altLang="en-US" dirty="0"/>
+                        <a:t>개선</a:t>
+                      </a:r>
+                    </a:p>
+                  </a:txBody>
+                  <a:tcPr/>
+                </a:tc>
+                <a:extLst>
+                  <a:ext uri="{0D108BD9-81ED-4DB2-BD59-A6C34878D82A}">
+                    <a16:rowId xmlns:a16="http://schemas.microsoft.com/office/drawing/2014/main" val="3728592227"/>
+                  </a:ext>
+                </a:extLst>
+              </a:tr>
+              <a:tr h="370840">
+                <a:tc>
+                  <a:txBody>
+                    <a:bodyPr/>
+                    <a:lstStyle/>
+                    <a:p>
+                      <a:pPr latinLnBrk="1"/>
+                      <a:r>
+                        <a:rPr lang="en-US" altLang="ko-KR" dirty="0"/>
+                        <a:t>3</a:t>
+                      </a:r>
+                      <a:r>
+                        <a:rPr lang="ko-KR" altLang="en-US" dirty="0"/>
+                        <a:t>단계</a:t>
+                      </a:r>
+                    </a:p>
+                  </a:txBody>
+                  <a:tcPr/>
+                </a:tc>
+                <a:tc>
+                  <a:txBody>
+                    <a:bodyPr/>
+                    <a:lstStyle/>
+                    <a:p>
+                      <a:pPr latinLnBrk="1"/>
+                      <a:r>
+                        <a:rPr lang="ko-KR" altLang="en-US" dirty="0"/>
+                        <a:t>개선</a:t>
+                      </a:r>
+                    </a:p>
+                  </a:txBody>
+                  <a:tcPr/>
+                </a:tc>
+                <a:extLst>
+                  <a:ext uri="{0D108BD9-81ED-4DB2-BD59-A6C34878D82A}">
+                    <a16:rowId xmlns:a16="http://schemas.microsoft.com/office/drawing/2014/main" val="1882209321"/>
+                  </a:ext>
+                </a:extLst>
+              </a:tr>
+            </a:tbl>
+          </a:graphicData>
+        </a:graphic>
+      </p:graphicFrame>
+      <p:pic>
+        <p:nvPicPr>
+          <p:cNvPr id="7" name="그림 6">
+            <a:extLst>
+              <a:ext uri="{FF2B5EF4-FFF2-40B4-BE49-F238E27FC236}">
+                <a16:creationId xmlns:a16="http://schemas.microsoft.com/office/drawing/2014/main" id="{45589D67-6934-C72B-2031-B910A32339F0}"/>
+              </a:ext>
+            </a:extLst>
+          </p:cNvPr>
+          <p:cNvPicPr>
+            <a:picLocks noChangeAspect="1"/>
+          </p:cNvPicPr>
+          <p:nvPr/>
+        </p:nvPicPr>
+        <p:blipFill>
+          <a:blip r:embed="rId2"/>
+          <a:stretch>
+            <a:fillRect/>
+          </a:stretch>
+        </p:blipFill>
+        <p:spPr>
+          <a:xfrm>
+            <a:off x="3852621" y="562720"/>
+            <a:ext cx="3444538" cy="1836579"/>
+          </a:xfrm>
+          <a:prstGeom prst="rect">
+            <a:avLst/>
+          </a:prstGeom>
+        </p:spPr>
+      </p:pic>
+      <p:graphicFrame>
+        <p:nvGraphicFramePr>
+          <p:cNvPr id="9" name="개체 8">
+            <a:extLst>
+              <a:ext uri="{FF2B5EF4-FFF2-40B4-BE49-F238E27FC236}">
+                <a16:creationId xmlns:a16="http://schemas.microsoft.com/office/drawing/2014/main" id="{6AB7AA74-7286-E1DE-70B5-61B54D2C4629}"/>
+              </a:ext>
+            </a:extLst>
+          </p:cNvPr>
+          <p:cNvGraphicFramePr>
+            <a:graphicFrameLocks noChangeAspect="1"/>
+          </p:cNvGraphicFramePr>
+          <p:nvPr>
+            <p:extLst>
+              <p:ext uri="{D42A27DB-BD31-4B8C-83A1-F6EECF244321}">
+                <p14:modId xmlns:p14="http://schemas.microsoft.com/office/powerpoint/2010/main" val="1568823991"/>
+              </p:ext>
+            </p:extLst>
+          </p:nvPr>
+        </p:nvGraphicFramePr>
+        <p:xfrm>
+          <a:off x="4523662" y="3002783"/>
+          <a:ext cx="6637337" cy="2644775"/>
+        </p:xfrm>
+        <a:graphic>
+          <a:graphicData uri="http://schemas.openxmlformats.org/presentationml/2006/ole">
+            <mc:AlternateContent xmlns:mc="http://schemas.openxmlformats.org/markup-compatibility/2006">
+              <mc:Choice xmlns:v="urn:schemas-microsoft-com:vml" Requires="v">
+                <p:oleObj name="Bitmap Image" r:id="rId3" imgW="6636960" imgH="2644200" progId="PBrush">
+                  <p:embed/>
+                </p:oleObj>
+              </mc:Choice>
+              <mc:Fallback>
+                <p:oleObj name="Bitmap Image" r:id="rId3" imgW="6636960" imgH="2644200" progId="PBrush">
+                  <p:embed/>
+                  <p:pic>
+                    <p:nvPicPr>
+                      <p:cNvPr id="0" name=""/>
+                      <p:cNvPicPr/>
+                      <p:nvPr/>
+                    </p:nvPicPr>
+                    <p:blipFill>
+                      <a:blip r:embed="rId4"/>
+                      <a:stretch>
+                        <a:fillRect/>
+                      </a:stretch>
+                    </p:blipFill>
+                    <p:spPr>
+                      <a:xfrm>
+                        <a:off x="4523662" y="3002783"/>
+                        <a:ext cx="6637337" cy="2644775"/>
+                      </a:xfrm>
+                      <a:prstGeom prst="rect">
+                        <a:avLst/>
+                      </a:prstGeom>
+                    </p:spPr>
+                  </p:pic>
+                </p:oleObj>
+              </mc:Fallback>
+            </mc:AlternateContent>
+          </a:graphicData>
+        </a:graphic>
+      </p:graphicFrame>
+      <p:graphicFrame>
+        <p:nvGraphicFramePr>
+          <p:cNvPr id="10" name="표 10">
+            <a:extLst>
+              <a:ext uri="{FF2B5EF4-FFF2-40B4-BE49-F238E27FC236}">
+                <a16:creationId xmlns:a16="http://schemas.microsoft.com/office/drawing/2014/main" id="{1524B6DA-A2BF-73D3-7044-4F297CA5E385}"/>
+              </a:ext>
+            </a:extLst>
+          </p:cNvPr>
+          <p:cNvGraphicFramePr>
+            <a:graphicFrameLocks noGrp="1"/>
+          </p:cNvGraphicFramePr>
+          <p:nvPr>
+            <p:extLst>
+              <p:ext uri="{D42A27DB-BD31-4B8C-83A1-F6EECF244321}">
+                <p14:modId xmlns:p14="http://schemas.microsoft.com/office/powerpoint/2010/main" val="2375226897"/>
+              </p:ext>
+            </p:extLst>
+          </p:nvPr>
+        </p:nvGraphicFramePr>
+        <p:xfrm>
+          <a:off x="1479693" y="3528695"/>
+          <a:ext cx="3002118" cy="1417320"/>
+        </p:xfrm>
+        <a:graphic>
+          <a:graphicData uri="http://schemas.openxmlformats.org/drawingml/2006/table">
+            <a:tbl>
+              <a:tblPr firstRow="1" bandRow="1">
+                <a:tableStyleId>{5C22544A-7EE6-4342-B048-85BDC9FD1C3A}</a:tableStyleId>
+              </a:tblPr>
+              <a:tblGrid>
+                <a:gridCol w="662040">
+                  <a:extLst>
+                    <a:ext uri="{9D8B030D-6E8A-4147-A177-3AD203B41FA5}">
+                      <a16:colId xmlns:a16="http://schemas.microsoft.com/office/drawing/2014/main" val="1203999666"/>
+                    </a:ext>
+                  </a:extLst>
+                </a:gridCol>
+                <a:gridCol w="648929">
+                  <a:extLst>
+                    <a:ext uri="{9D8B030D-6E8A-4147-A177-3AD203B41FA5}">
+                      <a16:colId xmlns:a16="http://schemas.microsoft.com/office/drawing/2014/main" val="1676924609"/>
+                    </a:ext>
+                  </a:extLst>
+                </a:gridCol>
+                <a:gridCol w="904568">
+                  <a:extLst>
+                    <a:ext uri="{9D8B030D-6E8A-4147-A177-3AD203B41FA5}">
+                      <a16:colId xmlns:a16="http://schemas.microsoft.com/office/drawing/2014/main" val="1652759477"/>
+                    </a:ext>
+                  </a:extLst>
+                </a:gridCol>
+                <a:gridCol w="786581">
+                  <a:extLst>
+                    <a:ext uri="{9D8B030D-6E8A-4147-A177-3AD203B41FA5}">
+                      <a16:colId xmlns:a16="http://schemas.microsoft.com/office/drawing/2014/main" val="3985815686"/>
+                    </a:ext>
+                  </a:extLst>
+                </a:gridCol>
+              </a:tblGrid>
+              <a:tr h="0">
+                <a:tc>
+                  <a:txBody>
+                    <a:bodyPr/>
+                    <a:lstStyle/>
+                    <a:p>
+                      <a:pPr latinLnBrk="1"/>
+                      <a:endParaRPr lang="ko-KR" altLang="en-US" sz="1400" dirty="0"/>
+                    </a:p>
+                  </a:txBody>
+                  <a:tcPr/>
+                </a:tc>
+                <a:tc>
+                  <a:txBody>
+                    <a:bodyPr/>
+                    <a:lstStyle/>
+                    <a:p>
+                      <a:pPr marL="0" marR="0" lvl="0" indent="0" algn="l" defTabSz="914400" rtl="0" eaLnBrk="1" fontAlgn="auto" latinLnBrk="1" hangingPunct="1">
+                        <a:lnSpc>
+                          <a:spcPct val="100000"/>
+                        </a:lnSpc>
+                        <a:spcBef>
+                          <a:spcPts val="0"/>
+                        </a:spcBef>
+                        <a:spcAft>
+                          <a:spcPts val="0"/>
+                        </a:spcAft>
+                        <a:buClrTx/>
+                        <a:buSzTx/>
+                        <a:buFontTx/>
+                        <a:buNone/>
+                        <a:tabLst/>
+                        <a:defRPr/>
+                      </a:pPr>
+                      <a:r>
+                        <a:rPr lang="ko-KR" altLang="en-US" sz="1400" dirty="0"/>
+                        <a:t>요약</a:t>
+                      </a:r>
+                    </a:p>
+                  </a:txBody>
+                  <a:tcPr/>
+                </a:tc>
+                <a:tc>
+                  <a:txBody>
+                    <a:bodyPr/>
+                    <a:lstStyle/>
+                    <a:p>
+                      <a:pPr marL="0" marR="0" lvl="0" indent="0" algn="l" defTabSz="914400" rtl="0" eaLnBrk="1" fontAlgn="auto" latinLnBrk="1" hangingPunct="1">
+                        <a:lnSpc>
+                          <a:spcPct val="100000"/>
+                        </a:lnSpc>
+                        <a:spcBef>
+                          <a:spcPts val="0"/>
+                        </a:spcBef>
+                        <a:spcAft>
+                          <a:spcPts val="0"/>
+                        </a:spcAft>
+                        <a:buClrTx/>
+                        <a:buSzTx/>
+                        <a:buFontTx/>
+                        <a:buNone/>
+                        <a:tabLst/>
+                        <a:defRPr/>
+                      </a:pPr>
+                      <a:r>
+                        <a:rPr lang="ko-KR" altLang="en-US" sz="1400" dirty="0"/>
+                        <a:t>고객사명</a:t>
+                      </a:r>
+                    </a:p>
+                  </a:txBody>
+                  <a:tcPr/>
+                </a:tc>
+                <a:tc>
+                  <a:txBody>
+                    <a:bodyPr/>
+                    <a:lstStyle/>
+                    <a:p>
+                      <a:pPr marL="0" marR="0" lvl="0" indent="0" algn="l" defTabSz="914400" rtl="0" eaLnBrk="1" fontAlgn="auto" latinLnBrk="1" hangingPunct="1">
+                        <a:lnSpc>
+                          <a:spcPct val="100000"/>
+                        </a:lnSpc>
+                        <a:spcBef>
+                          <a:spcPts val="0"/>
+                        </a:spcBef>
+                        <a:spcAft>
+                          <a:spcPts val="0"/>
+                        </a:spcAft>
+                        <a:buClrTx/>
+                        <a:buSzTx/>
+                        <a:buFontTx/>
+                        <a:buNone/>
+                        <a:tabLst/>
+                        <a:defRPr/>
+                      </a:pPr>
+                      <a:r>
+                        <a:rPr lang="ko-KR" altLang="en-US" sz="1400" dirty="0"/>
+                        <a:t>플랫폼</a:t>
+                      </a:r>
+                    </a:p>
+                  </a:txBody>
+                  <a:tcPr/>
+                </a:tc>
+                <a:extLst>
+                  <a:ext uri="{0D108BD9-81ED-4DB2-BD59-A6C34878D82A}">
+                    <a16:rowId xmlns:a16="http://schemas.microsoft.com/office/drawing/2014/main" val="197754036"/>
+                  </a:ext>
+                </a:extLst>
+              </a:tr>
+              <a:tr h="370840">
+                <a:tc>
+                  <a:txBody>
+                    <a:bodyPr/>
+                    <a:lstStyle/>
+                    <a:p>
+                      <a:pPr latinLnBrk="1"/>
+                      <a:r>
+                        <a:rPr lang="en-US" altLang="ko-KR" sz="1400" dirty="0"/>
+                        <a:t>1</a:t>
+                      </a:r>
+                      <a:r>
+                        <a:rPr lang="ko-KR" altLang="en-US" sz="1400" dirty="0"/>
+                        <a:t>단계</a:t>
+                      </a:r>
+                    </a:p>
+                  </a:txBody>
+                  <a:tcPr/>
+                </a:tc>
+                <a:tc>
+                  <a:txBody>
+                    <a:bodyPr/>
+                    <a:lstStyle/>
+                    <a:p>
+                      <a:pPr latinLnBrk="1"/>
+                      <a:r>
+                        <a:rPr lang="en-US" altLang="ko-KR" sz="1400" dirty="0"/>
+                        <a:t>O</a:t>
+                      </a:r>
+                      <a:endParaRPr lang="ko-KR" altLang="en-US" sz="1400" dirty="0"/>
+                    </a:p>
+                  </a:txBody>
+                  <a:tcPr/>
+                </a:tc>
+                <a:tc>
+                  <a:txBody>
+                    <a:bodyPr/>
+                    <a:lstStyle/>
+                    <a:p>
+                      <a:pPr latinLnBrk="1"/>
+                      <a:endParaRPr lang="ko-KR" altLang="en-US" sz="1400" dirty="0"/>
+                    </a:p>
+                  </a:txBody>
+                  <a:tcPr/>
+                </a:tc>
+                <a:tc>
+                  <a:txBody>
+                    <a:bodyPr/>
+                    <a:lstStyle/>
+                    <a:p>
+                      <a:pPr latinLnBrk="1"/>
+                      <a:endParaRPr lang="ko-KR" altLang="en-US" sz="1400" dirty="0"/>
+                    </a:p>
+                  </a:txBody>
+                  <a:tcPr/>
+                </a:tc>
+                <a:extLst>
+                  <a:ext uri="{0D108BD9-81ED-4DB2-BD59-A6C34878D82A}">
+                    <a16:rowId xmlns:a16="http://schemas.microsoft.com/office/drawing/2014/main" val="1771380347"/>
+                  </a:ext>
+                </a:extLst>
+              </a:tr>
+              <a:tr h="370840">
+                <a:tc>
+                  <a:txBody>
+                    <a:bodyPr/>
+                    <a:lstStyle/>
+                    <a:p>
+                      <a:pPr latinLnBrk="1"/>
+                      <a:r>
+                        <a:rPr lang="en-US" altLang="ko-KR" sz="1400" dirty="0"/>
+                        <a:t>2</a:t>
+                      </a:r>
+                      <a:r>
+                        <a:rPr lang="ko-KR" altLang="en-US" sz="1400" dirty="0"/>
+                        <a:t>단계</a:t>
+                      </a:r>
+                    </a:p>
+                  </a:txBody>
+                  <a:tcPr/>
+                </a:tc>
+                <a:tc>
+                  <a:txBody>
+                    <a:bodyPr/>
+                    <a:lstStyle/>
+                    <a:p>
+                      <a:pPr latinLnBrk="1"/>
+                      <a:r>
+                        <a:rPr lang="en-US" altLang="ko-KR" sz="1400" dirty="0"/>
+                        <a:t>O</a:t>
+                      </a:r>
+                      <a:endParaRPr lang="ko-KR" altLang="en-US" sz="1400" dirty="0"/>
+                    </a:p>
+                  </a:txBody>
+                  <a:tcPr/>
+                </a:tc>
+                <a:tc>
+                  <a:txBody>
+                    <a:bodyPr/>
+                    <a:lstStyle/>
+                    <a:p>
+                      <a:pPr latinLnBrk="1"/>
+                      <a:r>
+                        <a:rPr lang="en-US" altLang="ko-KR" sz="1400" dirty="0"/>
+                        <a:t>O</a:t>
+                      </a:r>
+                      <a:endParaRPr lang="ko-KR" altLang="en-US" sz="1400" dirty="0"/>
+                    </a:p>
+                  </a:txBody>
+                  <a:tcPr/>
+                </a:tc>
+                <a:tc>
+                  <a:txBody>
+                    <a:bodyPr/>
+                    <a:lstStyle/>
+                    <a:p>
+                      <a:pPr latinLnBrk="1"/>
+                      <a:r>
+                        <a:rPr lang="en-US" altLang="ko-KR" sz="1400" dirty="0"/>
+                        <a:t>O</a:t>
+                      </a:r>
+                      <a:endParaRPr lang="ko-KR" altLang="en-US" sz="1400" dirty="0"/>
+                    </a:p>
+                  </a:txBody>
+                  <a:tcPr/>
+                </a:tc>
+                <a:extLst>
+                  <a:ext uri="{0D108BD9-81ED-4DB2-BD59-A6C34878D82A}">
+                    <a16:rowId xmlns:a16="http://schemas.microsoft.com/office/drawing/2014/main" val="3875234492"/>
+                  </a:ext>
+                </a:extLst>
+              </a:tr>
+              <a:tr h="370840">
+                <a:tc>
+                  <a:txBody>
+                    <a:bodyPr/>
+                    <a:lstStyle/>
+                    <a:p>
+                      <a:pPr latinLnBrk="1"/>
+                      <a:r>
+                        <a:rPr lang="en-US" altLang="ko-KR" sz="1400" dirty="0"/>
+                        <a:t>3</a:t>
+                      </a:r>
+                      <a:r>
+                        <a:rPr lang="ko-KR" altLang="en-US" sz="1400" dirty="0"/>
+                        <a:t>단계</a:t>
+                      </a:r>
+                    </a:p>
+                  </a:txBody>
+                  <a:tcPr/>
+                </a:tc>
+                <a:tc>
+                  <a:txBody>
+                    <a:bodyPr/>
+                    <a:lstStyle/>
+                    <a:p>
+                      <a:pPr latinLnBrk="1"/>
+                      <a:r>
+                        <a:rPr lang="en-US" altLang="ko-KR" sz="1400" dirty="0"/>
+                        <a:t>O</a:t>
+                      </a:r>
+                      <a:endParaRPr lang="ko-KR" altLang="en-US" sz="1400" dirty="0"/>
+                    </a:p>
+                  </a:txBody>
+                  <a:tcPr/>
+                </a:tc>
+                <a:tc>
+                  <a:txBody>
+                    <a:bodyPr/>
+                    <a:lstStyle/>
+                    <a:p>
+                      <a:pPr latinLnBrk="1"/>
+                      <a:r>
+                        <a:rPr lang="en-US" altLang="ko-KR" sz="1400" dirty="0"/>
+                        <a:t>O</a:t>
+                      </a:r>
+                      <a:endParaRPr lang="ko-KR" altLang="en-US" sz="1400" dirty="0"/>
+                    </a:p>
+                  </a:txBody>
+                  <a:tcPr/>
+                </a:tc>
+                <a:tc>
+                  <a:txBody>
+                    <a:bodyPr/>
+                    <a:lstStyle/>
+                    <a:p>
+                      <a:pPr latinLnBrk="1"/>
+                      <a:r>
+                        <a:rPr lang="en-US" altLang="ko-KR" sz="1400" dirty="0"/>
+                        <a:t>O</a:t>
+                      </a:r>
+                      <a:endParaRPr lang="ko-KR" altLang="en-US" sz="1400" dirty="0"/>
+                    </a:p>
+                  </a:txBody>
+                  <a:tcPr/>
+                </a:tc>
+                <a:extLst>
+                  <a:ext uri="{0D108BD9-81ED-4DB2-BD59-A6C34878D82A}">
+                    <a16:rowId xmlns:a16="http://schemas.microsoft.com/office/drawing/2014/main" val="4028861278"/>
+                  </a:ext>
+                </a:extLst>
+              </a:tr>
+            </a:tbl>
+          </a:graphicData>
+        </a:graphic>
+      </p:graphicFrame>
+      <p:sp>
+        <p:nvSpPr>
+          <p:cNvPr id="11" name="TextBox 10">
+            <a:extLst>
+              <a:ext uri="{FF2B5EF4-FFF2-40B4-BE49-F238E27FC236}">
+                <a16:creationId xmlns:a16="http://schemas.microsoft.com/office/drawing/2014/main" id="{710D62CD-5CD6-110F-0257-5FB2E73181D4}"/>
+              </a:ext>
+            </a:extLst>
+          </p:cNvPr>
+          <p:cNvSpPr txBox="1"/>
+          <p:nvPr/>
+        </p:nvSpPr>
+        <p:spPr>
+          <a:xfrm>
+            <a:off x="1331857" y="3144639"/>
+            <a:ext cx="1963999" cy="369332"/>
+          </a:xfrm>
+          <a:prstGeom prst="rect">
+            <a:avLst/>
+          </a:prstGeom>
+          <a:noFill/>
+        </p:spPr>
+        <p:txBody>
+          <a:bodyPr wrap="none" rtlCol="0">
+            <a:spAutoFit/>
+          </a:bodyPr>
+          <a:lstStyle/>
+          <a:p>
+            <a:r>
+              <a:rPr lang="ko-KR" altLang="en-US" dirty="0"/>
+              <a:t>입력 값 필수여부</a:t>
+            </a:r>
+          </a:p>
+        </p:txBody>
+      </p:sp>
+      <p:sp>
+        <p:nvSpPr>
+          <p:cNvPr id="12" name="TextBox 11">
+            <a:extLst>
+              <a:ext uri="{FF2B5EF4-FFF2-40B4-BE49-F238E27FC236}">
+                <a16:creationId xmlns:a16="http://schemas.microsoft.com/office/drawing/2014/main" id="{9D1E8C09-8D02-3043-E3D5-BA5AABE46114}"/>
+              </a:ext>
+            </a:extLst>
+          </p:cNvPr>
+          <p:cNvSpPr txBox="1"/>
+          <p:nvPr/>
+        </p:nvSpPr>
+        <p:spPr>
+          <a:xfrm>
+            <a:off x="7764064" y="3429000"/>
+            <a:ext cx="2948243" cy="523220"/>
+          </a:xfrm>
+          <a:prstGeom prst="rect">
+            <a:avLst/>
+          </a:prstGeom>
+          <a:noFill/>
+        </p:spPr>
+        <p:txBody>
+          <a:bodyPr wrap="none" rtlCol="0">
+            <a:spAutoFit/>
+          </a:bodyPr>
+          <a:lstStyle/>
+          <a:p>
+            <a:r>
+              <a:rPr lang="ko-KR" altLang="en-US" sz="1400" b="1" dirty="0">
+                <a:solidFill>
+                  <a:srgbClr val="FF0000"/>
+                </a:solidFill>
+              </a:rPr>
+              <a:t>어느 기관의 장애가 있는지 </a:t>
+            </a:r>
+            <a:endParaRPr lang="en-US" altLang="ko-KR" sz="1400" b="1" dirty="0">
+              <a:solidFill>
+                <a:srgbClr val="FF0000"/>
+              </a:solidFill>
+            </a:endParaRPr>
+          </a:p>
+          <a:p>
+            <a:r>
+              <a:rPr lang="ko-KR" altLang="en-US" sz="1400" b="1" dirty="0">
+                <a:solidFill>
+                  <a:srgbClr val="FF0000"/>
+                </a:solidFill>
+              </a:rPr>
+              <a:t>한눈에 파악가능 하도록 작성할 것</a:t>
+            </a:r>
+          </a:p>
+        </p:txBody>
+      </p:sp>
+      <p:cxnSp>
+        <p:nvCxnSpPr>
+          <p:cNvPr id="16" name="직선 연결선 15">
+            <a:extLst>
+              <a:ext uri="{FF2B5EF4-FFF2-40B4-BE49-F238E27FC236}">
+                <a16:creationId xmlns:a16="http://schemas.microsoft.com/office/drawing/2014/main" id="{93916895-15DB-3B4E-FCA5-CC01E2D464FB}"/>
+              </a:ext>
+            </a:extLst>
+          </p:cNvPr>
+          <p:cNvCxnSpPr/>
+          <p:nvPr/>
+        </p:nvCxnSpPr>
+        <p:spPr>
+          <a:xfrm>
+            <a:off x="5801032" y="3429000"/>
+            <a:ext cx="2821858" cy="0"/>
+          </a:xfrm>
+          <a:prstGeom prst="line">
+            <a:avLst/>
+          </a:prstGeom>
+          <a:ln>
+            <a:solidFill>
+              <a:srgbClr val="FF0000"/>
+            </a:solidFill>
+          </a:ln>
+        </p:spPr>
+        <p:style>
+          <a:lnRef idx="1">
+            <a:schemeClr val="accent1"/>
+          </a:lnRef>
+          <a:fillRef idx="0">
+            <a:schemeClr val="accent1"/>
+          </a:fillRef>
+          <a:effectRef idx="0">
+            <a:schemeClr val="accent1"/>
+          </a:effectRef>
+          <a:fontRef idx="minor">
+            <a:schemeClr val="tx1"/>
+          </a:fontRef>
+        </p:style>
+      </p:cxnSp>
+      <p:cxnSp>
+        <p:nvCxnSpPr>
+          <p:cNvPr id="19" name="연결선: 꺾임 18">
+            <a:extLst>
+              <a:ext uri="{FF2B5EF4-FFF2-40B4-BE49-F238E27FC236}">
+                <a16:creationId xmlns:a16="http://schemas.microsoft.com/office/drawing/2014/main" id="{F25D5FA7-460D-E27E-CF49-D66186AE5413}"/>
+              </a:ext>
+            </a:extLst>
+          </p:cNvPr>
+          <p:cNvCxnSpPr>
+            <a:endCxn id="12" idx="0"/>
+          </p:cNvCxnSpPr>
+          <p:nvPr/>
+        </p:nvCxnSpPr>
+        <p:spPr>
+          <a:xfrm>
+            <a:off x="8701548" y="3264310"/>
+            <a:ext cx="536638" cy="164690"/>
+          </a:xfrm>
+          <a:prstGeom prst="bentConnector2">
+            <a:avLst/>
+          </a:prstGeom>
+          <a:ln>
+            <a:solidFill>
+              <a:srgbClr val="FF0000"/>
+            </a:solidFill>
+            <a:tailEnd type="triangle"/>
+          </a:ln>
+        </p:spPr>
+        <p:style>
+          <a:lnRef idx="1">
+            <a:schemeClr val="accent1"/>
+          </a:lnRef>
+          <a:fillRef idx="0">
+            <a:schemeClr val="accent1"/>
+          </a:fillRef>
+          <a:effectRef idx="0">
+            <a:schemeClr val="accent1"/>
+          </a:effectRef>
+          <a:fontRef idx="minor">
+            <a:schemeClr val="tx1"/>
+          </a:fontRef>
+        </p:style>
+      </p:cxnSp>
+      <p:sp>
+        <p:nvSpPr>
+          <p:cNvPr id="20" name="직사각형 19">
+            <a:extLst>
+              <a:ext uri="{FF2B5EF4-FFF2-40B4-BE49-F238E27FC236}">
+                <a16:creationId xmlns:a16="http://schemas.microsoft.com/office/drawing/2014/main" id="{24D42467-CC02-7E7C-317A-65CA4BDCE237}"/>
+              </a:ext>
+            </a:extLst>
+          </p:cNvPr>
+          <p:cNvSpPr/>
+          <p:nvPr/>
+        </p:nvSpPr>
+        <p:spPr>
+          <a:xfrm>
+            <a:off x="3923071" y="658760"/>
+            <a:ext cx="3374088" cy="334297"/>
+          </a:xfrm>
+          <a:prstGeom prst="rect">
+            <a:avLst/>
+          </a:prstGeom>
+          <a:noFill/>
+          <a:ln w="34925">
+            <a:solidFill>
+              <a:srgbClr val="FF0000"/>
+            </a:solidFill>
+          </a:ln>
+        </p:spPr>
+        <p:style>
+          <a:lnRef idx="2">
+            <a:schemeClr val="accent1">
+              <a:shade val="50000"/>
+            </a:schemeClr>
+          </a:lnRef>
+          <a:fillRef idx="1">
+            <a:schemeClr val="accent1"/>
+          </a:fillRef>
+          <a:effectRef idx="0">
+            <a:schemeClr val="accent1"/>
+          </a:effectRef>
+          <a:fontRef idx="minor">
+            <a:schemeClr val="lt1"/>
+          </a:fontRef>
+        </p:style>
+        <p:txBody>
+          <a:bodyPr rtlCol="0" anchor="ctr"/>
+          <a:lstStyle/>
+          <a:p>
+            <a:pPr algn="ctr"/>
+            <a:endParaRPr lang="ko-KR" altLang="en-US"/>
+          </a:p>
+        </p:txBody>
+      </p:sp>
+      <p:sp>
+        <p:nvSpPr>
+          <p:cNvPr id="21" name="직사각형 20">
+            <a:extLst>
+              <a:ext uri="{FF2B5EF4-FFF2-40B4-BE49-F238E27FC236}">
+                <a16:creationId xmlns:a16="http://schemas.microsoft.com/office/drawing/2014/main" id="{0B0C6389-17F8-E7EB-90A8-181FBA727454}"/>
+              </a:ext>
+            </a:extLst>
+          </p:cNvPr>
+          <p:cNvSpPr/>
+          <p:nvPr/>
+        </p:nvSpPr>
+        <p:spPr>
+          <a:xfrm>
+            <a:off x="2200802" y="781166"/>
+            <a:ext cx="1427300" cy="334297"/>
+          </a:xfrm>
+          <a:prstGeom prst="rect">
+            <a:avLst/>
+          </a:prstGeom>
+          <a:noFill/>
+          <a:ln w="34925">
+            <a:solidFill>
+              <a:srgbClr val="FF0000"/>
+            </a:solidFill>
+          </a:ln>
+        </p:spPr>
+        <p:style>
+          <a:lnRef idx="2">
+            <a:schemeClr val="accent1">
+              <a:shade val="50000"/>
+            </a:schemeClr>
+          </a:lnRef>
+          <a:fillRef idx="1">
+            <a:schemeClr val="accent1"/>
+          </a:fillRef>
+          <a:effectRef idx="0">
+            <a:schemeClr val="accent1"/>
+          </a:effectRef>
+          <a:fontRef idx="minor">
+            <a:schemeClr val="lt1"/>
+          </a:fontRef>
+        </p:style>
+        <p:txBody>
+          <a:bodyPr rtlCol="0" anchor="ctr"/>
+          <a:lstStyle/>
+          <a:p>
+            <a:pPr algn="ctr"/>
+            <a:endParaRPr lang="ko-KR" altLang="en-US"/>
+          </a:p>
+        </p:txBody>
+      </p:sp>
+    </p:spTree>
+    <p:extLst>
+      <p:ext uri="{BB962C8B-B14F-4D97-AF65-F5344CB8AC3E}">
+        <p14:creationId xmlns:p14="http://schemas.microsoft.com/office/powerpoint/2010/main" val="7426999"/>
+      </p:ext>
+    </p:extLst>
+  </p:cSld>
+  <p:clrMapOvr>
+    <a:masterClrMapping/>
+  </p:clrMapOvr>
+</p:sld>
+</file>
+
+<file path=ppt/slides/slide8.xml><?xml version="1.0" encoding="utf-8"?>
+<p:sld xmlns:a="http://schemas.openxmlformats.org/drawingml/2006/main" xmlns:r="http://schemas.openxmlformats.org/officeDocument/2006/relationships" xmlns:p="http://schemas.openxmlformats.org/presentationml/2006/main">
+  <p:cSld>
+    <p:spTree>
+      <p:nvGrpSpPr>
+        <p:cNvPr id="1" name=""/>
+        <p:cNvGrpSpPr/>
+        <p:nvPr/>
+      </p:nvGrpSpPr>
+      <p:grpSpPr>
+        <a:xfrm>
+          <a:off x="0" y="0"/>
+          <a:ext cx="0" cy="0"/>
+          <a:chOff x="0" y="0"/>
+          <a:chExt cx="0" cy="0"/>
+        </a:xfrm>
+      </p:grpSpPr>
+      <p:pic>
+        <p:nvPicPr>
+          <p:cNvPr id="5" name="그림 4">
+            <a:extLst>
+              <a:ext uri="{FF2B5EF4-FFF2-40B4-BE49-F238E27FC236}">
+                <a16:creationId xmlns:a16="http://schemas.microsoft.com/office/drawing/2014/main" id="{37D926B0-E915-9EC4-320F-7431DA75C2B3}"/>
+              </a:ext>
+            </a:extLst>
+          </p:cNvPr>
+          <p:cNvPicPr>
+            <a:picLocks noChangeAspect="1"/>
+          </p:cNvPicPr>
+          <p:nvPr/>
+        </p:nvPicPr>
+        <p:blipFill>
+          <a:blip r:embed="rId2"/>
+          <a:stretch>
+            <a:fillRect/>
+          </a:stretch>
+        </p:blipFill>
+        <p:spPr>
+          <a:xfrm>
+            <a:off x="4036263" y="716045"/>
+            <a:ext cx="7826418" cy="5425910"/>
+          </a:xfrm>
+          <a:prstGeom prst="rect">
+            <a:avLst/>
+          </a:prstGeom>
+        </p:spPr>
+      </p:pic>
+      <p:graphicFrame>
+        <p:nvGraphicFramePr>
+          <p:cNvPr id="6" name="표 10">
+            <a:extLst>
+              <a:ext uri="{FF2B5EF4-FFF2-40B4-BE49-F238E27FC236}">
+                <a16:creationId xmlns:a16="http://schemas.microsoft.com/office/drawing/2014/main" id="{9E8FB177-D306-F419-5A9C-55DC5A079829}"/>
+              </a:ext>
+            </a:extLst>
+          </p:cNvPr>
+          <p:cNvGraphicFramePr>
+            <a:graphicFrameLocks noGrp="1"/>
+          </p:cNvGraphicFramePr>
+          <p:nvPr>
+            <p:extLst>
+              <p:ext uri="{D42A27DB-BD31-4B8C-83A1-F6EECF244321}">
+                <p14:modId xmlns:p14="http://schemas.microsoft.com/office/powerpoint/2010/main" val="3539051201"/>
+              </p:ext>
+            </p:extLst>
+          </p:nvPr>
+        </p:nvGraphicFramePr>
+        <p:xfrm>
+          <a:off x="142507" y="1523509"/>
+          <a:ext cx="4399996" cy="1417320"/>
+        </p:xfrm>
+        <a:graphic>
+          <a:graphicData uri="http://schemas.openxmlformats.org/drawingml/2006/table">
+            <a:tbl>
+              <a:tblPr firstRow="1" bandRow="1">
+                <a:tableStyleId>{5C22544A-7EE6-4342-B048-85BDC9FD1C3A}</a:tableStyleId>
+              </a:tblPr>
+              <a:tblGrid>
+                <a:gridCol w="693236">
+                  <a:extLst>
+                    <a:ext uri="{9D8B030D-6E8A-4147-A177-3AD203B41FA5}">
+                      <a16:colId xmlns:a16="http://schemas.microsoft.com/office/drawing/2014/main" val="1203999666"/>
+                    </a:ext>
+                  </a:extLst>
+                </a:gridCol>
+                <a:gridCol w="894735">
+                  <a:extLst>
+                    <a:ext uri="{9D8B030D-6E8A-4147-A177-3AD203B41FA5}">
+                      <a16:colId xmlns:a16="http://schemas.microsoft.com/office/drawing/2014/main" val="1676924609"/>
+                    </a:ext>
+                  </a:extLst>
+                </a:gridCol>
+                <a:gridCol w="786581">
+                  <a:extLst>
+                    <a:ext uri="{9D8B030D-6E8A-4147-A177-3AD203B41FA5}">
+                      <a16:colId xmlns:a16="http://schemas.microsoft.com/office/drawing/2014/main" val="1652759477"/>
+                    </a:ext>
+                  </a:extLst>
+                </a:gridCol>
+                <a:gridCol w="865239">
+                  <a:extLst>
+                    <a:ext uri="{9D8B030D-6E8A-4147-A177-3AD203B41FA5}">
+                      <a16:colId xmlns:a16="http://schemas.microsoft.com/office/drawing/2014/main" val="3985815686"/>
+                    </a:ext>
+                  </a:extLst>
+                </a:gridCol>
+                <a:gridCol w="1160205">
+                  <a:extLst>
+                    <a:ext uri="{9D8B030D-6E8A-4147-A177-3AD203B41FA5}">
+                      <a16:colId xmlns:a16="http://schemas.microsoft.com/office/drawing/2014/main" val="2056916325"/>
+                    </a:ext>
+                  </a:extLst>
+                </a:gridCol>
+              </a:tblGrid>
+              <a:tr h="0">
+                <a:tc>
+                  <a:txBody>
+                    <a:bodyPr/>
+                    <a:lstStyle/>
+                    <a:p>
+                      <a:pPr latinLnBrk="1"/>
+                      <a:endParaRPr lang="ko-KR" altLang="en-US" sz="1400" dirty="0"/>
+                    </a:p>
+                  </a:txBody>
+                  <a:tcPr/>
+                </a:tc>
+                <a:tc>
+                  <a:txBody>
+                    <a:bodyPr/>
+                    <a:lstStyle/>
+                    <a:p>
+                      <a:pPr marL="0" marR="0" lvl="0" indent="0" algn="l" defTabSz="914400" rtl="0" eaLnBrk="1" fontAlgn="auto" latinLnBrk="1" hangingPunct="1">
+                        <a:lnSpc>
+                          <a:spcPct val="100000"/>
+                        </a:lnSpc>
+                        <a:spcBef>
+                          <a:spcPts val="0"/>
+                        </a:spcBef>
+                        <a:spcAft>
+                          <a:spcPts val="0"/>
+                        </a:spcAft>
+                        <a:buClrTx/>
+                        <a:buSzTx/>
+                        <a:buFontTx/>
+                        <a:buNone/>
+                        <a:tabLst/>
+                        <a:defRPr/>
+                      </a:pPr>
+                      <a:r>
+                        <a:rPr lang="ko-KR" altLang="en-US" sz="1400" dirty="0"/>
+                        <a:t>오류원인</a:t>
+                      </a:r>
+                    </a:p>
+                  </a:txBody>
+                  <a:tcPr/>
+                </a:tc>
+                <a:tc>
+                  <a:txBody>
+                    <a:bodyPr/>
+                    <a:lstStyle/>
+                    <a:p>
+                      <a:pPr marL="0" marR="0" lvl="0" indent="0" algn="l" defTabSz="914400" rtl="0" eaLnBrk="1" fontAlgn="auto" latinLnBrk="1" hangingPunct="1">
+                        <a:lnSpc>
+                          <a:spcPct val="100000"/>
+                        </a:lnSpc>
+                        <a:spcBef>
+                          <a:spcPts val="0"/>
+                        </a:spcBef>
+                        <a:spcAft>
+                          <a:spcPts val="0"/>
+                        </a:spcAft>
+                        <a:buClrTx/>
+                        <a:buSzTx/>
+                        <a:buFontTx/>
+                        <a:buNone/>
+                        <a:tabLst/>
+                        <a:defRPr/>
+                      </a:pPr>
+                      <a:r>
+                        <a:rPr lang="ko-KR" altLang="en-US" sz="1400" dirty="0"/>
+                        <a:t>입력 값</a:t>
+                      </a:r>
+                    </a:p>
+                  </a:txBody>
+                  <a:tcPr/>
+                </a:tc>
+                <a:tc>
+                  <a:txBody>
+                    <a:bodyPr/>
+                    <a:lstStyle/>
+                    <a:p>
+                      <a:pPr marL="0" marR="0" lvl="0" indent="0" algn="l" defTabSz="914400" rtl="0" eaLnBrk="1" fontAlgn="auto" latinLnBrk="1" hangingPunct="1">
+                        <a:lnSpc>
+                          <a:spcPct val="100000"/>
+                        </a:lnSpc>
+                        <a:spcBef>
+                          <a:spcPts val="0"/>
+                        </a:spcBef>
+                        <a:spcAft>
+                          <a:spcPts val="0"/>
+                        </a:spcAft>
+                        <a:buClrTx/>
+                        <a:buSzTx/>
+                        <a:buFontTx/>
+                        <a:buNone/>
+                        <a:tabLst/>
+                        <a:defRPr/>
+                      </a:pPr>
+                      <a:r>
+                        <a:rPr lang="ko-KR" altLang="en-US" sz="1400" dirty="0"/>
+                        <a:t>결과 값</a:t>
+                      </a:r>
+                    </a:p>
+                  </a:txBody>
+                  <a:tcPr/>
+                </a:tc>
+                <a:tc>
+                  <a:txBody>
+                    <a:bodyPr/>
+                    <a:lstStyle/>
+                    <a:p>
+                      <a:pPr marL="0" marR="0" lvl="0" indent="0" algn="l" defTabSz="914400" rtl="0" eaLnBrk="1" fontAlgn="auto" latinLnBrk="1" hangingPunct="1">
+                        <a:lnSpc>
+                          <a:spcPct val="100000"/>
+                        </a:lnSpc>
+                        <a:spcBef>
+                          <a:spcPts val="0"/>
+                        </a:spcBef>
+                        <a:spcAft>
+                          <a:spcPts val="0"/>
+                        </a:spcAft>
+                        <a:buClrTx/>
+                        <a:buSzTx/>
+                        <a:buFontTx/>
+                        <a:buNone/>
+                        <a:tabLst/>
+                        <a:defRPr/>
+                      </a:pPr>
+                      <a:r>
+                        <a:rPr lang="ko-KR" altLang="en-US" sz="1400" dirty="0"/>
+                        <a:t>페이지 로그</a:t>
+                      </a:r>
+                    </a:p>
+                  </a:txBody>
+                  <a:tcPr/>
+                </a:tc>
+                <a:extLst>
+                  <a:ext uri="{0D108BD9-81ED-4DB2-BD59-A6C34878D82A}">
+                    <a16:rowId xmlns:a16="http://schemas.microsoft.com/office/drawing/2014/main" val="197754036"/>
+                  </a:ext>
+                </a:extLst>
+              </a:tr>
+              <a:tr h="370840">
+                <a:tc>
+                  <a:txBody>
+                    <a:bodyPr/>
+                    <a:lstStyle/>
+                    <a:p>
+                      <a:pPr latinLnBrk="1"/>
+                      <a:r>
+                        <a:rPr lang="en-US" altLang="ko-KR" sz="1400" dirty="0"/>
+                        <a:t>1</a:t>
+                      </a:r>
+                      <a:r>
+                        <a:rPr lang="ko-KR" altLang="en-US" sz="1400" dirty="0"/>
+                        <a:t>단계</a:t>
+                      </a:r>
+                    </a:p>
+                  </a:txBody>
+                  <a:tcPr/>
+                </a:tc>
+                <a:tc>
+                  <a:txBody>
+                    <a:bodyPr/>
+                    <a:lstStyle/>
+                    <a:p>
+                      <a:pPr latinLnBrk="1"/>
+                      <a:r>
+                        <a:rPr lang="ko-KR" altLang="en-US" sz="1400" dirty="0"/>
+                        <a:t>△</a:t>
+                      </a:r>
+                    </a:p>
+                  </a:txBody>
+                  <a:tcPr/>
+                </a:tc>
+                <a:tc>
+                  <a:txBody>
+                    <a:bodyPr/>
+                    <a:lstStyle/>
+                    <a:p>
+                      <a:pPr latinLnBrk="1"/>
+                      <a:r>
+                        <a:rPr lang="ko-KR" altLang="en-US" sz="1400" dirty="0"/>
+                        <a:t>△</a:t>
+                      </a:r>
+                    </a:p>
+                  </a:txBody>
+                  <a:tcPr/>
+                </a:tc>
+                <a:tc>
+                  <a:txBody>
+                    <a:bodyPr/>
+                    <a:lstStyle/>
+                    <a:p>
+                      <a:pPr latinLnBrk="1"/>
+                      <a:r>
+                        <a:rPr lang="en-US" altLang="ko-KR" sz="1400" dirty="0"/>
+                        <a:t>O</a:t>
+                      </a:r>
+                      <a:endParaRPr lang="ko-KR" altLang="en-US" sz="1400" dirty="0"/>
+                    </a:p>
+                  </a:txBody>
+                  <a:tcPr/>
+                </a:tc>
+                <a:tc>
+                  <a:txBody>
+                    <a:bodyPr/>
+                    <a:lstStyle/>
+                    <a:p>
+                      <a:pPr latinLnBrk="1"/>
+                      <a:r>
+                        <a:rPr lang="ko-KR" altLang="en-US" sz="1400" dirty="0"/>
+                        <a:t>△</a:t>
+                      </a:r>
+                    </a:p>
+                  </a:txBody>
+                  <a:tcPr/>
+                </a:tc>
+                <a:extLst>
+                  <a:ext uri="{0D108BD9-81ED-4DB2-BD59-A6C34878D82A}">
+                    <a16:rowId xmlns:a16="http://schemas.microsoft.com/office/drawing/2014/main" val="1771380347"/>
+                  </a:ext>
+                </a:extLst>
+              </a:tr>
+              <a:tr h="370840">
+                <a:tc>
+                  <a:txBody>
+                    <a:bodyPr/>
+                    <a:lstStyle/>
+                    <a:p>
+                      <a:pPr latinLnBrk="1"/>
+                      <a:r>
+                        <a:rPr lang="en-US" altLang="ko-KR" sz="1400" dirty="0"/>
+                        <a:t>2</a:t>
+                      </a:r>
+                      <a:r>
+                        <a:rPr lang="ko-KR" altLang="en-US" sz="1400" dirty="0"/>
+                        <a:t>단계</a:t>
+                      </a:r>
+                    </a:p>
+                  </a:txBody>
+                  <a:tcPr/>
+                </a:tc>
+                <a:tc>
+                  <a:txBody>
+                    <a:bodyPr/>
+                    <a:lstStyle/>
+                    <a:p>
+                      <a:pPr latinLnBrk="1"/>
+                      <a:r>
+                        <a:rPr lang="ko-KR" altLang="en-US" sz="1400" dirty="0"/>
+                        <a:t>△</a:t>
+                      </a:r>
+                    </a:p>
+                  </a:txBody>
+                  <a:tcPr/>
+                </a:tc>
+                <a:tc>
+                  <a:txBody>
+                    <a:bodyPr/>
+                    <a:lstStyle/>
+                    <a:p>
+                      <a:pPr latinLnBrk="1"/>
+                      <a:r>
+                        <a:rPr lang="ko-KR" altLang="en-US" sz="1400" dirty="0"/>
+                        <a:t>△</a:t>
+                      </a:r>
+                    </a:p>
+                  </a:txBody>
+                  <a:tcPr/>
+                </a:tc>
+                <a:tc>
+                  <a:txBody>
+                    <a:bodyPr/>
+                    <a:lstStyle/>
+                    <a:p>
+                      <a:pPr latinLnBrk="1"/>
+                      <a:r>
+                        <a:rPr lang="en-US" altLang="ko-KR" sz="1400" dirty="0"/>
+                        <a:t>O</a:t>
+                      </a:r>
+                      <a:endParaRPr lang="ko-KR" altLang="en-US" sz="1400" dirty="0"/>
+                    </a:p>
+                  </a:txBody>
+                  <a:tcPr/>
+                </a:tc>
+                <a:tc>
+                  <a:txBody>
+                    <a:bodyPr/>
+                    <a:lstStyle/>
+                    <a:p>
+                      <a:pPr latinLnBrk="1"/>
+                      <a:r>
+                        <a:rPr lang="ko-KR" altLang="en-US" sz="1400" dirty="0"/>
+                        <a:t>△</a:t>
+                      </a:r>
+                    </a:p>
+                  </a:txBody>
+                  <a:tcPr/>
+                </a:tc>
+                <a:extLst>
+                  <a:ext uri="{0D108BD9-81ED-4DB2-BD59-A6C34878D82A}">
+                    <a16:rowId xmlns:a16="http://schemas.microsoft.com/office/drawing/2014/main" val="3875234492"/>
+                  </a:ext>
+                </a:extLst>
+              </a:tr>
+              <a:tr h="370840">
+                <a:tc>
+                  <a:txBody>
+                    <a:bodyPr/>
+                    <a:lstStyle/>
+                    <a:p>
+                      <a:pPr latinLnBrk="1"/>
+                      <a:r>
+                        <a:rPr lang="en-US" altLang="ko-KR" sz="1400" dirty="0"/>
+                        <a:t>3</a:t>
+                      </a:r>
+                      <a:r>
+                        <a:rPr lang="ko-KR" altLang="en-US" sz="1400" dirty="0"/>
+                        <a:t>단계</a:t>
+                      </a:r>
+                    </a:p>
+                  </a:txBody>
+                  <a:tcPr/>
+                </a:tc>
+                <a:tc>
+                  <a:txBody>
+                    <a:bodyPr/>
+                    <a:lstStyle/>
+                    <a:p>
+                      <a:pPr latinLnBrk="1"/>
+                      <a:r>
+                        <a:rPr lang="ko-KR" altLang="en-US" sz="1400" dirty="0"/>
+                        <a:t>△</a:t>
+                      </a:r>
+                    </a:p>
+                  </a:txBody>
+                  <a:tcPr/>
+                </a:tc>
+                <a:tc>
+                  <a:txBody>
+                    <a:bodyPr/>
+                    <a:lstStyle/>
+                    <a:p>
+                      <a:pPr latinLnBrk="1"/>
+                      <a:r>
+                        <a:rPr lang="ko-KR" altLang="en-US" sz="1400" dirty="0"/>
+                        <a:t>△</a:t>
+                      </a:r>
+                    </a:p>
+                  </a:txBody>
+                  <a:tcPr/>
+                </a:tc>
+                <a:tc>
+                  <a:txBody>
+                    <a:bodyPr/>
+                    <a:lstStyle/>
+                    <a:p>
+                      <a:pPr latinLnBrk="1"/>
+                      <a:r>
+                        <a:rPr lang="en-US" altLang="ko-KR" sz="1400" dirty="0"/>
+                        <a:t>O</a:t>
+                      </a:r>
+                      <a:endParaRPr lang="ko-KR" altLang="en-US" sz="1400" dirty="0"/>
+                    </a:p>
+                  </a:txBody>
+                  <a:tcPr/>
+                </a:tc>
+                <a:tc>
+                  <a:txBody>
+                    <a:bodyPr/>
+                    <a:lstStyle/>
+                    <a:p>
+                      <a:pPr latinLnBrk="1"/>
+                      <a:r>
+                        <a:rPr lang="ko-KR" altLang="en-US" sz="1400" dirty="0"/>
+                        <a:t>△</a:t>
+                      </a:r>
+                    </a:p>
+                  </a:txBody>
+                  <a:tcPr/>
+                </a:tc>
+                <a:extLst>
+                  <a:ext uri="{0D108BD9-81ED-4DB2-BD59-A6C34878D82A}">
+                    <a16:rowId xmlns:a16="http://schemas.microsoft.com/office/drawing/2014/main" val="4028861278"/>
+                  </a:ext>
+                </a:extLst>
+              </a:tr>
+            </a:tbl>
+          </a:graphicData>
+        </a:graphic>
+      </p:graphicFrame>
+      <p:sp>
+        <p:nvSpPr>
+          <p:cNvPr id="7" name="TextBox 6">
+            <a:extLst>
+              <a:ext uri="{FF2B5EF4-FFF2-40B4-BE49-F238E27FC236}">
+                <a16:creationId xmlns:a16="http://schemas.microsoft.com/office/drawing/2014/main" id="{44E8FF3E-22F9-A67D-7168-5A1E3F251C82}"/>
+              </a:ext>
+            </a:extLst>
+          </p:cNvPr>
+          <p:cNvSpPr txBox="1"/>
+          <p:nvPr/>
+        </p:nvSpPr>
+        <p:spPr>
+          <a:xfrm>
+            <a:off x="68826" y="1042220"/>
+            <a:ext cx="1733167" cy="369332"/>
+          </a:xfrm>
+          <a:prstGeom prst="rect">
+            <a:avLst/>
+          </a:prstGeom>
+          <a:noFill/>
+        </p:spPr>
+        <p:txBody>
+          <a:bodyPr wrap="none" rtlCol="0">
+            <a:spAutoFit/>
+          </a:bodyPr>
+          <a:lstStyle/>
+          <a:p>
+            <a:r>
+              <a:rPr lang="ko-KR" altLang="en-US" dirty="0"/>
+              <a:t>설명 입력 구성</a:t>
+            </a:r>
+          </a:p>
+        </p:txBody>
+      </p:sp>
+    </p:spTree>
+    <p:extLst>
+      <p:ext uri="{BB962C8B-B14F-4D97-AF65-F5344CB8AC3E}">
+        <p14:creationId xmlns:p14="http://schemas.microsoft.com/office/powerpoint/2010/main" val="3172527120"/>
       </p:ext>
     </p:extLst>
   </p:cSld>

--- a/매뉴얼.pptx
+++ b/매뉴얼.pptx
@@ -5,7 +5,7 @@
     <p:sldMasterId id="2147483648" r:id="rId1"/>
   </p:sldMasterIdLst>
   <p:notesMasterIdLst>
-    <p:notesMasterId r:id="rId10"/>
+    <p:notesMasterId r:id="rId11"/>
   </p:notesMasterIdLst>
   <p:sldIdLst>
     <p:sldId id="256" r:id="rId2"/>
@@ -16,6 +16,7 @@
     <p:sldId id="261" r:id="rId7"/>
     <p:sldId id="262" r:id="rId8"/>
     <p:sldId id="263" r:id="rId9"/>
+    <p:sldId id="264" r:id="rId10"/>
   </p:sldIdLst>
   <p:sldSz cx="12192000" cy="6858000"/>
   <p:notesSz cx="6858000" cy="9144000"/>
@@ -204,7 +205,7 @@
           <a:p>
             <a:fld id="{91793C05-CCB8-4AF0-983A-9E74A6C06F98}" type="datetimeFigureOut">
               <a:rPr lang="ko-KR" altLang="en-US" smtClean="0"/>
-              <a:t>2022-08-23</a:t>
+              <a:t>2022-08-24</a:t>
             </a:fld>
             <a:endParaRPr lang="ko-KR" altLang="en-US" dirty="0"/>
           </a:p>
@@ -639,6 +640,90 @@
 </p:notes>
 </file>
 
+<file path=ppt/notesSlides/notesSlide3.xml><?xml version="1.0" encoding="utf-8"?>
+<p:notes xmlns:a="http://schemas.openxmlformats.org/drawingml/2006/main" xmlns:r="http://schemas.openxmlformats.org/officeDocument/2006/relationships" xmlns:p="http://schemas.openxmlformats.org/presentationml/2006/main">
+  <p:cSld>
+    <p:spTree>
+      <p:nvGrpSpPr>
+        <p:cNvPr id="1" name=""/>
+        <p:cNvGrpSpPr/>
+        <p:nvPr/>
+      </p:nvGrpSpPr>
+      <p:grpSpPr>
+        <a:xfrm>
+          <a:off x="0" y="0"/>
+          <a:ext cx="0" cy="0"/>
+          <a:chOff x="0" y="0"/>
+          <a:chExt cx="0" cy="0"/>
+        </a:xfrm>
+      </p:grpSpPr>
+      <p:sp>
+        <p:nvSpPr>
+          <p:cNvPr id="2" name="슬라이드 이미지 개체 틀 1"/>
+          <p:cNvSpPr>
+            <a:spLocks noGrp="1" noRot="1" noChangeAspect="1"/>
+          </p:cNvSpPr>
+          <p:nvPr>
+            <p:ph type="sldImg"/>
+          </p:nvPr>
+        </p:nvSpPr>
+        <p:spPr/>
+      </p:sp>
+      <p:sp>
+        <p:nvSpPr>
+          <p:cNvPr id="3" name="슬라이드 노트 개체 틀 2"/>
+          <p:cNvSpPr>
+            <a:spLocks noGrp="1"/>
+          </p:cNvSpPr>
+          <p:nvPr>
+            <p:ph type="body" idx="1"/>
+          </p:nvPr>
+        </p:nvSpPr>
+        <p:spPr/>
+        <p:txBody>
+          <a:bodyPr/>
+          <a:lstStyle/>
+          <a:p>
+            <a:endParaRPr lang="ko-KR" altLang="en-US" dirty="0"/>
+          </a:p>
+        </p:txBody>
+      </p:sp>
+      <p:sp>
+        <p:nvSpPr>
+          <p:cNvPr id="4" name="슬라이드 번호 개체 틀 3"/>
+          <p:cNvSpPr>
+            <a:spLocks noGrp="1"/>
+          </p:cNvSpPr>
+          <p:nvPr>
+            <p:ph type="sldNum" sz="quarter" idx="5"/>
+          </p:nvPr>
+        </p:nvSpPr>
+        <p:spPr/>
+        <p:txBody>
+          <a:bodyPr/>
+          <a:lstStyle/>
+          <a:p>
+            <a:fld id="{ED51DA0D-BB37-43B5-A449-104666444CB8}" type="slidenum">
+              <a:rPr lang="ko-KR" altLang="en-US" smtClean="0"/>
+              <a:t>8</a:t>
+            </a:fld>
+            <a:endParaRPr lang="ko-KR" altLang="en-US" dirty="0"/>
+          </a:p>
+        </p:txBody>
+      </p:sp>
+    </p:spTree>
+    <p:extLst>
+      <p:ext uri="{BB962C8B-B14F-4D97-AF65-F5344CB8AC3E}">
+        <p14:creationId xmlns:p14="http://schemas.microsoft.com/office/powerpoint/2010/main" val="2622832777"/>
+      </p:ext>
+    </p:extLst>
+  </p:cSld>
+  <p:clrMapOvr>
+    <a:masterClrMapping/>
+  </p:clrMapOvr>
+</p:notes>
+</file>
+
 <file path=ppt/slideLayouts/slideLayout1.xml><?xml version="1.0" encoding="utf-8"?>
 <p:sldLayout xmlns:a="http://schemas.openxmlformats.org/drawingml/2006/main" xmlns:r="http://schemas.openxmlformats.org/officeDocument/2006/relationships" xmlns:p="http://schemas.openxmlformats.org/presentationml/2006/main" type="title" preserve="1">
   <p:cSld name="제목 슬라이드">
@@ -786,7 +871,7 @@
           <a:p>
             <a:fld id="{2CF1E05A-592B-46A7-8974-04F9FC5ACF66}" type="datetimeFigureOut">
               <a:rPr lang="ko-KR" altLang="en-US" smtClean="0"/>
-              <a:t>2022-08-23</a:t>
+              <a:t>2022-08-24</a:t>
             </a:fld>
             <a:endParaRPr lang="ko-KR" altLang="en-US" dirty="0"/>
           </a:p>
@@ -984,7 +1069,7 @@
           <a:p>
             <a:fld id="{2CF1E05A-592B-46A7-8974-04F9FC5ACF66}" type="datetimeFigureOut">
               <a:rPr lang="ko-KR" altLang="en-US" smtClean="0"/>
-              <a:t>2022-08-23</a:t>
+              <a:t>2022-08-24</a:t>
             </a:fld>
             <a:endParaRPr lang="ko-KR" altLang="en-US" dirty="0"/>
           </a:p>
@@ -1192,7 +1277,7 @@
           <a:p>
             <a:fld id="{2CF1E05A-592B-46A7-8974-04F9FC5ACF66}" type="datetimeFigureOut">
               <a:rPr lang="ko-KR" altLang="en-US" smtClean="0"/>
-              <a:t>2022-08-23</a:t>
+              <a:t>2022-08-24</a:t>
             </a:fld>
             <a:endParaRPr lang="ko-KR" altLang="en-US" dirty="0"/>
           </a:p>
@@ -1390,7 +1475,7 @@
           <a:p>
             <a:fld id="{2CF1E05A-592B-46A7-8974-04F9FC5ACF66}" type="datetimeFigureOut">
               <a:rPr lang="ko-KR" altLang="en-US" smtClean="0"/>
-              <a:t>2022-08-23</a:t>
+              <a:t>2022-08-24</a:t>
             </a:fld>
             <a:endParaRPr lang="ko-KR" altLang="en-US" dirty="0"/>
           </a:p>
@@ -1665,7 +1750,7 @@
           <a:p>
             <a:fld id="{2CF1E05A-592B-46A7-8974-04F9FC5ACF66}" type="datetimeFigureOut">
               <a:rPr lang="ko-KR" altLang="en-US" smtClean="0"/>
-              <a:t>2022-08-23</a:t>
+              <a:t>2022-08-24</a:t>
             </a:fld>
             <a:endParaRPr lang="ko-KR" altLang="en-US" dirty="0"/>
           </a:p>
@@ -1930,7 +2015,7 @@
           <a:p>
             <a:fld id="{2CF1E05A-592B-46A7-8974-04F9FC5ACF66}" type="datetimeFigureOut">
               <a:rPr lang="ko-KR" altLang="en-US" smtClean="0"/>
-              <a:t>2022-08-23</a:t>
+              <a:t>2022-08-24</a:t>
             </a:fld>
             <a:endParaRPr lang="ko-KR" altLang="en-US" dirty="0"/>
           </a:p>
@@ -2342,7 +2427,7 @@
           <a:p>
             <a:fld id="{2CF1E05A-592B-46A7-8974-04F9FC5ACF66}" type="datetimeFigureOut">
               <a:rPr lang="ko-KR" altLang="en-US" smtClean="0"/>
-              <a:t>2022-08-23</a:t>
+              <a:t>2022-08-24</a:t>
             </a:fld>
             <a:endParaRPr lang="ko-KR" altLang="en-US" dirty="0"/>
           </a:p>
@@ -2483,7 +2568,7 @@
           <a:p>
             <a:fld id="{2CF1E05A-592B-46A7-8974-04F9FC5ACF66}" type="datetimeFigureOut">
               <a:rPr lang="ko-KR" altLang="en-US" smtClean="0"/>
-              <a:t>2022-08-23</a:t>
+              <a:t>2022-08-24</a:t>
             </a:fld>
             <a:endParaRPr lang="ko-KR" altLang="en-US" dirty="0"/>
           </a:p>
@@ -2596,7 +2681,7 @@
           <a:p>
             <a:fld id="{2CF1E05A-592B-46A7-8974-04F9FC5ACF66}" type="datetimeFigureOut">
               <a:rPr lang="ko-KR" altLang="en-US" smtClean="0"/>
-              <a:t>2022-08-23</a:t>
+              <a:t>2022-08-24</a:t>
             </a:fld>
             <a:endParaRPr lang="ko-KR" altLang="en-US" dirty="0"/>
           </a:p>
@@ -2907,7 +2992,7 @@
           <a:p>
             <a:fld id="{2CF1E05A-592B-46A7-8974-04F9FC5ACF66}" type="datetimeFigureOut">
               <a:rPr lang="ko-KR" altLang="en-US" smtClean="0"/>
-              <a:t>2022-08-23</a:t>
+              <a:t>2022-08-24</a:t>
             </a:fld>
             <a:endParaRPr lang="ko-KR" altLang="en-US" dirty="0"/>
           </a:p>
@@ -3195,7 +3280,7 @@
           <a:p>
             <a:fld id="{2CF1E05A-592B-46A7-8974-04F9FC5ACF66}" type="datetimeFigureOut">
               <a:rPr lang="ko-KR" altLang="en-US" smtClean="0"/>
-              <a:t>2022-08-23</a:t>
+              <a:t>2022-08-24</a:t>
             </a:fld>
             <a:endParaRPr lang="ko-KR" altLang="en-US" dirty="0"/>
           </a:p>
@@ -3436,7 +3521,7 @@
           <a:p>
             <a:fld id="{2CF1E05A-592B-46A7-8974-04F9FC5ACF66}" type="datetimeFigureOut">
               <a:rPr lang="ko-KR" altLang="en-US" smtClean="0"/>
-              <a:t>2022-08-23</a:t>
+              <a:t>2022-08-24</a:t>
             </a:fld>
             <a:endParaRPr lang="ko-KR" altLang="en-US" dirty="0"/>
           </a:p>
@@ -12016,36 +12101,41 @@
           <a:chExt cx="0" cy="0"/>
         </a:xfrm>
       </p:grpSpPr>
-      <p:pic>
-        <p:nvPicPr>
-          <p:cNvPr id="5" name="그림 4">
+      <p:sp>
+        <p:nvSpPr>
+          <p:cNvPr id="7" name="TextBox 6">
             <a:extLst>
               <a:ext uri="{FF2B5EF4-FFF2-40B4-BE49-F238E27FC236}">
-                <a16:creationId xmlns:a16="http://schemas.microsoft.com/office/drawing/2014/main" id="{37D926B0-E915-9EC4-320F-7431DA75C2B3}"/>
+                <a16:creationId xmlns:a16="http://schemas.microsoft.com/office/drawing/2014/main" id="{44E8FF3E-22F9-A67D-7168-5A1E3F251C82}"/>
               </a:ext>
             </a:extLst>
           </p:cNvPr>
-          <p:cNvPicPr>
-            <a:picLocks noChangeAspect="1"/>
-          </p:cNvPicPr>
+          <p:cNvSpPr txBox="1"/>
           <p:nvPr/>
-        </p:nvPicPr>
-        <p:blipFill>
-          <a:blip r:embed="rId2"/>
-          <a:stretch>
-            <a:fillRect/>
-          </a:stretch>
-        </p:blipFill>
+        </p:nvSpPr>
         <p:spPr>
           <a:xfrm>
-            <a:off x="4036263" y="716045"/>
-            <a:ext cx="7826418" cy="5425910"/>
+            <a:off x="167148" y="1199536"/>
+            <a:ext cx="1733167" cy="369332"/>
           </a:xfrm>
           <a:prstGeom prst="rect">
             <a:avLst/>
           </a:prstGeom>
+          <a:noFill/>
         </p:spPr>
-      </p:pic>
+        <p:txBody>
+          <a:bodyPr wrap="none" rtlCol="0">
+            <a:spAutoFit/>
+          </a:bodyPr>
+          <a:lstStyle/>
+          <a:p>
+            <a:r>
+              <a:rPr lang="ko-KR" altLang="en-US" dirty="0"/>
+              <a:t>설명 입력 구성</a:t>
+            </a:r>
+          </a:p>
+        </p:txBody>
+      </p:sp>
       <p:graphicFrame>
         <p:nvGraphicFramePr>
           <p:cNvPr id="6" name="표 10">
@@ -12061,13 +12151,13 @@
           <p:nvPr>
             <p:extLst>
               <p:ext uri="{D42A27DB-BD31-4B8C-83A1-F6EECF244321}">
-                <p14:modId xmlns:p14="http://schemas.microsoft.com/office/powerpoint/2010/main" val="3539051201"/>
+                <p14:modId xmlns:p14="http://schemas.microsoft.com/office/powerpoint/2010/main" val="1396972337"/>
               </p:ext>
             </p:extLst>
           </p:nvPr>
         </p:nvGraphicFramePr>
         <p:xfrm>
-          <a:off x="142507" y="1523509"/>
+          <a:off x="5547823" y="2540138"/>
           <a:ext cx="4399996" cy="1417320"/>
         </p:xfrm>
         <a:graphic>
@@ -12501,45 +12591,968 @@
           </a:graphicData>
         </a:graphic>
       </p:graphicFrame>
-      <p:sp>
-        <p:nvSpPr>
-          <p:cNvPr id="7" name="TextBox 6">
+      <p:pic>
+        <p:nvPicPr>
+          <p:cNvPr id="3" name="그림 2">
             <a:extLst>
               <a:ext uri="{FF2B5EF4-FFF2-40B4-BE49-F238E27FC236}">
-                <a16:creationId xmlns:a16="http://schemas.microsoft.com/office/drawing/2014/main" id="{44E8FF3E-22F9-A67D-7168-5A1E3F251C82}"/>
+                <a16:creationId xmlns:a16="http://schemas.microsoft.com/office/drawing/2014/main" id="{504A2AB3-7D6F-263E-B177-584CDBF538D6}"/>
               </a:ext>
             </a:extLst>
           </p:cNvPr>
-          <p:cNvSpPr txBox="1"/>
+          <p:cNvPicPr>
+            <a:picLocks noChangeAspect="1"/>
+          </p:cNvPicPr>
           <p:nvPr/>
-        </p:nvSpPr>
+        </p:nvPicPr>
+        <p:blipFill>
+          <a:blip r:embed="rId3"/>
+          <a:stretch>
+            <a:fillRect/>
+          </a:stretch>
+        </p:blipFill>
         <p:spPr>
           <a:xfrm>
-            <a:off x="68826" y="1042220"/>
-            <a:ext cx="1733167" cy="369332"/>
+            <a:off x="4345993" y="460592"/>
+            <a:ext cx="7567225" cy="5576413"/>
           </a:xfrm>
           <a:prstGeom prst="rect">
             <a:avLst/>
           </a:prstGeom>
-          <a:noFill/>
         </p:spPr>
-        <p:txBody>
-          <a:bodyPr wrap="none" rtlCol="0">
-            <a:spAutoFit/>
-          </a:bodyPr>
-          <a:lstStyle/>
-          <a:p>
-            <a:r>
-              <a:rPr lang="ko-KR" altLang="en-US" dirty="0"/>
-              <a:t>설명 입력 구성</a:t>
-            </a:r>
-          </a:p>
-        </p:txBody>
-      </p:sp>
+      </p:pic>
+      <p:graphicFrame>
+        <p:nvGraphicFramePr>
+          <p:cNvPr id="8" name="표 10">
+            <a:extLst>
+              <a:ext uri="{FF2B5EF4-FFF2-40B4-BE49-F238E27FC236}">
+                <a16:creationId xmlns:a16="http://schemas.microsoft.com/office/drawing/2014/main" id="{16E63A90-4A93-4AF5-C1DD-B9F78AF18D25}"/>
+              </a:ext>
+            </a:extLst>
+          </p:cNvPr>
+          <p:cNvGraphicFramePr>
+            <a:graphicFrameLocks noGrp="1"/>
+          </p:cNvGraphicFramePr>
+          <p:nvPr>
+            <p:extLst>
+              <p:ext uri="{D42A27DB-BD31-4B8C-83A1-F6EECF244321}">
+                <p14:modId xmlns:p14="http://schemas.microsoft.com/office/powerpoint/2010/main" val="780838693"/>
+              </p:ext>
+            </p:extLst>
+          </p:nvPr>
+        </p:nvGraphicFramePr>
+        <p:xfrm>
+          <a:off x="278782" y="1650345"/>
+          <a:ext cx="4301674" cy="2529840"/>
+        </p:xfrm>
+        <a:graphic>
+          <a:graphicData uri="http://schemas.openxmlformats.org/drawingml/2006/table">
+            <a:tbl>
+              <a:tblPr firstRow="1" bandRow="1">
+                <a:tableStyleId>{5C22544A-7EE6-4342-B048-85BDC9FD1C3A}</a:tableStyleId>
+              </a:tblPr>
+              <a:tblGrid>
+                <a:gridCol w="1338208">
+                  <a:extLst>
+                    <a:ext uri="{9D8B030D-6E8A-4147-A177-3AD203B41FA5}">
+                      <a16:colId xmlns:a16="http://schemas.microsoft.com/office/drawing/2014/main" val="1203999666"/>
+                    </a:ext>
+                  </a:extLst>
+                </a:gridCol>
+                <a:gridCol w="770241">
+                  <a:extLst>
+                    <a:ext uri="{9D8B030D-6E8A-4147-A177-3AD203B41FA5}">
+                      <a16:colId xmlns:a16="http://schemas.microsoft.com/office/drawing/2014/main" val="1676924609"/>
+                    </a:ext>
+                  </a:extLst>
+                </a:gridCol>
+                <a:gridCol w="1044393">
+                  <a:extLst>
+                    <a:ext uri="{9D8B030D-6E8A-4147-A177-3AD203B41FA5}">
+                      <a16:colId xmlns:a16="http://schemas.microsoft.com/office/drawing/2014/main" val="1652759477"/>
+                    </a:ext>
+                  </a:extLst>
+                </a:gridCol>
+                <a:gridCol w="1148832">
+                  <a:extLst>
+                    <a:ext uri="{9D8B030D-6E8A-4147-A177-3AD203B41FA5}">
+                      <a16:colId xmlns:a16="http://schemas.microsoft.com/office/drawing/2014/main" val="3985815686"/>
+                    </a:ext>
+                  </a:extLst>
+                </a:gridCol>
+              </a:tblGrid>
+              <a:tr h="0">
+                <a:tc>
+                  <a:txBody>
+                    <a:bodyPr/>
+                    <a:lstStyle/>
+                    <a:p>
+                      <a:pPr latinLnBrk="1"/>
+                      <a:r>
+                        <a:rPr lang="ko-KR" altLang="en-US" sz="1400" dirty="0"/>
+                        <a:t>장애등급</a:t>
+                      </a:r>
+                    </a:p>
+                  </a:txBody>
+                  <a:tcPr/>
+                </a:tc>
+                <a:tc>
+                  <a:txBody>
+                    <a:bodyPr/>
+                    <a:lstStyle/>
+                    <a:p>
+                      <a:pPr marL="0" marR="0" lvl="0" indent="0" algn="l" defTabSz="914400" rtl="0" eaLnBrk="1" fontAlgn="auto" latinLnBrk="1" hangingPunct="1">
+                        <a:lnSpc>
+                          <a:spcPct val="100000"/>
+                        </a:lnSpc>
+                        <a:spcBef>
+                          <a:spcPts val="0"/>
+                        </a:spcBef>
+                        <a:spcAft>
+                          <a:spcPts val="0"/>
+                        </a:spcAft>
+                        <a:buClrTx/>
+                        <a:buSzTx/>
+                        <a:buFontTx/>
+                        <a:buNone/>
+                        <a:tabLst/>
+                        <a:defRPr/>
+                      </a:pPr>
+                      <a:r>
+                        <a:rPr lang="en-US" altLang="ko-KR" sz="1400" dirty="0"/>
+                        <a:t>1</a:t>
+                      </a:r>
+                      <a:r>
+                        <a:rPr lang="ko-KR" altLang="en-US" sz="1400" dirty="0"/>
+                        <a:t>단계</a:t>
+                      </a:r>
+                    </a:p>
+                  </a:txBody>
+                  <a:tcPr/>
+                </a:tc>
+                <a:tc>
+                  <a:txBody>
+                    <a:bodyPr/>
+                    <a:lstStyle/>
+                    <a:p>
+                      <a:pPr marL="0" marR="0" lvl="0" indent="0" algn="l" defTabSz="914400" rtl="0" eaLnBrk="1" fontAlgn="auto" latinLnBrk="1" hangingPunct="1">
+                        <a:lnSpc>
+                          <a:spcPct val="100000"/>
+                        </a:lnSpc>
+                        <a:spcBef>
+                          <a:spcPts val="0"/>
+                        </a:spcBef>
+                        <a:spcAft>
+                          <a:spcPts val="0"/>
+                        </a:spcAft>
+                        <a:buClrTx/>
+                        <a:buSzTx/>
+                        <a:buFontTx/>
+                        <a:buNone/>
+                        <a:tabLst/>
+                        <a:defRPr/>
+                      </a:pPr>
+                      <a:r>
+                        <a:rPr lang="en-US" altLang="ko-KR" sz="1400" dirty="0"/>
+                        <a:t>2</a:t>
+                      </a:r>
+                      <a:r>
+                        <a:rPr lang="ko-KR" altLang="en-US" sz="1400" dirty="0"/>
+                        <a:t>단계</a:t>
+                      </a:r>
+                    </a:p>
+                  </a:txBody>
+                  <a:tcPr/>
+                </a:tc>
+                <a:tc>
+                  <a:txBody>
+                    <a:bodyPr/>
+                    <a:lstStyle/>
+                    <a:p>
+                      <a:pPr marL="0" marR="0" lvl="0" indent="0" algn="l" defTabSz="914400" rtl="0" eaLnBrk="1" fontAlgn="auto" latinLnBrk="1" hangingPunct="1">
+                        <a:lnSpc>
+                          <a:spcPct val="100000"/>
+                        </a:lnSpc>
+                        <a:spcBef>
+                          <a:spcPts val="0"/>
+                        </a:spcBef>
+                        <a:spcAft>
+                          <a:spcPts val="0"/>
+                        </a:spcAft>
+                        <a:buClrTx/>
+                        <a:buSzTx/>
+                        <a:buFontTx/>
+                        <a:buNone/>
+                        <a:tabLst/>
+                        <a:defRPr/>
+                      </a:pPr>
+                      <a:r>
+                        <a:rPr lang="en-US" altLang="ko-KR" sz="1400" dirty="0"/>
+                        <a:t>3</a:t>
+                      </a:r>
+                      <a:r>
+                        <a:rPr lang="ko-KR" altLang="en-US" sz="1400" dirty="0"/>
+                        <a:t>단계</a:t>
+                      </a:r>
+                    </a:p>
+                  </a:txBody>
+                  <a:tcPr/>
+                </a:tc>
+                <a:extLst>
+                  <a:ext uri="{0D108BD9-81ED-4DB2-BD59-A6C34878D82A}">
+                    <a16:rowId xmlns:a16="http://schemas.microsoft.com/office/drawing/2014/main" val="197754036"/>
+                  </a:ext>
+                </a:extLst>
+              </a:tr>
+              <a:tr h="370840">
+                <a:tc>
+                  <a:txBody>
+                    <a:bodyPr/>
+                    <a:lstStyle/>
+                    <a:p>
+                      <a:pPr latinLnBrk="1"/>
+                      <a:r>
+                        <a:rPr lang="ko-KR" altLang="en-US" sz="1400" b="1" dirty="0"/>
+                        <a:t>상황 요약</a:t>
+                      </a:r>
+                    </a:p>
+                  </a:txBody>
+                  <a:tcPr/>
+                </a:tc>
+                <a:tc>
+                  <a:txBody>
+                    <a:bodyPr/>
+                    <a:lstStyle/>
+                    <a:p>
+                      <a:pPr latinLnBrk="1"/>
+                      <a:r>
+                        <a:rPr lang="en-US" altLang="ko-KR" sz="1400" dirty="0"/>
+                        <a:t>O</a:t>
+                      </a:r>
+                      <a:endParaRPr lang="ko-KR" altLang="en-US" sz="1400" dirty="0"/>
+                    </a:p>
+                  </a:txBody>
+                  <a:tcPr/>
+                </a:tc>
+                <a:tc>
+                  <a:txBody>
+                    <a:bodyPr/>
+                    <a:lstStyle/>
+                    <a:p>
+                      <a:pPr latinLnBrk="1"/>
+                      <a:r>
+                        <a:rPr lang="en-US" altLang="ko-KR" sz="1400" dirty="0"/>
+                        <a:t>O</a:t>
+                      </a:r>
+                      <a:endParaRPr lang="ko-KR" altLang="en-US" sz="1400" dirty="0"/>
+                    </a:p>
+                  </a:txBody>
+                  <a:tcPr/>
+                </a:tc>
+                <a:tc>
+                  <a:txBody>
+                    <a:bodyPr/>
+                    <a:lstStyle/>
+                    <a:p>
+                      <a:pPr latinLnBrk="1"/>
+                      <a:r>
+                        <a:rPr lang="en-US" altLang="ko-KR" sz="1400" dirty="0"/>
+                        <a:t>O</a:t>
+                      </a:r>
+                      <a:endParaRPr lang="ko-KR" altLang="en-US" sz="1400" dirty="0"/>
+                    </a:p>
+                  </a:txBody>
+                  <a:tcPr/>
+                </a:tc>
+                <a:extLst>
+                  <a:ext uri="{0D108BD9-81ED-4DB2-BD59-A6C34878D82A}">
+                    <a16:rowId xmlns:a16="http://schemas.microsoft.com/office/drawing/2014/main" val="1771380347"/>
+                  </a:ext>
+                </a:extLst>
+              </a:tr>
+              <a:tr h="370840">
+                <a:tc>
+                  <a:txBody>
+                    <a:bodyPr/>
+                    <a:lstStyle/>
+                    <a:p>
+                      <a:pPr latinLnBrk="1"/>
+                      <a:r>
+                        <a:rPr lang="ko-KR" altLang="en-US" sz="1400" b="1" dirty="0"/>
+                        <a:t>오류 원인</a:t>
+                      </a:r>
+                    </a:p>
+                  </a:txBody>
+                  <a:tcPr/>
+                </a:tc>
+                <a:tc>
+                  <a:txBody>
+                    <a:bodyPr/>
+                    <a:lstStyle/>
+                    <a:p>
+                      <a:pPr latinLnBrk="1"/>
+                      <a:r>
+                        <a:rPr lang="ko-KR" altLang="en-US" sz="1400" dirty="0"/>
+                        <a:t>△</a:t>
+                      </a:r>
+                    </a:p>
+                  </a:txBody>
+                  <a:tcPr/>
+                </a:tc>
+                <a:tc>
+                  <a:txBody>
+                    <a:bodyPr/>
+                    <a:lstStyle/>
+                    <a:p>
+                      <a:pPr latinLnBrk="1"/>
+                      <a:r>
+                        <a:rPr lang="ko-KR" altLang="en-US" sz="1400" dirty="0"/>
+                        <a:t>△</a:t>
+                      </a:r>
+                    </a:p>
+                  </a:txBody>
+                  <a:tcPr/>
+                </a:tc>
+                <a:tc>
+                  <a:txBody>
+                    <a:bodyPr/>
+                    <a:lstStyle/>
+                    <a:p>
+                      <a:pPr latinLnBrk="1"/>
+                      <a:r>
+                        <a:rPr lang="ko-KR" altLang="en-US" sz="1400" dirty="0"/>
+                        <a:t>△</a:t>
+                      </a:r>
+                    </a:p>
+                  </a:txBody>
+                  <a:tcPr/>
+                </a:tc>
+                <a:extLst>
+                  <a:ext uri="{0D108BD9-81ED-4DB2-BD59-A6C34878D82A}">
+                    <a16:rowId xmlns:a16="http://schemas.microsoft.com/office/drawing/2014/main" val="3875234492"/>
+                  </a:ext>
+                </a:extLst>
+              </a:tr>
+              <a:tr h="370840">
+                <a:tc>
+                  <a:txBody>
+                    <a:bodyPr/>
+                    <a:lstStyle/>
+                    <a:p>
+                      <a:pPr latinLnBrk="1"/>
+                      <a:r>
+                        <a:rPr lang="ko-KR" altLang="en-US" sz="1400" b="1" dirty="0"/>
+                        <a:t>처리 요청</a:t>
+                      </a:r>
+                    </a:p>
+                  </a:txBody>
+                  <a:tcPr/>
+                </a:tc>
+                <a:tc>
+                  <a:txBody>
+                    <a:bodyPr/>
+                    <a:lstStyle/>
+                    <a:p>
+                      <a:pPr latinLnBrk="1"/>
+                      <a:r>
+                        <a:rPr lang="en-US" altLang="ko-KR" sz="1400" dirty="0"/>
+                        <a:t>O</a:t>
+                      </a:r>
+                      <a:endParaRPr lang="ko-KR" altLang="en-US" sz="1400" dirty="0"/>
+                    </a:p>
+                  </a:txBody>
+                  <a:tcPr/>
+                </a:tc>
+                <a:tc>
+                  <a:txBody>
+                    <a:bodyPr/>
+                    <a:lstStyle/>
+                    <a:p>
+                      <a:pPr latinLnBrk="1"/>
+                      <a:r>
+                        <a:rPr lang="en-US" altLang="ko-KR" sz="1400" dirty="0"/>
+                        <a:t>O</a:t>
+                      </a:r>
+                      <a:endParaRPr lang="ko-KR" altLang="en-US" sz="1400" dirty="0"/>
+                    </a:p>
+                  </a:txBody>
+                  <a:tcPr/>
+                </a:tc>
+                <a:tc>
+                  <a:txBody>
+                    <a:bodyPr/>
+                    <a:lstStyle/>
+                    <a:p>
+                      <a:pPr latinLnBrk="1"/>
+                      <a:r>
+                        <a:rPr lang="en-US" altLang="ko-KR" sz="1400" dirty="0"/>
+                        <a:t>O</a:t>
+                      </a:r>
+                      <a:endParaRPr lang="ko-KR" altLang="en-US" sz="1400" dirty="0"/>
+                    </a:p>
+                  </a:txBody>
+                  <a:tcPr/>
+                </a:tc>
+                <a:extLst>
+                  <a:ext uri="{0D108BD9-81ED-4DB2-BD59-A6C34878D82A}">
+                    <a16:rowId xmlns:a16="http://schemas.microsoft.com/office/drawing/2014/main" val="4028861278"/>
+                  </a:ext>
+                </a:extLst>
+              </a:tr>
+              <a:tr h="370840">
+                <a:tc>
+                  <a:txBody>
+                    <a:bodyPr/>
+                    <a:lstStyle/>
+                    <a:p>
+                      <a:pPr latinLnBrk="1"/>
+                      <a:r>
+                        <a:rPr lang="ko-KR" altLang="en-US" sz="1400" b="1" dirty="0"/>
+                        <a:t>입력 값</a:t>
+                      </a:r>
+                    </a:p>
+                  </a:txBody>
+                  <a:tcPr/>
+                </a:tc>
+                <a:tc>
+                  <a:txBody>
+                    <a:bodyPr/>
+                    <a:lstStyle/>
+                    <a:p>
+                      <a:pPr latinLnBrk="1"/>
+                      <a:r>
+                        <a:rPr lang="ko-KR" altLang="en-US" sz="1400" dirty="0"/>
+                        <a:t>△</a:t>
+                      </a:r>
+                    </a:p>
+                  </a:txBody>
+                  <a:tcPr/>
+                </a:tc>
+                <a:tc>
+                  <a:txBody>
+                    <a:bodyPr/>
+                    <a:lstStyle/>
+                    <a:p>
+                      <a:pPr latinLnBrk="1"/>
+                      <a:r>
+                        <a:rPr lang="ko-KR" altLang="en-US" sz="1400" dirty="0"/>
+                        <a:t>△</a:t>
+                      </a:r>
+                    </a:p>
+                  </a:txBody>
+                  <a:tcPr/>
+                </a:tc>
+                <a:tc>
+                  <a:txBody>
+                    <a:bodyPr/>
+                    <a:lstStyle/>
+                    <a:p>
+                      <a:pPr latinLnBrk="1"/>
+                      <a:r>
+                        <a:rPr lang="ko-KR" altLang="en-US" sz="1400" dirty="0"/>
+                        <a:t>△</a:t>
+                      </a:r>
+                    </a:p>
+                  </a:txBody>
+                  <a:tcPr/>
+                </a:tc>
+                <a:extLst>
+                  <a:ext uri="{0D108BD9-81ED-4DB2-BD59-A6C34878D82A}">
+                    <a16:rowId xmlns:a16="http://schemas.microsoft.com/office/drawing/2014/main" val="847749652"/>
+                  </a:ext>
+                </a:extLst>
+              </a:tr>
+              <a:tr h="370840">
+                <a:tc>
+                  <a:txBody>
+                    <a:bodyPr/>
+                    <a:lstStyle/>
+                    <a:p>
+                      <a:pPr latinLnBrk="1"/>
+                      <a:r>
+                        <a:rPr lang="ko-KR" altLang="en-US" sz="1400" b="1" dirty="0"/>
+                        <a:t>결과 값</a:t>
+                      </a:r>
+                    </a:p>
+                  </a:txBody>
+                  <a:tcPr/>
+                </a:tc>
+                <a:tc>
+                  <a:txBody>
+                    <a:bodyPr/>
+                    <a:lstStyle/>
+                    <a:p>
+                      <a:pPr latinLnBrk="1"/>
+                      <a:r>
+                        <a:rPr lang="en-US" altLang="ko-KR" sz="1400" dirty="0"/>
+                        <a:t>O</a:t>
+                      </a:r>
+                      <a:endParaRPr lang="ko-KR" altLang="en-US" sz="1400" dirty="0"/>
+                    </a:p>
+                  </a:txBody>
+                  <a:tcPr/>
+                </a:tc>
+                <a:tc>
+                  <a:txBody>
+                    <a:bodyPr/>
+                    <a:lstStyle/>
+                    <a:p>
+                      <a:pPr latinLnBrk="1"/>
+                      <a:r>
+                        <a:rPr lang="en-US" altLang="ko-KR" sz="1400" dirty="0"/>
+                        <a:t>O</a:t>
+                      </a:r>
+                      <a:endParaRPr lang="ko-KR" altLang="en-US" sz="1400" dirty="0"/>
+                    </a:p>
+                  </a:txBody>
+                  <a:tcPr/>
+                </a:tc>
+                <a:tc>
+                  <a:txBody>
+                    <a:bodyPr/>
+                    <a:lstStyle/>
+                    <a:p>
+                      <a:pPr latinLnBrk="1"/>
+                      <a:r>
+                        <a:rPr lang="en-US" altLang="ko-KR" sz="1400" dirty="0"/>
+                        <a:t>O</a:t>
+                      </a:r>
+                      <a:endParaRPr lang="ko-KR" altLang="en-US" sz="1400" dirty="0"/>
+                    </a:p>
+                  </a:txBody>
+                  <a:tcPr/>
+                </a:tc>
+                <a:extLst>
+                  <a:ext uri="{0D108BD9-81ED-4DB2-BD59-A6C34878D82A}">
+                    <a16:rowId xmlns:a16="http://schemas.microsoft.com/office/drawing/2014/main" val="1594263510"/>
+                  </a:ext>
+                </a:extLst>
+              </a:tr>
+              <a:tr h="370840">
+                <a:tc>
+                  <a:txBody>
+                    <a:bodyPr/>
+                    <a:lstStyle/>
+                    <a:p>
+                      <a:pPr latinLnBrk="1"/>
+                      <a:r>
+                        <a:rPr lang="ko-KR" altLang="en-US" sz="1400" b="1" dirty="0"/>
+                        <a:t>페이지 로그</a:t>
+                      </a:r>
+                    </a:p>
+                  </a:txBody>
+                  <a:tcPr/>
+                </a:tc>
+                <a:tc>
+                  <a:txBody>
+                    <a:bodyPr/>
+                    <a:lstStyle/>
+                    <a:p>
+                      <a:pPr latinLnBrk="1"/>
+                      <a:r>
+                        <a:rPr lang="ko-KR" altLang="en-US" sz="1400" dirty="0"/>
+                        <a:t>△</a:t>
+                      </a:r>
+                    </a:p>
+                  </a:txBody>
+                  <a:tcPr/>
+                </a:tc>
+                <a:tc>
+                  <a:txBody>
+                    <a:bodyPr/>
+                    <a:lstStyle/>
+                    <a:p>
+                      <a:pPr latinLnBrk="1"/>
+                      <a:r>
+                        <a:rPr lang="ko-KR" altLang="en-US" sz="1400" dirty="0"/>
+                        <a:t>△</a:t>
+                      </a:r>
+                    </a:p>
+                  </a:txBody>
+                  <a:tcPr/>
+                </a:tc>
+                <a:tc>
+                  <a:txBody>
+                    <a:bodyPr/>
+                    <a:lstStyle/>
+                    <a:p>
+                      <a:pPr latinLnBrk="1"/>
+                      <a:r>
+                        <a:rPr lang="ko-KR" altLang="en-US" sz="1400" dirty="0"/>
+                        <a:t>△</a:t>
+                      </a:r>
+                    </a:p>
+                  </a:txBody>
+                  <a:tcPr/>
+                </a:tc>
+                <a:extLst>
+                  <a:ext uri="{0D108BD9-81ED-4DB2-BD59-A6C34878D82A}">
+                    <a16:rowId xmlns:a16="http://schemas.microsoft.com/office/drawing/2014/main" val="2981344326"/>
+                  </a:ext>
+                </a:extLst>
+              </a:tr>
+            </a:tbl>
+          </a:graphicData>
+        </a:graphic>
+      </p:graphicFrame>
     </p:spTree>
     <p:extLst>
       <p:ext uri="{BB962C8B-B14F-4D97-AF65-F5344CB8AC3E}">
         <p14:creationId xmlns:p14="http://schemas.microsoft.com/office/powerpoint/2010/main" val="3172527120"/>
+      </p:ext>
+    </p:extLst>
+  </p:cSld>
+  <p:clrMapOvr>
+    <a:masterClrMapping/>
+  </p:clrMapOvr>
+</p:sld>
+</file>
+
+<file path=ppt/slides/slide9.xml><?xml version="1.0" encoding="utf-8"?>
+<p:sld xmlns:a="http://schemas.openxmlformats.org/drawingml/2006/main" xmlns:r="http://schemas.openxmlformats.org/officeDocument/2006/relationships" xmlns:p="http://schemas.openxmlformats.org/presentationml/2006/main">
+  <p:cSld>
+    <p:spTree>
+      <p:nvGrpSpPr>
+        <p:cNvPr id="1" name=""/>
+        <p:cNvGrpSpPr/>
+        <p:nvPr/>
+      </p:nvGrpSpPr>
+      <p:grpSpPr>
+        <a:xfrm>
+          <a:off x="0" y="0"/>
+          <a:ext cx="0" cy="0"/>
+          <a:chOff x="0" y="0"/>
+          <a:chExt cx="0" cy="0"/>
+        </a:xfrm>
+      </p:grpSpPr>
+      <p:graphicFrame>
+        <p:nvGraphicFramePr>
+          <p:cNvPr id="4" name="표 4">
+            <a:extLst>
+              <a:ext uri="{FF2B5EF4-FFF2-40B4-BE49-F238E27FC236}">
+                <a16:creationId xmlns:a16="http://schemas.microsoft.com/office/drawing/2014/main" id="{F5394BBA-4263-CE74-D100-7AC6CB1E6164}"/>
+              </a:ext>
+            </a:extLst>
+          </p:cNvPr>
+          <p:cNvGraphicFramePr>
+            <a:graphicFrameLocks noGrp="1"/>
+          </p:cNvGraphicFramePr>
+          <p:nvPr>
+            <p:extLst>
+              <p:ext uri="{D42A27DB-BD31-4B8C-83A1-F6EECF244321}">
+                <p14:modId xmlns:p14="http://schemas.microsoft.com/office/powerpoint/2010/main" val="4024924801"/>
+              </p:ext>
+            </p:extLst>
+          </p:nvPr>
+        </p:nvGraphicFramePr>
+        <p:xfrm>
+          <a:off x="1117600" y="758995"/>
+          <a:ext cx="5814142" cy="2941320"/>
+        </p:xfrm>
+        <a:graphic>
+          <a:graphicData uri="http://schemas.openxmlformats.org/drawingml/2006/table">
+            <a:tbl>
+              <a:tblPr firstRow="1" bandRow="1">
+                <a:tableStyleId>{5940675A-B579-460E-94D1-54222C63F5DA}</a:tableStyleId>
+              </a:tblPr>
+              <a:tblGrid>
+                <a:gridCol w="1399458">
+                  <a:extLst>
+                    <a:ext uri="{9D8B030D-6E8A-4147-A177-3AD203B41FA5}">
+                      <a16:colId xmlns:a16="http://schemas.microsoft.com/office/drawing/2014/main" val="1076589725"/>
+                    </a:ext>
+                  </a:extLst>
+                </a:gridCol>
+                <a:gridCol w="4414684">
+                  <a:extLst>
+                    <a:ext uri="{9D8B030D-6E8A-4147-A177-3AD203B41FA5}">
+                      <a16:colId xmlns:a16="http://schemas.microsoft.com/office/drawing/2014/main" val="891346209"/>
+                    </a:ext>
+                  </a:extLst>
+                </a:gridCol>
+              </a:tblGrid>
+              <a:tr h="370840">
+                <a:tc>
+                  <a:txBody>
+                    <a:bodyPr/>
+                    <a:lstStyle/>
+                    <a:p>
+                      <a:pPr latinLnBrk="1"/>
+                      <a:r>
+                        <a:rPr lang="ko-KR" altLang="en-US" dirty="0" err="1"/>
+                        <a:t>변수명</a:t>
+                      </a:r>
+                      <a:endParaRPr lang="ko-KR" altLang="en-US" dirty="0"/>
+                    </a:p>
+                  </a:txBody>
+                  <a:tcPr/>
+                </a:tc>
+                <a:tc>
+                  <a:txBody>
+                    <a:bodyPr/>
+                    <a:lstStyle/>
+                    <a:p>
+                      <a:pPr latinLnBrk="1"/>
+                      <a:r>
+                        <a:rPr lang="ko-KR" altLang="en-US" dirty="0"/>
+                        <a:t>옵션</a:t>
+                      </a:r>
+                    </a:p>
+                  </a:txBody>
+                  <a:tcPr/>
+                </a:tc>
+                <a:extLst>
+                  <a:ext uri="{0D108BD9-81ED-4DB2-BD59-A6C34878D82A}">
+                    <a16:rowId xmlns:a16="http://schemas.microsoft.com/office/drawing/2014/main" val="3352922726"/>
+                  </a:ext>
+                </a:extLst>
+              </a:tr>
+              <a:tr h="370840">
+                <a:tc>
+                  <a:txBody>
+                    <a:bodyPr/>
+                    <a:lstStyle/>
+                    <a:p>
+                      <a:pPr latinLnBrk="1"/>
+                      <a:r>
+                        <a:rPr lang="en-US" altLang="ko-KR" dirty="0"/>
+                        <a:t>{</a:t>
+                      </a:r>
+                      <a:r>
+                        <a:rPr lang="ko-KR" altLang="en-US" dirty="0"/>
+                        <a:t>기관명</a:t>
+                      </a:r>
+                      <a:r>
+                        <a:rPr lang="en-US" altLang="ko-KR" dirty="0"/>
+                        <a:t>}</a:t>
+                      </a:r>
+                      <a:endParaRPr lang="ko-KR" altLang="en-US" dirty="0"/>
+                    </a:p>
+                  </a:txBody>
+                  <a:tcPr/>
+                </a:tc>
+                <a:tc>
+                  <a:txBody>
+                    <a:bodyPr/>
+                    <a:lstStyle/>
+                    <a:p>
+                      <a:pPr latinLnBrk="1"/>
+                      <a:endParaRPr lang="ko-KR" altLang="en-US" dirty="0"/>
+                    </a:p>
+                  </a:txBody>
+                  <a:tcPr/>
+                </a:tc>
+                <a:extLst>
+                  <a:ext uri="{0D108BD9-81ED-4DB2-BD59-A6C34878D82A}">
+                    <a16:rowId xmlns:a16="http://schemas.microsoft.com/office/drawing/2014/main" val="2944110345"/>
+                  </a:ext>
+                </a:extLst>
+              </a:tr>
+              <a:tr h="370840">
+                <a:tc>
+                  <a:txBody>
+                    <a:bodyPr/>
+                    <a:lstStyle/>
+                    <a:p>
+                      <a:pPr latinLnBrk="1"/>
+                      <a:r>
+                        <a:rPr lang="en-US" altLang="ko-KR" dirty="0"/>
+                        <a:t>{</a:t>
+                      </a:r>
+                      <a:r>
+                        <a:rPr lang="ko-KR" altLang="en-US" dirty="0"/>
+                        <a:t>시점</a:t>
+                      </a:r>
+                      <a:r>
+                        <a:rPr lang="en-US" altLang="ko-KR" dirty="0"/>
+                        <a:t>}</a:t>
+                      </a:r>
+                      <a:endParaRPr lang="ko-KR" altLang="en-US" dirty="0"/>
+                    </a:p>
+                  </a:txBody>
+                  <a:tcPr/>
+                </a:tc>
+                <a:tc>
+                  <a:txBody>
+                    <a:bodyPr/>
+                    <a:lstStyle/>
+                    <a:p>
+                      <a:pPr latinLnBrk="1"/>
+                      <a:r>
+                        <a:rPr lang="en-US" altLang="ko-KR" dirty="0"/>
+                        <a:t>MM/dd </a:t>
+                      </a:r>
+                      <a:r>
+                        <a:rPr lang="en-US" altLang="ko-KR" dirty="0" err="1"/>
+                        <a:t>hh:mm</a:t>
+                      </a:r>
+                      <a:endParaRPr lang="ko-KR" altLang="en-US" dirty="0"/>
+                    </a:p>
+                  </a:txBody>
+                  <a:tcPr/>
+                </a:tc>
+                <a:extLst>
+                  <a:ext uri="{0D108BD9-81ED-4DB2-BD59-A6C34878D82A}">
+                    <a16:rowId xmlns:a16="http://schemas.microsoft.com/office/drawing/2014/main" val="120747888"/>
+                  </a:ext>
+                </a:extLst>
+              </a:tr>
+              <a:tr h="370840">
+                <a:tc>
+                  <a:txBody>
+                    <a:bodyPr/>
+                    <a:lstStyle/>
+                    <a:p>
+                      <a:pPr latinLnBrk="1"/>
+                      <a:r>
+                        <a:rPr lang="en-US" altLang="ko-KR" dirty="0"/>
+                        <a:t>{</a:t>
+                      </a:r>
+                      <a:r>
+                        <a:rPr lang="ko-KR" altLang="en-US" dirty="0"/>
+                        <a:t>장애원인</a:t>
+                      </a:r>
+                      <a:r>
+                        <a:rPr lang="en-US" altLang="ko-KR" dirty="0"/>
+                        <a:t>}</a:t>
+                      </a:r>
+                      <a:endParaRPr lang="ko-KR" altLang="en-US" dirty="0"/>
+                    </a:p>
+                  </a:txBody>
+                  <a:tcPr/>
+                </a:tc>
+                <a:tc>
+                  <a:txBody>
+                    <a:bodyPr/>
+                    <a:lstStyle/>
+                    <a:p>
+                      <a:pPr latinLnBrk="1"/>
+                      <a:r>
+                        <a:rPr lang="en-US" altLang="ko-KR" dirty="0"/>
+                        <a:t>1. </a:t>
+                      </a:r>
+                      <a:r>
+                        <a:rPr lang="ko-KR" altLang="en-US" dirty="0"/>
+                        <a:t>사이트 접속지연 이슈</a:t>
+                      </a:r>
+                    </a:p>
+                    <a:p>
+                      <a:pPr latinLnBrk="1"/>
+                      <a:r>
+                        <a:rPr lang="en-US" altLang="ko-KR" dirty="0"/>
+                        <a:t>2. </a:t>
+                      </a:r>
+                      <a:r>
+                        <a:rPr lang="ko-KR" altLang="en-US" dirty="0"/>
+                        <a:t>사이트 장애</a:t>
+                      </a:r>
+                    </a:p>
+                    <a:p>
+                      <a:pPr latinLnBrk="1"/>
+                      <a:r>
+                        <a:rPr lang="en-US" altLang="ko-KR" dirty="0"/>
+                        <a:t>3. </a:t>
+                      </a:r>
+                      <a:r>
+                        <a:rPr lang="ko-KR" altLang="en-US" dirty="0"/>
+                        <a:t>홈페이지 변경에 따른 </a:t>
+                      </a:r>
+                      <a:r>
+                        <a:rPr lang="ko-KR" altLang="en-US" dirty="0" err="1"/>
+                        <a:t>스크래핑</a:t>
+                      </a:r>
+                      <a:r>
+                        <a:rPr lang="ko-KR" altLang="en-US" dirty="0"/>
+                        <a:t> 장애</a:t>
+                      </a:r>
+                    </a:p>
+                  </a:txBody>
+                  <a:tcPr/>
+                </a:tc>
+                <a:extLst>
+                  <a:ext uri="{0D108BD9-81ED-4DB2-BD59-A6C34878D82A}">
+                    <a16:rowId xmlns:a16="http://schemas.microsoft.com/office/drawing/2014/main" val="295325197"/>
+                  </a:ext>
+                </a:extLst>
+              </a:tr>
+              <a:tr h="370840">
+                <a:tc>
+                  <a:txBody>
+                    <a:bodyPr/>
+                    <a:lstStyle/>
+                    <a:p>
+                      <a:pPr latinLnBrk="1"/>
+                      <a:r>
+                        <a:rPr lang="en-US" altLang="ko-KR" dirty="0"/>
+                        <a:t>{</a:t>
+                      </a:r>
+                      <a:r>
+                        <a:rPr lang="ko-KR" altLang="en-US" dirty="0"/>
+                        <a:t>점검내용</a:t>
+                      </a:r>
+                      <a:r>
+                        <a:rPr lang="en-US" altLang="ko-KR" dirty="0"/>
+                        <a:t>}</a:t>
+                      </a:r>
+                      <a:endParaRPr lang="ko-KR" altLang="en-US" dirty="0"/>
+                    </a:p>
+                  </a:txBody>
+                  <a:tcPr/>
+                </a:tc>
+                <a:tc>
+                  <a:txBody>
+                    <a:bodyPr/>
+                    <a:lstStyle/>
+                    <a:p>
+                      <a:pPr latinLnBrk="1"/>
+                      <a:r>
+                        <a:rPr lang="en-US" altLang="ko-KR" dirty="0"/>
+                        <a:t>1. </a:t>
+                      </a:r>
+                      <a:r>
+                        <a:rPr lang="ko-KR" altLang="en-US" dirty="0"/>
+                        <a:t>사이트 점검</a:t>
+                      </a:r>
+                    </a:p>
+                    <a:p>
+                      <a:pPr latinLnBrk="1"/>
+                      <a:r>
+                        <a:rPr lang="en-US" altLang="ko-KR" dirty="0"/>
+                        <a:t>2. </a:t>
+                      </a:r>
+                      <a:r>
+                        <a:rPr lang="ko-KR" altLang="en-US" dirty="0"/>
+                        <a:t>서버인증서 교체작업</a:t>
+                      </a:r>
+                    </a:p>
+                    <a:p>
+                      <a:pPr latinLnBrk="1"/>
+                      <a:r>
+                        <a:rPr lang="en-US" altLang="ko-KR" dirty="0"/>
+                        <a:t>3. </a:t>
+                      </a:r>
+                      <a:r>
+                        <a:rPr lang="ko-KR" altLang="en-US" dirty="0"/>
+                        <a:t>기타</a:t>
+                      </a:r>
+                    </a:p>
+                  </a:txBody>
+                  <a:tcPr/>
+                </a:tc>
+                <a:extLst>
+                  <a:ext uri="{0D108BD9-81ED-4DB2-BD59-A6C34878D82A}">
+                    <a16:rowId xmlns:a16="http://schemas.microsoft.com/office/drawing/2014/main" val="3764583569"/>
+                  </a:ext>
+                </a:extLst>
+              </a:tr>
+            </a:tbl>
+          </a:graphicData>
+        </a:graphic>
+      </p:graphicFrame>
+    </p:spTree>
+    <p:extLst>
+      <p:ext uri="{BB962C8B-B14F-4D97-AF65-F5344CB8AC3E}">
+        <p14:creationId xmlns:p14="http://schemas.microsoft.com/office/powerpoint/2010/main" val="3316594963"/>
       </p:ext>
     </p:extLst>
   </p:cSld>

--- a/매뉴얼.pptx
+++ b/매뉴얼.pptx
@@ -5,7 +5,7 @@
     <p:sldMasterId id="2147483648" r:id="rId1"/>
   </p:sldMasterIdLst>
   <p:notesMasterIdLst>
-    <p:notesMasterId r:id="rId11"/>
+    <p:notesMasterId r:id="rId13"/>
   </p:notesMasterIdLst>
   <p:sldIdLst>
     <p:sldId id="256" r:id="rId2"/>
@@ -17,6 +17,8 @@
     <p:sldId id="262" r:id="rId8"/>
     <p:sldId id="263" r:id="rId9"/>
     <p:sldId id="264" r:id="rId10"/>
+    <p:sldId id="265" r:id="rId11"/>
+    <p:sldId id="266" r:id="rId12"/>
   </p:sldIdLst>
   <p:sldSz cx="12192000" cy="6858000"/>
   <p:notesSz cx="6858000" cy="9144000"/>
@@ -205,7 +207,7 @@
           <a:p>
             <a:fld id="{91793C05-CCB8-4AF0-983A-9E74A6C06F98}" type="datetimeFigureOut">
               <a:rPr lang="ko-KR" altLang="en-US" smtClean="0"/>
-              <a:t>2022-08-24</a:t>
+              <a:t>2022-08-28</a:t>
             </a:fld>
             <a:endParaRPr lang="ko-KR" altLang="en-US" dirty="0"/>
           </a:p>
@@ -871,7 +873,7 @@
           <a:p>
             <a:fld id="{2CF1E05A-592B-46A7-8974-04F9FC5ACF66}" type="datetimeFigureOut">
               <a:rPr lang="ko-KR" altLang="en-US" smtClean="0"/>
-              <a:t>2022-08-24</a:t>
+              <a:t>2022-08-28</a:t>
             </a:fld>
             <a:endParaRPr lang="ko-KR" altLang="en-US" dirty="0"/>
           </a:p>
@@ -1069,7 +1071,7 @@
           <a:p>
             <a:fld id="{2CF1E05A-592B-46A7-8974-04F9FC5ACF66}" type="datetimeFigureOut">
               <a:rPr lang="ko-KR" altLang="en-US" smtClean="0"/>
-              <a:t>2022-08-24</a:t>
+              <a:t>2022-08-28</a:t>
             </a:fld>
             <a:endParaRPr lang="ko-KR" altLang="en-US" dirty="0"/>
           </a:p>
@@ -1277,7 +1279,7 @@
           <a:p>
             <a:fld id="{2CF1E05A-592B-46A7-8974-04F9FC5ACF66}" type="datetimeFigureOut">
               <a:rPr lang="ko-KR" altLang="en-US" smtClean="0"/>
-              <a:t>2022-08-24</a:t>
+              <a:t>2022-08-28</a:t>
             </a:fld>
             <a:endParaRPr lang="ko-KR" altLang="en-US" dirty="0"/>
           </a:p>
@@ -1475,7 +1477,7 @@
           <a:p>
             <a:fld id="{2CF1E05A-592B-46A7-8974-04F9FC5ACF66}" type="datetimeFigureOut">
               <a:rPr lang="ko-KR" altLang="en-US" smtClean="0"/>
-              <a:t>2022-08-24</a:t>
+              <a:t>2022-08-28</a:t>
             </a:fld>
             <a:endParaRPr lang="ko-KR" altLang="en-US" dirty="0"/>
           </a:p>
@@ -1750,7 +1752,7 @@
           <a:p>
             <a:fld id="{2CF1E05A-592B-46A7-8974-04F9FC5ACF66}" type="datetimeFigureOut">
               <a:rPr lang="ko-KR" altLang="en-US" smtClean="0"/>
-              <a:t>2022-08-24</a:t>
+              <a:t>2022-08-28</a:t>
             </a:fld>
             <a:endParaRPr lang="ko-KR" altLang="en-US" dirty="0"/>
           </a:p>
@@ -2015,7 +2017,7 @@
           <a:p>
             <a:fld id="{2CF1E05A-592B-46A7-8974-04F9FC5ACF66}" type="datetimeFigureOut">
               <a:rPr lang="ko-KR" altLang="en-US" smtClean="0"/>
-              <a:t>2022-08-24</a:t>
+              <a:t>2022-08-28</a:t>
             </a:fld>
             <a:endParaRPr lang="ko-KR" altLang="en-US" dirty="0"/>
           </a:p>
@@ -2427,7 +2429,7 @@
           <a:p>
             <a:fld id="{2CF1E05A-592B-46A7-8974-04F9FC5ACF66}" type="datetimeFigureOut">
               <a:rPr lang="ko-KR" altLang="en-US" smtClean="0"/>
-              <a:t>2022-08-24</a:t>
+              <a:t>2022-08-28</a:t>
             </a:fld>
             <a:endParaRPr lang="ko-KR" altLang="en-US" dirty="0"/>
           </a:p>
@@ -2568,7 +2570,7 @@
           <a:p>
             <a:fld id="{2CF1E05A-592B-46A7-8974-04F9FC5ACF66}" type="datetimeFigureOut">
               <a:rPr lang="ko-KR" altLang="en-US" smtClean="0"/>
-              <a:t>2022-08-24</a:t>
+              <a:t>2022-08-28</a:t>
             </a:fld>
             <a:endParaRPr lang="ko-KR" altLang="en-US" dirty="0"/>
           </a:p>
@@ -2681,7 +2683,7 @@
           <a:p>
             <a:fld id="{2CF1E05A-592B-46A7-8974-04F9FC5ACF66}" type="datetimeFigureOut">
               <a:rPr lang="ko-KR" altLang="en-US" smtClean="0"/>
-              <a:t>2022-08-24</a:t>
+              <a:t>2022-08-28</a:t>
             </a:fld>
             <a:endParaRPr lang="ko-KR" altLang="en-US" dirty="0"/>
           </a:p>
@@ -2992,7 +2994,7 @@
           <a:p>
             <a:fld id="{2CF1E05A-592B-46A7-8974-04F9FC5ACF66}" type="datetimeFigureOut">
               <a:rPr lang="ko-KR" altLang="en-US" smtClean="0"/>
-              <a:t>2022-08-24</a:t>
+              <a:t>2022-08-28</a:t>
             </a:fld>
             <a:endParaRPr lang="ko-KR" altLang="en-US" dirty="0"/>
           </a:p>
@@ -3280,7 +3282,7 @@
           <a:p>
             <a:fld id="{2CF1E05A-592B-46A7-8974-04F9FC5ACF66}" type="datetimeFigureOut">
               <a:rPr lang="ko-KR" altLang="en-US" smtClean="0"/>
-              <a:t>2022-08-24</a:t>
+              <a:t>2022-08-28</a:t>
             </a:fld>
             <a:endParaRPr lang="ko-KR" altLang="en-US" dirty="0"/>
           </a:p>
@@ -3521,7 +3523,7 @@
           <a:p>
             <a:fld id="{2CF1E05A-592B-46A7-8974-04F9FC5ACF66}" type="datetimeFigureOut">
               <a:rPr lang="ko-KR" altLang="en-US" smtClean="0"/>
-              <a:t>2022-08-24</a:t>
+              <a:t>2022-08-28</a:t>
             </a:fld>
             <a:endParaRPr lang="ko-KR" altLang="en-US" dirty="0"/>
           </a:p>
@@ -6033,6 +6035,1254 @@
     <p:extLst>
       <p:ext uri="{BB962C8B-B14F-4D97-AF65-F5344CB8AC3E}">
         <p14:creationId xmlns:p14="http://schemas.microsoft.com/office/powerpoint/2010/main" val="1799808070"/>
+      </p:ext>
+    </p:extLst>
+  </p:cSld>
+  <p:clrMapOvr>
+    <a:masterClrMapping/>
+  </p:clrMapOvr>
+</p:sld>
+</file>
+
+<file path=ppt/slides/slide10.xml><?xml version="1.0" encoding="utf-8"?>
+<p:sld xmlns:a="http://schemas.openxmlformats.org/drawingml/2006/main" xmlns:r="http://schemas.openxmlformats.org/officeDocument/2006/relationships" xmlns:p="http://schemas.openxmlformats.org/presentationml/2006/main">
+  <p:cSld>
+    <p:spTree>
+      <p:nvGrpSpPr>
+        <p:cNvPr id="1" name=""/>
+        <p:cNvGrpSpPr/>
+        <p:nvPr/>
+      </p:nvGrpSpPr>
+      <p:grpSpPr>
+        <a:xfrm>
+          <a:off x="0" y="0"/>
+          <a:ext cx="0" cy="0"/>
+          <a:chOff x="0" y="0"/>
+          <a:chExt cx="0" cy="0"/>
+        </a:xfrm>
+      </p:grpSpPr>
+      <p:graphicFrame>
+        <p:nvGraphicFramePr>
+          <p:cNvPr id="5" name="표 5">
+            <a:extLst>
+              <a:ext uri="{FF2B5EF4-FFF2-40B4-BE49-F238E27FC236}">
+                <a16:creationId xmlns:a16="http://schemas.microsoft.com/office/drawing/2014/main" id="{A2B2CE90-1254-EC18-BD9E-F0A4B0954D4A}"/>
+              </a:ext>
+            </a:extLst>
+          </p:cNvPr>
+          <p:cNvGraphicFramePr>
+            <a:graphicFrameLocks noGrp="1"/>
+          </p:cNvGraphicFramePr>
+          <p:nvPr>
+            <p:extLst>
+              <p:ext uri="{D42A27DB-BD31-4B8C-83A1-F6EECF244321}">
+                <p14:modId xmlns:p14="http://schemas.microsoft.com/office/powerpoint/2010/main" val="2193880569"/>
+              </p:ext>
+            </p:extLst>
+          </p:nvPr>
+        </p:nvGraphicFramePr>
+        <p:xfrm>
+          <a:off x="2032000" y="719666"/>
+          <a:ext cx="8547510" cy="3408680"/>
+        </p:xfrm>
+        <a:graphic>
+          <a:graphicData uri="http://schemas.openxmlformats.org/drawingml/2006/table">
+            <a:tbl>
+              <a:tblPr firstRow="1" bandRow="1">
+                <a:tableStyleId>{5940675A-B579-460E-94D1-54222C63F5DA}</a:tableStyleId>
+              </a:tblPr>
+              <a:tblGrid>
+                <a:gridCol w="1773084">
+                  <a:extLst>
+                    <a:ext uri="{9D8B030D-6E8A-4147-A177-3AD203B41FA5}">
+                      <a16:colId xmlns:a16="http://schemas.microsoft.com/office/drawing/2014/main" val="2937087869"/>
+                    </a:ext>
+                  </a:extLst>
+                </a:gridCol>
+                <a:gridCol w="6774426">
+                  <a:extLst>
+                    <a:ext uri="{9D8B030D-6E8A-4147-A177-3AD203B41FA5}">
+                      <a16:colId xmlns:a16="http://schemas.microsoft.com/office/drawing/2014/main" val="1041390881"/>
+                    </a:ext>
+                  </a:extLst>
+                </a:gridCol>
+              </a:tblGrid>
+              <a:tr h="370840">
+                <a:tc>
+                  <a:txBody>
+                    <a:bodyPr/>
+                    <a:lstStyle/>
+                    <a:p>
+                      <a:pPr latinLnBrk="1"/>
+                      <a:endParaRPr lang="ko-KR" altLang="en-US" sz="1400" dirty="0"/>
+                    </a:p>
+                  </a:txBody>
+                  <a:tcPr>
+                    <a:solidFill>
+                      <a:schemeClr val="bg1">
+                        <a:lumMod val="65000"/>
+                      </a:schemeClr>
+                    </a:solidFill>
+                  </a:tcPr>
+                </a:tc>
+                <a:tc>
+                  <a:txBody>
+                    <a:bodyPr/>
+                    <a:lstStyle/>
+                    <a:p>
+                      <a:pPr latinLnBrk="1"/>
+                      <a:r>
+                        <a:rPr lang="en-US" altLang="ko-KR" sz="1400" b="1" dirty="0"/>
+                        <a:t>Elasticsearch</a:t>
+                      </a:r>
+                      <a:endParaRPr lang="ko-KR" altLang="en-US" sz="1400" b="1" dirty="0"/>
+                    </a:p>
+                  </a:txBody>
+                  <a:tcPr>
+                    <a:solidFill>
+                      <a:schemeClr val="bg1">
+                        <a:lumMod val="65000"/>
+                      </a:schemeClr>
+                    </a:solidFill>
+                  </a:tcPr>
+                </a:tc>
+                <a:extLst>
+                  <a:ext uri="{0D108BD9-81ED-4DB2-BD59-A6C34878D82A}">
+                    <a16:rowId xmlns:a16="http://schemas.microsoft.com/office/drawing/2014/main" val="1340735696"/>
+                  </a:ext>
+                </a:extLst>
+              </a:tr>
+              <a:tr h="370840">
+                <a:tc>
+                  <a:txBody>
+                    <a:bodyPr/>
+                    <a:lstStyle/>
+                    <a:p>
+                      <a:pPr latinLnBrk="1"/>
+                      <a:r>
+                        <a:rPr lang="ko-KR" altLang="en-US" sz="1400" dirty="0"/>
+                        <a:t>한줄 요약</a:t>
+                      </a:r>
+                    </a:p>
+                  </a:txBody>
+                  <a:tcPr/>
+                </a:tc>
+                <a:tc>
+                  <a:txBody>
+                    <a:bodyPr/>
+                    <a:lstStyle/>
+                    <a:p>
+                      <a:pPr latinLnBrk="1"/>
+                      <a:r>
+                        <a:rPr lang="ko-KR" altLang="en-US" sz="1400" dirty="0"/>
+                        <a:t>대규모 분산 검색 데이터베이스</a:t>
+                      </a:r>
+                    </a:p>
+                  </a:txBody>
+                  <a:tcPr>
+                    <a:solidFill>
+                      <a:schemeClr val="accent4">
+                        <a:lumMod val="40000"/>
+                        <a:lumOff val="60000"/>
+                      </a:schemeClr>
+                    </a:solidFill>
+                  </a:tcPr>
+                </a:tc>
+                <a:extLst>
+                  <a:ext uri="{0D108BD9-81ED-4DB2-BD59-A6C34878D82A}">
+                    <a16:rowId xmlns:a16="http://schemas.microsoft.com/office/drawing/2014/main" val="1899097196"/>
+                  </a:ext>
+                </a:extLst>
+              </a:tr>
+              <a:tr h="370840">
+                <a:tc>
+                  <a:txBody>
+                    <a:bodyPr/>
+                    <a:lstStyle/>
+                    <a:p>
+                      <a:pPr latinLnBrk="1"/>
+                      <a:r>
+                        <a:rPr lang="ko-KR" altLang="en-US" sz="1400" dirty="0"/>
+                        <a:t>실시간성</a:t>
+                      </a:r>
+                    </a:p>
+                  </a:txBody>
+                  <a:tcPr/>
+                </a:tc>
+                <a:tc>
+                  <a:txBody>
+                    <a:bodyPr/>
+                    <a:lstStyle/>
+                    <a:p>
+                      <a:pPr latinLnBrk="1"/>
+                      <a:r>
+                        <a:rPr lang="ko-KR" altLang="en-US" sz="1400" dirty="0"/>
+                        <a:t>실시간중심</a:t>
+                      </a:r>
+                      <a:r>
+                        <a:rPr lang="en-US" altLang="ko-KR" sz="1400" dirty="0"/>
+                        <a:t>(ex. </a:t>
+                      </a:r>
+                      <a:r>
+                        <a:rPr lang="ko-KR" altLang="en-US" sz="1400" dirty="0"/>
+                        <a:t>구글 검색</a:t>
+                      </a:r>
+                      <a:r>
+                        <a:rPr lang="en-US" altLang="ko-KR" sz="1400" dirty="0"/>
+                        <a:t>)</a:t>
+                      </a:r>
+                      <a:endParaRPr lang="ko-KR" altLang="en-US" sz="1400" dirty="0"/>
+                    </a:p>
+                  </a:txBody>
+                  <a:tcPr>
+                    <a:solidFill>
+                      <a:schemeClr val="accent4">
+                        <a:lumMod val="40000"/>
+                        <a:lumOff val="60000"/>
+                      </a:schemeClr>
+                    </a:solidFill>
+                  </a:tcPr>
+                </a:tc>
+                <a:extLst>
+                  <a:ext uri="{0D108BD9-81ED-4DB2-BD59-A6C34878D82A}">
+                    <a16:rowId xmlns:a16="http://schemas.microsoft.com/office/drawing/2014/main" val="3833894648"/>
+                  </a:ext>
+                </a:extLst>
+              </a:tr>
+              <a:tr h="370840">
+                <a:tc>
+                  <a:txBody>
+                    <a:bodyPr/>
+                    <a:lstStyle/>
+                    <a:p>
+                      <a:pPr latinLnBrk="1"/>
+                      <a:r>
+                        <a:rPr lang="ko-KR" altLang="en-US" sz="1400" dirty="0"/>
+                        <a:t>응답성</a:t>
+                      </a:r>
+                    </a:p>
+                  </a:txBody>
+                  <a:tcPr/>
+                </a:tc>
+                <a:tc>
+                  <a:txBody>
+                    <a:bodyPr/>
+                    <a:lstStyle/>
+                    <a:p>
+                      <a:pPr latinLnBrk="1"/>
+                      <a:r>
+                        <a:rPr lang="ko-KR" altLang="en-US" sz="1400" dirty="0"/>
+                        <a:t>수 밀리초</a:t>
+                      </a:r>
+                      <a:r>
+                        <a:rPr lang="en-US" altLang="ko-KR" sz="1400" dirty="0"/>
+                        <a:t>, </a:t>
+                      </a:r>
+                      <a:r>
+                        <a:rPr lang="ko-KR" altLang="en-US" sz="1400" dirty="0"/>
+                        <a:t>수 초 단위</a:t>
+                      </a:r>
+                    </a:p>
+                  </a:txBody>
+                  <a:tcPr>
+                    <a:solidFill>
+                      <a:schemeClr val="accent4">
+                        <a:lumMod val="40000"/>
+                        <a:lumOff val="60000"/>
+                      </a:schemeClr>
+                    </a:solidFill>
+                  </a:tcPr>
+                </a:tc>
+                <a:extLst>
+                  <a:ext uri="{0D108BD9-81ED-4DB2-BD59-A6C34878D82A}">
+                    <a16:rowId xmlns:a16="http://schemas.microsoft.com/office/drawing/2014/main" val="863704219"/>
+                  </a:ext>
+                </a:extLst>
+              </a:tr>
+              <a:tr h="370840">
+                <a:tc>
+                  <a:txBody>
+                    <a:bodyPr/>
+                    <a:lstStyle/>
+                    <a:p>
+                      <a:pPr latinLnBrk="1"/>
+                      <a:r>
+                        <a:rPr lang="ko-KR" altLang="en-US" sz="1400" dirty="0"/>
+                        <a:t>처리 단위</a:t>
+                      </a:r>
+                    </a:p>
+                  </a:txBody>
+                  <a:tcPr/>
+                </a:tc>
+                <a:tc>
+                  <a:txBody>
+                    <a:bodyPr/>
+                    <a:lstStyle/>
+                    <a:p>
+                      <a:pPr latinLnBrk="1"/>
+                      <a:r>
+                        <a:rPr lang="ko-KR" altLang="en-US" sz="1400" dirty="0"/>
+                        <a:t>문서 단위 처리</a:t>
+                      </a:r>
+                      <a:r>
+                        <a:rPr lang="en-US" altLang="ko-KR" sz="1400" dirty="0"/>
+                        <a:t>(JSON </a:t>
+                      </a:r>
+                      <a:r>
+                        <a:rPr lang="ko-KR" altLang="en-US" sz="1400" dirty="0"/>
+                        <a:t>형식</a:t>
+                      </a:r>
+                      <a:r>
+                        <a:rPr lang="en-US" altLang="ko-KR" sz="1400" dirty="0"/>
+                        <a:t>)</a:t>
+                      </a:r>
+                      <a:endParaRPr lang="ko-KR" altLang="en-US" sz="1400" dirty="0"/>
+                    </a:p>
+                  </a:txBody>
+                  <a:tcPr>
+                    <a:solidFill>
+                      <a:schemeClr val="accent4">
+                        <a:lumMod val="40000"/>
+                        <a:lumOff val="60000"/>
+                      </a:schemeClr>
+                    </a:solidFill>
+                  </a:tcPr>
+                </a:tc>
+                <a:extLst>
+                  <a:ext uri="{0D108BD9-81ED-4DB2-BD59-A6C34878D82A}">
+                    <a16:rowId xmlns:a16="http://schemas.microsoft.com/office/drawing/2014/main" val="1594776889"/>
+                  </a:ext>
+                </a:extLst>
+              </a:tr>
+              <a:tr h="370840">
+                <a:tc>
+                  <a:txBody>
+                    <a:bodyPr/>
+                    <a:lstStyle/>
+                    <a:p>
+                      <a:pPr latinLnBrk="1"/>
+                      <a:r>
+                        <a:rPr lang="ko-KR" altLang="en-US" sz="1400" dirty="0"/>
+                        <a:t>배포 복잡도</a:t>
+                      </a:r>
+                    </a:p>
+                  </a:txBody>
+                  <a:tcPr/>
+                </a:tc>
+                <a:tc>
+                  <a:txBody>
+                    <a:bodyPr/>
+                    <a:lstStyle/>
+                    <a:p>
+                      <a:pPr latinLnBrk="1"/>
+                      <a:r>
+                        <a:rPr lang="ko-KR" altLang="en-US" sz="1400" dirty="0"/>
+                        <a:t>수집</a:t>
+                      </a:r>
+                      <a:r>
+                        <a:rPr lang="en-US" altLang="ko-KR" sz="1400" dirty="0"/>
+                        <a:t>, </a:t>
+                      </a:r>
+                      <a:r>
+                        <a:rPr lang="ko-KR" altLang="en-US" sz="1400" dirty="0"/>
+                        <a:t>저장</a:t>
+                      </a:r>
+                      <a:r>
+                        <a:rPr lang="en-US" altLang="ko-KR" sz="1400" dirty="0"/>
+                        <a:t>/</a:t>
+                      </a:r>
+                      <a:r>
+                        <a:rPr lang="ko-KR" altLang="en-US" sz="1400" dirty="0"/>
+                        <a:t>검색</a:t>
+                      </a:r>
+                      <a:r>
+                        <a:rPr lang="en-US" altLang="ko-KR" sz="1400" dirty="0"/>
+                        <a:t>, </a:t>
+                      </a:r>
+                      <a:r>
+                        <a:rPr lang="ko-KR" altLang="en-US" sz="1400" dirty="0"/>
+                        <a:t>시각화 </a:t>
+                      </a:r>
+                      <a:r>
+                        <a:rPr lang="en-US" altLang="ko-KR" sz="1400" dirty="0"/>
+                        <a:t>3</a:t>
+                      </a:r>
+                      <a:r>
+                        <a:rPr lang="ko-KR" altLang="en-US" sz="1400" dirty="0"/>
+                        <a:t>가지로 구성은 단순</a:t>
+                      </a:r>
+                      <a:endParaRPr lang="en-US" altLang="ko-KR" sz="1400" dirty="0"/>
+                    </a:p>
+                    <a:p>
+                      <a:pPr latinLnBrk="1"/>
+                      <a:r>
+                        <a:rPr lang="en-US" altLang="ko-KR" sz="1400" dirty="0"/>
+                        <a:t>JSON </a:t>
+                      </a:r>
+                      <a:r>
+                        <a:rPr lang="ko-KR" altLang="en-US" sz="1400" dirty="0"/>
+                        <a:t>형식의 </a:t>
+                      </a:r>
+                      <a:r>
+                        <a:rPr lang="en-US" altLang="ko-KR" sz="1400" dirty="0"/>
+                        <a:t>DSL</a:t>
+                      </a:r>
+                      <a:r>
+                        <a:rPr lang="ko-KR" altLang="en-US" sz="1400" dirty="0"/>
+                        <a:t>쿼리 기반으로 상대적으로 쉽고 강력함</a:t>
+                      </a:r>
+                      <a:r>
+                        <a:rPr lang="en-US" altLang="ko-KR" sz="1400" dirty="0"/>
+                        <a:t>.</a:t>
+                      </a:r>
+                      <a:endParaRPr lang="ko-KR" altLang="en-US" sz="1400" dirty="0"/>
+                    </a:p>
+                  </a:txBody>
+                  <a:tcPr>
+                    <a:solidFill>
+                      <a:schemeClr val="accent4">
+                        <a:lumMod val="40000"/>
+                        <a:lumOff val="60000"/>
+                      </a:schemeClr>
+                    </a:solidFill>
+                  </a:tcPr>
+                </a:tc>
+                <a:extLst>
+                  <a:ext uri="{0D108BD9-81ED-4DB2-BD59-A6C34878D82A}">
+                    <a16:rowId xmlns:a16="http://schemas.microsoft.com/office/drawing/2014/main" val="1489387839"/>
+                  </a:ext>
+                </a:extLst>
+              </a:tr>
+              <a:tr h="370840">
+                <a:tc>
+                  <a:txBody>
+                    <a:bodyPr/>
+                    <a:lstStyle/>
+                    <a:p>
+                      <a:pPr latinLnBrk="1"/>
+                      <a:r>
+                        <a:rPr lang="ko-KR" altLang="en-US" sz="1400" dirty="0"/>
+                        <a:t>데이터 스키마</a:t>
+                      </a:r>
+                    </a:p>
+                  </a:txBody>
+                  <a:tcPr/>
+                </a:tc>
+                <a:tc>
+                  <a:txBody>
+                    <a:bodyPr/>
+                    <a:lstStyle/>
+                    <a:p>
+                      <a:pPr latinLnBrk="1"/>
+                      <a:r>
+                        <a:rPr lang="ko-KR" altLang="en-US" sz="1400" dirty="0"/>
+                        <a:t>정형</a:t>
+                      </a:r>
+                      <a:r>
+                        <a:rPr lang="en-US" altLang="ko-KR" sz="1400" dirty="0"/>
+                        <a:t>, </a:t>
+                      </a:r>
+                      <a:r>
+                        <a:rPr lang="ko-KR" altLang="en-US" sz="1400" dirty="0"/>
+                        <a:t>반정형</a:t>
+                      </a:r>
+                      <a:r>
+                        <a:rPr lang="en-US" altLang="ko-KR" sz="1400" dirty="0"/>
+                        <a:t>, </a:t>
+                      </a:r>
+                      <a:r>
+                        <a:rPr lang="ko-KR" altLang="en-US" sz="1400" dirty="0"/>
+                        <a:t>비정형 데이터를</a:t>
+                      </a:r>
+                      <a:r>
+                        <a:rPr lang="en-US" altLang="ko-KR" sz="1400" dirty="0"/>
+                        <a:t> JSON</a:t>
+                      </a:r>
+                      <a:r>
+                        <a:rPr lang="ko-KR" altLang="en-US" sz="1400" dirty="0"/>
+                        <a:t>형태로 변환하여 저장</a:t>
+                      </a:r>
+                      <a:r>
+                        <a:rPr lang="en-US" altLang="ko-KR" sz="1400" dirty="0"/>
+                        <a:t>.</a:t>
+                      </a:r>
+                    </a:p>
+                    <a:p>
+                      <a:pPr latinLnBrk="1"/>
+                      <a:r>
+                        <a:rPr lang="ko-KR" altLang="en-US" sz="1400" dirty="0"/>
+                        <a:t>단</a:t>
+                      </a:r>
+                      <a:r>
+                        <a:rPr lang="en-US" altLang="ko-KR" sz="1400" dirty="0"/>
+                        <a:t>, </a:t>
+                      </a:r>
+                      <a:r>
+                        <a:rPr lang="ko-KR" altLang="en-US" sz="1400" dirty="0"/>
+                        <a:t>텍스트가 아닌 파일</a:t>
+                      </a:r>
+                      <a:r>
+                        <a:rPr lang="en-US" altLang="ko-KR" sz="1400" dirty="0"/>
+                        <a:t>(mp3,</a:t>
+                      </a:r>
+                      <a:r>
+                        <a:rPr lang="ko-KR" altLang="en-US" sz="1400" dirty="0"/>
+                        <a:t> 비디오 등</a:t>
+                      </a:r>
+                      <a:r>
+                        <a:rPr lang="en-US" altLang="ko-KR" sz="1400" dirty="0"/>
+                        <a:t>)</a:t>
+                      </a:r>
+                      <a:r>
+                        <a:rPr lang="ko-KR" altLang="en-US" sz="1400" dirty="0"/>
+                        <a:t>은 저장 및 처리 어려움</a:t>
+                      </a:r>
+                      <a:r>
+                        <a:rPr lang="en-US" altLang="ko-KR" sz="1400" dirty="0"/>
+                        <a:t>.</a:t>
+                      </a:r>
+                      <a:endParaRPr lang="ko-KR" altLang="en-US" sz="1400" dirty="0"/>
+                    </a:p>
+                  </a:txBody>
+                  <a:tcPr>
+                    <a:solidFill>
+                      <a:schemeClr val="accent4">
+                        <a:lumMod val="40000"/>
+                        <a:lumOff val="60000"/>
+                      </a:schemeClr>
+                    </a:solidFill>
+                  </a:tcPr>
+                </a:tc>
+                <a:extLst>
+                  <a:ext uri="{0D108BD9-81ED-4DB2-BD59-A6C34878D82A}">
+                    <a16:rowId xmlns:a16="http://schemas.microsoft.com/office/drawing/2014/main" val="2888542351"/>
+                  </a:ext>
+                </a:extLst>
+              </a:tr>
+              <a:tr h="370840">
+                <a:tc>
+                  <a:txBody>
+                    <a:bodyPr/>
+                    <a:lstStyle/>
+                    <a:p>
+                      <a:pPr latinLnBrk="1"/>
+                      <a:r>
+                        <a:rPr lang="ko-KR" altLang="en-US" sz="1400" dirty="0"/>
+                        <a:t>분석 활용성</a:t>
+                      </a:r>
+                    </a:p>
+                  </a:txBody>
+                  <a:tcPr/>
+                </a:tc>
+                <a:tc>
+                  <a:txBody>
+                    <a:bodyPr/>
+                    <a:lstStyle/>
+                    <a:p>
+                      <a:pPr latinLnBrk="1"/>
+                      <a:r>
+                        <a:rPr lang="ko-KR" altLang="en-US" sz="1400" dirty="0"/>
+                        <a:t>통계 및 고급 분석이 가능한 쿼리 제공</a:t>
+                      </a:r>
+                      <a:endParaRPr lang="en-US" altLang="ko-KR" sz="1400" dirty="0"/>
+                    </a:p>
+                    <a:p>
+                      <a:pPr latinLnBrk="1"/>
+                      <a:r>
+                        <a:rPr lang="ko-KR" altLang="en-US" sz="1400" dirty="0"/>
+                        <a:t>데이터의 검색</a:t>
+                      </a:r>
+                      <a:r>
+                        <a:rPr lang="en-US" altLang="ko-KR" sz="1400" dirty="0"/>
+                        <a:t>, </a:t>
+                      </a:r>
+                      <a:r>
+                        <a:rPr lang="ko-KR" altLang="en-US" sz="1400" dirty="0"/>
+                        <a:t>집계 및 역할별 시각화를 손쉽게 활용 가능</a:t>
+                      </a:r>
+                      <a:r>
+                        <a:rPr lang="en-US" altLang="ko-KR" sz="1400" dirty="0"/>
+                        <a:t>.</a:t>
+                      </a:r>
+                      <a:endParaRPr lang="ko-KR" altLang="en-US" sz="1400" dirty="0"/>
+                    </a:p>
+                  </a:txBody>
+                  <a:tcPr>
+                    <a:solidFill>
+                      <a:schemeClr val="accent4">
+                        <a:lumMod val="40000"/>
+                        <a:lumOff val="60000"/>
+                      </a:schemeClr>
+                    </a:solidFill>
+                  </a:tcPr>
+                </a:tc>
+                <a:extLst>
+                  <a:ext uri="{0D108BD9-81ED-4DB2-BD59-A6C34878D82A}">
+                    <a16:rowId xmlns:a16="http://schemas.microsoft.com/office/drawing/2014/main" val="1168273576"/>
+                  </a:ext>
+                </a:extLst>
+              </a:tr>
+            </a:tbl>
+          </a:graphicData>
+        </a:graphic>
+      </p:graphicFrame>
+    </p:spTree>
+    <p:extLst>
+      <p:ext uri="{BB962C8B-B14F-4D97-AF65-F5344CB8AC3E}">
+        <p14:creationId xmlns:p14="http://schemas.microsoft.com/office/powerpoint/2010/main" val="3635781445"/>
+      </p:ext>
+    </p:extLst>
+  </p:cSld>
+  <p:clrMapOvr>
+    <a:masterClrMapping/>
+  </p:clrMapOvr>
+</p:sld>
+</file>
+
+<file path=ppt/slides/slide11.xml><?xml version="1.0" encoding="utf-8"?>
+<p:sld xmlns:a="http://schemas.openxmlformats.org/drawingml/2006/main" xmlns:r="http://schemas.openxmlformats.org/officeDocument/2006/relationships" xmlns:p="http://schemas.openxmlformats.org/presentationml/2006/main">
+  <p:cSld>
+    <p:spTree>
+      <p:nvGrpSpPr>
+        <p:cNvPr id="1" name=""/>
+        <p:cNvGrpSpPr/>
+        <p:nvPr/>
+      </p:nvGrpSpPr>
+      <p:grpSpPr>
+        <a:xfrm>
+          <a:off x="0" y="0"/>
+          <a:ext cx="0" cy="0"/>
+          <a:chOff x="0" y="0"/>
+          <a:chExt cx="0" cy="0"/>
+        </a:xfrm>
+      </p:grpSpPr>
+      <p:pic>
+        <p:nvPicPr>
+          <p:cNvPr id="5" name="그림 4">
+            <a:extLst>
+              <a:ext uri="{FF2B5EF4-FFF2-40B4-BE49-F238E27FC236}">
+                <a16:creationId xmlns:a16="http://schemas.microsoft.com/office/drawing/2014/main" id="{B2F56FBA-0A82-B4FF-0DE9-4DB3B9499F64}"/>
+              </a:ext>
+            </a:extLst>
+          </p:cNvPr>
+          <p:cNvPicPr>
+            <a:picLocks noChangeAspect="1"/>
+          </p:cNvPicPr>
+          <p:nvPr/>
+        </p:nvPicPr>
+        <p:blipFill>
+          <a:blip r:embed="rId2"/>
+          <a:stretch>
+            <a:fillRect/>
+          </a:stretch>
+        </p:blipFill>
+        <p:spPr>
+          <a:xfrm>
+            <a:off x="108155" y="785366"/>
+            <a:ext cx="11786401" cy="5035330"/>
+          </a:xfrm>
+          <a:prstGeom prst="rect">
+            <a:avLst/>
+          </a:prstGeom>
+        </p:spPr>
+      </p:pic>
+      <p:sp>
+        <p:nvSpPr>
+          <p:cNvPr id="6" name="직사각형 5">
+            <a:extLst>
+              <a:ext uri="{FF2B5EF4-FFF2-40B4-BE49-F238E27FC236}">
+                <a16:creationId xmlns:a16="http://schemas.microsoft.com/office/drawing/2014/main" id="{66C8B39F-EEF5-AB39-EA94-7BEEAC503436}"/>
+              </a:ext>
+            </a:extLst>
+          </p:cNvPr>
+          <p:cNvSpPr/>
+          <p:nvPr/>
+        </p:nvSpPr>
+        <p:spPr>
+          <a:xfrm>
+            <a:off x="1524000" y="1691148"/>
+            <a:ext cx="1661652" cy="255639"/>
+          </a:xfrm>
+          <a:prstGeom prst="rect">
+            <a:avLst/>
+          </a:prstGeom>
+          <a:noFill/>
+          <a:ln>
+            <a:solidFill>
+              <a:srgbClr val="FF0000"/>
+            </a:solidFill>
+          </a:ln>
+        </p:spPr>
+        <p:style>
+          <a:lnRef idx="2">
+            <a:schemeClr val="accent1">
+              <a:shade val="50000"/>
+            </a:schemeClr>
+          </a:lnRef>
+          <a:fillRef idx="1">
+            <a:schemeClr val="accent1"/>
+          </a:fillRef>
+          <a:effectRef idx="0">
+            <a:schemeClr val="accent1"/>
+          </a:effectRef>
+          <a:fontRef idx="minor">
+            <a:schemeClr val="lt1"/>
+          </a:fontRef>
+        </p:style>
+        <p:txBody>
+          <a:bodyPr rtlCol="0" anchor="ctr"/>
+          <a:lstStyle/>
+          <a:p>
+            <a:pPr algn="ctr"/>
+            <a:endParaRPr lang="ko-KR" altLang="en-US"/>
+          </a:p>
+        </p:txBody>
+      </p:sp>
+      <p:sp>
+        <p:nvSpPr>
+          <p:cNvPr id="7" name="TextBox 6">
+            <a:extLst>
+              <a:ext uri="{FF2B5EF4-FFF2-40B4-BE49-F238E27FC236}">
+                <a16:creationId xmlns:a16="http://schemas.microsoft.com/office/drawing/2014/main" id="{5011DBA2-9C85-C62C-6BD2-512FCCFD7F7E}"/>
+              </a:ext>
+            </a:extLst>
+          </p:cNvPr>
+          <p:cNvSpPr txBox="1"/>
+          <p:nvPr/>
+        </p:nvSpPr>
+        <p:spPr>
+          <a:xfrm>
+            <a:off x="2010137" y="1541968"/>
+            <a:ext cx="1175515" cy="276999"/>
+          </a:xfrm>
+          <a:prstGeom prst="rect">
+            <a:avLst/>
+          </a:prstGeom>
+          <a:noFill/>
+        </p:spPr>
+        <p:txBody>
+          <a:bodyPr wrap="none" rtlCol="0">
+            <a:spAutoFit/>
+          </a:bodyPr>
+          <a:lstStyle/>
+          <a:p>
+            <a:r>
+              <a:rPr lang="en-US" altLang="ko-KR" sz="1200" b="1" dirty="0"/>
+              <a:t>Index Pattern</a:t>
+            </a:r>
+            <a:endParaRPr lang="ko-KR" altLang="en-US" sz="1200" b="1" dirty="0"/>
+          </a:p>
+        </p:txBody>
+      </p:sp>
+      <p:sp>
+        <p:nvSpPr>
+          <p:cNvPr id="8" name="TextBox 7">
+            <a:extLst>
+              <a:ext uri="{FF2B5EF4-FFF2-40B4-BE49-F238E27FC236}">
+                <a16:creationId xmlns:a16="http://schemas.microsoft.com/office/drawing/2014/main" id="{F6FB2019-3589-71B0-50E9-7A62EF786FCF}"/>
+              </a:ext>
+            </a:extLst>
+          </p:cNvPr>
+          <p:cNvSpPr txBox="1"/>
+          <p:nvPr/>
+        </p:nvSpPr>
+        <p:spPr>
+          <a:xfrm>
+            <a:off x="1767068" y="1025168"/>
+            <a:ext cx="925253" cy="276999"/>
+          </a:xfrm>
+          <a:prstGeom prst="rect">
+            <a:avLst/>
+          </a:prstGeom>
+          <a:solidFill>
+            <a:schemeClr val="bg1"/>
+          </a:solidFill>
+        </p:spPr>
+        <p:txBody>
+          <a:bodyPr wrap="none" rtlCol="0">
+            <a:spAutoFit/>
+          </a:bodyPr>
+          <a:lstStyle/>
+          <a:p>
+            <a:r>
+              <a:rPr lang="en-US" altLang="ko-KR" sz="1200" b="1" dirty="0"/>
+              <a:t>Query bar</a:t>
+            </a:r>
+            <a:endParaRPr lang="ko-KR" altLang="en-US" sz="1200" b="1" dirty="0"/>
+          </a:p>
+        </p:txBody>
+      </p:sp>
+      <p:sp>
+        <p:nvSpPr>
+          <p:cNvPr id="9" name="직사각형 8">
+            <a:extLst>
+              <a:ext uri="{FF2B5EF4-FFF2-40B4-BE49-F238E27FC236}">
+                <a16:creationId xmlns:a16="http://schemas.microsoft.com/office/drawing/2014/main" id="{7E2A27C5-55E0-801A-A030-B5AE420A845B}"/>
+              </a:ext>
+            </a:extLst>
+          </p:cNvPr>
+          <p:cNvSpPr/>
+          <p:nvPr/>
+        </p:nvSpPr>
+        <p:spPr>
+          <a:xfrm>
+            <a:off x="105416" y="854799"/>
+            <a:ext cx="1320261" cy="4965897"/>
+          </a:xfrm>
+          <a:prstGeom prst="rect">
+            <a:avLst/>
+          </a:prstGeom>
+          <a:noFill/>
+          <a:ln w="28575">
+            <a:solidFill>
+              <a:srgbClr val="FF0000"/>
+            </a:solidFill>
+          </a:ln>
+        </p:spPr>
+        <p:style>
+          <a:lnRef idx="2">
+            <a:schemeClr val="accent1">
+              <a:shade val="50000"/>
+            </a:schemeClr>
+          </a:lnRef>
+          <a:fillRef idx="1">
+            <a:schemeClr val="accent1"/>
+          </a:fillRef>
+          <a:effectRef idx="0">
+            <a:schemeClr val="accent1"/>
+          </a:effectRef>
+          <a:fontRef idx="minor">
+            <a:schemeClr val="lt1"/>
+          </a:fontRef>
+        </p:style>
+        <p:txBody>
+          <a:bodyPr rtlCol="0" anchor="ctr"/>
+          <a:lstStyle/>
+          <a:p>
+            <a:pPr algn="ctr"/>
+            <a:endParaRPr lang="ko-KR" altLang="en-US"/>
+          </a:p>
+        </p:txBody>
+      </p:sp>
+      <p:sp>
+        <p:nvSpPr>
+          <p:cNvPr id="10" name="TextBox 9">
+            <a:extLst>
+              <a:ext uri="{FF2B5EF4-FFF2-40B4-BE49-F238E27FC236}">
+                <a16:creationId xmlns:a16="http://schemas.microsoft.com/office/drawing/2014/main" id="{27554E88-B948-D926-C704-D4D5B77A6A3D}"/>
+              </a:ext>
+            </a:extLst>
+          </p:cNvPr>
+          <p:cNvSpPr txBox="1"/>
+          <p:nvPr/>
+        </p:nvSpPr>
+        <p:spPr>
+          <a:xfrm>
+            <a:off x="247927" y="1163667"/>
+            <a:ext cx="1348446" cy="276999"/>
+          </a:xfrm>
+          <a:prstGeom prst="rect">
+            <a:avLst/>
+          </a:prstGeom>
+          <a:solidFill>
+            <a:schemeClr val="bg1"/>
+          </a:solidFill>
+        </p:spPr>
+        <p:txBody>
+          <a:bodyPr wrap="none" rtlCol="0">
+            <a:spAutoFit/>
+          </a:bodyPr>
+          <a:lstStyle/>
+          <a:p>
+            <a:r>
+              <a:rPr lang="en-US" altLang="ko-KR" sz="1200" b="1" dirty="0"/>
+              <a:t>Side Navigation</a:t>
+            </a:r>
+            <a:endParaRPr lang="ko-KR" altLang="en-US" sz="1200" b="1" dirty="0"/>
+          </a:p>
+        </p:txBody>
+      </p:sp>
+      <p:sp>
+        <p:nvSpPr>
+          <p:cNvPr id="11" name="TextBox 10">
+            <a:extLst>
+              <a:ext uri="{FF2B5EF4-FFF2-40B4-BE49-F238E27FC236}">
+                <a16:creationId xmlns:a16="http://schemas.microsoft.com/office/drawing/2014/main" id="{AC5F2F73-A353-40F8-37FB-EE0DC105B2B9}"/>
+              </a:ext>
+            </a:extLst>
+          </p:cNvPr>
+          <p:cNvSpPr txBox="1"/>
+          <p:nvPr/>
+        </p:nvSpPr>
+        <p:spPr>
+          <a:xfrm>
+            <a:off x="9389247" y="1255136"/>
+            <a:ext cx="1038233" cy="276999"/>
+          </a:xfrm>
+          <a:prstGeom prst="rect">
+            <a:avLst/>
+          </a:prstGeom>
+          <a:noFill/>
+        </p:spPr>
+        <p:txBody>
+          <a:bodyPr wrap="none" rtlCol="0">
+            <a:spAutoFit/>
+          </a:bodyPr>
+          <a:lstStyle/>
+          <a:p>
+            <a:r>
+              <a:rPr lang="en-US" altLang="ko-KR" sz="1200" b="1" dirty="0"/>
+              <a:t>Time Picker</a:t>
+            </a:r>
+            <a:endParaRPr lang="ko-KR" altLang="en-US" sz="1200" b="1" dirty="0"/>
+          </a:p>
+        </p:txBody>
+      </p:sp>
+      <p:cxnSp>
+        <p:nvCxnSpPr>
+          <p:cNvPr id="13" name="직선 화살표 연결선 12">
+            <a:extLst>
+              <a:ext uri="{FF2B5EF4-FFF2-40B4-BE49-F238E27FC236}">
+                <a16:creationId xmlns:a16="http://schemas.microsoft.com/office/drawing/2014/main" id="{00CBEDE5-C07A-E3AA-6BDB-325C4E5966CE}"/>
+              </a:ext>
+            </a:extLst>
+          </p:cNvPr>
+          <p:cNvCxnSpPr>
+            <a:cxnSpLocks/>
+          </p:cNvCxnSpPr>
+          <p:nvPr/>
+        </p:nvCxnSpPr>
+        <p:spPr>
+          <a:xfrm flipV="1">
+            <a:off x="10097729" y="924232"/>
+            <a:ext cx="481781" cy="330904"/>
+          </a:xfrm>
+          <a:prstGeom prst="straightConnector1">
+            <a:avLst/>
+          </a:prstGeom>
+          <a:ln>
+            <a:tailEnd type="triangle"/>
+          </a:ln>
+        </p:spPr>
+        <p:style>
+          <a:lnRef idx="1">
+            <a:schemeClr val="accent1"/>
+          </a:lnRef>
+          <a:fillRef idx="0">
+            <a:schemeClr val="accent1"/>
+          </a:fillRef>
+          <a:effectRef idx="0">
+            <a:schemeClr val="accent1"/>
+          </a:effectRef>
+          <a:fontRef idx="minor">
+            <a:schemeClr val="tx1"/>
+          </a:fontRef>
+        </p:style>
+      </p:cxnSp>
+      <p:sp>
+        <p:nvSpPr>
+          <p:cNvPr id="15" name="TextBox 14">
+            <a:extLst>
+              <a:ext uri="{FF2B5EF4-FFF2-40B4-BE49-F238E27FC236}">
+                <a16:creationId xmlns:a16="http://schemas.microsoft.com/office/drawing/2014/main" id="{A664F8C1-3DE6-50E3-F05B-3DE2DD69A4EE}"/>
+              </a:ext>
+            </a:extLst>
+          </p:cNvPr>
+          <p:cNvSpPr txBox="1"/>
+          <p:nvPr/>
+        </p:nvSpPr>
+        <p:spPr>
+          <a:xfrm>
+            <a:off x="10994729" y="1302166"/>
+            <a:ext cx="783228" cy="276999"/>
+          </a:xfrm>
+          <a:prstGeom prst="rect">
+            <a:avLst/>
+          </a:prstGeom>
+          <a:noFill/>
+        </p:spPr>
+        <p:txBody>
+          <a:bodyPr wrap="none" rtlCol="0">
+            <a:spAutoFit/>
+          </a:bodyPr>
+          <a:lstStyle/>
+          <a:p>
+            <a:r>
+              <a:rPr lang="en-US" altLang="ko-KR" sz="1200" b="1" dirty="0"/>
+              <a:t>Tool bar</a:t>
+            </a:r>
+            <a:endParaRPr lang="ko-KR" altLang="en-US" sz="1200" b="1" dirty="0"/>
+          </a:p>
+        </p:txBody>
+      </p:sp>
+      <p:sp>
+        <p:nvSpPr>
+          <p:cNvPr id="16" name="직사각형 15">
+            <a:extLst>
+              <a:ext uri="{FF2B5EF4-FFF2-40B4-BE49-F238E27FC236}">
+                <a16:creationId xmlns:a16="http://schemas.microsoft.com/office/drawing/2014/main" id="{3B75BDF1-59CB-5F35-CBDA-AF2240615B77}"/>
+              </a:ext>
+            </a:extLst>
+          </p:cNvPr>
+          <p:cNvSpPr/>
+          <p:nvPr/>
+        </p:nvSpPr>
+        <p:spPr>
+          <a:xfrm>
+            <a:off x="3406876" y="1691148"/>
+            <a:ext cx="8487679" cy="1858297"/>
+          </a:xfrm>
+          <a:prstGeom prst="rect">
+            <a:avLst/>
+          </a:prstGeom>
+          <a:noFill/>
+          <a:ln>
+            <a:solidFill>
+              <a:srgbClr val="FF0000"/>
+            </a:solidFill>
+          </a:ln>
+        </p:spPr>
+        <p:style>
+          <a:lnRef idx="2">
+            <a:schemeClr val="accent1">
+              <a:shade val="50000"/>
+            </a:schemeClr>
+          </a:lnRef>
+          <a:fillRef idx="1">
+            <a:schemeClr val="accent1"/>
+          </a:fillRef>
+          <a:effectRef idx="0">
+            <a:schemeClr val="accent1"/>
+          </a:effectRef>
+          <a:fontRef idx="minor">
+            <a:schemeClr val="lt1"/>
+          </a:fontRef>
+        </p:style>
+        <p:txBody>
+          <a:bodyPr rtlCol="0" anchor="ctr"/>
+          <a:lstStyle/>
+          <a:p>
+            <a:pPr algn="ctr"/>
+            <a:endParaRPr lang="ko-KR" altLang="en-US"/>
+          </a:p>
+        </p:txBody>
+      </p:sp>
+      <p:sp>
+        <p:nvSpPr>
+          <p:cNvPr id="17" name="TextBox 16">
+            <a:extLst>
+              <a:ext uri="{FF2B5EF4-FFF2-40B4-BE49-F238E27FC236}">
+                <a16:creationId xmlns:a16="http://schemas.microsoft.com/office/drawing/2014/main" id="{1B825A7D-F3C7-551D-381C-41DE137C26F4}"/>
+              </a:ext>
+            </a:extLst>
+          </p:cNvPr>
+          <p:cNvSpPr txBox="1"/>
+          <p:nvPr/>
+        </p:nvSpPr>
+        <p:spPr>
+          <a:xfrm>
+            <a:off x="10568590" y="1738178"/>
+            <a:ext cx="951799" cy="276999"/>
+          </a:xfrm>
+          <a:prstGeom prst="rect">
+            <a:avLst/>
+          </a:prstGeom>
+          <a:noFill/>
+        </p:spPr>
+        <p:txBody>
+          <a:bodyPr wrap="none" rtlCol="0">
+            <a:spAutoFit/>
+          </a:bodyPr>
+          <a:lstStyle/>
+          <a:p>
+            <a:r>
+              <a:rPr lang="en-US" altLang="ko-KR" sz="1200" b="1" dirty="0"/>
+              <a:t>Histogram</a:t>
+            </a:r>
+            <a:endParaRPr lang="ko-KR" altLang="en-US" sz="1200" b="1" dirty="0"/>
+          </a:p>
+        </p:txBody>
+      </p:sp>
+      <p:sp>
+        <p:nvSpPr>
+          <p:cNvPr id="18" name="직사각형 17">
+            <a:extLst>
+              <a:ext uri="{FF2B5EF4-FFF2-40B4-BE49-F238E27FC236}">
+                <a16:creationId xmlns:a16="http://schemas.microsoft.com/office/drawing/2014/main" id="{E7F20358-EFBD-08C5-1F64-A00E899127F5}"/>
+              </a:ext>
+            </a:extLst>
+          </p:cNvPr>
+          <p:cNvSpPr/>
+          <p:nvPr/>
+        </p:nvSpPr>
+        <p:spPr>
+          <a:xfrm>
+            <a:off x="3406876" y="3647767"/>
+            <a:ext cx="8487679" cy="2172929"/>
+          </a:xfrm>
+          <a:prstGeom prst="rect">
+            <a:avLst/>
+          </a:prstGeom>
+          <a:noFill/>
+          <a:ln>
+            <a:solidFill>
+              <a:srgbClr val="FF0000"/>
+            </a:solidFill>
+          </a:ln>
+        </p:spPr>
+        <p:style>
+          <a:lnRef idx="2">
+            <a:schemeClr val="accent1">
+              <a:shade val="50000"/>
+            </a:schemeClr>
+          </a:lnRef>
+          <a:fillRef idx="1">
+            <a:schemeClr val="accent1"/>
+          </a:fillRef>
+          <a:effectRef idx="0">
+            <a:schemeClr val="accent1"/>
+          </a:effectRef>
+          <a:fontRef idx="minor">
+            <a:schemeClr val="lt1"/>
+          </a:fontRef>
+        </p:style>
+        <p:txBody>
+          <a:bodyPr rtlCol="0" anchor="ctr"/>
+          <a:lstStyle/>
+          <a:p>
+            <a:pPr algn="ctr"/>
+            <a:endParaRPr lang="ko-KR" altLang="en-US"/>
+          </a:p>
+        </p:txBody>
+      </p:sp>
+      <p:sp>
+        <p:nvSpPr>
+          <p:cNvPr id="19" name="TextBox 18">
+            <a:extLst>
+              <a:ext uri="{FF2B5EF4-FFF2-40B4-BE49-F238E27FC236}">
+                <a16:creationId xmlns:a16="http://schemas.microsoft.com/office/drawing/2014/main" id="{6C2F5B50-F3C4-FB23-7F64-638CE2C02EC8}"/>
+              </a:ext>
+            </a:extLst>
+          </p:cNvPr>
+          <p:cNvSpPr txBox="1"/>
+          <p:nvPr/>
+        </p:nvSpPr>
+        <p:spPr>
+          <a:xfrm>
+            <a:off x="10515716" y="3678962"/>
+            <a:ext cx="1378839" cy="276999"/>
+          </a:xfrm>
+          <a:prstGeom prst="rect">
+            <a:avLst/>
+          </a:prstGeom>
+          <a:noFill/>
+        </p:spPr>
+        <p:txBody>
+          <a:bodyPr wrap="none" rtlCol="0">
+            <a:spAutoFit/>
+          </a:bodyPr>
+          <a:lstStyle/>
+          <a:p>
+            <a:r>
+              <a:rPr lang="en-US" altLang="ko-KR" sz="1200" b="1" dirty="0"/>
+              <a:t>Document Table</a:t>
+            </a:r>
+            <a:endParaRPr lang="ko-KR" altLang="en-US" sz="1200" b="1" dirty="0"/>
+          </a:p>
+        </p:txBody>
+      </p:sp>
+      <p:sp>
+        <p:nvSpPr>
+          <p:cNvPr id="20" name="직사각형 19">
+            <a:extLst>
+              <a:ext uri="{FF2B5EF4-FFF2-40B4-BE49-F238E27FC236}">
+                <a16:creationId xmlns:a16="http://schemas.microsoft.com/office/drawing/2014/main" id="{E950D829-3FAE-1BE7-10AF-82F1B45D6137}"/>
+              </a:ext>
+            </a:extLst>
+          </p:cNvPr>
+          <p:cNvSpPr/>
+          <p:nvPr/>
+        </p:nvSpPr>
+        <p:spPr>
+          <a:xfrm>
+            <a:off x="1524000" y="2447749"/>
+            <a:ext cx="1661652" cy="3246584"/>
+          </a:xfrm>
+          <a:prstGeom prst="rect">
+            <a:avLst/>
+          </a:prstGeom>
+          <a:noFill/>
+          <a:ln>
+            <a:solidFill>
+              <a:srgbClr val="FF0000"/>
+            </a:solidFill>
+          </a:ln>
+        </p:spPr>
+        <p:style>
+          <a:lnRef idx="2">
+            <a:schemeClr val="accent1">
+              <a:shade val="50000"/>
+            </a:schemeClr>
+          </a:lnRef>
+          <a:fillRef idx="1">
+            <a:schemeClr val="accent1"/>
+          </a:fillRef>
+          <a:effectRef idx="0">
+            <a:schemeClr val="accent1"/>
+          </a:effectRef>
+          <a:fontRef idx="minor">
+            <a:schemeClr val="lt1"/>
+          </a:fontRef>
+        </p:style>
+        <p:txBody>
+          <a:bodyPr rtlCol="0" anchor="ctr"/>
+          <a:lstStyle/>
+          <a:p>
+            <a:pPr algn="ctr"/>
+            <a:endParaRPr lang="ko-KR" altLang="en-US"/>
+          </a:p>
+        </p:txBody>
+      </p:sp>
+      <p:sp>
+        <p:nvSpPr>
+          <p:cNvPr id="21" name="TextBox 20">
+            <a:extLst>
+              <a:ext uri="{FF2B5EF4-FFF2-40B4-BE49-F238E27FC236}">
+                <a16:creationId xmlns:a16="http://schemas.microsoft.com/office/drawing/2014/main" id="{024E00C3-57FC-0BDE-0830-381C213252D6}"/>
+              </a:ext>
+            </a:extLst>
+          </p:cNvPr>
+          <p:cNvSpPr txBox="1"/>
+          <p:nvPr/>
+        </p:nvSpPr>
+        <p:spPr>
+          <a:xfrm>
+            <a:off x="2467883" y="2586249"/>
+            <a:ext cx="529312" cy="276999"/>
+          </a:xfrm>
+          <a:prstGeom prst="rect">
+            <a:avLst/>
+          </a:prstGeom>
+          <a:noFill/>
+        </p:spPr>
+        <p:txBody>
+          <a:bodyPr wrap="none" rtlCol="0">
+            <a:spAutoFit/>
+          </a:bodyPr>
+          <a:lstStyle/>
+          <a:p>
+            <a:r>
+              <a:rPr lang="en-US" altLang="ko-KR" sz="1200" b="1" dirty="0"/>
+              <a:t>Field</a:t>
+            </a:r>
+            <a:endParaRPr lang="ko-KR" altLang="en-US" sz="1200" b="1" dirty="0"/>
+          </a:p>
+        </p:txBody>
+      </p:sp>
+    </p:spTree>
+    <p:extLst>
+      <p:ext uri="{BB962C8B-B14F-4D97-AF65-F5344CB8AC3E}">
+        <p14:creationId xmlns:p14="http://schemas.microsoft.com/office/powerpoint/2010/main" val="4238487808"/>
       </p:ext>
     </p:extLst>
   </p:cSld>
